--- a/Marks Drawings.pptx
+++ b/Marks Drawings.pptx
@@ -7,6 +7,7 @@
   <p:sldIdLst>
     <p:sldId id="256" r:id="rId2"/>
     <p:sldId id="257" r:id="rId3"/>
+    <p:sldId id="258" r:id="rId4"/>
   </p:sldIdLst>
   <p:sldSz cx="12192000" cy="6858000"/>
   <p:notesSz cx="6858000" cy="9144000"/>
@@ -105,7 +106,2059 @@
       </a:defRPr>
     </a:lvl9pPr>
   </p:defaultTextStyle>
+  <p:extLst>
+    <p:ext uri="{EFAFB233-063F-42B5-8137-9DF3F51BA10A}">
+      <p15:sldGuideLst xmlns:p15="http://schemas.microsoft.com/office/powerpoint/2012/main"/>
+    </p:ext>
+  </p:extLst>
 </p:presentation>
+</file>
+
+<file path=ppt/ink/ink1.xml><?xml version="1.0" encoding="utf-8"?>
+<inkml:ink xmlns:inkml="http://www.w3.org/2003/InkML">
+  <inkml:definitions>
+    <inkml:context xml:id="ctx0">
+      <inkml:inkSource xml:id="inkSrc0">
+        <inkml:traceFormat>
+          <inkml:channel name="X" type="integer" min="-2.14748E9" max="2.14748E9" units="cm"/>
+          <inkml:channel name="Y" type="integer" min="-2.14748E9" max="2.14748E9" units="cm"/>
+          <inkml:channel name="F" type="integer" max="32767" units="dev"/>
+        </inkml:traceFormat>
+        <inkml:channelProperties>
+          <inkml:channelProperty channel="X" name="resolution" value="1000" units="1/cm"/>
+          <inkml:channelProperty channel="Y" name="resolution" value="1000" units="1/cm"/>
+          <inkml:channelProperty channel="F" name="resolution" value="0" units="1/dev"/>
+        </inkml:channelProperties>
+      </inkml:inkSource>
+      <inkml:timestamp xml:id="ts0" timeString="2022-07-20T17:59:24.191"/>
+    </inkml:context>
+    <inkml:brush xml:id="br0">
+      <inkml:brushProperty name="width" value="0.05" units="cm"/>
+      <inkml:brushProperty name="height" value="0.05" units="cm"/>
+      <inkml:brushProperty name="color" value="#5B2D90"/>
+    </inkml:brush>
+  </inkml:definitions>
+  <inkml:trace contextRef="#ctx0" brushRef="#br0">1585 783 13808,'28'175'4799,"-26"-158"-4755,1 33-32,0 82-9,-4-103 52,-5 128 50,3-121 68,-15 165 65,14-161-90,-16 141 80,17-151 0,-11 97 98,8-4 178,8-116-464,1-3-24,0 0-1,1 0 1,0 0 0,0 0-1,0 0 1,0-1-1,1 1 1,0-1-1,-1-1 1,1 1-1,6 2 1,-1 0-7,-6-3-4,1 0 0,-1 0 0,1-1 0,0 1 0,6 0 0,72 11 28,-62-11-18,101-2 14,-93-1 4,131-3 23,-122 4 24,196-2 20,-184 3-78,196 10 18,-198-6 6,174 29 28,-179-26 14,162 40 42,-167-37-30,53 17 0,11 6-80,237 60-56,-78-38-36,-134-27 54,110 20-16,-179-42 37,220 20 40,-241-25-33,304 4 124,-49-7-49,-226-3-29,126-25-1,-37 3 5,35 0-2,125-12 42,-207 30-87,165-18 90,217-20 60,-433 44-142,-25 0 59,81-7 0,21 0-53,-79 5 28,230-11 35,-224 11 10,264-16 31,-258 16-76,269-26 17,-267 23-66,105-11 1,39-5-6,10 1-1,7-1 0,201-11-1,-352 29-4,306-9 2,-310 13-2,294 6-5,-294-2-30,311 12-28,-308-12-30,317 5-28,-316-6 68,301-2-9,-305-2 60,304-13-2,-302 11 2,314-15 6,-314 16 34,293-4 19,-297 8 8,284 15 18,-287-12-50,272 24 20,-274-22-2,260 27 14,-265-27-40,229 26 11,-238-26 2,188 21 37,-198-22 76,157 11 46,-165-14-110,-8 0-40,25 1 8,54-5 0,-46-3-16,4-6-28,44-19-8,-108 30 0,1-1 0,0 0 1,0 1-1,0-1 0,0 0 1,-1 0-1,3-2 0,66-55-31,-58 44-52,1-10 36,0 0 0,-1-1 0,14-46 0,-17 39-2,0 0-1,6-59 0,6-83-17,13-158-31,-26 242 80,-5 51-32,1-32 18,28-351-18,-30 399 42,6-149-96,-10 61 21,-19-116 0,16 193 30,5 33 53,0 1-1,0-1 1,-1 1-1,1-1 1,0 1-1,0 0 1,0-1 0,0 1-1,0-1 1,0 1-1,-1-1 1,1 1-1,0-1 1,0 1 0,0 0-1,-1-1 1,1 1-1,0 0 1,-1-1-1,1 1 1,0 0 0,-1-1-1,1 1 1,-1 0-1,0-1 1,-7-5-16,-7-9-13,-14-22 1,22 28 17,5 7-1,1 1 0,-1-1-1,1 0 1,-1 1 0,0-1 0,-2-1-1,-17-12-6,0 1-1,-1 1 1,-1 1-1,1 1 0,-2 1 1,0 1-1,0 2 1,0 0-1,-1 1 1,-34-3-1,-97 7-169,90 2 139,-221 16-154,39 4 156,-10-8 36,213-7 13,-174 14-6,-58 4 12,260-21-5,-263 29 8,77-19 35,-542 26 126,-1-26 47,-152-54-27,211 4-125,294 21-16,-5-1-30,1 13-13,-51 21-4,103-2 6,-46 7-12,309-13 4,-236 19 0,-275 17-5,402-29 4,-22 1 2,-310 24 2,412-31 6,-184 16 4,-18 2 16,185-17 100,-516 43 41,514-44-116,-519 22 23,522-26-14,-492 15 36,498-16 4,-470 16 43,475-16-50,-489 18 35,346-10-82,-283 8 48,118-7 31,312-10-119,63-2-35,-223 6-154,216-4-566,-222 17-279,194-14-2017,-83 6-7167,390-28 7690</inkml:trace>
+</inkml:ink>
+</file>
+
+<file path=ppt/ink/ink10.xml><?xml version="1.0" encoding="utf-8"?>
+<inkml:ink xmlns:inkml="http://www.w3.org/2003/InkML">
+  <inkml:definitions>
+    <inkml:context xml:id="ctx0">
+      <inkml:inkSource xml:id="inkSrc0">
+        <inkml:traceFormat>
+          <inkml:channel name="X" type="integer" min="-2.14748E9" max="2.14748E9" units="cm"/>
+          <inkml:channel name="Y" type="integer" min="-2.14748E9" max="2.14748E9" units="cm"/>
+          <inkml:channel name="F" type="integer" max="32767" units="dev"/>
+        </inkml:traceFormat>
+        <inkml:channelProperties>
+          <inkml:channelProperty channel="X" name="resolution" value="1000" units="1/cm"/>
+          <inkml:channelProperty channel="Y" name="resolution" value="1000" units="1/cm"/>
+          <inkml:channelProperty channel="F" name="resolution" value="0" units="1/dev"/>
+        </inkml:channelProperties>
+      </inkml:inkSource>
+      <inkml:timestamp xml:id="ts0" timeString="2022-07-20T17:59:28.380"/>
+    </inkml:context>
+    <inkml:brush xml:id="br0">
+      <inkml:brushProperty name="width" value="0.05" units="cm"/>
+      <inkml:brushProperty name="height" value="0.05" units="cm"/>
+      <inkml:brushProperty name="color" value="#5B2D90"/>
+    </inkml:brush>
+  </inkml:definitions>
+  <inkml:trace contextRef="#ctx0" brushRef="#br0">439 73 14432,'-87'0'261,"85"0"-116,0 0 0,0 0 0,0 0 1,0 0-1,0 1 0,-1-1 0,1 1 0,-2 0 1,-113 40 1581,114-40-1638,1 0 0,0 0 0,-1 0 0,1 1 0,0-1 0,0 0 0,0 1 0,-4 2-1,-96 94 963,100-96-1001,0 0 1,0 0-1,0 1 1,0-1-1,1 1 0,-1-1 1,1 1-1,-2 5 0,3-8-50,-35 86 454,6 14-358,29-100-96,-2 4 4,1 1 1,0 0 0,0 0-1,1 0 1,-1 9 0,1-14-5,2 90 32,13-4 18,-14-83-25,0 0-1,-1 0 1,1 0-1,0 0 1,1 0-1,-1 0 0,0 0 1,3 4-1,-4-7-24,12 19 110,20 27 0,-15-28-76,22 21-1,-39-39-33,3 3 16,0 0 0,0-1 1,0 1-1,1-1 0,-1 0 0,4 2 0,16 8 41,27 11 0,30 1-19,-75-23-22,0 0 0,-1 0 0,1 0 0,8 0 0,63-1 64,3-9-50,-76 9-23,-1-1 1,1 1-1,0-1 1,-1 1-1,1-1 1,0 0 0,-1 0-1,5-2 1,10-6 28,23-16 0,-26 14-40,21-20 1,-34 30-5,1 0 0,-1-1 0,1 1 0,-1-1-1,0 0 1,0 1 0,0-1 0,0 0 0,0 0 0,0 1 0,0-1 0,0-3 0,-1 5 8,9-22-51,8-34 0,-2-37-98,-12 54-498,-2-61 1,-8-3 322,7 103 324,-3-36-972,-11-92-244,14 125 1170,-1 1 1,1-1-1,0 0 1,0 1-1,0-5 0,12-86-2316,0 9-7811</inkml:trace>
+</inkml:ink>
+</file>
+
+<file path=ppt/ink/ink11.xml><?xml version="1.0" encoding="utf-8"?>
+<inkml:ink xmlns:inkml="http://www.w3.org/2003/InkML">
+  <inkml:definitions>
+    <inkml:context xml:id="ctx0">
+      <inkml:inkSource xml:id="inkSrc0">
+        <inkml:traceFormat>
+          <inkml:channel name="X" type="integer" min="-2.14748E9" max="2.14748E9" units="cm"/>
+          <inkml:channel name="Y" type="integer" min="-2.14748E9" max="2.14748E9" units="cm"/>
+          <inkml:channel name="F" type="integer" max="32767" units="dev"/>
+        </inkml:traceFormat>
+        <inkml:channelProperties>
+          <inkml:channelProperty channel="X" name="resolution" value="1000" units="1/cm"/>
+          <inkml:channelProperty channel="Y" name="resolution" value="1000" units="1/cm"/>
+          <inkml:channelProperty channel="F" name="resolution" value="0" units="1/dev"/>
+        </inkml:channelProperties>
+      </inkml:inkSource>
+      <inkml:timestamp xml:id="ts0" timeString="2022-07-20T17:59:28.771"/>
+    </inkml:context>
+    <inkml:brush xml:id="br0">
+      <inkml:brushProperty name="width" value="0.05" units="cm"/>
+      <inkml:brushProperty name="height" value="0.05" units="cm"/>
+      <inkml:brushProperty name="color" value="#5B2D90"/>
+    </inkml:brush>
+  </inkml:definitions>
+  <inkml:trace contextRef="#ctx0" brushRef="#br0">24 1 13272,'0'85'314,"0"-55"1260,0 77-1,1 24-1059,0-77 486,-1 216 279,-1-217-884,-9 181-74,7-197-1106,-8 84-301,11-114 772,2-9-110,2-3 240,0 0 0,-1-1 1,4-7-1,19-46-3,-12 28-1910,13-22-5692,-62 124 5852</inkml:trace>
+</inkml:ink>
+</file>
+
+<file path=ppt/ink/ink12.xml><?xml version="1.0" encoding="utf-8"?>
+<inkml:ink xmlns:inkml="http://www.w3.org/2003/InkML">
+  <inkml:definitions>
+    <inkml:context xml:id="ctx0">
+      <inkml:inkSource xml:id="inkSrc0">
+        <inkml:traceFormat>
+          <inkml:channel name="X" type="integer" min="-2.14748E9" max="2.14748E9" units="cm"/>
+          <inkml:channel name="Y" type="integer" min="-2.14748E9" max="2.14748E9" units="cm"/>
+          <inkml:channel name="F" type="integer" max="32767" units="dev"/>
+        </inkml:traceFormat>
+        <inkml:channelProperties>
+          <inkml:channelProperty channel="X" name="resolution" value="1000" units="1/cm"/>
+          <inkml:channelProperty channel="Y" name="resolution" value="1000" units="1/cm"/>
+          <inkml:channelProperty channel="F" name="resolution" value="0" units="1/dev"/>
+        </inkml:channelProperties>
+      </inkml:inkSource>
+      <inkml:timestamp xml:id="ts0" timeString="2022-07-20T17:59:29.151"/>
+    </inkml:context>
+    <inkml:brush xml:id="br0">
+      <inkml:brushProperty name="width" value="0.05" units="cm"/>
+      <inkml:brushProperty name="height" value="0.05" units="cm"/>
+      <inkml:brushProperty name="color" value="#5B2D90"/>
+    </inkml:brush>
+  </inkml:definitions>
+  <inkml:trace contextRef="#ctx0" brushRef="#br0">435 167 12192,'-4'-4'1281,"-46"-56"182,36 46-582,-71-45 281,83 58-1090,0-1-1,0 1 1,0 0-1,-1 0 1,1 0-1,-4-1 0,-26-6 257,-36-4-1,67 12-307,0 0-1,-1 0 1,1 0 0,0 0-1,0 0 1,-1 0-1,1 0 1,0 0 0,-1 0-1,1 1 1,0-1 0,0 0-1,-3 2 1,-9 3 119,-19 11 0,17-7-84,-15 12 0,30-21-55,-1 1 18,0 0-1,0 0 1,0 0 0,0 0 0,0 0-1,0 0 1,0 0 0,0 0 0,0 0 0,0 0-1,1 0 1,-1 1 0,0-1 0,0 2-1,-6 12 117,-9 29-1,2 26-26,14-70-107,-1 4 33,1-1 0,-1 1 1,1 0-1,0-1 0,0 1 1,1 0-1,0 4 0,-1-8-33,15 98 267,11 12-131,-26-110-136,2 6 83,-1 1 0,1-1 0,1 0 0,5 11 0,-8-17-83,52 99 418,12-3-274,-64-96-144,4 5 60,0 1 0,0-1 0,1 1 0,7 5 0,65 58 240,7-11-222,-84-58-78,3 2 8,-1 0 1,1-1 0,0 1-1,0-1 1,0 1 0,0-1-1,0 0 1,0 0 0,4 0-1,13 4 36,40 3-1,-50-7-41,0-1 0,1-1 0,-1 0 1,0 0-1,0-1 0,0 0 0,11-4 0,-13 2-1,0 0 0,0 0 0,0 0 0,-1-1 0,0 0 0,0-1 0,0 0 0,10-11 0,-4 3-23,19-32 1,-30 43 3,0 1 1,0-1 0,-1 0-1,1 0 1,-1 0 0,0 0-1,0 0 1,0 0 0,0-5-1,19-95-155,-12-17 78,-8 107-54,-1-20 0,-9-70-146,-10 4 152,20 99 143,-9-32-420,-1 4 67,-27-49 0,32 70-78,-1 8-152,2 1 457,0 0 0,0 1 0,1-1 0,-1 1 0,0 0 0,1 0 0,0 0 0,-5 7 0,-15 24 4,23-34 118,-1 2-10,0-1-1,0 0 1,0 1-1,1 0 1,-1-1-1,1 1 0,-1-1 1,1 1-1,-1 0 1,1-1-1,0 1 1,0 0-1,0-1 0,0 3 1,-1 78-201,14 52-1845,0 66-8026</inkml:trace>
+</inkml:ink>
+</file>
+
+<file path=ppt/ink/ink13.xml><?xml version="1.0" encoding="utf-8"?>
+<inkml:ink xmlns:inkml="http://www.w3.org/2003/InkML">
+  <inkml:definitions>
+    <inkml:context xml:id="ctx0">
+      <inkml:inkSource xml:id="inkSrc0">
+        <inkml:traceFormat>
+          <inkml:channel name="X" type="integer" min="-2.14748E9" max="2.14748E9" units="cm"/>
+          <inkml:channel name="Y" type="integer" min="-2.14748E9" max="2.14748E9" units="cm"/>
+          <inkml:channel name="F" type="integer" max="32767" units="dev"/>
+        </inkml:traceFormat>
+        <inkml:channelProperties>
+          <inkml:channelProperty channel="X" name="resolution" value="1000" units="1/cm"/>
+          <inkml:channelProperty channel="Y" name="resolution" value="1000" units="1/cm"/>
+          <inkml:channelProperty channel="F" name="resolution" value="0" units="1/dev"/>
+        </inkml:channelProperties>
+      </inkml:inkSource>
+      <inkml:timestamp xml:id="ts0" timeString="2022-07-20T17:59:29.516"/>
+    </inkml:context>
+    <inkml:brush xml:id="br0">
+      <inkml:brushProperty name="width" value="0.05" units="cm"/>
+      <inkml:brushProperty name="height" value="0.05" units="cm"/>
+      <inkml:brushProperty name="color" value="#5B2D90"/>
+    </inkml:brush>
+  </inkml:definitions>
+  <inkml:trace contextRef="#ctx0" brushRef="#br0">41 1 14968,'-10'87'293,"8"-64"1173,-9 121 465,8-106-1076,-10 199 186,11-189-986,10 167-99,-4-177-528,36 139-1254,-3-36 628,-30-117 924,32 73-2007,-4-8-7485</inkml:trace>
+</inkml:ink>
+</file>
+
+<file path=ppt/ink/ink14.xml><?xml version="1.0" encoding="utf-8"?>
+<inkml:ink xmlns:inkml="http://www.w3.org/2003/InkML">
+  <inkml:definitions>
+    <inkml:context xml:id="ctx0">
+      <inkml:inkSource xml:id="inkSrc0">
+        <inkml:traceFormat>
+          <inkml:channel name="X" type="integer" min="-2.14748E9" max="2.14748E9" units="cm"/>
+          <inkml:channel name="Y" type="integer" min="-2.14748E9" max="2.14748E9" units="cm"/>
+          <inkml:channel name="F" type="integer" max="32767" units="dev"/>
+        </inkml:traceFormat>
+        <inkml:channelProperties>
+          <inkml:channelProperty channel="X" name="resolution" value="1000" units="1/cm"/>
+          <inkml:channelProperty channel="Y" name="resolution" value="1000" units="1/cm"/>
+          <inkml:channelProperty channel="F" name="resolution" value="0" units="1/dev"/>
+        </inkml:channelProperties>
+      </inkml:inkSource>
+      <inkml:timestamp xml:id="ts0" timeString="2022-07-20T17:59:29.946"/>
+    </inkml:context>
+    <inkml:brush xml:id="br0">
+      <inkml:brushProperty name="width" value="0.05" units="cm"/>
+      <inkml:brushProperty name="height" value="0.05" units="cm"/>
+      <inkml:brushProperty name="color" value="#5B2D90"/>
+    </inkml:brush>
+  </inkml:definitions>
+  <inkml:trace contextRef="#ctx0" brushRef="#br0">514 198 12376,'-53'-59'238,"39"45"957,-70-57 404,82 69-1466,0 0 1,-1 0-1,1 1 1,-1-1-1,-4-2 1,-92-34 932,99 37-1043,-1 1 0,0 0 0,0-1-1,0 1 1,0 0 0,1 0 0,-1 0-1,0 0 1,0-1 0,0 1-1,0 0 1,0 1 0,0-1 0,1 0-1,-1 0 1,0 0 0,0 0 0,0 1-1,0-1 1,1 0 0,-2 1-1,-10 5 38,0 0 0,1 0-1,0 1 1,0 1-1,0 0 1,1 0-1,0 1 1,1 0-1,0 0 1,1 1-1,0 1 1,0-1-1,-7 15 1,3-1-8,2 0 1,0 1-1,-10 41 1,-6 57 105,25-118-129,0-1 1,1 0-1,0 0 1,-1 1-1,1-1 1,2 9-1,10 86 178,-3-50-107,2-1 0,2 0 0,3-1 0,32 69 0,-28-75 171,50 76-1,-61-104-189,1-1 0,0 0 0,1-1 0,0 0 0,1 0 0,0-1 0,1-1 0,0 0 0,19 10 0,-21-14 16,-1 0 0,1-1 0,-1-1 0,1 0 0,21 4 0,-28-7-68,0 1-1,0-1 0,0 0 0,0 0 1,0-1-1,0 1 0,0-1 0,0 0 1,-1 0-1,1 0 0,0 0 0,0-1 1,-1 0-1,1 1 0,-1-1 0,1 0 1,-1-1-1,0 1 0,0-1 0,4-3 1,-4 1-1,1 1 0,-1-1 1,0 0-1,0 0 0,-1-1 1,1 1-1,-1 0 0,1-7 0,1-1 54,2-22-1,-6 33-69,0 1 0,0-1 0,0 0 0,0 1 1,0-1-1,0 1 0,0-1 0,0 1 0,-1-1 0,0-1 0,-37-120 151,25 95-150,-240-383-694,227 376-102,8 15-47,-9-8-11630,46 48 9967</inkml:trace>
+</inkml:ink>
+</file>
+
+<file path=ppt/ink/ink15.xml><?xml version="1.0" encoding="utf-8"?>
+<inkml:ink xmlns:inkml="http://www.w3.org/2003/InkML">
+  <inkml:definitions>
+    <inkml:context xml:id="ctx0">
+      <inkml:inkSource xml:id="inkSrc0">
+        <inkml:traceFormat>
+          <inkml:channel name="X" type="integer" min="-2.14748E9" max="2.14748E9" units="cm"/>
+          <inkml:channel name="Y" type="integer" min="-2.14748E9" max="2.14748E9" units="cm"/>
+          <inkml:channel name="F" type="integer" max="32767" units="dev"/>
+        </inkml:traceFormat>
+        <inkml:channelProperties>
+          <inkml:channelProperty channel="X" name="resolution" value="1000" units="1/cm"/>
+          <inkml:channelProperty channel="Y" name="resolution" value="1000" units="1/cm"/>
+          <inkml:channelProperty channel="F" name="resolution" value="0" units="1/dev"/>
+        </inkml:channelProperties>
+      </inkml:inkSource>
+      <inkml:timestamp xml:id="ts0" timeString="2022-07-20T17:59:30.301"/>
+    </inkml:context>
+    <inkml:brush xml:id="br0">
+      <inkml:brushProperty name="width" value="0.05" units="cm"/>
+      <inkml:brushProperty name="height" value="0.05" units="cm"/>
+      <inkml:brushProperty name="color" value="#5B2D90"/>
+    </inkml:brush>
+  </inkml:definitions>
+  <inkml:trace contextRef="#ctx0" brushRef="#br0">163 0 14616,'-6'101'264,"3"-71"1056,-12 68-1,-5 17-908,11-68 324,-39 184 129,38-189-978,-30 132-228,35-147-692,-1 65-252,6-92 1276,-1 1 0,1-1 1,0 1-1,0-1 0,0 1 0,0-1 1,0 1-1,0-1 0,1 0 1,-1 1-1,0-1 0,0 1 0,0-1 1,0 1-1,0-1 0,1 0 1,-1 1-1,0-1 0,0 1 0,1-1 1,-1 0-1,0 1 0,1-1 0,1 2-55,0 0 0,0-1-1,1 1 1,-1-1-1,0 0 1,0 0-1,1 0 1,-1 0-1,1 0 1,-1-1-1,1 1 1,-1-1-1,1 1 1,4-1-1,6 2-1170,37 11-8457</inkml:trace>
+</inkml:ink>
+</file>
+
+<file path=ppt/ink/ink16.xml><?xml version="1.0" encoding="utf-8"?>
+<inkml:ink xmlns:inkml="http://www.w3.org/2003/InkML">
+  <inkml:definitions>
+    <inkml:context xml:id="ctx0">
+      <inkml:inkSource xml:id="inkSrc0">
+        <inkml:traceFormat>
+          <inkml:channel name="X" type="integer" min="-2.14748E9" max="2.14748E9" units="cm"/>
+          <inkml:channel name="Y" type="integer" min="-2.14748E9" max="2.14748E9" units="cm"/>
+          <inkml:channel name="F" type="integer" max="32767" units="dev"/>
+        </inkml:traceFormat>
+        <inkml:channelProperties>
+          <inkml:channelProperty channel="X" name="resolution" value="1000" units="1/cm"/>
+          <inkml:channelProperty channel="Y" name="resolution" value="1000" units="1/cm"/>
+          <inkml:channelProperty channel="F" name="resolution" value="0" units="1/dev"/>
+        </inkml:channelProperties>
+      </inkml:inkSource>
+      <inkml:timestamp xml:id="ts0" timeString="2022-07-20T17:59:30.720"/>
+    </inkml:context>
+    <inkml:brush xml:id="br0">
+      <inkml:brushProperty name="width" value="0.05" units="cm"/>
+      <inkml:brushProperty name="height" value="0.05" units="cm"/>
+      <inkml:brushProperty name="color" value="#5B2D90"/>
+    </inkml:brush>
+  </inkml:definitions>
+  <inkml:trace contextRef="#ctx0" brushRef="#br0">433 211 13272,'-2'-1'118,"1"0"0,-1 0 0,0-1 0,1 1 0,-1-1 0,1 1 0,0-1 1,0 0-1,-1 1 0,1-1 0,0 0 0,1 0 0,-1 0 0,0 0 0,0 0 0,1 0 1,-1 0-1,1 0 0,0 0 0,-1 0 0,1-2 0,-1-3 111,0 1-1,0-1 1,-3-6 0,-17-42 643,20 54-848,1 0 0,0 0-1,-1 0 1,1 0 0,-1 1 0,0-1 0,1 0 0,-1 0 0,0 0 0,1 1 0,-2-2-1,-17-14 150,-32-22 0,49 37-172,1 0-1,-1 0 1,1 0 0,-1 1 0,1-1 0,-1 1-1,1-1 1,-1 1 0,-1-1 0,-25-3 16,-37-2 0,64 6-11,0 0-1,0 0 0,0 0 1,0 0-1,0 0 0,0 0 1,0 0-1,0 0 0,0 1 1,0-1-1,0 0 0,0 1 1,1-1-1,-1 1 0,0-1 1,0 1-1,0-1 0,-1 2 1,2-2-6,-12 8 35,1 1 0,-12 11 0,8-4 2,-14 19-1,26-32 17,1 1-1,0-1 0,-1 1 0,-2 6 1,-54 137 315,58-143-333,-1 1 0,1-1 0,0 1 1,0 0-1,1-1 0,-1 7 0,-4 104 212,7 13-138,-2-119-34,0-1 0,1 0 0,3 16 0,-4-24-75,26 109 300,10-5-185,-34-99-69,0 0-1,0 1 1,1-1-1,0-1 1,3 6-1,9 12 92,20 24 0,-21-31-92,28 22 0,-41-35-31,1-1 0,-1 0 0,0 0 0,1 0 0,-1 0-1,1 0 1,-1 0 0,1 0 0,0-1 0,-1 1 0,1 0-1,3 0 1,3 1 22,1 0 0,0-1 0,-1 0 0,11 1 0,-10-3-26,1 0 0,-2-1 0,1 0 0,9-3 0,-17 5-7,0 0 0,0 0 0,0-1 0,0 1 0,0 0 0,0-1 0,0 1 0,0-1 0,-1 1 0,1-1 0,0 1 0,0-1 0,0 0 0,-1 1 0,1-1 0,0 0 0,-1 0 0,1 1 0,-1-1 0,1 0 0,0-2 0,7-9 20,-1 0-1,12-25 0,-12 17-19,-1 0 1,-1 0-1,3-23 0,-3-5-12,-3 0 1,-7-84-1,5 122-36,-1 1 1,-4-15-1,-19-77-88,-8 3-8,32 98 141,-12-33-572,-32-72-294,41 98 475,0 6-138,3 2 491,-1-1 0,1 0-1,-1 0 1,0 0 0,1 1-1,-1-1 1,1 0 0,0 0-1,-1 1 1,1-1 0,-1 0-1,1 1 1,-1-1 0,1 1-1,0-1 1,-1 1 0,1-1-1,0 1 1,-1-1 0,1 1-1,0-1 1,0 1 0,-1 0-1,-1 6-39,1 0 0,-2 11 0,3-18 78,0 1-13,0 0 0,0 0 1,0 0-1,0 0 0,0-1 1,0 1-1,0 0 0,0 0 1,0 0-1,0 0 0,1 0 1,-1 0-1,0 0 0,1 0 1,-1 0-1,1-1 0,-1 1 1,1 0-1,0 1 0,37 61-240,33 42-1861,31 51-8206</inkml:trace>
+</inkml:ink>
+</file>
+
+<file path=ppt/ink/ink17.xml><?xml version="1.0" encoding="utf-8"?>
+<inkml:ink xmlns:inkml="http://www.w3.org/2003/InkML">
+  <inkml:definitions>
+    <inkml:context xml:id="ctx0">
+      <inkml:inkSource xml:id="inkSrc0">
+        <inkml:traceFormat>
+          <inkml:channel name="X" type="integer" min="-2.14748E9" max="2.14748E9" units="cm"/>
+          <inkml:channel name="Y" type="integer" min="-2.14748E9" max="2.14748E9" units="cm"/>
+          <inkml:channel name="F" type="integer" max="32767" units="dev"/>
+        </inkml:traceFormat>
+        <inkml:channelProperties>
+          <inkml:channelProperty channel="X" name="resolution" value="1000" units="1/cm"/>
+          <inkml:channelProperty channel="Y" name="resolution" value="1000" units="1/cm"/>
+          <inkml:channelProperty channel="F" name="resolution" value="0" units="1/dev"/>
+        </inkml:channelProperties>
+      </inkml:inkSource>
+      <inkml:timestamp xml:id="ts0" timeString="2022-07-20T17:59:31.120"/>
+    </inkml:context>
+    <inkml:brush xml:id="br0">
+      <inkml:brushProperty name="width" value="0.05" units="cm"/>
+      <inkml:brushProperty name="height" value="0.05" units="cm"/>
+      <inkml:brushProperty name="color" value="#5B2D90"/>
+    </inkml:brush>
+  </inkml:definitions>
+  <inkml:trace contextRef="#ctx0" brushRef="#br0">15 0 15240,'-2'88'313,"1"-57"1253,1 83 1,-1 25-1039,1-76 545,0 108 1,0 14-744,0-113 250,0 257 114,-1-271-708,-8 177-116,8-199-442,1 86-299,0-114 469,4-6-141,-3-1 485,0-1 0,1 0 0,-1 1 0,1-1 0,-1 0 0,0 0 1,1 0-1,-1 0 0,1 0 0,-1 0 0,1 0 0,-1-1 0,0 1 0,1 0 0,-1-1 1,0 1-1,3-2 0,16-12-66,-18 13 108,85-79-1213,-62 57-350,65-61-9640</inkml:trace>
+</inkml:ink>
+</file>
+
+<file path=ppt/ink/ink18.xml><?xml version="1.0" encoding="utf-8"?>
+<inkml:ink xmlns:inkml="http://www.w3.org/2003/InkML">
+  <inkml:definitions>
+    <inkml:context xml:id="ctx0">
+      <inkml:inkSource xml:id="inkSrc0">
+        <inkml:traceFormat>
+          <inkml:channel name="X" type="integer" min="-2.14748E9" max="2.14748E9" units="cm"/>
+          <inkml:channel name="Y" type="integer" min="-2.14748E9" max="2.14748E9" units="cm"/>
+          <inkml:channel name="F" type="integer" max="32767" units="dev"/>
+        </inkml:traceFormat>
+        <inkml:channelProperties>
+          <inkml:channelProperty channel="X" name="resolution" value="1000" units="1/cm"/>
+          <inkml:channelProperty channel="Y" name="resolution" value="1000" units="1/cm"/>
+          <inkml:channelProperty channel="F" name="resolution" value="0" units="1/dev"/>
+        </inkml:channelProperties>
+      </inkml:inkSource>
+      <inkml:timestamp xml:id="ts0" timeString="2022-07-20T17:59:31.565"/>
+    </inkml:context>
+    <inkml:brush xml:id="br0">
+      <inkml:brushProperty name="width" value="0.05" units="cm"/>
+      <inkml:brushProperty name="height" value="0.05" units="cm"/>
+      <inkml:brushProperty name="color" value="#5B2D90"/>
+    </inkml:brush>
+  </inkml:definitions>
+  <inkml:trace contextRef="#ctx0" brushRef="#br0">464 5 13808,'-69'-5'280,"51"7"1120,-75 18 303,74-15-1502,0 2-1,0 0 1,-23 13 0,27-12-34,1 1-1,-1 1 0,2 0 1,-1 1-1,-22 25 1,2 7 77,33-41-201,-1 0 0,1 0 0,0 0 0,0 0 0,0 0 0,0 0-1,0 0 1,0 3 0,-7 20 4,1-1-1,1 2 1,1-1-1,2 1 0,0-1 1,2 1-1,1 0 1,1 0-1,7 43 0,7-10-45,29 71 0,-42-125 0,0 0 0,0-1 1,0 1-1,1-1 0,6 9 1,54 75 10,12 0 1,-69-82 1,-1 0-1,1-1 1,10 9 0,166 115 102,-177-126-71,0 1 0,0-1 1,0-1-1,11 5 0,-16-7-45,89 29 227,-74-25-218,1 0 0,0-2 0,0 0 0,23 0 0,-28-3-14,1 0-1,0 0 1,-1-1 0,0-1-1,1 0 1,-1 0-1,0-1 1,0-1-1,-1 0 1,0 0-1,1-1 1,-2 0-1,1-1 1,-1 0 0,0 0-1,0-1 1,-1 0-1,0-1 1,-1 0-1,1 0 1,8-17-1,-7 9-11,-1-1 0,-1 0 0,-1 0 0,8-38-1,-8 24-71,3-55-1,-9 81-32,0 0 1,0 0-1,-2-8 0,-30-161-635,22 139-108,-43-138-342,36 122-1349,-15-52-5068,75 243 5762</inkml:trace>
+</inkml:ink>
+</file>
+
+<file path=ppt/ink/ink19.xml><?xml version="1.0" encoding="utf-8"?>
+<inkml:ink xmlns:inkml="http://www.w3.org/2003/InkML">
+  <inkml:definitions>
+    <inkml:context xml:id="ctx0">
+      <inkml:inkSource xml:id="inkSrc0">
+        <inkml:traceFormat>
+          <inkml:channel name="X" type="integer" min="-2.14748E9" max="2.14748E9" units="cm"/>
+          <inkml:channel name="Y" type="integer" min="-2.14748E9" max="2.14748E9" units="cm"/>
+          <inkml:channel name="F" type="integer" max="32767" units="dev"/>
+        </inkml:traceFormat>
+        <inkml:channelProperties>
+          <inkml:channelProperty channel="X" name="resolution" value="1000" units="1/cm"/>
+          <inkml:channelProperty channel="Y" name="resolution" value="1000" units="1/cm"/>
+          <inkml:channelProperty channel="F" name="resolution" value="0" units="1/dev"/>
+        </inkml:channelProperties>
+      </inkml:inkSource>
+      <inkml:timestamp xml:id="ts0" timeString="2022-07-20T17:59:31.995"/>
+    </inkml:context>
+    <inkml:brush xml:id="br0">
+      <inkml:brushProperty name="width" value="0.05" units="cm"/>
+      <inkml:brushProperty name="height" value="0.05" units="cm"/>
+      <inkml:brushProperty name="color" value="#5B2D90"/>
+    </inkml:brush>
+  </inkml:definitions>
+  <inkml:trace contextRef="#ctx0" brushRef="#br0">322 0 14968,'4'12'146,"4"26"1,-8-38-110,0 1-1,0 0 1,0-1 0,1 1-1,-1 0 1,-1-1 0,1 1 0,0 0-1,0-1 1,0 1 0,0 0-1,0-1 1,0 1 0,-1 0-1,1-1 1,0 1 0,-1-1 0,1 1-1,0-1 1,-1 1 0,1 0-1,-1-1 1,1 1 0,-1-1-1,1 0 1,-1 1 0,1-1 0,-1 1-1,1-1 1,-1 0 0,-1 1-1,0-1 38,-1 1 0,1-1 1,-1 0-1,1 0 0,-1 0 0,-4-1 0,3 1-7,-114-23 1570,116 23-1576,1-1 0,-1 1 0,1 0 0,-1-1 0,1 1 0,-1 0 0,0 0 0,1 0 1,-1 0-1,1 0 0,-1 0 0,1 1 0,-4 0 0,-50 14 797,1 10-627,54-25-231,0 0 14,-1 0 0,0 1 0,0-1 0,0 1 0,0-1 0,0 1 0,0-1 0,1 1 0,-1 0 0,0-1 0,0 1 0,1 0 0,-1-1 0,0 1 0,1 0 1,-1 0-1,1 0 0,-1 0 0,1 0 0,-1 1 0,1-2-14,-5 12 99,0-1 1,-5 21-1,6-12-89,-2 27-1,6-45-26,-1 1 0,1 0-1,0-1 1,1 1 0,-1-1 0,0 1-1,1-1 1,-1 1 0,1-1 0,0 1 0,1 3-1,39 102-188,18 16 160,-59-124 46,4 8-4,0-1 0,0 1 0,1-1 0,8 10 0,71 85-16,11-4 59,-95-98-39,5 6 43,1 0-1,0 0 1,1-1 0,8 5-1,-15-10-42,99 62 214,4-16-117,-99-44-67,-1-1 1,1 1-1,-1-1 1,1 0-1,0 0 0,0-1 1,-1 1-1,6 0 0,-9-1-30,15 1 91,1-1 1,31-2-1,-38 0-79,0 0 1,0 0-1,0-1 1,0 0 0,0 0-1,9-7 1,-12 7 1,0 0 1,-1-1-1,0 0 1,0 0-1,0 0 1,-1-1-1,1 0 1,-1 0 0,0 0-1,4-7 1,-4 3 1,0 0 0,0-1-1,-1 1 1,0-1 0,-1 0 0,0 0 0,-1 0 0,0 0 0,0-1 0,-1-13 0,-2-1 16,-1 0 0,-7-33 1,8 51-31,0 0 1,-5-14 0,-32-71 9,-13-7-23,52 99 11,-23-38-67,-96-131-158,117 166 144,0 0 1,0 0-1,0 1 0,0-1 0,-1 1 1,1 0-1,-1-1 0,-2-1 0,-9-5-282,-28-16 0,33 21 320,0 1 0,0 0 0,-16-3 0,20 5-378,1 0 1,-1 0-1,1-1 1,0 0 0,-6-3-1,-55-24-9269,152 68 7274</inkml:trace>
+</inkml:ink>
+</file>
+
+<file path=ppt/ink/ink2.xml><?xml version="1.0" encoding="utf-8"?>
+<inkml:ink xmlns:inkml="http://www.w3.org/2003/InkML">
+  <inkml:definitions>
+    <inkml:context xml:id="ctx0">
+      <inkml:inkSource xml:id="inkSrc0">
+        <inkml:traceFormat>
+          <inkml:channel name="X" type="integer" min="-2.14748E9" max="2.14748E9" units="cm"/>
+          <inkml:channel name="Y" type="integer" min="-2.14748E9" max="2.14748E9" units="cm"/>
+          <inkml:channel name="F" type="integer" max="32767" units="dev"/>
+        </inkml:traceFormat>
+        <inkml:channelProperties>
+          <inkml:channelProperty channel="X" name="resolution" value="1000" units="1/cm"/>
+          <inkml:channelProperty channel="Y" name="resolution" value="1000" units="1/cm"/>
+          <inkml:channelProperty channel="F" name="resolution" value="0" units="1/dev"/>
+        </inkml:channelProperties>
+      </inkml:inkSource>
+      <inkml:timestamp xml:id="ts0" timeString="2022-07-20T17:59:25.117"/>
+    </inkml:context>
+    <inkml:brush xml:id="br0">
+      <inkml:brushProperty name="width" value="0.05" units="cm"/>
+      <inkml:brushProperty name="height" value="0.05" units="cm"/>
+      <inkml:brushProperty name="color" value="#5B2D90"/>
+    </inkml:brush>
+  </inkml:definitions>
+  <inkml:trace contextRef="#ctx0" brushRef="#br0">1 0 15064,'0'0'1455,"1"4"-241,3 23-52,5 53-168,5 104-194,-4-19-803,-9-132-4,3 122-43,-4-127-164,0 202-1826,0-229 1968,0 0-1,0 0 1,0 0-1,0-1 0,0 1 1,1 0-1,-1 0 1,0 0-1,0 0 0,1 2 1,1 0-18,-1 1-1,1-1 1,0 0 0,-1 0 0,1 0 0,1-1 0,-1 1-1,0 0 1,1-1 0,4 4 0,-7-6 82,0 1 1,0-1 0,1 0-1,-1 0 1,0 0-1,1 0 1,-1 0-1,0 1 1,1-1-1,-1 0 1,0 0 0,1 0-1,-1 0 1,0 0-1,1 0 1,-1 0-1,0 0 1,0 0 0,1 0-1,-1 0 1,0 0-1,1-1 1,-1 1-1,0 0 1,1 0 0,9-3-165,-1-1 0,1 0 1,-1-1-1,10-6 1,-2 2-1134,52-26-8348</inkml:trace>
+</inkml:ink>
+</file>
+
+<file path=ppt/ink/ink20.xml><?xml version="1.0" encoding="utf-8"?>
+<inkml:ink xmlns:inkml="http://www.w3.org/2003/InkML">
+  <inkml:definitions>
+    <inkml:context xml:id="ctx0">
+      <inkml:inkSource xml:id="inkSrc0">
+        <inkml:traceFormat>
+          <inkml:channel name="X" type="integer" min="-2.14748E9" max="2.14748E9" units="cm"/>
+          <inkml:channel name="Y" type="integer" min="-2.14748E9" max="2.14748E9" units="cm"/>
+          <inkml:channel name="F" type="integer" max="32767" units="dev"/>
+        </inkml:traceFormat>
+        <inkml:channelProperties>
+          <inkml:channelProperty channel="X" name="resolution" value="1000" units="1/cm"/>
+          <inkml:channelProperty channel="Y" name="resolution" value="1000" units="1/cm"/>
+          <inkml:channelProperty channel="F" name="resolution" value="0" units="1/dev"/>
+        </inkml:channelProperties>
+      </inkml:inkSource>
+      <inkml:timestamp xml:id="ts0" timeString="2022-07-20T17:59:32.440"/>
+    </inkml:context>
+    <inkml:brush xml:id="br0">
+      <inkml:brushProperty name="width" value="0.05" units="cm"/>
+      <inkml:brushProperty name="height" value="0.05" units="cm"/>
+      <inkml:brushProperty name="color" value="#5B2D90"/>
+    </inkml:brush>
+  </inkml:definitions>
+  <inkml:trace contextRef="#ctx0" brushRef="#br0">1 1 17207,'12'189'304,"-9"-138"1216,7 101 0,0 23-1017,-6-105 490,15 277 237,-16-283-1044,2 203-120,-5-225-860,0 104-348,1-136 737,4-10-142,-1-1 439,0 0 1,1-1-1,-1 1 1,0-1-1,0 0 1,0-1 0,0 1-1,-1 0 1,6-5-1,-1-1 84,14-16 1,-15 15-50,-2 5-548,-1-1 1,0 1-1,10-7 0,36-27-8449,-116 89 6817</inkml:trace>
+</inkml:ink>
+</file>
+
+<file path=ppt/ink/ink21.xml><?xml version="1.0" encoding="utf-8"?>
+<inkml:ink xmlns:inkml="http://www.w3.org/2003/InkML">
+  <inkml:definitions>
+    <inkml:context xml:id="ctx0">
+      <inkml:inkSource xml:id="inkSrc0">
+        <inkml:traceFormat>
+          <inkml:channel name="X" type="integer" min="-2.14748E9" max="2.14748E9" units="cm"/>
+          <inkml:channel name="Y" type="integer" min="-2.14748E9" max="2.14748E9" units="cm"/>
+          <inkml:channel name="F" type="integer" max="32767" units="dev"/>
+        </inkml:traceFormat>
+        <inkml:channelProperties>
+          <inkml:channelProperty channel="X" name="resolution" value="1000" units="1/cm"/>
+          <inkml:channelProperty channel="Y" name="resolution" value="1000" units="1/cm"/>
+          <inkml:channelProperty channel="F" name="resolution" value="0" units="1/dev"/>
+        </inkml:channelProperties>
+      </inkml:inkSource>
+      <inkml:timestamp xml:id="ts0" timeString="2022-07-20T17:59:32.975"/>
+    </inkml:context>
+    <inkml:brush xml:id="br0">
+      <inkml:brushProperty name="width" value="0.05" units="cm"/>
+      <inkml:brushProperty name="height" value="0.05" units="cm"/>
+      <inkml:brushProperty name="color" value="#5B2D90"/>
+    </inkml:brush>
+  </inkml:definitions>
+  <inkml:trace contextRef="#ctx0" brushRef="#br0">1 1 15512,'10'99'265,"-7"-66"1061,5 80 1,2 25-892,-6-81 411,20 244 168,-20-241-1026,15 215-288,-16-230-1154,8 121-360,-10-154 1664,-1-12 144,0 0 0,1 0 0,-1 0 0,0 0 0,0 1 0,0-1 0,0 0 0,0 0 0,0 0 0,0 0 0,0 0 0,0 0 0,0 0 0,1 0 0,-1 0 0,0 0 0,0 0 0,0 1 0,0-1 0,0 0 0,0 0 0,0 0 0,1 0 0,-1 0 0,0 0 0,0 0 0,0 0 0,0 0 0,0 0 0,0 0 0,1 0 0,-1 0 0,0 0 0,1 0-11,0 0-1,1-1 0,-1 1 1,0 0-1,0 0 0,0-1 1,0 1-1,0 0 0,1-1 1,-1 1-1,0-1 0,0 0 1,0 1-1,0-1 0,0 0 1,0 1-1,-1-1 0,1 0 1,1-1-1,36-52-2002,18-11-7726</inkml:trace>
+  <inkml:trace contextRef="#ctx0" brushRef="#br0" timeOffset="1">512 157 14792,'18'95'334,"-14"-64"1339,6 79 1,0 24-1132,-7-79 500,4 78 3,-2 28-834,2 107-401,-7-260-54,0 1-1,1-1 0,2 10 1,37 164-978,-27-129-1178,11 56-6419,-56-254 6627</inkml:trace>
+  <inkml:trace contextRef="#ctx0" brushRef="#br0" timeOffset="2">1756 118 16583,'25'155'247,"-20"-110"988,6 99 3,0 27-952,-8-98-100,2 118 1,-4 13-238,-1-194-36,0 1-1,0-1 0,1 0 0,4 19 1,26 107-348,8-19 294,-39-117 141,22 72-2432,20 80-6476,-98-354 6695</inkml:trace>
+</inkml:ink>
+</file>
+
+<file path=ppt/ink/ink22.xml><?xml version="1.0" encoding="utf-8"?>
+<inkml:ink xmlns:inkml="http://www.w3.org/2003/InkML">
+  <inkml:definitions>
+    <inkml:context xml:id="ctx0">
+      <inkml:inkSource xml:id="inkSrc0">
+        <inkml:traceFormat>
+          <inkml:channel name="X" type="integer" min="-2.14748E9" max="2.14748E9" units="cm"/>
+          <inkml:channel name="Y" type="integer" min="-2.14748E9" max="2.14748E9" units="cm"/>
+          <inkml:channel name="F" type="integer" max="32767" units="dev"/>
+        </inkml:traceFormat>
+        <inkml:channelProperties>
+          <inkml:channelProperty channel="X" name="resolution" value="1000" units="1/cm"/>
+          <inkml:channelProperty channel="Y" name="resolution" value="1000" units="1/cm"/>
+          <inkml:channelProperty channel="F" name="resolution" value="0" units="1/dev"/>
+        </inkml:channelProperties>
+      </inkml:inkSource>
+      <inkml:timestamp xml:id="ts0" timeString="2022-07-20T17:59:33.446"/>
+    </inkml:context>
+    <inkml:brush xml:id="br0">
+      <inkml:brushProperty name="width" value="0.05" units="cm"/>
+      <inkml:brushProperty name="height" value="0.05" units="cm"/>
+      <inkml:brushProperty name="color" value="#5B2D90"/>
+    </inkml:brush>
+  </inkml:definitions>
+  <inkml:trace contextRef="#ctx0" brushRef="#br0">130 0 15416,'-8'12'186,"-13"17"1259,-24 27 357,36-43-1345,0 0-1,1 0 1,-8 18 0,9-16-334,6-14-89,0 1-1,1-1 0,-1 0 1,1 0-1,-1 1 0,1-1 1,-1 1-1,1-1 0,0 0 1,0 1-1,0 1 0,-2 115 411,3-115-466,-1 0-1,0 0 1,1 0-1,-1 0 1,1 0-1,0 0 1,2 5-1,28 72-157,11 9 94,-37-81 22,-1 0 1,1 0 0,8 10-1,80 106-189,19 15 192,-65-86 7,186 187-8,-226-233 64,1 0 0,0 0 0,14 9 0,-22-16-2,102 66 12,-5-19 14,-79-40 26,-16-7-45,-1 0 1,1-1 0,-1 1 0,1 0 0,-1 0-1,0-1 1,1 1 0,1-2 0,-3 2-8,9-3 18,-1 0 0,0-1-1,0 0 1,0-1 0,0 0 0,11-8 0,-9 2-10,0 0 0,0-1-1,-1 0 1,8-14 0,-15 24-3,-1 0 0,1-1 0,-1 1 0,0-1 0,0 0 0,1 1 1,-2-1-1,1 0 0,0 0 0,0 1 0,-1-1 0,1-4 0,-1 7-5,5-37 34,0-44-1,-13-58-18,8 139-15,-1-16 4,-6-26 0,-26-99 8,-9-3-8,42 144-4,-5-15 4,-9-21 0,-36-70 8,-6 12-11,56 94-1,-2-3-1,0 0 1,-1-1-1,1 1 0,-1 0 0,1 0 1,-1 0-1,0 1 0,-4-4 0,7 6 1,-22-18-3,-32-20 0,29 24-37,-35-14 1,57 27 0,1 0 1,-1 0-1,0 0 0,0 0 1,1 0-1,-1 0 0,0 1 1,0 0-1,-5-1 0,-9 0-90,0 1 1,-25 4-1,24-1 47,0 1 1,-21 9 0,37-13 25,1 1 1,-1-1-1,1 0 1,-1 1-1,1 0 1,-1-1-1,1 1 1,-1 0 0,1 0-1,0 0 1,-1 0-1,1 0 1,0 0-1,-2 2 1,3-3 55,-6 7-166,0-1 1,1 2-1,-1-1 0,-3 9 1,4-7 113,1 1 0,1 0 0,-4 15 0,6-21-273,0 0 1,0-1 0,-1 1-1,1 0 1,-1-1 0,-3 6-1,-27 50-8117,74-138 6342</inkml:trace>
+</inkml:ink>
+</file>
+
+<file path=ppt/ink/ink23.xml><?xml version="1.0" encoding="utf-8"?>
+<inkml:ink xmlns:inkml="http://www.w3.org/2003/InkML">
+  <inkml:definitions>
+    <inkml:context xml:id="ctx0">
+      <inkml:inkSource xml:id="inkSrc0">
+        <inkml:traceFormat>
+          <inkml:channel name="X" type="integer" min="-2.14748E9" max="2.14748E9" units="cm"/>
+          <inkml:channel name="Y" type="integer" min="-2.14748E9" max="2.14748E9" units="cm"/>
+          <inkml:channel name="F" type="integer" max="32767" units="dev"/>
+        </inkml:traceFormat>
+        <inkml:channelProperties>
+          <inkml:channelProperty channel="X" name="resolution" value="1000" units="1/cm"/>
+          <inkml:channelProperty channel="Y" name="resolution" value="1000" units="1/cm"/>
+          <inkml:channelProperty channel="F" name="resolution" value="0" units="1/dev"/>
+        </inkml:channelProperties>
+      </inkml:inkSource>
+      <inkml:timestamp xml:id="ts0" timeString="2022-07-20T17:59:42.680"/>
+    </inkml:context>
+    <inkml:brush xml:id="br0">
+      <inkml:brushProperty name="width" value="0.05" units="cm"/>
+      <inkml:brushProperty name="height" value="0.05" units="cm"/>
+      <inkml:brushProperty name="color" value="#5B2D90"/>
+    </inkml:brush>
+  </inkml:definitions>
+  <inkml:trace contextRef="#ctx0" brushRef="#br0">1 1 15064,'5'8'191,"-4"-6"-76,0 0 0,0-1 0,1 1 0,-2 0 0,1 0 0,0 0 0,0 0 0,-1 0 0,1 0 0,0 2 0,15 90 1508,-14-69-783,5 124 244,-7-108-702,0 87 3,0 47-308,0 149-78,0-269-4,0 218-45,3-102-643,-4-159-105,3-34-637,5-63 345,2-29-1379,-2 27-7277</inkml:trace>
+</inkml:ink>
+</file>
+
+<file path=ppt/ink/ink24.xml><?xml version="1.0" encoding="utf-8"?>
+<inkml:ink xmlns:inkml="http://www.w3.org/2003/InkML">
+  <inkml:definitions>
+    <inkml:context xml:id="ctx0">
+      <inkml:inkSource xml:id="inkSrc0">
+        <inkml:traceFormat>
+          <inkml:channel name="X" type="integer" min="-2.14748E9" max="2.14748E9" units="cm"/>
+          <inkml:channel name="Y" type="integer" min="-2.14748E9" max="2.14748E9" units="cm"/>
+          <inkml:channel name="F" type="integer" max="32767" units="dev"/>
+        </inkml:traceFormat>
+        <inkml:channelProperties>
+          <inkml:channelProperty channel="X" name="resolution" value="1000" units="1/cm"/>
+          <inkml:channelProperty channel="Y" name="resolution" value="1000" units="1/cm"/>
+          <inkml:channelProperty channel="F" name="resolution" value="0" units="1/dev"/>
+        </inkml:channelProperties>
+      </inkml:inkSource>
+      <inkml:timestamp xml:id="ts0" timeString="2022-07-20T17:59:43.065"/>
+    </inkml:context>
+    <inkml:brush xml:id="br0">
+      <inkml:brushProperty name="width" value="0.05" units="cm"/>
+      <inkml:brushProperty name="height" value="0.05" units="cm"/>
+      <inkml:brushProperty name="color" value="#5B2D90"/>
+    </inkml:brush>
+  </inkml:definitions>
+  <inkml:trace contextRef="#ctx0" brushRef="#br0">0 252 15328,'1'-2'73,"12"-36"-61,-8 20 3033,-3 15-2750,-1 1 0,0 0 0,1 0 0,0 0 0,-1 1 0,1-1 1,0 0-1,0 1 0,3-3 0,53-37 131,-41 31-406,98-37 58,-88 38 190,123-31 96,-120 33-178,118-10 52,-121 16-172,92 4 18,-98 0-64,-11-1-52,4 1-39,0 0 1,-1 1 0,0 0-1,0 1 1,14 7 0,-19-7-63,0 0 0,0 0-1,-1 1 1,8 8 0,-14-14 65,-1 1-1,0-1 1,1 1-1,-1-1 1,1 1-1,-1-1 1,0 1 0,1-1-1,-1 1 1,0 0-1,0-1 1,0 1-1,1 1 1,0 3-82,-1 0 1,1 1-1,-1-1 1,0 1-1,-1-1 1,1 1-1,-4 9 1,4-14 125,-1 0 0,1 0 0,0 0-1,-1 0 1,1 0 0,0 0 0,0 0 0,-1 0 0,1 0 0,0 0 0,0 0 0,0 0 0,0 0 0,0 0 0,1 0 0,-1 0 0,0-1 0,1 3 0,2 6-2401,0 8-9194</inkml:trace>
+</inkml:ink>
+</file>
+
+<file path=ppt/ink/ink25.xml><?xml version="1.0" encoding="utf-8"?>
+<inkml:ink xmlns:inkml="http://www.w3.org/2003/InkML">
+  <inkml:definitions>
+    <inkml:context xml:id="ctx0">
+      <inkml:inkSource xml:id="inkSrc0">
+        <inkml:traceFormat>
+          <inkml:channel name="X" type="integer" min="-2.14748E9" max="2.14748E9" units="cm"/>
+          <inkml:channel name="Y" type="integer" min="-2.14748E9" max="2.14748E9" units="cm"/>
+          <inkml:channel name="F" type="integer" max="32767" units="dev"/>
+        </inkml:traceFormat>
+        <inkml:channelProperties>
+          <inkml:channelProperty channel="X" name="resolution" value="1000" units="1/cm"/>
+          <inkml:channelProperty channel="Y" name="resolution" value="1000" units="1/cm"/>
+          <inkml:channelProperty channel="F" name="resolution" value="0" units="1/dev"/>
+        </inkml:channelProperties>
+      </inkml:inkSource>
+      <inkml:timestamp xml:id="ts0" timeString="2022-07-20T17:59:43.545"/>
+    </inkml:context>
+    <inkml:brush xml:id="br0">
+      <inkml:brushProperty name="width" value="0.05" units="cm"/>
+      <inkml:brushProperty name="height" value="0.05" units="cm"/>
+      <inkml:brushProperty name="color" value="#5B2D90"/>
+    </inkml:brush>
+  </inkml:definitions>
+  <inkml:trace contextRef="#ctx0" brushRef="#br0">431 1 14616,'-37'36'286,"37"-36"-233,0 1 0,0-1 0,-1 0 1,1 1-1,0-1 0,0 0 0,-1 0 0,1 1 0,0-1 0,-1 0 0,1 0 0,0 1 0,-1-1 0,1 0 0,-1 0 1,1 0-1,0 0 0,-1 0 0,1 1 0,-1-1 0,1 0 0,0 0 0,-1 0 0,1 0 0,-1 0 0,0-1 1,-12 0 419,-1-1 1,1 0-1,-16-5 1,28 6-407,0 1 0,0 0 1,0-1-1,0 1 0,0 0 0,0 0 0,0 0 1,-1 0-1,1 0 0,0 0 0,0 0 0,-2 0 0,-91 17 1047,92-17-1067,-1 1-1,0 0 1,1-1 0,0 1 0,-1 0 0,-2 2 0,-93 54 349,95-55-398,1-1 0,0 1 1,0-1-1,0 1 0,0 0 0,-2 3 1,-56 76-13,59-80 13,0 0-1,1 1 1,-1-1-1,0 0 1,1 1-1,-1-1 1,1 0-1,-1 1 1,1-1-1,0 0 0,0 1 1,-1 1-1,1-3 2,-1 14-10,0 26 0,3-23 7,5 23 0,-7-40 3,0 2-2,1 1 0,-1-1 0,1 1 0,0-1 0,0 1 0,2 4 0,27 43-11,-22-38 13,1-1-1,0 0 1,13 11 0,-8-11 6,0 0 1,1-1 0,1-1-1,0 0 1,28 10 0,-41-17 21,0-1 0,0 0 0,0 0 0,0-1 0,5 2 0,-8-2-28,18 2 86,18 0 0,-19-2-54,20-4 0,-37 4-32,2 0 16,0-1 0,0 1 1,0 0-1,0-1 0,0 0 0,0 1 1,0-1-1,3-2 0,44-24 131,0-9-106,-49 36-41,17-16 62,-2-1 13,0-1 1,-2 0 0,15-26-1,-26 40-20,36-66 396,-25 32-137,-12 38-308,-1 0 0,0 0 0,0 0 0,0 0 0,0 0 0,0-1 0,0 1 0,0 0 0,0 0 0,0 0 0,0 0 0,0 0 0,0 0 0,0-1 0,0 1 0,0 0 0,0 0 0,0 0 0,0 0 0,0 0 0,0-1 0,0 1 0,0 0 0,0 0 0,0 0-1,0 0 1,0 0 0,0 0 0,0-1 0,0 1 0,0 0 0,0 0 0,-1 0 0,1 0 0,0 0 0,0 0 0,0 0 0,0-1 0,-3 2 41,2 2-32,0-1 0,0 0 0,0 0 0,0 0 0,0 1 0,1-1-1,-1 0 1,1 1 0,-1-1 0,1 0 0,0 1 0,0 3 0,0-1-19,-2 34 18,1 43-86,3-67-286,20 62-242,-21-76 545,-1 0 0,0-1 1,0 1-1,1 0 1,-1 0-1,1 0 1,-1-1-1,0 1 0,1 0 1,0 0-1,-1-1 1,1 1-1,-1 0 1,1-1-1,0 1 0,11 8-309,-1 0-1,26 12 1,-36-20 355,-1-1-1,1 0 1,-1 0-1,1 1 1,0-1-1,-1 0 1,1 0-1,-1 0 1,1 0 0,-1 1-1,1-1 1,0 0-1,-1 0 1,1 0-1,-1 0 1,1 0-1,-1-1 1,1 1 0,0 0-1,-1 0 1,1 0-1,-1 0 1,1-1-1,-1 1 10,7-2-45,-1 0 0,0-1-1,0 0 1,6-3 0,43-35-2383,29-14-9485</inkml:trace>
+</inkml:ink>
+</file>
+
+<file path=ppt/ink/ink26.xml><?xml version="1.0" encoding="utf-8"?>
+<inkml:ink xmlns:inkml="http://www.w3.org/2003/InkML">
+  <inkml:definitions>
+    <inkml:context xml:id="ctx0">
+      <inkml:inkSource xml:id="inkSrc0">
+        <inkml:traceFormat>
+          <inkml:channel name="X" type="integer" min="-2.14748E9" max="2.14748E9" units="cm"/>
+          <inkml:channel name="Y" type="integer" min="-2.14748E9" max="2.14748E9" units="cm"/>
+          <inkml:channel name="F" type="integer" max="32767" units="dev"/>
+        </inkml:traceFormat>
+        <inkml:channelProperties>
+          <inkml:channelProperty channel="X" name="resolution" value="1000" units="1/cm"/>
+          <inkml:channelProperty channel="Y" name="resolution" value="1000" units="1/cm"/>
+          <inkml:channelProperty channel="F" name="resolution" value="0" units="1/dev"/>
+        </inkml:channelProperties>
+      </inkml:inkSource>
+      <inkml:timestamp xml:id="ts0" timeString="2022-07-20T17:59:43.897"/>
+    </inkml:context>
+    <inkml:brush xml:id="br0">
+      <inkml:brushProperty name="width" value="0.05" units="cm"/>
+      <inkml:brushProperty name="height" value="0.05" units="cm"/>
+      <inkml:brushProperty name="color" value="#5B2D90"/>
+    </inkml:brush>
+  </inkml:definitions>
+  <inkml:trace contextRef="#ctx0" brushRef="#br0">6 51 14616,'4'136'5331,"-5"-88"-4709,-6 73-190,6-109-434,1-7-1,0 1-1,0-1 0,1 11 1,0-4-3,0-3 5,-1 0 1,2 1-1,3 15 1,-5-25 0,0 0 0,0 0 0,0 0 0,0 0 0,0 0 0,0 0 0,0 1 0,0-1 0,0 0 0,0 0 0,0 0 0,0 0 0,0 0 0,0 0 0,0 0 0,0 0 0,0 0 0,1 0 0,-1 1 0,0-1 0,0 0 0,0 0 0,0 0 0,0 0 0,0 0 0,0 0 0,0 0 0,0 0 0,0 0 0,0 0 0,1 0 0,-1 0 0,0 0 0,0 0 0,0 0 0,0 0 0,0 0 0,0 0 0,0 0 0,0 0 0,0 0 0,1 0 0,-1 0 0,0 0 0,0 0 0,0 0 0,0 0 0,3-10 78,7-52 0,4-3-18,0 1-52,20-49 0,-30 103-7,4-10 14,47-64 30,-54 82-34,0 1 1,0 0-1,0 0 0,0 0 1,0 0-1,0 0 0,0 0 1,0 0-1,3-1 0,6-3 34,1-1 0,0 2 0,22-7 0,-33 11-33,1-1 0,0 1-1,0 0 1,-1 0-1,1 0 1,0 0-1,-1 0 1,1 0 0,0 0-1,-1 0 1,1 0-1,0 1 1,0-1-1,-1 0 1,1 0 0,-1 0-1,1 1 1,1 0-1,14 7 82,-1 1 0,25 17 0,-27-13-20,-1 6-40,0-1 0,-1 1 0,-1 1-1,0 0 1,-2 0 0,11 39 0,-10-21-103,-1 0 0,-1 1 1,1 48-1,-8-84-64,0-1-1,0 0 1,0 1 0,1-1-1,-1 0 1,1 0 0,0 1-1,0-1 1,0 0-1,0 0 1,0 0 0,3 4-1,5 8-54,-9-14 186,0 0 0,0 0 0,0 0 0,1 0-1,-1 0 1,0 0 0,0 1 0,0-1 0,0 0 0,0 0 0,0 0 0,0 0 0,0 0-1,0 0 1,0 0 0,1 0 0,-1 0 0,0 0 0,0 1 0,0-1 0,0 0-1,0 0 1,0 0 0,1 0 0,-1 0 0,0 0 0,0 0 0,0 0 0,0 0-1,0 0 1,0 0 0,1 0 0,-1 0 0,0 0 0,0 0 0,0 0 0,0 0 0,0 0-1,0 0 1,1 0 0,-1-1 0,0 1 0,0 0 0,0 0 0,0 0 0,0 0-1,0 0 1,0 0 0,0 0 0,1 0 0,-1 0 0,0-1 0,7-4-300,0 0-1,0-1 1,11-11 0,-9 8-1064,35-32-10566</inkml:trace>
+</inkml:ink>
+</file>
+
+<file path=ppt/ink/ink27.xml><?xml version="1.0" encoding="utf-8"?>
+<inkml:ink xmlns:inkml="http://www.w3.org/2003/InkML">
+  <inkml:definitions>
+    <inkml:context xml:id="ctx0">
+      <inkml:inkSource xml:id="inkSrc0">
+        <inkml:traceFormat>
+          <inkml:channel name="X" type="integer" min="-2.14748E9" max="2.14748E9" units="cm"/>
+          <inkml:channel name="Y" type="integer" min="-2.14748E9" max="2.14748E9" units="cm"/>
+          <inkml:channel name="F" type="integer" max="32767" units="dev"/>
+        </inkml:traceFormat>
+        <inkml:channelProperties>
+          <inkml:channelProperty channel="X" name="resolution" value="1000" units="1/cm"/>
+          <inkml:channelProperty channel="Y" name="resolution" value="1000" units="1/cm"/>
+          <inkml:channelProperty channel="F" name="resolution" value="0" units="1/dev"/>
+        </inkml:channelProperties>
+      </inkml:inkSource>
+      <inkml:timestamp xml:id="ts0" timeString="2022-07-20T17:59:44.399"/>
+    </inkml:context>
+    <inkml:brush xml:id="br0">
+      <inkml:brushProperty name="width" value="0.05" units="cm"/>
+      <inkml:brushProperty name="height" value="0.05" units="cm"/>
+      <inkml:brushProperty name="color" value="#5B2D90"/>
+    </inkml:brush>
+  </inkml:definitions>
+  <inkml:trace contextRef="#ctx0" brushRef="#br0">443 143 14344,'-56'-11'289,"55"11"-223,1 0-1,-1 0 1,1 0 0,-1 0 0,1 0-1,-1-1 1,1 1 0,-1 0 0,1 0-1,-1 0 1,1-1 0,-1 1 0,1 0-1,0 0 1,-1-1 0,1 1 0,-1 0-1,1-1 1,0 1 0,-1-1 0,1 1 0,-7-10 582,0-1 1,-10-20 0,10 20 404,-29-31 329,35 41-1340,1 1 0,-1-1 0,1 1 0,-1-1 0,1 1 0,-1-1 0,1 1 0,-1-1 0,1 1 0,-1 0 0,0-1 0,1 1 0,-2 0 0,-11-5 198,1 2 0,-23-4 0,34 6-236,0 1 1,0 0 0,-1 0 0,1 0 0,0 0-1,0 0 1,0 0 0,-1 1 0,0-1 0,-71 24 83,59-16 40,2 0-88,1 1 0,0 0 1,0 1-1,-14 15 0,21-19-27,-1 0 0,1 0 0,0 0 0,1 0 0,-1 1-1,1 0 1,0-1 0,1 1 0,0 0 0,0 0 0,-2 14 0,4-9-10,0 0 0,0 0 0,2 0 0,-1 0 1,1 0-1,1-1 0,0 1 0,1-1 0,0 1 0,1-1 1,0 0-1,0-1 0,1 1 0,1-1 0,0-1 1,0 1-1,11 9 0,-15-16-5,0-1 0,0 0 0,1 0 1,-1 0-1,1 0 0,-1-1 0,1 1 0,0-1 0,-1 0 1,1 0-1,0 0 0,0-1 0,0 1 0,0-1 0,0 0 1,0 0-1,0 0 0,0-1 0,7-1 0,-2 0-32,1-1 0,0 0 0,-1 0 0,0-1-1,0 0 1,14-9 0,-13 5-19,-1 1-1,1-1 1,10-13 0,-16 16 21,0 0 0,0 0 0,0 0 1,-1-1-1,1 0 0,-1 1 0,0-1 0,2-9 1,7-13-17,1-6 232,17-68 0,-27 81 474,-3 82-313,2-40-172,13 125 59,-11-106-110,10 84 3,2 19-76,-10-86 71,17 216 68,-20-224 34,-6 149 55,3-195-272,-1 1-1,1-1 1,0 1 0,-1-1 0,0 1-1,-2 5 1,3-9-5,-4 13 11,-1 0 0,-9 15 1,9-20-10,0 0 0,-1-1 0,-10 11 0,16-18-2,-1 1 0,1 0 1,-1 0 0,0 0-1,0 0 1,-1 0 0,1 0 0,0 0-1,0-1 1,0 1 0,-3 1 0,-1 0 1,-1 1 0,0-1 1,0 0-1,-7 1 1,7-2-4,-1-1 1,0 0 0,-12-1-1,19 1 1,-17-4-20,-75-36-56,74 30-182,-65-46-186,81 54 345,0 1 0,1-1-1,-1 1 1,0-1 0,0 0 0,-1-2 0,-17-25-379,-18-31 0,22 32-2563,-20-26-7264,83 126 7760</inkml:trace>
+</inkml:ink>
+</file>
+
+<file path=ppt/ink/ink28.xml><?xml version="1.0" encoding="utf-8"?>
+<inkml:ink xmlns:inkml="http://www.w3.org/2003/InkML">
+  <inkml:definitions>
+    <inkml:context xml:id="ctx0">
+      <inkml:inkSource xml:id="inkSrc0">
+        <inkml:traceFormat>
+          <inkml:channel name="X" type="integer" min="-2.14748E9" max="2.14748E9" units="cm"/>
+          <inkml:channel name="Y" type="integer" min="-2.14748E9" max="2.14748E9" units="cm"/>
+          <inkml:channel name="F" type="integer" max="32767" units="dev"/>
+        </inkml:traceFormat>
+        <inkml:channelProperties>
+          <inkml:channelProperty channel="X" name="resolution" value="1000" units="1/cm"/>
+          <inkml:channelProperty channel="Y" name="resolution" value="1000" units="1/cm"/>
+          <inkml:channelProperty channel="F" name="resolution" value="0" units="1/dev"/>
+        </inkml:channelProperties>
+      </inkml:inkSource>
+      <inkml:timestamp xml:id="ts0" timeString="2022-07-20T17:59:44.866"/>
+    </inkml:context>
+    <inkml:brush xml:id="br0">
+      <inkml:brushProperty name="width" value="0.05" units="cm"/>
+      <inkml:brushProperty name="height" value="0.05" units="cm"/>
+      <inkml:brushProperty name="color" value="#5B2D90"/>
+    </inkml:brush>
+  </inkml:definitions>
+  <inkml:trace contextRef="#ctx0" brushRef="#br0">64 1 16048,'-2'8'445,"2"-4"22,-1 0 0,0-1 0,0 1 0,-1-1 0,1 1 0,-1-1 0,1 0 1,-5 6-1,-17 23 690,18-21-802,-1 20-330,0 0 1,3 0-1,0 1 0,2 0 1,1-1-1,2 1 1,1-1-1,1 1 1,2-1-1,19 58 1,1-19-48,-20-59 82,5 2-5,16 15 0,-18-22 131,-4-5-170,1 1-1,-1 0 0,1-1 0,0 0 1,-1 0-1,1-1 0,0 0 0,-1 0 1,1 0-1,0-1 0,-1 1 0,1-1 1,-1-1-1,1 1 0,8-4 0,-5 0-10,0 0-1,0 0 1,-1-1 0,1 0-1,-1 0 1,12-13-1,-13 8 18,29-77 11,-15 22 0,2-3-19,2-7 19,-20 65 62,-3 7-77,1 0 1,0 0-1,0 0 1,0 1-1,0-1 0,6-3 1,-9 7-18,0 0 0,0 0 0,0 0 0,0-1 1,0 1-1,0 0 0,1 0 0,-1 0 0,0 0 0,0 0 0,0 0 1,0 0-1,0 0 0,0 0 0,0 0 0,1 0 0,-1 0 0,0 0 1,0-1-1,0 1 0,0 0 0,0 0 0,1 0 0,-1 0 0,0 0 0,0 0 1,0 0-1,0 1 0,0-1 0,0 0 0,1 0 0,-1 0 0,0 0 1,0 0-1,0 0 0,0 0 0,0 0 0,0 0 0,0 0 0,1 0 0,-1 0 1,0 0-1,0 1 0,0-1 0,0 0 0,0 0 0,3 4 7,0-1 0,0 1 0,0 0 0,0 0 0,-1 1 1,0-1-1,0 0 0,0 1 0,2 9 0,10 49 8,-12-52-10,10 66 25,-6-31-70,19 68 0,-23-108-118,0-1 0,1 1 0,-1 0 0,1-1 0,6 10 0,-6-11 37,3 1-792,3 1 533,1-1-1,20 7 1,-15-6-2203,13 7-7029,-66-30 7221</inkml:trace>
+</inkml:ink>
+</file>
+
+<file path=ppt/ink/ink29.xml><?xml version="1.0" encoding="utf-8"?>
+<inkml:ink xmlns:inkml="http://www.w3.org/2003/InkML">
+  <inkml:definitions>
+    <inkml:context xml:id="ctx0">
+      <inkml:inkSource xml:id="inkSrc0">
+        <inkml:traceFormat>
+          <inkml:channel name="X" type="integer" min="-2.14748E9" max="2.14748E9" units="cm"/>
+          <inkml:channel name="Y" type="integer" min="-2.14748E9" max="2.14748E9" units="cm"/>
+          <inkml:channel name="F" type="integer" max="32767" units="dev"/>
+        </inkml:traceFormat>
+        <inkml:channelProperties>
+          <inkml:channelProperty channel="X" name="resolution" value="1000" units="1/cm"/>
+          <inkml:channelProperty channel="Y" name="resolution" value="1000" units="1/cm"/>
+          <inkml:channelProperty channel="F" name="resolution" value="0" units="1/dev"/>
+        </inkml:channelProperties>
+      </inkml:inkSource>
+      <inkml:timestamp xml:id="ts0" timeString="2022-07-20T17:59:45.249"/>
+    </inkml:context>
+    <inkml:brush xml:id="br0">
+      <inkml:brushProperty name="width" value="0.05" units="cm"/>
+      <inkml:brushProperty name="height" value="0.05" units="cm"/>
+      <inkml:brushProperty name="color" value="#5B2D90"/>
+    </inkml:brush>
+  </inkml:definitions>
+  <inkml:trace contextRef="#ctx0" brushRef="#br0">424 172 14072,'-2'0'63,"-1"-1"0,0 0 0,0 0 0,1 0 1,-1 0-1,0 0 0,1 0 0,-1-1 0,1 0 1,-1 1-1,-2-4 0,-1-1 411,0-1 1,-7-10-1,-5-5 234,-64-72 1614,81 92-2183,1 1-119,0 1 0,0 0 0,0-1 0,-1 1 0,1 0 0,0-1 0,0 1 0,-1 0 0,1-1 0,0 1 0,0 0 0,-1-1 0,1 1 0,0 0 0,-1 0-1,1 0 1,0-1 0,-1 1 0,1 0 0,-1 0 0,1 0 0,0 0 0,-1-1 0,1 1 0,-1 0 0,1 0 0,0 0 0,-1 0 0,1 0 0,-1 0 0,-71 0 558,71 0-575,-1 0-1,1 1 0,-1-1 0,1 0 0,-1 0 0,1 1 0,0-1 0,-1 1 1,-1 0-1,-78 39 79,79-39-56,1 0 1,0-1-1,-1 1 0,1 0 1,0 0-1,0 0 0,0 0 1,-1 0-1,0 3 0,-13 15 145,-20 39 0,28-39 10,1 12-45,-2 45 0,9-53 131,19 93 86,-13-95-190,2-2-70,15 25 1,-19-36-77,-1-1 1,1-1 0,1 1-1,-1-1 1,1 0 0,1 0 0,12 9-1,-13-11 2,1 0 0,0-1-1,0 0 1,0 0 0,12 3 0,-16-5-14,1-1 0,-1 1 0,0-1 0,0 0 0,0 0 0,0 0 0,0 0 0,1 0 0,-1-1 0,0 1 0,0-1 0,0 0 0,0 0 0,0 0 0,0 0 0,4-3 0,-1 0-2,0-1 0,-1 0-1,0 0 1,0-1 0,0 1 0,0-1 0,5-11 0,12-24 0,7-25-2,-15 30-8,40-93 172,-53 129-153,-1 0 0,0-1 0,0 1 0,0 0 1,0-1-1,1 1 0,-1-1 0,0 1 0,0 0 0,1 0 0,-1-1 0,0 1 0,1 0 0,-1-1 0,0 1 0,1 0 0,-1 0 0,0 0 0,1-1 0,-1 1 0,0 0 0,1 0 0,-1 0 0,1 0 0,-1 0 0,0 0 0,1 0 0,-1-1 1,1 1-1,-1 0 0,0 1 0,1-1 0,-1 0 0,1 0 0,-1 0 0,0 0 0,2 0 0,-2 0 16,1 1-16,0-1 0,0 1 0,0 0-1,0-1 1,0 1 0,0 0 0,0-1 0,0 1 0,-1 0 0,1 0 0,0 0-1,0 0 1,-1 0 0,1 0 0,-1 0 0,1 0 0,0 1 0,7 22 109,28 147 74,-29-132-172,-5-31-45,0 0 0,0 0 0,1 0-1,0-1 1,5 12 0,-3-10-85,0-1-610,-1-5 597,-1 0-1,1 0 1,7 4 0,15 10-3717,-5-2-6299,-50-35 7652</inkml:trace>
+</inkml:ink>
+</file>
+
+<file path=ppt/ink/ink3.xml><?xml version="1.0" encoding="utf-8"?>
+<inkml:ink xmlns:inkml="http://www.w3.org/2003/InkML">
+  <inkml:definitions>
+    <inkml:context xml:id="ctx0">
+      <inkml:inkSource xml:id="inkSrc0">
+        <inkml:traceFormat>
+          <inkml:channel name="X" type="integer" min="-2.14748E9" max="2.14748E9" units="cm"/>
+          <inkml:channel name="Y" type="integer" min="-2.14748E9" max="2.14748E9" units="cm"/>
+          <inkml:channel name="F" type="integer" max="32767" units="dev"/>
+        </inkml:traceFormat>
+        <inkml:channelProperties>
+          <inkml:channelProperty channel="X" name="resolution" value="1000" units="1/cm"/>
+          <inkml:channelProperty channel="Y" name="resolution" value="1000" units="1/cm"/>
+          <inkml:channelProperty channel="F" name="resolution" value="0" units="1/dev"/>
+        </inkml:channelProperties>
+      </inkml:inkSource>
+      <inkml:timestamp xml:id="ts0" timeString="2022-07-20T17:59:25.566"/>
+    </inkml:context>
+    <inkml:brush xml:id="br0">
+      <inkml:brushProperty name="width" value="0.05" units="cm"/>
+      <inkml:brushProperty name="height" value="0.05" units="cm"/>
+      <inkml:brushProperty name="color" value="#5B2D90"/>
+    </inkml:brush>
+  </inkml:definitions>
+  <inkml:trace contextRef="#ctx0" brushRef="#br0">566 132 10584,'-13'-13'135,"7"6"338,-1 0-1,-14-10 1,-37-27 1311,44 35-656,-75-23 350,87 31-1403,0 1 0,0-1 0,0 1 0,0-1 0,0 1 0,0 0 0,-4 0 0,-9 0 19,-1 1-1,0 1 0,1 0 1,-1 1-1,1 0 0,0 1 1,0 1-1,-26 13 0,29-12-75,1 1 0,0 1 0,1 0 0,0 0 0,0 1 0,1 1 0,-10 11 0,-12 22 10,30-41-25,-1 1 0,1-1 0,-1 1 0,1-1 0,0 1 0,-1 3-1,-35 120 21,36-122-24,0-1 0,0 0 0,1 1 1,-1-1-1,1 8 0,1 24 1,1 0 0,10 52 0,0-42 2,2-1 1,28 64 0,-33-90 10,0 0 0,1-1 0,0 0 0,17 20 0,-16-25 37,0-1-1,0 0 1,1 0-1,1-2 1,20 14-1,-18-14 46,0 0-1,1-1 0,0-1 1,0 0-1,1-1 0,0-1 1,33 6-1,-42-10-1,-1 0-1,1-1 1,0 0 0,15-1 0,-19 0-69,0 0 0,0 0 0,0 0 1,-1-1-1,1 1 0,0-1 0,-1 0 1,1 0-1,-1 0 0,0-1 0,4-3 1,2-3 90,-1 0 0,14-21 0,-20 28-102,5-12 347,23-90 131,-27 80-198,-2-14-166,-1 0 1,-2-1-1,-2 1 0,-2 0 0,-16-58 0,20 88-122,-1 1 0,0 0 1,0 0-1,-1 0 0,1 1 0,-10-12 1,10 14-29,-1 0 0,1 0 0,-1 1 0,0-1 0,0 1 0,-1 0 1,1 0-1,-1 0 0,-8-3 0,13 6-5,0 0-1,0-1 1,-1 1 0,1 0-1,0 0 1,0 0 0,-1 0-1,1 0 1,0 0 0,0 0-1,0 0 1,-1 0 0,1 0-1,0 0 1,0 0 0,-1 0-1,1 0 1,0 0 0,0 0-1,0 0 1,-1 0 0,1 0-1,0 1 1,0-1 0,-1 0-1,1 0 1,0 0 0,0 0-1,0 0 1,0 1 0,-1-1-1,-6 6-216,0 0 0,1 0 0,0 1 0,-7 8 0,2-1-2559,-12 10-6352,53-56 6902</inkml:trace>
+</inkml:ink>
+</file>
+
+<file path=ppt/ink/ink30.xml><?xml version="1.0" encoding="utf-8"?>
+<inkml:ink xmlns:inkml="http://www.w3.org/2003/InkML">
+  <inkml:definitions>
+    <inkml:context xml:id="ctx0">
+      <inkml:inkSource xml:id="inkSrc0">
+        <inkml:traceFormat>
+          <inkml:channel name="X" type="integer" min="-2.14748E9" max="2.14748E9" units="cm"/>
+          <inkml:channel name="Y" type="integer" min="-2.14748E9" max="2.14748E9" units="cm"/>
+          <inkml:channel name="F" type="integer" max="32767" units="dev"/>
+        </inkml:traceFormat>
+        <inkml:channelProperties>
+          <inkml:channelProperty channel="X" name="resolution" value="1000" units="1/cm"/>
+          <inkml:channelProperty channel="Y" name="resolution" value="1000" units="1/cm"/>
+          <inkml:channelProperty channel="F" name="resolution" value="0" units="1/dev"/>
+        </inkml:channelProperties>
+      </inkml:inkSource>
+      <inkml:timestamp xml:id="ts0" timeString="2022-07-20T17:59:45.750"/>
+    </inkml:context>
+    <inkml:brush xml:id="br0">
+      <inkml:brushProperty name="width" value="0.05" units="cm"/>
+      <inkml:brushProperty name="height" value="0.05" units="cm"/>
+      <inkml:brushProperty name="color" value="#5B2D90"/>
+    </inkml:brush>
+  </inkml:definitions>
+  <inkml:trace contextRef="#ctx0" brushRef="#br0">568 407 13984,'-30'-59'268,"17"35"1182,-24-35 1,24 40-1217,0 0 666,-64-83 394,55 76-1018,-1 1 0,-29-25 0,49 48-268,-1-1 0,1 1 1,-1-1-1,1 1 0,-1 0 1,0 1-1,0-1 0,0 1 1,0-1-1,0 1 0,0 0 1,-7 0-1,5 1-3,1 0 0,-1 0 0,0 1 0,1 0 1,-1 0-1,1 0 0,0 1 0,-9 3 0,3 1 9,-1 0 0,2 0-1,-1 1 1,1 1 0,0-1 0,0 2 0,-13 14 0,-21 35 99,41-55-91,1 0 0,0 0 0,0 0 0,1 1 0,-1-1-1,1 1 1,-2 5 0,-1 3 3,-6 24 41,7-20 160,3 60 82,0-74-290,0-1 0,0 0 0,0 1 0,1-1 0,-1 0 0,0 0 0,1 1 0,-1-1 0,1 1 0,2 4 34,-1 2-26,2-1 1,-1 1-1,1-1 0,0 0 0,1 0 1,0-1-1,0 1 0,8 8 0,-7-10-7,1 3-9,1 0-1,1-1 1,-1 0 0,1-1 0,0 1 0,15 6 0,12 3 4,-23-12-13,22 5 0,65 6-2,-82-13-6,24-3 1,2-3 4,-25 2 72,0-1-1,0 0 0,20-8 1,-39 11-54,0 0 1,0 0-1,1 0 1,-1 0-1,0 0 0,0 0 1,1 1-1,-1-1 1,0 0-1,0 0 1,0 0-1,1 0 1,-1 0-1,0 0 1,0 0-1,1 0 1,-1 1-1,0-1 0,0 0 1,0 0-1,0 0 1,1 0-1,-1 1 1,0-1-1,0 0 1,0 0-1,0 0 1,0 1-1,0-1 1,1 0-1,-1 0 0,0 1 1,0-1-1,0 0 1,0 0-1,0 1 1,0-1-1,0 0 1,0 0-1,0 1 1,0-1-1,0 0 1,0 0-1,0 0 0,-1 1 1,1 18 238,-1-13-226,-2 42 140,0 61-21,2-82-8,4 121 39,-2-110-124,3 83 3,-1 15-24,-2-82 74,-11 199 56,9-244-127,1-1 0,-1 1 0,-3 9 0,4-18-37,-24 89 152,18-71-142,-1-1 1,-17 31 0,20-41-11,0-1 0,0 1 0,-1-1 0,0 0 0,-1 0 0,1-1 0,-1 1 0,0-1 1,-1 0-1,1-1 0,-1 0 0,-7 4 0,14-8-1,-1 1 0,0-1-1,1 0 1,-1 1 0,0-1 0,0 0 0,0 0 0,1 1 0,-1-1-1,0 0 1,0 0 0,1 0 0,-1 0 0,0 0 0,0 0-1,0 0 1,1-1 0,-1 1 0,0 0 0,0 0 0,-1-1 0,-11-3-7,0 0 1,-15-8 0,-34-23-115,59 33 37,0 0 0,0 0 1,0-1-1,0 1 1,0-1-1,-2-2 1,5 5 84,-49-55-588,4-12 340,44 66 201,0-1 0,0 1 1,0-1-1,0 0 0,0 0 1,0 0-1,1 1 0,-1-1 1,0 0-1,1 0 0,0 0 1,-1 0-1,1-4 0,0 6 47,-2-21-326,2-38-1,3 31 244,9-32-1,-12 60 84,2-10-907,-1 0-1,2-21 1,4-69-9444,-16 233 7773</inkml:trace>
+</inkml:ink>
+</file>
+
+<file path=ppt/ink/ink31.xml><?xml version="1.0" encoding="utf-8"?>
+<inkml:ink xmlns:inkml="http://www.w3.org/2003/InkML">
+  <inkml:definitions>
+    <inkml:context xml:id="ctx0">
+      <inkml:inkSource xml:id="inkSrc0">
+        <inkml:traceFormat>
+          <inkml:channel name="X" type="integer" min="-2.14748E9" max="2.14748E9" units="cm"/>
+          <inkml:channel name="Y" type="integer" min="-2.14748E9" max="2.14748E9" units="cm"/>
+          <inkml:channel name="F" type="integer" max="32767" units="dev"/>
+        </inkml:traceFormat>
+        <inkml:channelProperties>
+          <inkml:channelProperty channel="X" name="resolution" value="1000" units="1/cm"/>
+          <inkml:channelProperty channel="Y" name="resolution" value="1000" units="1/cm"/>
+          <inkml:channelProperty channel="F" name="resolution" value="0" units="1/dev"/>
+        </inkml:channelProperties>
+      </inkml:inkSource>
+      <inkml:timestamp xml:id="ts0" timeString="2022-07-20T17:59:46.314"/>
+    </inkml:context>
+    <inkml:brush xml:id="br0">
+      <inkml:brushProperty name="width" value="0.05" units="cm"/>
+      <inkml:brushProperty name="height" value="0.05" units="cm"/>
+      <inkml:brushProperty name="color" value="#5B2D90"/>
+    </inkml:brush>
+  </inkml:definitions>
+  <inkml:trace contextRef="#ctx0" brushRef="#br0">0 146 13536,'0'0'6223,"5"4"-6115,80 84-25,-64-68-68,33 28 37,-44-40-45,0-1-1,1 0 1,19 9-1,-11-8 1,1-1-1,1-1 1,-1-1-1,1-1 1,29 3-1,-49-7-5,1 0 1,-1 0-1,1 0 0,-1 0 1,1 0-1,0-1 0,-1 1 1,1 0-1,1-1 0,22-8 8,38-20 0,-61 28-8,0 0 0,0-1 1,0 1-1,0-1 0,4-3 1,11-14 7,30-40 0,-38 42 13,-5 9-7,1-4 3,0-1 1,-1 1-1,0-1 1,-1 1 0,3-25-1,-4-33 130,-2 69-137,0 1 0,0-1 0,0 1 0,0-1 0,0 1-1,-1-1 1,1 1 0,0-1 0,0 1 0,0-1 0,0 1-1,-1-1 1,1 1 0,0-1 0,0 1 0,-1-1 0,1 1-1,0 0 1,-1-1 0,1 1 0,0 0 0,-1-1 0,0 0-1,-9-6 64,0-1-1,-1 1 0,0 1 1,-14-7-1,24 13-56,0-1 0,-1 1 1,1-1-1,0 1 0,0 0 0,0-1 0,0 1 0,0 0 1,-1 0-1,1 0 0,0 0 0,0 0 0,0 0 0,0 0 1,-3 1-1,-57 10 261,-8 12-187,69-23-91,-5 2 35,1 0-1,-1 0 1,0 0 0,-6 5-1,-74 47 140,-5 11-102,86-62-46,0 0 1,0 0 0,0 0-1,1 0 1,-1 1 0,-4 6-1,-50 69 161,8 7-120,50-86-67,-1 2 13,-1 0 1,1 1-1,0 0 0,0-1 1,0 1-1,0 0 1,0-1-1,0 1 1,1 0-1,-1 3 1,-1 12 36,0 1 1,2 19 0,1-20-23,2 1 0,5 18 0,-8-35-9,0 0 0,1 0 0,-1 0 0,1 0 0,-1-1 0,1 1 0,0 0 0,0 0 0,0-1 0,0 1 0,0-1 0,0 1 0,3 2 0,9 11 70,0-1 0,17 15 0,-14-17-75,1 0-1,1-1 1,22 11 0,8-1-31,0-3 0,74 18 0,-79-25-270,167 39-219,-199-47 235,-1-1 0,13 5 1,199 71-741,-155-54-1608,67 22-7235,-312-108 7401</inkml:trace>
+</inkml:ink>
+</file>
+
+<file path=ppt/ink/ink32.xml><?xml version="1.0" encoding="utf-8"?>
+<inkml:ink xmlns:inkml="http://www.w3.org/2003/InkML">
+  <inkml:definitions>
+    <inkml:context xml:id="ctx0">
+      <inkml:inkSource xml:id="inkSrc0">
+        <inkml:traceFormat>
+          <inkml:channel name="X" type="integer" min="-2.14748E9" max="2.14748E9" units="cm"/>
+          <inkml:channel name="Y" type="integer" min="-2.14748E9" max="2.14748E9" units="cm"/>
+          <inkml:channel name="F" type="integer" max="32767" units="dev"/>
+        </inkml:traceFormat>
+        <inkml:channelProperties>
+          <inkml:channelProperty channel="X" name="resolution" value="1000" units="1/cm"/>
+          <inkml:channelProperty channel="Y" name="resolution" value="1000" units="1/cm"/>
+          <inkml:channelProperty channel="F" name="resolution" value="0" units="1/dev"/>
+        </inkml:channelProperties>
+      </inkml:inkSource>
+      <inkml:timestamp xml:id="ts0" timeString="2022-07-20T17:59:36.014"/>
+    </inkml:context>
+    <inkml:brush xml:id="br0">
+      <inkml:brushProperty name="width" value="0.05" units="cm"/>
+      <inkml:brushProperty name="height" value="0.05" units="cm"/>
+      <inkml:brushProperty name="color" value="#5B2D90"/>
+    </inkml:brush>
+  </inkml:definitions>
+  <inkml:trace contextRef="#ctx0" brushRef="#br0">116 1065 14616,'2'-12'956,"-1"0"0,-1 0 0,1 0 0,-4-22-1,2 16-127,1 9-549,-1 0-1,-2-15 0,-1 4-146,-5-47-33,-3-9-94,-3-10-4,-13-94 9,23 147 36,-13-122 54,16 128 120,-10-90 252,11 96-407,-5-69 430,7 89-539,-1 0 0,0 1 0,1-1 0,-1 1 0,0-1 0,1 1 0,-1-1 0,1 1 0,-1-1 0,1 1-1,-1 0 1,1-1 0,-1 1 0,1 0 0,0-1 0,1 0-44,2-2-31,1 0 0,-1 1 0,1-1 0,0 1 0,-1 0 0,1 0 0,0 1 1,0 0-1,9-2 0,28-7-2628,-6 1-7017,-84 22 7330</inkml:trace>
+</inkml:ink>
+</file>
+
+<file path=ppt/ink/ink33.xml><?xml version="1.0" encoding="utf-8"?>
+<inkml:ink xmlns:inkml="http://www.w3.org/2003/InkML">
+  <inkml:definitions>
+    <inkml:context xml:id="ctx0">
+      <inkml:inkSource xml:id="inkSrc0">
+        <inkml:traceFormat>
+          <inkml:channel name="X" type="integer" min="-2.14748E9" max="2.14748E9" units="cm"/>
+          <inkml:channel name="Y" type="integer" min="-2.14748E9" max="2.14748E9" units="cm"/>
+          <inkml:channel name="F" type="integer" max="32767" units="dev"/>
+        </inkml:traceFormat>
+        <inkml:channelProperties>
+          <inkml:channelProperty channel="X" name="resolution" value="1000" units="1/cm"/>
+          <inkml:channelProperty channel="Y" name="resolution" value="1000" units="1/cm"/>
+          <inkml:channelProperty channel="F" name="resolution" value="0" units="1/dev"/>
+        </inkml:channelProperties>
+      </inkml:inkSource>
+      <inkml:timestamp xml:id="ts0" timeString="2022-07-20T17:59:37.180"/>
+    </inkml:context>
+    <inkml:brush xml:id="br0">
+      <inkml:brushProperty name="width" value="0.05" units="cm"/>
+      <inkml:brushProperty name="height" value="0.05" units="cm"/>
+      <inkml:brushProperty name="color" value="#5B2D90"/>
+    </inkml:brush>
+  </inkml:definitions>
+  <inkml:trace contextRef="#ctx0" brushRef="#br0">38 1170 10312,'-1'0'170,"0"1"0,0-1 0,-1 0 0,1 1 0,0-1 0,0 0 0,0 1 0,0 0 0,0-1 1,-1 1-1,1 0 0,-1 1 0,2-2-68,-1 1 0,1-1 0,-1 0 0,1 1 0,0-1 0,-1 1 0,1-1 0,-1 0-1,1 1 1,-1-1 0,1 0 0,-1 0 0,0 1 0,1-1 0,-1 0 0,1 0 0,-1 0 0,1 0 0,-1 0 0,0 0 0,1 0 0,-1 0 0,1 0 0,-1 0 0,0 0 0,1 0 0,-1 0 0,1 0 0,-1 0 0,1-1 0,-1 1 0,0 0 0,1 0 0,-1-1 0,1 1 0,-1-1 0,0-3 179,1-44 85,0 33-311,2 0 0,0 0-1,0 1 1,7-22-1,-6 23-25,3-10 117,30-106 41,-27 99-134,41-145 23,-38 134-14,62-195 47,-60 193 46,-4 12-55,45-126 328,-35 111 70,25-43 0,-44 87-471,0 1 0,1-1 0,-1 1 1,1 0-1,-1-1 0,1 1 0,0 0 0,-1 0 1,1 0-1,0 0 0,0 0 0,-1 0 0,1 1 1,0-1-1,0 0 0,0 1 0,3-1 0,-2 1-6,-3 0-18,0 0-1,1 0 0,-1 0 0,0-1 1,1 1-1,-1 0 0,0 0 0,1 0 0,-1 0 1,0 0-1,0 1 0,1-1 0,-1 0 1,0 0-1,1 0 0,-1 0 0,0 0 0,0 0 1,1 0-1,-1 0 0,0 1 0,0-1 1,1 0-1,-1 0 0,0 0 0,0 1 0,14 10 48,17 18-1,-21-17 84,40 66 46,-39-59-84,44 95 35,-41-85-70,72 162 34,-68-150 14,73 158 37,-73-161-92,62 138 13,-66-144-60,47 112-43,-51-122-190,20 43-183,-28-61 168,0 1 0,0-1 0,0 0 0,1 0 1,5 7-1,-3-4-3,-4-7 210,-1 0 0,0 0 1,0 1-1,0-1 0,0 0 1,0 0-1,1 0 0,-1 0 1,0 0-1,0 0 0,0 1 0,0-1 1,1 0-1,-1 0 0,0 0 1,0 0-1,0 0 0,1 0 1,-1 0-1,0 0 0,0 0 1,0 0-1,1 0 0,-1 0 0,0 0 1,0 0-1,0 0 0,1 0 1,-1 0-1,0 0 0,0 0 1,0 0-1,0 0 0,1 0 1,-1 0-1,0-1 0,0 1 0,0 0 1,1 0-1,-1 0 0,0 0 1,0 0-1,0-1 0,0 1 1,0 0-1,0 0 0,1 0 1,-1-1-1,0 0-4,1-1-1,-1 1 1,1-1 0,-1 1 0,1-1-1,-1 1 1,0-1 0,0 1-1,0-1 1,0-2 0,-2-23-263,1 19 309,-6-54-2021,-2-30-7806</inkml:trace>
+</inkml:ink>
+</file>
+
+<file path=ppt/ink/ink34.xml><?xml version="1.0" encoding="utf-8"?>
+<inkml:ink xmlns:inkml="http://www.w3.org/2003/InkML">
+  <inkml:definitions>
+    <inkml:context xml:id="ctx0">
+      <inkml:inkSource xml:id="inkSrc0">
+        <inkml:traceFormat>
+          <inkml:channel name="X" type="integer" min="-2.14748E9" max="2.14748E9" units="cm"/>
+          <inkml:channel name="Y" type="integer" min="-2.14748E9" max="2.14748E9" units="cm"/>
+          <inkml:channel name="F" type="integer" max="32767" units="dev"/>
+        </inkml:traceFormat>
+        <inkml:channelProperties>
+          <inkml:channelProperty channel="X" name="resolution" value="1000" units="1/cm"/>
+          <inkml:channelProperty channel="Y" name="resolution" value="1000" units="1/cm"/>
+          <inkml:channelProperty channel="F" name="resolution" value="0" units="1/dev"/>
+        </inkml:channelProperties>
+      </inkml:inkSource>
+      <inkml:timestamp xml:id="ts0" timeString="2022-07-20T17:59:37.536"/>
+    </inkml:context>
+    <inkml:brush xml:id="br0">
+      <inkml:brushProperty name="width" value="0.05" units="cm"/>
+      <inkml:brushProperty name="height" value="0.05" units="cm"/>
+      <inkml:brushProperty name="color" value="#5B2D90"/>
+    </inkml:brush>
+  </inkml:definitions>
+  <inkml:trace contextRef="#ctx0" brushRef="#br0">559 208 15328,'0'1'109,"-1"0"0,1-1 0,0 1 0,-1 0 0,1 0 0,-1 0 0,1-1 1,-1 1-1,0 0 0,1-1 0,-1 1 0,0 0 0,1-1 0,-1 1 0,0-1 1,0 1-1,1-1 0,-1 1 0,0-1 0,0 1 0,0-1 0,0 0 0,0 0 1,-1 1-1,-2-1 85,0 1-1,0-1 1,-8 0 0,6 0-95,-79 8 1929,58-5-1895,-45 6 901,-7-1-1014,-115-1-1212,190-7 1022,1 0 0,-1 0 0,0-1 0,0 1 1,1-1-1,-1 0 0,1 0 0,-1 0 0,0 0 0,1-1 1,-7-3-1,10 5 145,0 0 4,-1-1-1,1 1 1,0 0 0,0 0-1,0 0 1,-1 0 0,1 0-1,0-1 1,0 1 0,0 0-1,0 0 1,0 0 0,-1-1-1,1 1 1,0 0 0,0 0-1,0 0 1,0-1 0,0 1-1,0 0 1,0 0 0,0-1-1,0 1 1,0 0 0,-1 0-1,1 0 1,0-1 0,1 1-1,-1 0 1,0 0 0,0-1-1,0 1 1,0 0 0,0-1-1,1-11-214,1 0 0,0 0-1,8-23 1,22-50-1604,-29 76 1147,26-64-9260</inkml:trace>
+</inkml:ink>
+</file>
+
+<file path=ppt/ink/ink35.xml><?xml version="1.0" encoding="utf-8"?>
+<inkml:ink xmlns:inkml="http://www.w3.org/2003/InkML">
+  <inkml:definitions>
+    <inkml:context xml:id="ctx0">
+      <inkml:inkSource xml:id="inkSrc0">
+        <inkml:traceFormat>
+          <inkml:channel name="X" type="integer" min="-2.14748E9" max="2.14748E9" units="cm"/>
+          <inkml:channel name="Y" type="integer" min="-2.14748E9" max="2.14748E9" units="cm"/>
+          <inkml:channel name="F" type="integer" max="32767" units="dev"/>
+        </inkml:traceFormat>
+        <inkml:channelProperties>
+          <inkml:channelProperty channel="X" name="resolution" value="1000" units="1/cm"/>
+          <inkml:channelProperty channel="Y" name="resolution" value="1000" units="1/cm"/>
+          <inkml:channelProperty channel="F" name="resolution" value="0" units="1/dev"/>
+        </inkml:channelProperties>
+      </inkml:inkSource>
+      <inkml:timestamp xml:id="ts0" timeString="2022-07-20T17:59:38.049"/>
+    </inkml:context>
+    <inkml:brush xml:id="br0">
+      <inkml:brushProperty name="width" value="0.05" units="cm"/>
+      <inkml:brushProperty name="height" value="0.05" units="cm"/>
+      <inkml:brushProperty name="color" value="#5B2D90"/>
+    </inkml:brush>
+  </inkml:definitions>
+  <inkml:trace contextRef="#ctx0" brushRef="#br0">508 17 15152,'-11'-6'863,"9"4"-495,0 1 0,-1-1 1,1 1-1,-1 0 0,1 0 0,-5-1 1,3 1-137,-1 1 1,1 0 0,0 0-1,-1 1 1,1-1 0,-8 2-1,8-1-172,-8 2-59,0 0 1,1 1-1,0 0 1,-20 10-1,20-9-34,-32 14-387,-41 24-32,-75 52-228,154-93 672,-1 1 2,-15 13 4,19-14 3,0 0-1,-1 0 0,1 0 0,0 0 1,-2 4-1,4-6 0,0 1 1,0-1-1,0 1 1,0-1 0,0 1-1,0-1 1,0 1-1,1-1 1,-1 0-1,0 1 1,0-1-1,0 1 1,0-1-1,1 1 1,-1-1 0,0 0-1,0 1 1,1-1-1,-1 0 1,0 1-1,1 0 1,0-1 0,1 3-2,1 0 0,-1-1 0,1 0-1,0 1 1,0-1 0,0 0 0,0 0 0,4 1 0,25 10-17,-23-10-14,69 31-460,-42-17 341,59 29-10,-76-35 76,28 19 3,8 9 66,28 36 66,-71-61 198,34 60 97,-45-73-321,0 1 0,0-1-1,-1 1 1,1-1 0,-1 1-1,1 0 1,-1-1 0,1 3-1,2 20 121,0 42 0,-3-64-123,0 0-1,0 0 0,0 0 0,-1 0 0,1 0 0,-1 0 1,0 2-1,-7 14 54,0 0 0,-16 25 0,23-42-59,0 1 0,0-1 0,-1 1 0,1-1 0,0 0 0,0 1 0,-4 1 0,-16 12 81,-41 20-1,59-34-62,1 0 1,-1 0-1,1 0 0,-1 0 1,1-1-1,-4 1 0,-109 8 254,112-9-280,-1 0-1,1 0 1,-1-1 0,-5-1-1,-101-33-7,91 25-206,5 1-16,1-1-1,0 0 0,1-1 0,0 0 1,-13-17-1,14 13-150,1 0-1,-10-19 1,16 22 209,1-4-580,1 0 1,1-18 0,-2-28-9456</inkml:trace>
+</inkml:ink>
+</file>
+
+<file path=ppt/ink/ink36.xml><?xml version="1.0" encoding="utf-8"?>
+<inkml:ink xmlns:inkml="http://www.w3.org/2003/InkML">
+  <inkml:definitions>
+    <inkml:context xml:id="ctx0">
+      <inkml:inkSource xml:id="inkSrc0">
+        <inkml:traceFormat>
+          <inkml:channel name="X" type="integer" min="-2.14748E9" max="2.14748E9" units="cm"/>
+          <inkml:channel name="Y" type="integer" min="-2.14748E9" max="2.14748E9" units="cm"/>
+          <inkml:channel name="F" type="integer" max="32767" units="dev"/>
+        </inkml:traceFormat>
+        <inkml:channelProperties>
+          <inkml:channelProperty channel="X" name="resolution" value="1000" units="1/cm"/>
+          <inkml:channelProperty channel="Y" name="resolution" value="1000" units="1/cm"/>
+          <inkml:channelProperty channel="F" name="resolution" value="0" units="1/dev"/>
+        </inkml:channelProperties>
+      </inkml:inkSource>
+      <inkml:timestamp xml:id="ts0" timeString="2022-07-20T17:59:38.598"/>
+    </inkml:context>
+    <inkml:brush xml:id="br0">
+      <inkml:brushProperty name="width" value="0.05" units="cm"/>
+      <inkml:brushProperty name="height" value="0.05" units="cm"/>
+      <inkml:brushProperty name="color" value="#5B2D90"/>
+    </inkml:brush>
+  </inkml:definitions>
+  <inkml:trace contextRef="#ctx0" brushRef="#br0">308 0 13088,'-8'10'31,"7"-8"124,-1 0 0,0 0-1,1 1 1,-1-1 0,0-1-1,0 1 1,-1 0 0,-1 1 0,-5 0 1558,9-3-1676,0 0-1,0 0 1,0 0 0,-1 0 0,1 0 0,0 0 0,0 0 0,0 0 0,-1 0 0,1 0 0,0 0 0,0 0 0,0 0 0,-1 0 0,1 0 0,0 0-1,0-1 1,0 1 0,0 0 0,-1 0 0,1 0 0,0 0 0,0-1 0,0 1 0,0 0 0,0 0 0,-1 0 0,1 0 0,0-1 0,0 1 0,0 0 0,0 0-1,0 0 1,0-1 0,0 1 0,0 0 0,0 0 0,0-1 0,0 1 0,0 0 0,0 0 0,0-1 0,-2 1 271,-24 3 64,17 2-384,-58 39-47,49-33-151,1 0 0,-27 24-1,30-23 19,8-7 99,-2 1 50,1 1-1,0-1 0,1 1 0,-11 14 0,-1 6 18,18-22 14,5 9 4,-4-11 8,1-1 0,-1 0 0,1 1 0,0-1 0,2 3 0,3 0 12,0 1 0,0-1 0,0-1 1,0 1-1,1-2 0,10 6 0,45 12 87,-57-19-110,13 5 36,0 0-1,32 18 1,-37-17-16,3 2 39,63 48 24,-66-44-24,51 62 44,-63-74-71,-1 0 0,1 0 0,-1 0 0,0 0 1,1 1-1,0 1 0,29 89 203,-28-73-18,-4 4-69,-6 48 0,7-70-123,0-1 0,-1 1 0,1 0 1,-1-1-1,1 1 0,-1-1 0,0 1 1,-1 2-1,-5 7 25,-1-1 1,-1 1-1,0-1 1,-10 9-1,18-18-20,-1 0 1,1 0-1,0 0 0,0-1 1,0 1-1,-1 0 0,1-1 1,0 1-1,-2 0 0,-12 3 33,0-1 0,0 0-1,-27 1 1,41-4-62,0 0-1,-1 0 1,1 0-1,0 0 1,-1 0-1,1-1 1,-1 1 0,1 0-1,0-1 1,0 1-1,-2-1 1,-14-8-75,1 0 1,0-1 0,-15-13-1,17 10-875,0-4 362,-18-33 0,31 49 586,1 0-1,0 1 0,-1-1 0,1 0 0,0 1 0,-1-1 0,1 0 1,0 0-1,0 0 0,-1 1 0,1-1 0,0 0 0,0 0 0,0 1 1,0-1-1,1-2 0,1-14-456,2 0 1,9-26-1,-10 32-322,18-70-8909</inkml:trace>
+</inkml:ink>
+</file>
+
+<file path=ppt/ink/ink37.xml><?xml version="1.0" encoding="utf-8"?>
+<inkml:ink xmlns:inkml="http://www.w3.org/2003/InkML">
+  <inkml:definitions>
+    <inkml:context xml:id="ctx0">
+      <inkml:inkSource xml:id="inkSrc0">
+        <inkml:traceFormat>
+          <inkml:channel name="X" type="integer" min="-2.14748E9" max="2.14748E9" units="cm"/>
+          <inkml:channel name="Y" type="integer" min="-2.14748E9" max="2.14748E9" units="cm"/>
+          <inkml:channel name="F" type="integer" max="32767" units="dev"/>
+        </inkml:traceFormat>
+        <inkml:channelProperties>
+          <inkml:channelProperty channel="X" name="resolution" value="1000" units="1/cm"/>
+          <inkml:channelProperty channel="Y" name="resolution" value="1000" units="1/cm"/>
+          <inkml:channelProperty channel="F" name="resolution" value="0" units="1/dev"/>
+        </inkml:channelProperties>
+      </inkml:inkSource>
+      <inkml:timestamp xml:id="ts0" timeString="2022-07-20T17:59:39.067"/>
+    </inkml:context>
+    <inkml:brush xml:id="br0">
+      <inkml:brushProperty name="width" value="0.05" units="cm"/>
+      <inkml:brushProperty name="height" value="0.05" units="cm"/>
+      <inkml:brushProperty name="color" value="#5B2D90"/>
+    </inkml:brush>
+  </inkml:definitions>
+  <inkml:trace contextRef="#ctx0" brushRef="#br0">15 361 13088,'-13'24'237,"13"-23"-190,0-1 1,-1 0-1,1 1 0,0-1 1,0 0-1,0 1 0,0-1 0,0 0 1,0 1-1,0-1 0,0 0 1,0 1-1,0-1 0,0 0 1,0 1-1,0-1 0,0 0 1,0 1-1,0-1 0,1 0 1,-1 1-1,0-1 0,0 0 1,0 1-1,1-1 0,-1 0 1,0 0-1,0 1 0,0-1 1,1 0-1,-1 0 0,0 1 0,1-1 1,-1 0-1,0 0 0,0 0 1,1 0-1,-1 0 0,0 1 1,1-1-1,-1 0 0,0 0 1,1 0-1,-1 0 0,0 0 1,1 0-1,0 0 0,21 1 1744,-15-1-1491,102 7 694,6-1-1013,-83-5 12,-18 0 4,-1-1-1,1-1 0,19-2 1,-30 2 2,-1 1 0,0-1 0,1 0 1,-1 0-1,0-1 0,0 1 0,0 0 0,0-1 1,0 1-1,0-1 0,0 1 0,0-1 1,-1 0-1,1 0 0,-1 0 0,3-3 0,0-2 0,0-1-1,6-15 0,-7 14-1,2-6-17,5-71-6,-10 83 24,0 1 0,0 0 0,0 0 0,0 0 0,0 0 0,-2-3 0,-23-84-10,18 72 32,-39-54 47,45 70-49,1 0 0,-1 0 0,0 0 0,0 0 0,1 0-1,-1 0 1,0 1 0,0-1 0,0 0 0,0 1 0,-2-2 0,-11-4 56,0 0 1,0 1 0,-22-4-1,35 8-60,0 1 0,0 0 0,0 0 0,-1 0 0,1 0-1,0 0 1,0 0 0,0 0 0,-1 0 0,1 0 0,0 0 0,-2 1-1,-9 2 17,1 1-1,0 0 1,0 0-1,0 1 1,1 0-1,0 1 0,0 0 1,0 1-1,0 0 1,1 0-1,1 1 1,-10 10-1,4 2 23,1 0 1,2 0-1,0 2 0,-15 40 0,25-60-37,0 1-1,1-1 1,-1 0-1,0 1 1,1-1-1,0 4 1,0 101 137,3-85-24,13 32 4,-10-39-123,0-1-1,10 17 1,-8-18-18,2 0 1,-1-1-1,1 0 0,1-1 0,14 12 0,-9-11-258,7-1 45,40 15 0,-44-22-398,76 3-276,-86-7 452,0-1-1,18-2 0,-14 1 259,23-6-11,-14 4-1891,24-3-5584,-107 16 5766</inkml:trace>
+</inkml:ink>
+</file>
+
+<file path=ppt/ink/ink38.xml><?xml version="1.0" encoding="utf-8"?>
+<inkml:ink xmlns:inkml="http://www.w3.org/2003/InkML">
+  <inkml:definitions>
+    <inkml:context xml:id="ctx0">
+      <inkml:inkSource xml:id="inkSrc0">
+        <inkml:traceFormat>
+          <inkml:channel name="X" type="integer" min="-2.14748E9" max="2.14748E9" units="cm"/>
+          <inkml:channel name="Y" type="integer" min="-2.14748E9" max="2.14748E9" units="cm"/>
+          <inkml:channel name="F" type="integer" max="32767" units="dev"/>
+        </inkml:traceFormat>
+        <inkml:channelProperties>
+          <inkml:channelProperty channel="X" name="resolution" value="1000" units="1/cm"/>
+          <inkml:channelProperty channel="Y" name="resolution" value="1000" units="1/cm"/>
+          <inkml:channelProperty channel="F" name="resolution" value="0" units="1/dev"/>
+        </inkml:channelProperties>
+      </inkml:inkSource>
+      <inkml:timestamp xml:id="ts0" timeString="2022-07-20T17:59:39.567"/>
+    </inkml:context>
+    <inkml:brush xml:id="br0">
+      <inkml:brushProperty name="width" value="0.05" units="cm"/>
+      <inkml:brushProperty name="height" value="0.05" units="cm"/>
+      <inkml:brushProperty name="color" value="#5B2D90"/>
+    </inkml:brush>
+  </inkml:definitions>
+  <inkml:trace contextRef="#ctx0" brushRef="#br0">1 211 12728,'0'1'175,"0"1"1,0-1-1,1 1 1,-1 0-1,0-1 1,1 1-1,-1-1 1,1 1-1,0-1 1,0 1-1,0 0 1,1 1 227,0 0 1,-1 0 0,0 0 0,0 0 0,2 5 0,10 42 833,-10-38-724,4 67 106,-6-61-604,-7 70 5,3-52-38,3-21 16,-3 85-29,3-94 27,6-22-1,6-16 10,5-21-4,73-216-1,-82 247 2,11-23 0,-12 31 23,1 1 0,0 0 0,0 1 0,16-17-1,-22 27-18,-1 1 0,1-1 0,-1 1 0,1-1 0,-1 1 0,1 0 0,0 0 0,0 0 0,0 0 0,0 0 0,0 0 0,0 1 0,0-1-1,2 0 1,-3 1 3,1 0 0,-1 0 0,1 0 0,-1 0 0,1 1 0,-1-1 0,0 1 0,1-1 0,-1 1 0,1-1 0,-1 1 0,0 0 0,1-1 0,-1 1 0,0 0 0,0 0 0,0 0 0,0 0 0,0 0 0,0 0 0,1 2 0,4 5 39,-1-1 1,-1 1-1,0 0 1,6 15-1,10 35 364,-19-53-385,13 40 117,10 43 291,-19-79-333,-5-9-101,0 0-1,0 0 1,0 0 0,0 0 0,0 1-1,0-1 1,0 0 0,0 0-1,1 0 1,-1 0 0,0 0-1,0 0 1,0 0 0,0 0 0,0 0-1,0 0 1,1 0 0,-1 0-1,0 0 1,0 0 0,0 0-1,0 0 1,0 0 0,1 0 0,-1 0-1,0 0 1,0 0 0,0 0-1,0 0 1,0 0 0,0 0-1,1 0 1,-1 0 0,1-1-2,-1 0 0,1 0 1,0 0-1,-1 0 0,1 0 0,-1 0 1,1 0-1,-1 0 0,1-1 0,-1 1 1,0 0-1,1-2 0,52-233-268,-49 227 275,33-54 74,-32 55 75,0 0 0,1 1-1,0 0 1,11-11 0,-8 9-83,-9 9-53,1-1 0,-1 1 0,1-1 0,-1 1 0,1-1 0,-1 1 0,1-1 0,0 1 0,-1 0 0,1-1 0,-1 1 0,1 0 0,1-1 0,7-2 74,1 1-1,-1 0 0,19-1 1,-27 3-79,0 0 1,-1 0-1,1 0 1,0 0-1,-1 0 1,1 0-1,0 0 1,-1 1-1,1-1 1,-1 0-1,1 0 1,0 0-1,-1 1 1,1-1-1,-1 0 1,1 1-1,10 6 66,-1 1 0,0 0-1,12 14 1,-21-20-66,0-1 0,1 0 0,-1 1 1,0-1-1,0 1 0,-1 0 0,2 2 0,36 90 138,-31-73-70,21 90 10,-16-53-187,-10-45 83,6 50-591,-5-47 211,3 15 166,-1 4-3164,1 3-6853,-14-89 7727</inkml:trace>
+</inkml:ink>
+</file>
+
+<file path=ppt/ink/ink39.xml><?xml version="1.0" encoding="utf-8"?>
+<inkml:ink xmlns:inkml="http://www.w3.org/2003/InkML">
+  <inkml:definitions>
+    <inkml:context xml:id="ctx0">
+      <inkml:inkSource xml:id="inkSrc0">
+        <inkml:traceFormat>
+          <inkml:channel name="X" type="integer" min="-2.14748E9" max="2.14748E9" units="cm"/>
+          <inkml:channel name="Y" type="integer" min="-2.14748E9" max="2.14748E9" units="cm"/>
+          <inkml:channel name="F" type="integer" max="32767" units="dev"/>
+        </inkml:traceFormat>
+        <inkml:channelProperties>
+          <inkml:channelProperty channel="X" name="resolution" value="1000" units="1/cm"/>
+          <inkml:channelProperty channel="Y" name="resolution" value="1000" units="1/cm"/>
+          <inkml:channelProperty channel="F" name="resolution" value="0" units="1/dev"/>
+        </inkml:channelProperties>
+      </inkml:inkSource>
+      <inkml:timestamp xml:id="ts0" timeString="2022-07-20T17:59:40.035"/>
+    </inkml:context>
+    <inkml:brush xml:id="br0">
+      <inkml:brushProperty name="width" value="0.05" units="cm"/>
+      <inkml:brushProperty name="height" value="0.05" units="cm"/>
+      <inkml:brushProperty name="color" value="#5B2D90"/>
+    </inkml:brush>
+  </inkml:definitions>
+  <inkml:trace contextRef="#ctx0" brushRef="#br0">5 1 14616,'0'0'2474,"0"9"-1547,4 114 10,-4-92-564,0 147 78,0-132-438,-1 90 1,-2 16 12,3-95 94,-4 182 68,4-201 34,0-1-67,0 6 45,7 52 1,-7-94-191,0 1 1,1 0-1,-1 0 0,1 0 1,-1-1-1,1 1 1,-1 0-1,1-1 1,1 3-1,-2-4-6,1 0-1,-1 1 1,0-1 0,0 0-1,1 0 1,-1 1-1,0-1 1,0 0-1,1 0 1,-1 0 0,0 0-1,1 1 1,-1-1-1,0 0 1,0 0 0,1 0-1,-1 0 1,0 0-1,1 0 1,-1 0-1,0 0 1,1 0 0,-1 0-1,0 0 1,1 0-1,-1 0 1,0 0 0,1 0-1,-1 0 1,3-2 12,-1 0 0,1 1 0,-1-1 1,0 0-1,1 0 0,-1 0 0,0-1 1,1-1-1,0 1-10,4-8 5,-4 7 10,0 0-1,0 0 1,0 1 0,1-1 0,3-3 0,53-55 116,-46 49-84,71-45 13,-83 57-66,-1 0 1,1 0 0,-1 0-1,1 0 1,-1 1 0,1-1-1,0 0 1,0 1 0,1-1-1,91-13 12,-92 14-10,-1 0 0,1 0 0,-1 0 0,1 0 0,-1 0 0,1 0 0,-1 1 0,1-1 0,-1 0 0,3 2 0,21 8 16,37 20 1,-60-29-13,0 0 0,1 1-1,-1-1 1,0 1 0,3 3 0,11 13 32,28 39 0,-36-40 108,-2 3-78,-1 0 0,4 26 0,-9-44-50,0 0-1,1 0 1,-1-1-1,0 1 1,-1 0-1,1 0 1,-1 2-1,-4 19 83,-15 33 0,20-55-86,-1 0-1,1 0 1,-1 1-1,1-1 1,-1 0-1,0 0 0,0 0 1,1 0-1,-1 0 1,0 0-1,-1 0 1,2-1-14,-7 7 55,1-2 0,-14 10 0,10-9-33,-22 8 0,30-13-14,0 0 0,-1-1-1,1 1 1,0 0 0,0-1 0,-3 1 0,-17 0 14,0-1 0,-34-4 0,35 0-42,-82-34-69,85 28-236,10 5 175,-4-3-59,-1-1 1,1-1-1,1 1 0,-20-23 0,22 21-69,1-2-1,-14-24 0,22 36 269,-1 0 0,1 0 0,-1 0 0,1 0 0,0 0 0,0 0 0,0 0 0,-1 0 0,1 0 0,0 0 0,0 0 0,0 0 0,1-2 0,3-27-622,9-38-1,-8 47-718,16-90-10888</inkml:trace>
+</inkml:ink>
+</file>
+
+<file path=ppt/ink/ink4.xml><?xml version="1.0" encoding="utf-8"?>
+<inkml:ink xmlns:inkml="http://www.w3.org/2003/InkML">
+  <inkml:definitions>
+    <inkml:context xml:id="ctx0">
+      <inkml:inkSource xml:id="inkSrc0">
+        <inkml:traceFormat>
+          <inkml:channel name="X" type="integer" min="-2.14748E9" max="2.14748E9" units="cm"/>
+          <inkml:channel name="Y" type="integer" min="-2.14748E9" max="2.14748E9" units="cm"/>
+          <inkml:channel name="F" type="integer" max="32767" units="dev"/>
+        </inkml:traceFormat>
+        <inkml:channelProperties>
+          <inkml:channelProperty channel="X" name="resolution" value="1000" units="1/cm"/>
+          <inkml:channelProperty channel="Y" name="resolution" value="1000" units="1/cm"/>
+          <inkml:channelProperty channel="F" name="resolution" value="0" units="1/dev"/>
+        </inkml:channelProperties>
+      </inkml:inkSource>
+      <inkml:timestamp xml:id="ts0" timeString="2022-07-20T17:59:25.920"/>
+    </inkml:context>
+    <inkml:brush xml:id="br0">
+      <inkml:brushProperty name="width" value="0.05" units="cm"/>
+      <inkml:brushProperty name="height" value="0.05" units="cm"/>
+      <inkml:brushProperty name="color" value="#5B2D90"/>
+    </inkml:brush>
+  </inkml:definitions>
+  <inkml:trace contextRef="#ctx0" brushRef="#br0">0 1 15240,'4'31'1431,"-2"53"155,-1-62-818,0 121 232,0-110-634,9 141 73,-7-135-444,17 178-49,-16-178-206,17 136-786,-13-113 144,-7-59 537,0-5-130,2-3 328,-1 1-1,0-1 1,0 0-1,0 0 1,1-6-1,8-26-161,23-71-1886,-3 9-7371</inkml:trace>
+</inkml:ink>
+</file>
+
+<file path=ppt/ink/ink40.xml><?xml version="1.0" encoding="utf-8"?>
+<inkml:ink xmlns:inkml="http://www.w3.org/2003/InkML">
+  <inkml:definitions>
+    <inkml:context xml:id="ctx0">
+      <inkml:inkSource xml:id="inkSrc0">
+        <inkml:traceFormat>
+          <inkml:channel name="X" type="integer" min="-2.14748E9" max="2.14748E9" units="cm"/>
+          <inkml:channel name="Y" type="integer" min="-2.14748E9" max="2.14748E9" units="cm"/>
+          <inkml:channel name="F" type="integer" max="32767" units="dev"/>
+        </inkml:traceFormat>
+        <inkml:channelProperties>
+          <inkml:channelProperty channel="X" name="resolution" value="1000" units="1/cm"/>
+          <inkml:channelProperty channel="Y" name="resolution" value="1000" units="1/cm"/>
+          <inkml:channelProperty channel="F" name="resolution" value="0" units="1/dev"/>
+        </inkml:channelProperties>
+      </inkml:inkSource>
+      <inkml:timestamp xml:id="ts0" timeString="2022-07-20T17:59:40.380"/>
+    </inkml:context>
+    <inkml:brush xml:id="br0">
+      <inkml:brushProperty name="width" value="0.05" units="cm"/>
+      <inkml:brushProperty name="height" value="0.05" units="cm"/>
+      <inkml:brushProperty name="color" value="#5B2D90"/>
+    </inkml:brush>
+  </inkml:definitions>
+  <inkml:trace contextRef="#ctx0" brushRef="#br0">0 0 15064,'2'91'294,"-2"-61"1179,2 78 1,-1 21-956,-1-73 604,3 247 359,-3-242-828,4 224 143,-4-234-736,0 189-74,0-218-95,-1 10-464,7 59 0,-6-91 529,0 0 0,0 1 0,0-1 1,0 1-1,0-1 0,0 0 0,0 1 0,0-1 0,0 0 0,0 1 0,0-1 1,0 0-1,0 1 0,0-1 0,0 0 0,1 0 0,-1 1 0,0-1 0,0 0 1,0 1-1,1-1 0,-1 0 0,0 0 0,0 1 0,1-1 0,-1 0 1,0 0-1,0 0 0,1 1 0,-1-1 0,0 0 0,1 0 0,-1 0 0,0 0 1,1 0-1,-1 0 0,0 0 0,1 0 0,-1 0 0,0 1 0,1-1 0,-1-1 1,0 1-1,1 0 0,-1 0 0,0 0 0,1 0 0,-1 0 0,0 0 1,1 0-1,-1 0 0,0 0 0,1-1 0,-1 1 0,1 0 0,11-12-287,-11 12 323,66-61-2809,-12 9-8116</inkml:trace>
+</inkml:ink>
+</file>
+
+<file path=ppt/ink/ink41.xml><?xml version="1.0" encoding="utf-8"?>
+<inkml:ink xmlns:inkml="http://www.w3.org/2003/InkML">
+  <inkml:definitions>
+    <inkml:context xml:id="ctx0">
+      <inkml:inkSource xml:id="inkSrc0">
+        <inkml:traceFormat>
+          <inkml:channel name="X" type="integer" min="-2.14748E9" max="2.14748E9" units="cm"/>
+          <inkml:channel name="Y" type="integer" min="-2.14748E9" max="2.14748E9" units="cm"/>
+          <inkml:channel name="F" type="integer" max="32767" units="dev"/>
+        </inkml:traceFormat>
+        <inkml:channelProperties>
+          <inkml:channelProperty channel="X" name="resolution" value="1000" units="1/cm"/>
+          <inkml:channelProperty channel="Y" name="resolution" value="1000" units="1/cm"/>
+          <inkml:channelProperty channel="F" name="resolution" value="0" units="1/dev"/>
+        </inkml:channelProperties>
+      </inkml:inkSource>
+      <inkml:timestamp xml:id="ts0" timeString="2022-07-20T17:59:40.863"/>
+    </inkml:context>
+    <inkml:brush xml:id="br0">
+      <inkml:brushProperty name="width" value="0.05" units="cm"/>
+      <inkml:brushProperty name="height" value="0.05" units="cm"/>
+      <inkml:brushProperty name="color" value="#5B2D90"/>
+    </inkml:brush>
+  </inkml:definitions>
+  <inkml:trace contextRef="#ctx0" brushRef="#br0">504 1 14704,'-67'29'288,"59"-25"1153,12-7 4,-3 3-1477,3-3 379,0 1 0,0 0 0,-1 1 0,1-1 0,8-1-1,-1 2-78,-11 1-259,0 0-1,0 0 0,0 0 1,1 0-1,-1 0 0,0 0 1,0 0-1,0 0 0,0 0 1,0 0-1,0 0 0,0 0 1,0 0-1,0 0 0,0 0 1,0 0-1,0 0 0,1 0 1,-1 0-1,0 0 0,0 0 1,0 0-1,0 0 0,0 0 1,0 0-1,0 0 0,0 0 1,0 1-1,0-1 0,0 0 1,0 0-1,0 0 0,0 0 1,0 0-1,0 0 0,0 0 1,0 0-1,0 0 0,0 0 1,0 0-1,1 0 0,-1 0 0,0 0 1,0 1-1,0-1 0,0 0 1,0 0-1,0 0 0,0 0 1,0 0-1,-1 0 0,1 0 1,0 0-1,0 0 0,0 0 1,0 0-1,0 0 0,0 1 1,0-1-1,0 0 0,0 0 1,0 0-1,0 0 0,0 0 1,-1 7 285,0-2-246,0 0 0,0 0 0,-1-1 0,0 1 0,0 0 0,0 0 0,-3 4 0,-43 81-14,36-66 12,-58 124 30,54-110 26,-78 209 35,76-195-84,-65 187 13,69-197-60,-54 148-76,41-111-126,19-62-877,8-17 1070,0 0-1,0 0 0,0 0 1,0 0-1,0 0 0,0 0 1,0 0-1,0 0 0,0 0 0,0 0 1,0 1-1,0-1 0,0 0 1,0 0-1,0 0 0,-1 0 1,1 0-1,0 0 0,0 0 0,0 0 1,0 0-1,0 0 0,0 0 1,0 0-1,0 0 0,0 0 1,0 0-1,0 0 0,0 0 1,0 0-1,0 0 0,0 0 0,0 0 1,-1 0-1,1 0 0,0 0 1,0 0-1,0 0 0,0-1 1,0 1-1,0 0 0,0 0 0,0 0 1,0 0-1,0 0 0,0 0 1,0 0-1,0 0 0,0 0 1,0 0-1,0 0 0,0 0 0,0 0 1,0 0-1,0 0 0,0 0 1,0 0-1,0 0 0,0 0 1,0-1-1,-1-8-1008,11-83-2,-7 69 782,13-128-2180,0 11-8281</inkml:trace>
+</inkml:ink>
+</file>
+
+<file path=ppt/ink/ink42.xml><?xml version="1.0" encoding="utf-8"?>
+<inkml:ink xmlns:inkml="http://www.w3.org/2003/InkML">
+  <inkml:definitions>
+    <inkml:context xml:id="ctx0">
+      <inkml:inkSource xml:id="inkSrc0">
+        <inkml:traceFormat>
+          <inkml:channel name="X" type="integer" min="-2.14748E9" max="2.14748E9" units="cm"/>
+          <inkml:channel name="Y" type="integer" min="-2.14748E9" max="2.14748E9" units="cm"/>
+          <inkml:channel name="F" type="integer" max="32767" units="dev"/>
+        </inkml:traceFormat>
+        <inkml:channelProperties>
+          <inkml:channelProperty channel="X" name="resolution" value="1000" units="1/cm"/>
+          <inkml:channelProperty channel="Y" name="resolution" value="1000" units="1/cm"/>
+          <inkml:channelProperty channel="F" name="resolution" value="0" units="1/dev"/>
+        </inkml:channelProperties>
+      </inkml:inkSource>
+      <inkml:timestamp xml:id="ts0" timeString="2022-07-20T17:59:41.246"/>
+    </inkml:context>
+    <inkml:brush xml:id="br0">
+      <inkml:brushProperty name="width" value="0.05" units="cm"/>
+      <inkml:brushProperty name="height" value="0.05" units="cm"/>
+      <inkml:brushProperty name="color" value="#5B2D90"/>
+    </inkml:brush>
+  </inkml:definitions>
+  <inkml:trace contextRef="#ctx0" brushRef="#br0">0 0 13272,'33'67'1664,"7"15"198,-11-21 77,10 23-1141,-29-63-567,36 89 117,-37-85-431,0 1-1,7 41 0,-16-67 69,0 0-1,0 0 1,0 0-1,0 0 1,0 0-1,-1 0 1,1 0-1,0 0 1,0 0-1,0 0 1,0 0-1,0 0 1,0 0-1,0 0 1,0 0-1,0 0 1,0 0-1,0 0 1,0 0-1,0 0 1,-1 0-1,1 0 1,0 0-1,0 0 1,0 0-1,0 0 1,0 1-1,0-1 1,0 0-1,0 0 1,0 0-1,0 0 1,0 0-1,0 0 1,0 0-1,0 0 1,0 0-1,0 0 1,0 0-1,0 0 1,0 0-1,0 0 1,0 1-1,0-1 1,0 0-1,0 0 1,0 0-1,0 0 1,0 0-1,0 0 1,0 0-1,0 0 1,0 0-1,0 0 1,0 0-1,0 0 1,0 0-1,0 0 1,0 1-1,0-1 1,0 0-1,0 0 1,0 0-1,0 0 1,0 0-1,0 0 1,-1 0-47,0-1 1,0 1 0,0 0-1,0-1 1,0 1-1,0-1 1,0 1-1,0-1 1,0 1 0,0-1-1,0 0 1,0 1-1,0-1 1,0 0-1,0-1 1,-2-1-506,0-1-1,-1 2 1,1-1-1,-4-3 1,-11-6-7316,41 28 5945</inkml:trace>
+</inkml:ink>
+</file>
+
+<file path=ppt/ink/ink43.xml><?xml version="1.0" encoding="utf-8"?>
+<inkml:ink xmlns:inkml="http://www.w3.org/2003/InkML">
+  <inkml:definitions>
+    <inkml:context xml:id="ctx0">
+      <inkml:inkSource xml:id="inkSrc0">
+        <inkml:traceFormat>
+          <inkml:channel name="X" type="integer" min="-2.14748E9" max="2.14748E9" units="cm"/>
+          <inkml:channel name="Y" type="integer" min="-2.14748E9" max="2.14748E9" units="cm"/>
+          <inkml:channel name="F" type="integer" max="32767" units="dev"/>
+        </inkml:traceFormat>
+        <inkml:channelProperties>
+          <inkml:channelProperty channel="X" name="resolution" value="1000" units="1/cm"/>
+          <inkml:channelProperty channel="Y" name="resolution" value="1000" units="1/cm"/>
+          <inkml:channelProperty channel="F" name="resolution" value="0" units="1/dev"/>
+        </inkml:channelProperties>
+      </inkml:inkSource>
+      <inkml:timestamp xml:id="ts0" timeString="2022-07-20T17:59:47.845"/>
+    </inkml:context>
+    <inkml:brush xml:id="br0">
+      <inkml:brushProperty name="width" value="0.05" units="cm"/>
+      <inkml:brushProperty name="height" value="0.05" units="cm"/>
+      <inkml:brushProperty name="color" value="#5B2D90"/>
+    </inkml:brush>
+  </inkml:definitions>
+  <inkml:trace contextRef="#ctx0" brushRef="#br0">26 1474 15416,'22'-12'278,"-22"12"-247,0 0-1,0 0 0,0 0 0,1 0 1,-1 0-1,0 0 0,0 0 1,0 0-1,0 0 0,0 0 1,0 0-1,0-1 0,0 1 1,0 0-1,0 0 0,1 0 1,-1 0-1,0 0 0,0 0 1,0 0-1,0 0 0,0-1 1,0 1-1,0 0 0,0 0 0,0 0 1,0 0-1,0 0 0,0 0 1,0 0-1,0-1 0,0 1 1,0 0-1,0 0 0,0 0 1,0 0-1,0 0 0,0 0 1,0-1-1,0 1 0,0 0 1,0 0-1,-1 0 0,1 0 0,0 0 1,-3-7 440,0 1 1,0 0 0,-9-12-1,11 18-384,1-1 0,-1 0 0,1 0 0,-1 0-1,1 0 1,-1 1 0,1-1 0,0 0-1,-1 0 1,1 0 0,0-2 0,-20-92 1271,19 91-1254,0 0 0,1-1 0,0 1 0,0-5 0,3-149 531,1 116-580,15-94 3,5-19 1,-13 93 176,49-227 86,-49 237-148,39-198 307,-20 113-98,-30 134-404,1 0 68,1 7-578,27 88-98,-20-62-2526,7 26-7727,-38-130 8191</inkml:trace>
+</inkml:ink>
+</file>
+
+<file path=ppt/ink/ink44.xml><?xml version="1.0" encoding="utf-8"?>
+<inkml:ink xmlns:inkml="http://www.w3.org/2003/InkML">
+  <inkml:definitions>
+    <inkml:context xml:id="ctx0">
+      <inkml:inkSource xml:id="inkSrc0">
+        <inkml:traceFormat>
+          <inkml:channel name="X" type="integer" min="-2.14748E9" max="2.14748E9" units="cm"/>
+          <inkml:channel name="Y" type="integer" min="-2.14748E9" max="2.14748E9" units="cm"/>
+          <inkml:channel name="F" type="integer" max="32767" units="dev"/>
+        </inkml:traceFormat>
+        <inkml:channelProperties>
+          <inkml:channelProperty channel="X" name="resolution" value="1000" units="1/cm"/>
+          <inkml:channelProperty channel="Y" name="resolution" value="1000" units="1/cm"/>
+          <inkml:channelProperty channel="F" name="resolution" value="0" units="1/dev"/>
+        </inkml:channelProperties>
+      </inkml:inkSource>
+      <inkml:timestamp xml:id="ts0" timeString="2022-07-20T17:59:49.391"/>
+    </inkml:context>
+    <inkml:brush xml:id="br0">
+      <inkml:brushProperty name="width" value="0.05" units="cm"/>
+      <inkml:brushProperty name="height" value="0.05" units="cm"/>
+      <inkml:brushProperty name="color" value="#5B2D90"/>
+    </inkml:brush>
+  </inkml:definitions>
+  <inkml:trace contextRef="#ctx0" brushRef="#br0">780 0 12464,'-82'52'256,"58"-36"1024,-142 99 465,129-88-697,-156 118 341,187-140-1231,-1 0 1,1 0-1,-11 12 0,-129 152 704,142-164-735,0 1 0,0-1 0,-6 13 0,-30 63 385,12-1-323,28-80-189,-1 4 62,0-1 0,0 1 0,0 0 0,1-1 1,-1 1-1,1 6 0,-1 15 157,4 27 0,0-27-139,8 26 0,-11-51-80,1 5 72,1 0 0,-1-1 0,1 1 0,3 6 0,-5-11-72,37 73 360,12-1-226,-44-65-32,-1-1 0,9 8 0,117 104 305,-123-113-343,-1-1 1,10 7-1,-16-11-64,76 41 194,4-6-104,-80-35-90,7 3 87,0-1 0,13 4 1,154 22 281,-141-25-114,139 2 177,-162-5-392,7 1 8,0-2 0,19-3 0,-3-2 5,-18 2-144,1 1 1,27-2-1,-39 6-634,45 24-748,-5-1-2622,-25-14-6156,-44-24 7701</inkml:trace>
+</inkml:ink>
+</file>
+
+<file path=ppt/ink/ink45.xml><?xml version="1.0" encoding="utf-8"?>
+<inkml:ink xmlns:inkml="http://www.w3.org/2003/InkML">
+  <inkml:definitions>
+    <inkml:context xml:id="ctx0">
+      <inkml:inkSource xml:id="inkSrc0">
+        <inkml:traceFormat>
+          <inkml:channel name="X" type="integer" min="-2.14748E9" max="2.14748E9" units="cm"/>
+          <inkml:channel name="Y" type="integer" min="-2.14748E9" max="2.14748E9" units="cm"/>
+          <inkml:channel name="F" type="integer" max="32767" units="dev"/>
+        </inkml:traceFormat>
+        <inkml:channelProperties>
+          <inkml:channelProperty channel="X" name="resolution" value="1000" units="1/cm"/>
+          <inkml:channelProperty channel="Y" name="resolution" value="1000" units="1/cm"/>
+          <inkml:channelProperty channel="F" name="resolution" value="0" units="1/dev"/>
+        </inkml:channelProperties>
+      </inkml:inkSource>
+      <inkml:timestamp xml:id="ts0" timeString="2022-07-20T17:59:51.577"/>
+    </inkml:context>
+    <inkml:brush xml:id="br0">
+      <inkml:brushProperty name="width" value="0.05" units="cm"/>
+      <inkml:brushProperty name="height" value="0.05" units="cm"/>
+      <inkml:brushProperty name="color" value="#5B2D90"/>
+    </inkml:brush>
+  </inkml:definitions>
+  <inkml:trace contextRef="#ctx0" brushRef="#br0">327 14 14432,'-4'73'246,"3"-50"988,-9 149 401,6-124-853,-11 102 3,-4 24-540,10-101 195,-50 309 94,46-304-508,-59 301 17,58-312 10,-15 77 1,2-17 0,18-83 168,-21 120 94,26-141-88,-3 51 100,8-65-80,0-6-220,0 0 0,0 0 0,1-1 0,-1 1 0,1-1 0,0 0 0,0 1 0,0-1 0,0 0 0,0 0 0,4 3 0,6-2 140,101 5 85,-82-10-20,169-32 65,-151 24-212,242-45 58,-224 43 56,115-15 0,15-2-136,-113 19 58,375-38 64,-358 39-6,173-11 0,17 0-134,-168 13 2,200-6 4,17 2-35,-204 9 16,201-1 1,69 5-26,3 3-3,-69 1-12,-205-3-33,530 18-30,-537-15-44,480 32-27,-495-28 114,148 21 1,-16 5 19,-154-18 0,119 34 1,-15 4 19,-174-50 24,25 11-1,-46-17-36,139 61 74,-25 2-21,-114-63-53,38 24 193,41 29 1,-16-2-129,-42-34 68,27 27 59,-37-33-53,0 0 0,17 24 1,-41-48 40,-7-8-147,19 20-27,0 0-1,0 0 1,0 0-1,0 0 1,1 0 0,-1-1-1,1 1 1,-1 0 0,0 0-1,1 0 1,0-1 0,-1 0-1,-43-140 89,36 106-66,-12-66 4,-2-39-26,2-165-13,19 293 5,-1-53-45,-4-301-43,4 290-84,-25-311-60,18 311 100,9 77 134,-34-184-133,-8 3 72,42 181 61,-3-10-35,1-1 0,-2 1 1,1 0-1,-6-11 0,-55-106-138,-9 20 118,70 102 41,0 1 0,-1-1 0,1 1 0,-1 0 0,0 0 0,-9-6 0,-16-12-34,-39-24 1,33 28 25,-40-16 0,68 31-3,0 1 0,0-1 0,0 1 0,-15-2 0,-117-17-97,-11 13 78,83 7-56,-121 4 0,-15 6 58,112-3-70,-163 15 4,-21 5 65,156-12-62,-200 28 3,-18 4 69,193-25-32,-234 38 3,-18 7 52,235-38 16,-664 124 36,660-123 126,-639 95 81,651-105-36,-214 17 1,-51-7-172,48-22-42,95-15-112,275 8 112,-92-5-558,-86-9 3,39-4 360,50 7-2838,-101-7-7840,443 43 8176</inkml:trace>
+</inkml:ink>
+</file>
+
+<file path=ppt/ink/ink46.xml><?xml version="1.0" encoding="utf-8"?>
+<inkml:ink xmlns:inkml="http://www.w3.org/2003/InkML">
+  <inkml:definitions>
+    <inkml:context xml:id="ctx0">
+      <inkml:inkSource xml:id="inkSrc0">
+        <inkml:traceFormat>
+          <inkml:channel name="X" type="integer" min="-2.14748E9" max="2.14748E9" units="cm"/>
+          <inkml:channel name="Y" type="integer" min="-2.14748E9" max="2.14748E9" units="cm"/>
+          <inkml:channel name="F" type="integer" max="32767" units="dev"/>
+        </inkml:traceFormat>
+        <inkml:channelProperties>
+          <inkml:channelProperty channel="X" name="resolution" value="1000" units="1/cm"/>
+          <inkml:channelProperty channel="Y" name="resolution" value="1000" units="1/cm"/>
+          <inkml:channelProperty channel="F" name="resolution" value="0" units="1/dev"/>
+        </inkml:channelProperties>
+      </inkml:inkSource>
+      <inkml:timestamp xml:id="ts0" timeString="2022-07-20T17:59:53.730"/>
+    </inkml:context>
+    <inkml:brush xml:id="br0">
+      <inkml:brushProperty name="width" value="0.05" units="cm"/>
+      <inkml:brushProperty name="height" value="0.05" units="cm"/>
+      <inkml:brushProperty name="color" value="#5B2D90"/>
+    </inkml:brush>
+  </inkml:definitions>
+  <inkml:trace contextRef="#ctx0" brushRef="#br0">33 1794 13000,'-26'-94'1286,"21"80"-1047,4 10 41,1 8 752,0-3-1001,1 3 271,0 0 0,0 0 1,0-1-1,1 1 0,-1 0 0,1 0 0,0-1 1,0 0-1,3 4 0,-5-11 313,0-309 467,0 283-942,-3-55 0,1-44-95,-5-305 56,7 321-79,1 68 40,14-206 47,-9 172-8,5-157 621,-10 235-793,2-5 198,0 6-311,-1 5-478,10 63-228,-8-46-1952,3 18-6563,-16-94 7087</inkml:trace>
+</inkml:ink>
+</file>
+
+<file path=ppt/ink/ink47.xml><?xml version="1.0" encoding="utf-8"?>
+<inkml:ink xmlns:inkml="http://www.w3.org/2003/InkML">
+  <inkml:definitions>
+    <inkml:context xml:id="ctx0">
+      <inkml:inkSource xml:id="inkSrc0">
+        <inkml:traceFormat>
+          <inkml:channel name="X" type="integer" min="-2.14748E9" max="2.14748E9" units="cm"/>
+          <inkml:channel name="Y" type="integer" min="-2.14748E9" max="2.14748E9" units="cm"/>
+          <inkml:channel name="F" type="integer" max="32767" units="dev"/>
+        </inkml:traceFormat>
+        <inkml:channelProperties>
+          <inkml:channelProperty channel="X" name="resolution" value="1000" units="1/cm"/>
+          <inkml:channelProperty channel="Y" name="resolution" value="1000" units="1/cm"/>
+          <inkml:channelProperty channel="F" name="resolution" value="0" units="1/dev"/>
+        </inkml:channelProperties>
+      </inkml:inkSource>
+      <inkml:timestamp xml:id="ts0" timeString="2022-07-20T17:59:57.045"/>
+    </inkml:context>
+    <inkml:brush xml:id="br0">
+      <inkml:brushProperty name="width" value="0.05" units="cm"/>
+      <inkml:brushProperty name="height" value="0.05" units="cm"/>
+      <inkml:brushProperty name="color" value="#5B2D90"/>
+    </inkml:brush>
+  </inkml:definitions>
+  <inkml:trace contextRef="#ctx0" brushRef="#br0">923 16 14168,'-46'-14'256,"33"12"1024,-71 2 413,82 0-1562,-1 0 0,0 1 0,0-1 0,1 1 0,-6 1 0,-123 46 887,126-46-945,1 0 0,-1 0 1,1 0-1,-7 6 0,-65 45 294,42-27-330,-31 30-1,-42 63-36,-2 26 0,72-86 9,2 1-1,-40 96 1,60-119 47,-18 67 0,29-85-32,1 0 1,0 0 0,1 0-1,1 1 1,2 25 0,1-30 29,6 24 1,-8-37-17,1 0-1,-1-1 1,1 1-1,0 0 1,-1 0-1,1 0 1,0-1 0,0 1-1,0 0 1,2 1-1,-3-3-37,12 18 207,16 17 0,24 16-61,-52-51-146,2 2 30,0 0-1,1 0 0,-1-1 0,0 1 0,1-1 1,-1 1-1,1-1 0,-1 0 0,1 0 0,3 1 1,-6-2-30,101 34 325,19-6-208,-104-25 13,19 1 0,-35-4-130,126 10 260,5-10-161,-81-2 136,187-28 55,-84 1-264,-142 27-29,-5 1-11,-1 0-1,0 0 1,0-1-1,-1 1 1,1-1-1,0 0 0,0 0 1,6-5-1,-10 7-4,0-1-1,0 0 0,0 0 0,0 1 1,-1-1-1,1 0 0,0 0 0,0 0 1,-1 0-1,1 0 0,0 0 1,-1-1-1,1 1 0,-1 0 0,0 0 1,1 0-1,-1 0 0,0-1 0,1-1 1,-2 3-50,1 0 0,0-1 0,0 1 0,0 0 1,0 0-1,-1-1 0,1 1 0,0 0 0,0 0 0,0 0 1,-1 0-1,1-1 0,0 1 0,0 0 0,-1 0 1,1 0-1,0 0 0,-1 0 0,1 0 0,0 0 0,0 0 1,-1 0-1,1 0 0,0 0 0,-1 0 0,1 0 0,0 0 1,-1 0-1,-5 0 70,2-1-2566</inkml:trace>
+</inkml:ink>
+</file>
+
+<file path=ppt/ink/ink48.xml><?xml version="1.0" encoding="utf-8"?>
+<inkml:ink xmlns:inkml="http://www.w3.org/2003/InkML">
+  <inkml:definitions>
+    <inkml:context xml:id="ctx0">
+      <inkml:inkSource xml:id="inkSrc0">
+        <inkml:traceFormat>
+          <inkml:channel name="X" type="integer" min="-2.14748E9" max="2.14748E9" units="cm"/>
+          <inkml:channel name="Y" type="integer" min="-2.14748E9" max="2.14748E9" units="cm"/>
+          <inkml:channel name="F" type="integer" max="32767" units="dev"/>
+        </inkml:traceFormat>
+        <inkml:channelProperties>
+          <inkml:channelProperty channel="X" name="resolution" value="1000" units="1/cm"/>
+          <inkml:channelProperty channel="Y" name="resolution" value="1000" units="1/cm"/>
+          <inkml:channelProperty channel="F" name="resolution" value="0" units="1/dev"/>
+        </inkml:channelProperties>
+      </inkml:inkSource>
+      <inkml:timestamp xml:id="ts0" timeString="2022-07-20T17:59:58.121"/>
+    </inkml:context>
+    <inkml:brush xml:id="br0">
+      <inkml:brushProperty name="width" value="0.05" units="cm"/>
+      <inkml:brushProperty name="height" value="0.05" units="cm"/>
+      <inkml:brushProperty name="color" value="#5B2D90"/>
+    </inkml:brush>
+  </inkml:definitions>
+  <inkml:trace contextRef="#ctx0" brushRef="#br0">1 1 15152,'1'15'98,"-1"-2"741,6 25 1,13 67 1145,-14-78-972,25 127 315,-22-112-768,17 91 0,6 21-434,-18-94-60,17 83 1,5 26-54,-4-17-13,-9-34-41,-14-80-166,-5-23 17,26 137-1554,-28-154 563,2-10 783,4-26 93,3-42 98,-4 36-2125,4-35-6256,-24 185 6454</inkml:trace>
+</inkml:ink>
+</file>
+
+<file path=ppt/ink/ink49.xml><?xml version="1.0" encoding="utf-8"?>
+<inkml:ink xmlns:inkml="http://www.w3.org/2003/InkML">
+  <inkml:definitions>
+    <inkml:context xml:id="ctx0">
+      <inkml:inkSource xml:id="inkSrc0">
+        <inkml:traceFormat>
+          <inkml:channel name="X" type="integer" min="-2.14748E9" max="2.14748E9" units="cm"/>
+          <inkml:channel name="Y" type="integer" min="-2.14748E9" max="2.14748E9" units="cm"/>
+          <inkml:channel name="F" type="integer" max="32767" units="dev"/>
+        </inkml:traceFormat>
+        <inkml:channelProperties>
+          <inkml:channelProperty channel="X" name="resolution" value="1000" units="1/cm"/>
+          <inkml:channelProperty channel="Y" name="resolution" value="1000" units="1/cm"/>
+          <inkml:channelProperty channel="F" name="resolution" value="0" units="1/dev"/>
+        </inkml:channelProperties>
+      </inkml:inkSource>
+      <inkml:timestamp xml:id="ts0" timeString="2022-07-20T17:59:58.516"/>
+    </inkml:context>
+    <inkml:brush xml:id="br0">
+      <inkml:brushProperty name="width" value="0.05" units="cm"/>
+      <inkml:brushProperty name="height" value="0.05" units="cm"/>
+      <inkml:brushProperty name="color" value="#5B2D90"/>
+    </inkml:brush>
+  </inkml:definitions>
+  <inkml:trace contextRef="#ctx0" brushRef="#br0">0 0 14344,'4'82'1601,"-2"19"203,-1-77-816,10 119 338,-7-105-646,9 79 0,0 16-498,-7-81 44,28 195 57,-27-200-228,32 173 9,-32-182-98,2 12 14,14 82-542,-10-49-1765,-13-83 2256,0 1-1,0-1 1,0 1-1,1-1 1,-1 0-1,0 1 1,0-1 0,0 1-1,0-1 1,0 1-1,0-1 1,0 0-1,0 1 1,-1-1 0,1 1-1,0-1 1,0 0-1,0 1 1,0-1-1,-1 1 1,1-1 0,0 1-1,-8-1-1080,8 0 1227,-2-3-380,-15-28-1950,2 3-7211</inkml:trace>
+</inkml:ink>
+</file>
+
+<file path=ppt/ink/ink5.xml><?xml version="1.0" encoding="utf-8"?>
+<inkml:ink xmlns:inkml="http://www.w3.org/2003/InkML">
+  <inkml:definitions>
+    <inkml:context xml:id="ctx0">
+      <inkml:inkSource xml:id="inkSrc0">
+        <inkml:traceFormat>
+          <inkml:channel name="X" type="integer" min="-2.14748E9" max="2.14748E9" units="cm"/>
+          <inkml:channel name="Y" type="integer" min="-2.14748E9" max="2.14748E9" units="cm"/>
+          <inkml:channel name="F" type="integer" max="32767" units="dev"/>
+        </inkml:traceFormat>
+        <inkml:channelProperties>
+          <inkml:channelProperty channel="X" name="resolution" value="1000" units="1/cm"/>
+          <inkml:channelProperty channel="Y" name="resolution" value="1000" units="1/cm"/>
+          <inkml:channelProperty channel="F" name="resolution" value="0" units="1/dev"/>
+        </inkml:channelProperties>
+      </inkml:inkSource>
+      <inkml:timestamp xml:id="ts0" timeString="2022-07-20T17:59:26.296"/>
+    </inkml:context>
+    <inkml:brush xml:id="br0">
+      <inkml:brushProperty name="width" value="0.05" units="cm"/>
+      <inkml:brushProperty name="height" value="0.05" units="cm"/>
+      <inkml:brushProperty name="color" value="#5B2D90"/>
+    </inkml:brush>
+  </inkml:definitions>
+  <inkml:trace contextRef="#ctx0" brushRef="#br0">0 0 15064,'1'23'1789,"9"45"1,-1-11 197,-3 4-1671,-4-33 299,12 134 153,-11-128-640,11 132 32,-10-132-152,22 143-20,-21-148-120,18 65-128,-22-87 113,1 0 0,0 0 1,1-1-1,0 1 1,0-1-1,0 0 0,1 1 1,8 9-1,4 6-1065,36 52-210,-40-60 1124,75 55-2163,-8-6-8079</inkml:trace>
+</inkml:ink>
+</file>
+
+<file path=ppt/ink/ink50.xml><?xml version="1.0" encoding="utf-8"?>
+<inkml:ink xmlns:inkml="http://www.w3.org/2003/InkML">
+  <inkml:definitions>
+    <inkml:context xml:id="ctx0">
+      <inkml:inkSource xml:id="inkSrc0">
+        <inkml:traceFormat>
+          <inkml:channel name="X" type="integer" min="-2.14748E9" max="2.14748E9" units="cm"/>
+          <inkml:channel name="Y" type="integer" min="-2.14748E9" max="2.14748E9" units="cm"/>
+          <inkml:channel name="F" type="integer" max="32767" units="dev"/>
+        </inkml:traceFormat>
+        <inkml:channelProperties>
+          <inkml:channelProperty channel="X" name="resolution" value="1000" units="1/cm"/>
+          <inkml:channelProperty channel="Y" name="resolution" value="1000" units="1/cm"/>
+          <inkml:channelProperty channel="F" name="resolution" value="0" units="1/dev"/>
+        </inkml:channelProperties>
+      </inkml:inkSource>
+      <inkml:timestamp xml:id="ts0" timeString="2022-07-20T17:59:59.727"/>
+    </inkml:context>
+    <inkml:brush xml:id="br0">
+      <inkml:brushProperty name="width" value="0.05" units="cm"/>
+      <inkml:brushProperty name="height" value="0.05" units="cm"/>
+      <inkml:brushProperty name="color" value="#5B2D90"/>
+    </inkml:brush>
+  </inkml:definitions>
+  <inkml:trace contextRef="#ctx0" brushRef="#br0">864 10 12376,'-28'-3'771,"8"1"74,-51-3 952,52 5-889,-104 5 286,95-3-694,-45 4 0,-18 4-400,-92 17-828,163-24 339,-71 13-1229,80-13 1104,0 0 1,1 1 0,-1 0 0,1 0 0,0 1 0,-17 13 0,0 0-8007</inkml:trace>
+</inkml:ink>
+</file>
+
+<file path=ppt/ink/ink51.xml><?xml version="1.0" encoding="utf-8"?>
+<inkml:ink xmlns:inkml="http://www.w3.org/2003/InkML">
+  <inkml:definitions>
+    <inkml:context xml:id="ctx0">
+      <inkml:inkSource xml:id="inkSrc0">
+        <inkml:traceFormat>
+          <inkml:channel name="X" type="integer" min="-2.14748E9" max="2.14748E9" units="cm"/>
+          <inkml:channel name="Y" type="integer" min="-2.14748E9" max="2.14748E9" units="cm"/>
+          <inkml:channel name="F" type="integer" max="32767" units="dev"/>
+        </inkml:traceFormat>
+        <inkml:channelProperties>
+          <inkml:channelProperty channel="X" name="resolution" value="1000" units="1/cm"/>
+          <inkml:channelProperty channel="Y" name="resolution" value="1000" units="1/cm"/>
+          <inkml:channelProperty channel="F" name="resolution" value="0" units="1/dev"/>
+        </inkml:channelProperties>
+      </inkml:inkSource>
+      <inkml:timestamp xml:id="ts0" timeString="2022-07-20T18:00:00.328"/>
+    </inkml:context>
+    <inkml:brush xml:id="br0">
+      <inkml:brushProperty name="width" value="0.05" units="cm"/>
+      <inkml:brushProperty name="height" value="0.05" units="cm"/>
+      <inkml:brushProperty name="color" value="#5B2D90"/>
+    </inkml:brush>
+  </inkml:definitions>
+  <inkml:trace contextRef="#ctx0" brushRef="#br0">518 0 11656,'-42'37'264,"40"-36"-57,0 1 0,1-1 0,-1 1 0,1 0 0,-1-1 0,1 1 0,-1 0 1,1 0-1,0 0 0,0 0 0,0 0 0,0 1 0,-1 3 0,1-3 10,-3 3 844,-34 31 344,26-29-770,-72 24 163,65-27-636,-78 9-13,87-13-291,0 0-1,-12 4 1,7-2 76,-21 3-158,35-5 157,0-1 0,0 0 0,0 0-1,0 0 1,0 1 0,0-1 0,0 0 0,1 1 0,-1-1 0,0 0 0,0 1 0,-1 0 0,2-1 50,-5 4-126,-1 0 0,1 0 0,0 0 0,0 0 0,1 1 0,-1 0 0,1 0 0,-6 10 0,-14 33-2036,2-3-7427</inkml:trace>
+</inkml:ink>
+</file>
+
+<file path=ppt/ink/ink52.xml><?xml version="1.0" encoding="utf-8"?>
+<inkml:ink xmlns:inkml="http://www.w3.org/2003/InkML">
+  <inkml:definitions>
+    <inkml:context xml:id="ctx0">
+      <inkml:inkSource xml:id="inkSrc0">
+        <inkml:traceFormat>
+          <inkml:channel name="X" type="integer" min="-2.14748E9" max="2.14748E9" units="cm"/>
+          <inkml:channel name="Y" type="integer" min="-2.14748E9" max="2.14748E9" units="cm"/>
+          <inkml:channel name="F" type="integer" max="32767" units="dev"/>
+        </inkml:traceFormat>
+        <inkml:channelProperties>
+          <inkml:channelProperty channel="X" name="resolution" value="1000" units="1/cm"/>
+          <inkml:channelProperty channel="Y" name="resolution" value="1000" units="1/cm"/>
+          <inkml:channelProperty channel="F" name="resolution" value="0" units="1/dev"/>
+        </inkml:channelProperties>
+      </inkml:inkSource>
+      <inkml:timestamp xml:id="ts0" timeString="2022-07-20T18:00:03.316"/>
+    </inkml:context>
+    <inkml:brush xml:id="br0">
+      <inkml:brushProperty name="width" value="0.05" units="cm"/>
+      <inkml:brushProperty name="height" value="0.05" units="cm"/>
+      <inkml:brushProperty name="color" value="#5B2D90"/>
+    </inkml:brush>
+  </inkml:definitions>
+  <inkml:trace contextRef="#ctx0" brushRef="#br0">1 510 15152,'56'-2'266,"-55"1"-231,-1 1 0,0 0 0,0 0 1,0 0-1,1 0 0,-1 0 0,0 0 0,0 0 0,0 0 0,1 0 0,-1 0 0,0 0 0,0 0 0,1 0 1,-1 0-1,0 0 0,0 0 0,0 0 0,1 0 0,-1 0 0,0 0 0,0 0 0,1 0 0,-1 0 0,0 0 0,0 0 1,0 1-1,1-1 0,-1 0 0,0 0 0,0 0 0,0 0 0,0 1 0,1-1 0,-1 0 0,0 0 0,0 1 0,1 0 69,-1 1 0,0 0 0,1 0 0,-1-1 0,0 1 0,0 0 0,0 0 0,0-1 0,0 1 0,0 0 0,0 0 0,-1-1-1,1 1 1,-1 0 0,1-1 0,-2 4 0,1-4-52,1 0 0,0-1 0,0 1 0,-1 0 1,1 0-1,0-1 0,0 1 0,0 0 0,0 0 0,0 0 0,0-1 0,0 1 0,0 0 0,0 0 0,1 0 0,9 108 1034,-6-79-658,31 158 92,-26-136-514,17 111 1,5 26-4,-19-112 3,10 111 1,1 38-6,-4-29-1,-4-32 2,-1-30 3,-3-44 6,-8-62 35,-1-9-22,0 4-4,7 32 0,-8-52-17,-1-2-3,0-1 1,0 0 0,0 1-1,1-1 1,-1 1 0,0-1-1,1 1 1,-1-1 0,1 0-1,0 1 1,-1-1-1,1 0 1,0 1 0,1 0-1,2 0 22,-1-2-16,0 1-2,1 0-1,0-1 0,-1 1 1,1-1-1,-1 0 0,1 0 1,0 0-1,-1-1 0,1 0 1,0 1-1,3-2 0,83-23 15,-64 17-10,163-35 8,-143 34-10,219-29 4,-206 32-4,98-8 1,43-1-4,193-10 6,-319 21 6,304-20 14,-298 19 4,351-24 17,-340 25-2,384-1 18,-378 8-44,385 36 16,-388-28 2,-94-11-40,222 38 40,32 17-30,-25 9-5,-23 8-4,-13 1-1,-40-12-1,-98-40-4,173 54 5,-188-64 8,131 22 41,-141-31 124,95-12 53,-124 10-220,1-1 1,-1 1 0,1 0 0,-1 0-1,0-1 1,1 1 0,-1-1 0,1 0 0,-1 1-1,0-1 1,0 0 0,2-1 0,-3 2-7,9-6 30,0 0 1,12-13 0,-12 9-20,0-1 1,7-11-1,-15 20-2,0 0 0,1 0 0,-1 0 0,0 0 0,0 0 0,0 0 0,-1-1-1,2-3 1,16-68 71,-6-14-52,-9 50 34,-3-171 20,-2 161-60,-8-222 7,8 210-34,0-257-7,3 251-40,11-274-28,-9 271-32,4-281-30,-7 285 82,-10-219-17,6 235 50,-11-55 1,-4 13 11,19 87 9,-1 1 0,0 0 0,0 0 1,0 0-1,0 0 0,0 0 0,-4-6 0,-4-7-17,-21-27 0,20 32 16,0 0 1,-17-13 0,27 24 6,-2-2-5,0 1 0,0-1-1,0 1 1,0-1 0,-1 1 0,1 0 0,0 0-1,-4-1 1,-14-6-18,-27-7 0,-31 1-7,69 13-3,0 0 1,-10 1-1,-92 3-62,-12 8 66,66-5-25,-275 26-11,254-23 58,-141 18 1,-20 1 16,133-15 52,-191 22 3,-25 4-5,192-23 175,-508 65 67,513-64-222,-466 60 44,481-63 16,-144 12 0,13-6-110,155-15-24,-99 4 1,24-7-88,103-4-333,-69-6 1,16-6 177,106 13 83,0 1-1,0-1 1,0-1 0,-7-1-1,9 2 71,-4-2-108,0 0-1,-10-6 0,14 8 171,1 0-1,0-1 0,0 1 0,0-1 1,1 1-1,-1-1 0,0 0 0,1 0 1,-1 0-1,1 0 0,-1 0 0,1 0 0,-2-4 1,3 5-130,-1 0 1,1 0-1,-1 0 1,1 0-1,-1 0 1,0 0-1,1 1 1,-1-1-1,0 0 1,0 0-1,1 1 1,-1-1-1,0 0 1,0 1-1,0-1 1,-2 0-1,-33-25-9443,84 61 7206</inkml:trace>
+</inkml:ink>
+</file>
+
+<file path=ppt/ink/ink53.xml><?xml version="1.0" encoding="utf-8"?>
+<inkml:ink xmlns:inkml="http://www.w3.org/2003/InkML">
+  <inkml:definitions>
+    <inkml:context xml:id="ctx0">
+      <inkml:inkSource xml:id="inkSrc0">
+        <inkml:traceFormat>
+          <inkml:channel name="X" type="integer" min="-2.14748E9" max="2.14748E9" units="cm"/>
+          <inkml:channel name="Y" type="integer" min="-2.14748E9" max="2.14748E9" units="cm"/>
+          <inkml:channel name="F" type="integer" max="32767" units="dev"/>
+        </inkml:traceFormat>
+        <inkml:channelProperties>
+          <inkml:channelProperty channel="X" name="resolution" value="1000" units="1/cm"/>
+          <inkml:channelProperty channel="Y" name="resolution" value="1000" units="1/cm"/>
+          <inkml:channelProperty channel="F" name="resolution" value="0" units="1/dev"/>
+        </inkml:channelProperties>
+      </inkml:inkSource>
+      <inkml:timestamp xml:id="ts0" timeString="2022-07-20T18:00:04.050"/>
+    </inkml:context>
+    <inkml:brush xml:id="br0">
+      <inkml:brushProperty name="width" value="0.05" units="cm"/>
+      <inkml:brushProperty name="height" value="0.05" units="cm"/>
+      <inkml:brushProperty name="color" value="#5B2D90"/>
+    </inkml:brush>
+  </inkml:definitions>
+  <inkml:trace contextRef="#ctx0" brushRef="#br0">119 20 14072,'-1'-2'354,"0"1"1,0 0-1,0 0 1,0-1 0,0 1-1,1-1 1,-1 1-1,0 0 1,1-1-1,-1-2 1,0 2 498,7 84-407,-4-57-406,4 146 51,-5-121 124,3 110 3,-1 28-138,-3-112 100,-2 289 58,1-297-130,-3 226 42,3-245-70,-4 48 0,-3-19-116,8-74-7,0-1 0,-1 0 0,1 0 0,-1 0 0,-2 5 0,1-3 3,0 1 0,0-1 0,-1 1 1,0-1-1,0 0 0,0 0 0,0 0 1,-1-1-1,0 1 0,-7 5 0,11-10 29,0 0 0,0 1-1,0-1 1,0 0-1,0 0 1,0 0 0,-1 0-1,1 0 1,0 1 0,0-1-1,0 0 1,0 0-1,0 0 1,-1 0 0,1 0-1,0 0 1,0 0 0,0 0-1,0 0 1,-1 0-1,1 0 1,0 0 0,0 0-1,0 0 1,-1 0 0,1 0-1,0 0 1,0 0-1,0 0 1,0 0 0,-1 0-1,1 0 1,0 0 0,0 0-1,0 0 1,-1 0-1,1 0 1,0 0 0,0 0-1,0-1 1,0 1-1,0 0 1,-1 0 0,1 0-1,0 0 1,0 0 0,0 0-1,0-1 1,0 1-1,0 0 1,0 0 0,0 0-1,0 0 1,-1-1 0,1 1-1,0 0 1,0 0-1,-5-10-101,1 1-1,0 0 1,0-1-1,0 0 1,1 0-1,-1-12 1,2 16 87,-6-23-2265,-10-23-6457,42 121 6568</inkml:trace>
+</inkml:ink>
+</file>
+
+<file path=ppt/ink/ink54.xml><?xml version="1.0" encoding="utf-8"?>
+<inkml:ink xmlns:inkml="http://www.w3.org/2003/InkML">
+  <inkml:definitions>
+    <inkml:context xml:id="ctx0">
+      <inkml:inkSource xml:id="inkSrc0">
+        <inkml:traceFormat>
+          <inkml:channel name="X" type="integer" min="-2.14748E9" max="2.14748E9" units="cm"/>
+          <inkml:channel name="Y" type="integer" min="-2.14748E9" max="2.14748E9" units="cm"/>
+          <inkml:channel name="F" type="integer" max="32767" units="dev"/>
+        </inkml:traceFormat>
+        <inkml:channelProperties>
+          <inkml:channelProperty channel="X" name="resolution" value="1000" units="1/cm"/>
+          <inkml:channelProperty channel="Y" name="resolution" value="1000" units="1/cm"/>
+          <inkml:channelProperty channel="F" name="resolution" value="0" units="1/dev"/>
+        </inkml:channelProperties>
+      </inkml:inkSource>
+      <inkml:timestamp xml:id="ts0" timeString="2022-07-20T18:00:04.713"/>
+    </inkml:context>
+    <inkml:brush xml:id="br0">
+      <inkml:brushProperty name="width" value="0.05" units="cm"/>
+      <inkml:brushProperty name="height" value="0.05" units="cm"/>
+      <inkml:brushProperty name="color" value="#5B2D90"/>
+    </inkml:brush>
+  </inkml:definitions>
+  <inkml:trace contextRef="#ctx0" brushRef="#br0">1525 57 12640,'-50'-6'214,"23"3"860,-63-5-1,-24-5-730,72 8 297,-124-15 195,158 19-721,0 0-1,-10 1 0,-78 2 227,60-1-306,-48 10 0,51-5-32,1 2-1,0 1 0,0 2 1,1 1-1,0 2 0,1 0 1,1 3-1,1 0 0,-43 34 1,34-18 18,2 1 1,2 2 0,-48 67-1,64-78 262,-77 130 131,76-120-58,-62 148 155,78-176-410,-1 0 0,1 0 0,-2 9 0,-25 170 456,28-182-501,1 1-1,0-1 1,0 0-1,0 1 1,1-1-1,0 6 1,17 75 330,-12-64-344,2 1-1,0-1 1,1-1-1,1 0 1,15 23-1,-14-29 4,-1 1-1,2-1 1,0-1-1,0 0 0,1-1 1,1 0-1,15 10 1,-8-9 18,1 0 0,-1-2 0,2 0 0,-1-2 0,2 0 0,-1-2 0,1 0 1,0-2-1,0 0 0,1-2 0,42 1 0,139-12 246,-144 4-244,37-7 131,-39 3-6,-28 7-43,-15 1-236,-20 9-811,2-4 875,0 0-255,-2 3-2664</inkml:trace>
+</inkml:ink>
+</file>
+
+<file path=ppt/ink/ink55.xml><?xml version="1.0" encoding="utf-8"?>
+<inkml:ink xmlns:inkml="http://www.w3.org/2003/InkML">
+  <inkml:definitions>
+    <inkml:context xml:id="ctx0">
+      <inkml:inkSource xml:id="inkSrc0">
+        <inkml:traceFormat>
+          <inkml:channel name="X" type="integer" min="-2.14748E9" max="2.14748E9" units="cm"/>
+          <inkml:channel name="Y" type="integer" min="-2.14748E9" max="2.14748E9" units="cm"/>
+          <inkml:channel name="F" type="integer" max="32767" units="dev"/>
+        </inkml:traceFormat>
+        <inkml:channelProperties>
+          <inkml:channelProperty channel="X" name="resolution" value="1000" units="1/cm"/>
+          <inkml:channelProperty channel="Y" name="resolution" value="1000" units="1/cm"/>
+          <inkml:channelProperty channel="F" name="resolution" value="0" units="1/dev"/>
+        </inkml:channelProperties>
+      </inkml:inkSource>
+      <inkml:timestamp xml:id="ts0" timeString="2022-07-20T18:00:05.147"/>
+    </inkml:context>
+    <inkml:brush xml:id="br0">
+      <inkml:brushProperty name="width" value="0.05" units="cm"/>
+      <inkml:brushProperty name="height" value="0.05" units="cm"/>
+      <inkml:brushProperty name="color" value="#5B2D90"/>
+    </inkml:brush>
+  </inkml:definitions>
+  <inkml:trace contextRef="#ctx0" brushRef="#br0">1 0 13448,'0'0'2742,"2"9"-1773,31 113 2,-25-91-516,42 148 119,-36-131-454,27 101 0,6 19-28,-27-97 250,84 290 140,-83-292-140,77 236 123,-80-251-212,67 194 197,-62-183-325,-3-12-100,-15-40-16,9 26-104,-22-56-1028,6 7 238,-1-62-219,3 54 870,7-113-2237,0 9-8489</inkml:trace>
+</inkml:ink>
+</file>
+
+<file path=ppt/ink/ink56.xml><?xml version="1.0" encoding="utf-8"?>
+<inkml:ink xmlns:inkml="http://www.w3.org/2003/InkML">
+  <inkml:definitions>
+    <inkml:context xml:id="ctx0">
+      <inkml:inkSource xml:id="inkSrc0">
+        <inkml:traceFormat>
+          <inkml:channel name="X" type="integer" min="-2.14748E9" max="2.14748E9" units="cm"/>
+          <inkml:channel name="Y" type="integer" min="-2.14748E9" max="2.14748E9" units="cm"/>
+          <inkml:channel name="F" type="integer" max="32767" units="dev"/>
+        </inkml:traceFormat>
+        <inkml:channelProperties>
+          <inkml:channelProperty channel="X" name="resolution" value="1000" units="1/cm"/>
+          <inkml:channelProperty channel="Y" name="resolution" value="1000" units="1/cm"/>
+          <inkml:channelProperty channel="F" name="resolution" value="0" units="1/dev"/>
+        </inkml:channelProperties>
+      </inkml:inkSource>
+      <inkml:timestamp xml:id="ts0" timeString="2022-07-20T18:00:05.563"/>
+    </inkml:context>
+    <inkml:brush xml:id="br0">
+      <inkml:brushProperty name="width" value="0.05" units="cm"/>
+      <inkml:brushProperty name="height" value="0.05" units="cm"/>
+      <inkml:brushProperty name="color" value="#5B2D90"/>
+    </inkml:brush>
+  </inkml:definitions>
+  <inkml:trace contextRef="#ctx0" brushRef="#br0">1 0 12728,'32'33'216,"-25"-25"864,24 48 368,17 39 195,-33-66-1512,-1-2 384,69 132 174,-61-116-354,45 90 3,10 18-208,-44-89 178,51 91 4,-73-133-301,166 313 287,-4 37 93,-158-336-205,58 132 49,-61-139-180,46 90-7,-56-112-148,4 7-273,0-1-1,12 17 1,-31-53-1901,-15-21-183,10 17-5575,42 68 6038</inkml:trace>
+</inkml:ink>
+</file>
+
+<file path=ppt/ink/ink57.xml><?xml version="1.0" encoding="utf-8"?>
+<inkml:ink xmlns:inkml="http://www.w3.org/2003/InkML">
+  <inkml:definitions>
+    <inkml:context xml:id="ctx0">
+      <inkml:inkSource xml:id="inkSrc0">
+        <inkml:traceFormat>
+          <inkml:channel name="X" type="integer" min="-2.14748E9" max="2.14748E9" units="cm"/>
+          <inkml:channel name="Y" type="integer" min="-2.14748E9" max="2.14748E9" units="cm"/>
+          <inkml:channel name="F" type="integer" max="32767" units="dev"/>
+        </inkml:traceFormat>
+        <inkml:channelProperties>
+          <inkml:channelProperty channel="X" name="resolution" value="1000" units="1/cm"/>
+          <inkml:channelProperty channel="Y" name="resolution" value="1000" units="1/cm"/>
+          <inkml:channelProperty channel="F" name="resolution" value="0" units="1/dev"/>
+        </inkml:channelProperties>
+      </inkml:inkSource>
+      <inkml:timestamp xml:id="ts0" timeString="2022-07-20T18:00:05.974"/>
+    </inkml:context>
+    <inkml:brush xml:id="br0">
+      <inkml:brushProperty name="width" value="0.05" units="cm"/>
+      <inkml:brushProperty name="height" value="0.05" units="cm"/>
+      <inkml:brushProperty name="color" value="#5B2D90"/>
+    </inkml:brush>
+  </inkml:definitions>
+  <inkml:trace contextRef="#ctx0" brushRef="#br0">1801 0 13272,'-63'52'232,"-49"31"2329,101-76-2388,-17 13 700,-155 102 315,141-97-486,-190 99 191,184-100-660,-186 95 123,188-95 24,-183 96 135,187-98-222,-142 85 85,151-88-250,2-1-45,-104 61 168,28-10-281,103-66-25,-28 20-253,31-22 246,1 0 0,-1 0-1,1-1 1,-1 1 0,1 0 0,0 0 0,-1 0-1,1-1 1,0 1 0,0 0 0,0 0 0,0 0-1,0 0 1,0 0 0,0-1 0,0 1 0,0 0-1,0 0 1,0 0 0,0 0 0,1-1 0,-1 1-1,0 0 1,1 0 0,-1 0 0,0-1 0,1 1-1,-1 0 1,2 0 0,-2 0 3,6 3-695,8-1 440,0 1-1,22 1 0,-15-2-2004,18 4-6361,-91-16 6520</inkml:trace>
+</inkml:ink>
+</file>
+
+<file path=ppt/ink/ink58.xml><?xml version="1.0" encoding="utf-8"?>
+<inkml:ink xmlns:inkml="http://www.w3.org/2003/InkML">
+  <inkml:definitions>
+    <inkml:context xml:id="ctx0">
+      <inkml:inkSource xml:id="inkSrc0">
+        <inkml:traceFormat>
+          <inkml:channel name="X" type="integer" min="-2.14748E9" max="2.14748E9" units="cm"/>
+          <inkml:channel name="Y" type="integer" min="-2.14748E9" max="2.14748E9" units="cm"/>
+          <inkml:channel name="F" type="integer" max="32767" units="dev"/>
+        </inkml:traceFormat>
+        <inkml:channelProperties>
+          <inkml:channelProperty channel="X" name="resolution" value="1000" units="1/cm"/>
+          <inkml:channelProperty channel="Y" name="resolution" value="1000" units="1/cm"/>
+          <inkml:channelProperty channel="F" name="resolution" value="0" units="1/dev"/>
+        </inkml:channelProperties>
+      </inkml:inkSource>
+      <inkml:timestamp xml:id="ts0" timeString="2022-07-20T18:00:06.392"/>
+    </inkml:context>
+    <inkml:brush xml:id="br0">
+      <inkml:brushProperty name="width" value="0.05" units="cm"/>
+      <inkml:brushProperty name="height" value="0.05" units="cm"/>
+      <inkml:brushProperty name="color" value="#5B2D90"/>
+    </inkml:brush>
+  </inkml:definitions>
+  <inkml:trace contextRef="#ctx0" brushRef="#br0">2326 1 11928,'-46'10'178,"32"-5"1437,14-5-1607,0 0-1,0 0 1,0 0 0,0 0-1,0 0 1,0 0 0,0 1-1,0-1 1,0 0 0,0 0-1,0 0 1,0 0 0,0 0-1,1 0 1,-1 0 0,0 1-1,0-1 1,0 0 0,0 0-1,0 0 1,0 0 0,0 0-1,0 0 1,0 0 0,0 0-1,0 0 1,0 0 0,1 1-1,-1-1 1,0 0-1,0 0 1,0 0 0,0 0-1,0 0 1,0 0 0,1 0-1,0 2 702,-9 5-535,0-1 0,0-1 0,0 1 0,-1-1 0,0-1 0,-11 5 0,7-3-116,-5 4-30,-98 58 83,83-50 248,-75 40 1,-21 9-221,75-39 196,-232 111 159,226-112-52,-233 95 148,237-99-310,-195 84 114,205-87-108,-160 72 105,169-76-158,-131 55 66,139-58-204,14-6-64,-113 49 42,45-28-228,81-27 29,0-1-1,-1 1 0,1 0 1,0-1-1,-1 1 1,1 0-1,0 0 1,0 1-1,-4 1 1,1 2-56,-16 9-2303,2-2-6601,44-27 6818</inkml:trace>
+</inkml:ink>
+</file>
+
+<file path=ppt/ink/ink59.xml><?xml version="1.0" encoding="utf-8"?>
+<inkml:ink xmlns:inkml="http://www.w3.org/2003/InkML">
+  <inkml:definitions>
+    <inkml:context xml:id="ctx0">
+      <inkml:inkSource xml:id="inkSrc0">
+        <inkml:traceFormat>
+          <inkml:channel name="X" type="integer" min="-2.14748E9" max="2.14748E9" units="cm"/>
+          <inkml:channel name="Y" type="integer" min="-2.14748E9" max="2.14748E9" units="cm"/>
+          <inkml:channel name="F" type="integer" max="32767" units="dev"/>
+        </inkml:traceFormat>
+        <inkml:channelProperties>
+          <inkml:channelProperty channel="X" name="resolution" value="1000" units="1/cm"/>
+          <inkml:channelProperty channel="Y" name="resolution" value="1000" units="1/cm"/>
+          <inkml:channelProperty channel="F" name="resolution" value="0" units="1/dev"/>
+        </inkml:channelProperties>
+      </inkml:inkSource>
+      <inkml:timestamp xml:id="ts0" timeString="2022-07-20T18:00:07.827"/>
+    </inkml:context>
+    <inkml:brush xml:id="br0">
+      <inkml:brushProperty name="width" value="0.05" units="cm"/>
+      <inkml:brushProperty name="height" value="0.05" units="cm"/>
+      <inkml:brushProperty name="color" value="#5B2D90"/>
+    </inkml:brush>
+  </inkml:definitions>
+  <inkml:trace contextRef="#ctx0" brushRef="#br0">326 877 12192,'-1'4'1145,"-9"60"163,6-45-521,-24 111 250,20-98-571,-38 160 126,35-141-430,-20 107 3,-4 23-110,21-108 53,-46 277 73,50-286 54,-30 204 99,34-225-94,2-12-108,-11 122 328,14-141-352,0 2-30,1 1 0,0-1 0,1 0 0,0 1 0,4 14 0,0-11 68,7 20 0,-11-37-138,-1-1 0,0 1-1,1 0 1,-1-1 0,0 1 0,1 0-1,-1-1 1,1 1 0,-1-1-1,1 1 1,-1-1 0,2 1-1,1 3 26,1-1-18,0 1 0,0-1-1,0 0 1,0-1 0,0 1-1,1-1 1,-1 1 0,1-1 0,0-1-1,0 1 1,-1-1 0,8 2-1,88 9 112,-71-10-18,168 2 37,-150-4-92,214 0 23,-203 0-16,259 0 23,-249-1-30,297-9 15,-288 7-46,332-21 16,-322 19 2,137-5 0,57 0-30,14-1-5,8 0-2,-8 3 2,-55 4-8,-146 3-15,363 7-28,-368-3-94,346 16-58,-351-13 46,326 34-38,-333-32 130,264 26-14,-279-29 62,81 8 4,14-2 8,-22-11 5,-35-8 43,-63 3 185,128-26 62,-160 30-277,0 0 1,0-1-1,8-3 0,104-55 100,-114 59-94,0-1 1,-1 0-1,1 0 0,-1 0 1,5-4-1,19-24 70,26-39-1,-49 65-82,-1 0-1,0 0 1,0 0 0,2-5-1,46-140 56,-42 114-60,26-163 6,-29 155 10,4-68 3,-1-33-18,-1-147-2,-6 235-10,-4-239-9,2 235-44,-2-237-20,1 240 18,-21-203-33,22 244 40,-5-16 1,-48-177-82,52 203 123,1 0-1,-2 1 0,1-1 0,-5-7 1,-39-65-44,-8 7 32,54 71 23,-3-4-12,-1 0 0,1 0 0,-1 0 0,-8-5 0,12 9 12,-78-59-60,-9 7 38,87 52 22,-7-4-14,0 1 1,0-1 0,-12-3-1,-92-30-39,-11 3 22,107 30-19,-24-3 0,-104-12-50,-10 4 75,87 12 0,-292-1-5,279 6 12,-130 7 3,-60 6 14,-283 10 9,445-21-2,-456 7 8,448-10 14,-468-6 20,466 3-2,-468-7-3,472 7-110,-417-5-194,432 9-646,98-2 907,-230 16-906,11 9 687,219-25 219,-133 14-2326,-135 12-6421,626-60 6570</inkml:trace>
+</inkml:ink>
+</file>
+
+<file path=ppt/ink/ink6.xml><?xml version="1.0" encoding="utf-8"?>
+<inkml:ink xmlns:inkml="http://www.w3.org/2003/InkML">
+  <inkml:definitions>
+    <inkml:context xml:id="ctx0">
+      <inkml:inkSource xml:id="inkSrc0">
+        <inkml:traceFormat>
+          <inkml:channel name="X" type="integer" min="-2.14748E9" max="2.14748E9" units="cm"/>
+          <inkml:channel name="Y" type="integer" min="-2.14748E9" max="2.14748E9" units="cm"/>
+          <inkml:channel name="F" type="integer" max="32767" units="dev"/>
+        </inkml:traceFormat>
+        <inkml:channelProperties>
+          <inkml:channelProperty channel="X" name="resolution" value="1000" units="1/cm"/>
+          <inkml:channelProperty channel="Y" name="resolution" value="1000" units="1/cm"/>
+          <inkml:channelProperty channel="F" name="resolution" value="0" units="1/dev"/>
+        </inkml:channelProperties>
+      </inkml:inkSource>
+      <inkml:timestamp xml:id="ts0" timeString="2022-07-20T17:59:26.649"/>
+    </inkml:context>
+    <inkml:brush xml:id="br0">
+      <inkml:brushProperty name="width" value="0.05" units="cm"/>
+      <inkml:brushProperty name="height" value="0.05" units="cm"/>
+      <inkml:brushProperty name="color" value="#5B2D90"/>
+    </inkml:brush>
+  </inkml:definitions>
+  <inkml:trace contextRef="#ctx0" brushRef="#br0">538 289 7264,'-33'-51'208,"22"38"832,-61-62 454,54 59-259,-80-58 418,78 62-819,-78-32 286,97 43-1070,0 1 0,-1-1 0,1 1 0,-1-1 0,1 1 0,0 0 0,-1 0 0,1-1 0,-1 1 0,1 0 0,-3 1 0,-6-1 150,-1 1 0,-11 3 0,11 0-80,-21 8 0,31-12-85,0 1 0,0-1 1,0 1-1,0-1 0,0 1 1,0-1-1,0 1 0,1 0 1,-1-1-1,0 1 1,0 0-1,1 0 0,-1 0 1,0-1-1,1 1 0,-2 2 1,2-3-36,-9 14 302,-13 23 1,-3 26-88,24-59-148,-1-1 0,1 1-1,0 0 1,1 0 0,-1-1 0,1 9 0,-6 93 405,8 15-311,-2-109-50,1-1 0,3 18 0,49 215 335,-50-231-371,1-1 1,4 11-1,34 74 152,6-9-178,-46-83-46,0-1 0,1 1 1,-1 0-1,1-1 0,0 0 0,3 4 0,10 9 9,23 18 1,-26-24-9,2-1-1,14 7 1,-27-15-2,0 0 1,-1 0 0,1 0-1,0-1 1,0 1 0,0 0-1,0-1 1,-1 1 0,5-1-1,2 1 5,1 0 0,-1-1-1,16-1 1,-20 1-7,0-1 1,0 0-1,0 0 1,-1 0-1,1-1 0,0 1 1,-1-1-1,0 0 0,1 0 1,-1 0-1,0 0 1,0-1-1,5-4 0,-2-1 3,0 0-1,-1 0 1,0 0-1,0-1 1,-1 1-1,0-1 1,4-13-1,13-56-67,-19 69 29,0 0-99,0-1-1,0-12 0,-2 22 136,7-107-406,-8-8 156,-1 72-588,-27-148-342,23 161 288,-18-71-229,23 93 777,3 7 226,4 5 26,14 22-1672,8 3-6782</inkml:trace>
+</inkml:ink>
+</file>
+
+<file path=ppt/ink/ink60.xml><?xml version="1.0" encoding="utf-8"?>
+<inkml:ink xmlns:inkml="http://www.w3.org/2003/InkML">
+  <inkml:definitions>
+    <inkml:context xml:id="ctx0">
+      <inkml:inkSource xml:id="inkSrc0">
+        <inkml:traceFormat>
+          <inkml:channel name="X" type="integer" min="-2.14748E9" max="2.14748E9" units="cm"/>
+          <inkml:channel name="Y" type="integer" min="-2.14748E9" max="2.14748E9" units="cm"/>
+          <inkml:channel name="F" type="integer" max="32767" units="dev"/>
+        </inkml:traceFormat>
+        <inkml:channelProperties>
+          <inkml:channelProperty channel="X" name="resolution" value="1000" units="1/cm"/>
+          <inkml:channelProperty channel="Y" name="resolution" value="1000" units="1/cm"/>
+          <inkml:channelProperty channel="F" name="resolution" value="0" units="1/dev"/>
+        </inkml:channelProperties>
+      </inkml:inkSource>
+      <inkml:timestamp xml:id="ts0" timeString="2022-07-20T18:00:15.727"/>
+    </inkml:context>
+    <inkml:brush xml:id="br0">
+      <inkml:brushProperty name="width" value="0.05" units="cm"/>
+      <inkml:brushProperty name="height" value="0.05" units="cm"/>
+      <inkml:brushProperty name="color" value="#5B2D90"/>
+    </inkml:brush>
+  </inkml:definitions>
+  <inkml:trace contextRef="#ctx0" brushRef="#br0">955 65 7448,'-18'24'84,"18"-24"-72,0 0-1,0 0 1,0 0 0,1 0 0,-1 0 0,0 0 0,0 0-1,0 0 1,0 0 0,0 0 0,0 0 0,0 0 0,0 0-1,0 0 1,0 0 0,1 0 0,-1 0 0,0 0 0,0 0-1,0 0 1,0 0 0,0 0 0,0 0 0,0 1 0,0-1-1,0 0 1,0 0 0,0 0 0,0 0 0,1 0 0,-1 0-1,0 0 1,0 0 0,0 0 0,0 0 0,0 0 0,0 0 0,0 0-1,0 1 1,0-1 0,0 0 0,0 0 0,0 0 0,0 0-1,0 0 1,0 0 0,0 0 0,0 0 0,0 0 0,0 0-1,0 1 1,0-1 0,0 0 0,0 0 0,0 0 0,0 0-1,0 0 1,0 0 0,8-3 130,5-4 235,1 0 0,-1-1 1,12-11-1,-20 15-217,12-10 924,-16 13-1020,0 0 0,0 0 1,0 1-1,-1-1 1,1 0-1,0-1 1,-1 1-1,1 0 1,-1 0-1,1 0 0,-1 0 1,1 0-1,-1 0 1,0-1-1,1 0 1,-1 1-3,0 1 1,-1-1 0,1 1 0,0-1-1,0 1 1,0-1 0,0 1 0,0-1-1,-1 1 1,1-1 0,0 1-1,0-1 1,-1 1 0,1 0 0,0-1-1,-1 1 1,1-1 0,-1 1 0,1 0-1,0-1 1,-1 1 0,1 0 0,-1 0-1,1-1 1,-1 1 0,1 0 0,-1 0-1,1 0 1,-1 0 0,1 0-1,-1-1 1,1 1 0,-1 0 0,1 0-1,-2 0 1,1 0 3,0 1 0,-1-1-1,1 0 1,0 0 0,0 0-1,-1 1 1,1-1 0,0 0-1,0 1 1,-1-1 0,1 1-1,0 0 1,0-1 0,0 1-1,-2 2 1,-32 37 591,28-28-282,-24 73 133,24-62-242,-23 117 109,24-111-102,-33 114 67,38-139-328,0 0 0,0 0 0,-1-1 0,-2 7 0,-56 88 88,59-97-91,1 0-1,-1 0 0,0 0 0,1-1 1,-1 1-1,0 0 0,1 0 0,-1-1 1,0 1-1,0 0 0,1-1 0,-1 1 0,0-1 1,0 1-1,0-1 0,-2 1 0,-3 2 20,-1-1 0,0 0 0,1 0 0,-9 1 0,7-3-13,0 1-1,-1-2 0,-11-1 1,20 2-15,-2 0 16,0 0 1,0-1-1,0 1 1,0-1-1,0 1 0,0-1 1,1 0-1,-5-2 1,6 3-17,-19-9 76,-19-14 0,-25-25-3,63 48-73,-28-22 215,-145-111 73,140 107-160,3 2-52,-94-73 22,57 51-175,65 44-4,0 1 0,0-1 0,0 1 0,0 0 0,0 0 0,0 0 0,0 0 0,-1 0 0,-2-1-1,-3 1-34,-1-2 143,-14-3-2787,-1-2-5956,57 19 6562</inkml:trace>
+</inkml:ink>
+</file>
+
+<file path=ppt/ink/ink61.xml><?xml version="1.0" encoding="utf-8"?>
+<inkml:ink xmlns:inkml="http://www.w3.org/2003/InkML">
+  <inkml:definitions>
+    <inkml:context xml:id="ctx0">
+      <inkml:inkSource xml:id="inkSrc0">
+        <inkml:traceFormat>
+          <inkml:channel name="X" type="integer" min="-2.14748E9" max="2.14748E9" units="cm"/>
+          <inkml:channel name="Y" type="integer" min="-2.14748E9" max="2.14748E9" units="cm"/>
+          <inkml:channel name="F" type="integer" max="32767" units="dev"/>
+        </inkml:traceFormat>
+        <inkml:channelProperties>
+          <inkml:channelProperty channel="X" name="resolution" value="1000" units="1/cm"/>
+          <inkml:channelProperty channel="Y" name="resolution" value="1000" units="1/cm"/>
+          <inkml:channelProperty channel="F" name="resolution" value="0" units="1/dev"/>
+        </inkml:channelProperties>
+      </inkml:inkSource>
+      <inkml:timestamp xml:id="ts0" timeString="2022-07-20T18:00:17.230"/>
+    </inkml:context>
+    <inkml:brush xml:id="br0">
+      <inkml:brushProperty name="width" value="0.05" units="cm"/>
+      <inkml:brushProperty name="height" value="0.05" units="cm"/>
+      <inkml:brushProperty name="color" value="#5B2D90"/>
+    </inkml:brush>
+  </inkml:definitions>
+  <inkml:trace contextRef="#ctx0" brushRef="#br0">1121 34 12192,'-31'15'221,"31"-15"-174,0 0 1,0 1-1,0-1 1,-1 0-1,1 0 1,0 0-1,0 0 1,0 0-1,0 1 0,0-1 1,-1 0-1,1 0 1,0 0-1,0 0 1,0 0-1,-1 0 1,1 0-1,0 0 1,0 0-1,0 0 0,-1 0 1,1 0-1,0 0 1,0 0-1,0 0 1,0 0-1,-1 0 1,1 0-1,0 0 1,0 0-1,0 0 0,-1 0 1,1 0-1,0 0 1,0 0-1,0-1 1,-1 1-1,3-3 227,-2 2-138,3-4 637,1 0-1,7-9 0,6-8 407,-17 22-1175,0 0-1,0 0 0,0 0 1,0 0-1,0 0 1,0 0-1,0 1 0,0-1 1,0 0-1,0 0 1,0 0-1,0 0 1,0 0-1,0 0 0,0 0 1,0 0-1,0 0 1,0 0-1,0 0 1,0 0-1,0 0 0,0 0 1,0 0-1,0 0 1,0 0-1,0 0 1,0 0-1,0 0 0,0 0 1,0 0-1,0 0 1,0 0-1,0 0 0,0 0 1,0 0-1,0 0 1,0 0-1,1 0 1,-1 0-1,0 0 0,0 0 1,0 0-1,0 0 1,0 0-1,0 0 1,0 0-1,0 0 0,0 0 1,0 0-1,0 0 1,0 0-1,0 0 0,0 0 1,-4 13 144,-28 73 19,23-63-12,-38 110 45,36-105-152,-56 111 37,52-113 28,-65 86 43,79-110-144,0 0-1,-1 0 0,0-1 0,1 1 0,-1 0 0,0-1 0,0 1 0,-3 1 0,-10 7 39,-22 11 0,20-14-17,-23 7 0,38-13-13,0 0 1,0-1 0,0 1-1,0-1 1,-1 1-1,1-1 1,0 0 0,0 0-1,-1 0 1,-3-1-1,-80-8 207,-12-11-146,89 18-21,0 0 0,-10-5 0,-152-65 188,142 58-86,-4-5-40,-45-23-12,17 12-92,50 26-118,-33-2-243,5 4-3328,26 2-5472,31 0 6861</inkml:trace>
+</inkml:ink>
+</file>
+
+<file path=ppt/ink/ink62.xml><?xml version="1.0" encoding="utf-8"?>
+<inkml:ink xmlns:inkml="http://www.w3.org/2003/InkML">
+  <inkml:definitions>
+    <inkml:context xml:id="ctx0">
+      <inkml:inkSource xml:id="inkSrc0">
+        <inkml:traceFormat>
+          <inkml:channel name="X" type="integer" min="-2.14748E9" max="2.14748E9" units="cm"/>
+          <inkml:channel name="Y" type="integer" min="-2.14748E9" max="2.14748E9" units="cm"/>
+          <inkml:channel name="F" type="integer" max="32767" units="dev"/>
+        </inkml:traceFormat>
+        <inkml:channelProperties>
+          <inkml:channelProperty channel="X" name="resolution" value="1000" units="1/cm"/>
+          <inkml:channelProperty channel="Y" name="resolution" value="1000" units="1/cm"/>
+          <inkml:channelProperty channel="F" name="resolution" value="0" units="1/dev"/>
+        </inkml:channelProperties>
+      </inkml:inkSource>
+      <inkml:timestamp xml:id="ts0" timeString="2022-07-20T18:00:19.027"/>
+    </inkml:context>
+    <inkml:brush xml:id="br0">
+      <inkml:brushProperty name="width" value="0.05" units="cm"/>
+      <inkml:brushProperty name="height" value="0.05" units="cm"/>
+      <inkml:brushProperty name="color" value="#5B2D90"/>
+    </inkml:brush>
+  </inkml:definitions>
+  <inkml:trace contextRef="#ctx0" brushRef="#br0">1227 54 12280,'16'11'9,"-10"-6"524,1-1 0,12 7 0,-14-8 1257,-12-7-251,-4-1-1181,3 5 44,-1 2-182,-6 1-152,1 1 0,1 0 1,-25 10-1,15-2-60,0 1-1,1 1 1,1 0-1,0 2 1,1 0-1,0 2 1,-23 27-1,33-31-3,-17 19 39,-48 51 33,57-66 72,-92 69 52,106-83-179,-1-1 1,0 0 0,-5 3-1,-118 48 97,126-53-112,0-1 1,0 1 0,-1 0-1,1-1 1,0 0 0,0 1-1,-1-1 1,1 0 0,-4 0-1,-9-1 2,1 0 0,0-1 0,-1 0-1,1-1 1,0 0 0,0-2-1,0 1 1,-23-13 0,21 7-17,1 0 0,0-1 1,0-1-1,-16-18 0,-46-59-10,-53-110-232,96 143-2683,-36-53-5745,163 255 6561</inkml:trace>
+</inkml:ink>
+</file>
+
+<file path=ppt/ink/ink63.xml><?xml version="1.0" encoding="utf-8"?>
+<inkml:ink xmlns:inkml="http://www.w3.org/2003/InkML">
+  <inkml:definitions>
+    <inkml:context xml:id="ctx0">
+      <inkml:inkSource xml:id="inkSrc0">
+        <inkml:traceFormat>
+          <inkml:channel name="X" type="integer" min="-2.14748E9" max="2.14748E9" units="cm"/>
+          <inkml:channel name="Y" type="integer" min="-2.14748E9" max="2.14748E9" units="cm"/>
+          <inkml:channel name="F" type="integer" max="32767" units="dev"/>
+        </inkml:traceFormat>
+        <inkml:channelProperties>
+          <inkml:channelProperty channel="X" name="resolution" value="1000" units="1/cm"/>
+          <inkml:channelProperty channel="Y" name="resolution" value="1000" units="1/cm"/>
+          <inkml:channelProperty channel="F" name="resolution" value="0" units="1/dev"/>
+        </inkml:channelProperties>
+      </inkml:inkSource>
+      <inkml:timestamp xml:id="ts0" timeString="2022-07-20T18:00:20.275"/>
+    </inkml:context>
+    <inkml:brush xml:id="br0">
+      <inkml:brushProperty name="width" value="0.05" units="cm"/>
+      <inkml:brushProperty name="height" value="0.05" units="cm"/>
+      <inkml:brushProperty name="color" value="#5B2D90"/>
+    </inkml:brush>
+  </inkml:definitions>
+  <inkml:trace contextRef="#ctx0" brushRef="#br0">1405 0 11928,'6'14'835,"6"14"3565,-12-28-4346,0 1-1,0-1 0,0 0 0,0 1 0,0-1 0,0 0 0,0 0 0,0 1 0,0-1 0,0 0 1,0 0-1,0 1 0,-1-1 0,1 0 0,0 0 0,0 1 0,0-1 0,0 0 0,-1 0 1,1 0-1,0 1 0,0-1 0,-8 9 185,-20 49-39,-32 68 55,51-109-224,-6 12 143,-76 120 53,88-145-212,0 0 1,0 1-1,0-2 1,0 1-1,-7 6 0,10-10-14,-81 74 87,-13-2-23,90-70-40,1 1-1,0-1 0,-1 0 1,1 0-1,-1 0 1,0 0-1,0 0 1,0-1-1,-4 1 1,-25 9 95,-40 5 0,-39-6-69,112-10-50,-4 0 1,-1 0 0,1 0 0,-1 0 0,0 0 0,1-1 0,-1 0 0,-6-2 0,11 3-1,-104-32 12,73 19-11,1-1-1,-29-20 1,5-3-73,-96-86 0,118 93-648,-100-102-169,95 93-1391,-41-40-6460,182 184 6562</inkml:trace>
+</inkml:ink>
+</file>
+
+<file path=ppt/ink/ink64.xml><?xml version="1.0" encoding="utf-8"?>
+<inkml:ink xmlns:inkml="http://www.w3.org/2003/InkML">
+  <inkml:definitions>
+    <inkml:context xml:id="ctx0">
+      <inkml:inkSource xml:id="inkSrc0">
+        <inkml:traceFormat>
+          <inkml:channel name="X" type="integer" min="-2.14748E9" max="2.14748E9" units="cm"/>
+          <inkml:channel name="Y" type="integer" min="-2.14748E9" max="2.14748E9" units="cm"/>
+          <inkml:channel name="F" type="integer" max="32767" units="dev"/>
+        </inkml:traceFormat>
+        <inkml:channelProperties>
+          <inkml:channelProperty channel="X" name="resolution" value="1000" units="1/cm"/>
+          <inkml:channelProperty channel="Y" name="resolution" value="1000" units="1/cm"/>
+          <inkml:channelProperty channel="F" name="resolution" value="0" units="1/dev"/>
+        </inkml:channelProperties>
+      </inkml:inkSource>
+      <inkml:timestamp xml:id="ts0" timeString="2022-07-20T18:00:39.931"/>
+    </inkml:context>
+    <inkml:brush xml:id="br0">
+      <inkml:brushProperty name="width" value="0.05" units="cm"/>
+      <inkml:brushProperty name="height" value="0.05" units="cm"/>
+      <inkml:brushProperty name="color" value="#5B2D90"/>
+    </inkml:brush>
+  </inkml:definitions>
+  <inkml:trace contextRef="#ctx0" brushRef="#br0">0 2582 9688,'84'5'928,"-67"-6"-509,0 0 0,26-6 0,-31 5 647,-11 2-1023,0-1 0,1 1 1,-1 0-1,0 0 0,0-1 0,0 1 1,1-1-1,-1 1 0,1-2 1,-1 2 101,0-1 0,-1 1 0,1 0 0,0-1 0,0 1 0,0 0 0,0 0 0,-1-1 0,1 1 0,0 0 0,0 0 0,0 0 0,1 0 0,-1 1-71,0-1-1,-1 0 1,1 0-1,-1 0 0,1 0 1,-1 0-1,1 0 1,-1 0-1,1-1 1,-1 1-1,1 0 1,-1 0-1,1 0 1,-1 0-1,1-1 1,-1 1-1,1 0 1,0-1-1,11 1 5012,-12 0-5058,0 0 0,0 0-1,0 0 1,0 1-1,0-1 1,0 0 0,0 0-1,0 0 1,1 0-1,-1 0 1,0 0 0,0 0-1,0 0 1,0 0 0,0 0-1,0 0 1,1 0-1,-1 0 1,0 0 0,0 0-1,0 0 1,0 0 0,0 0-1,0 0 1,1 0-1,-1 0 1,0 0 0,0 0-1,0 0 1,0 0-1,0 0 1,1 0 0,4-5 181,7-6 231,48-30 1,-43 32-152,85-43 86,-78 41-252,113-51 68,-107 49 10,133-61 66,-122 56-138,79-39 4,12-8-83,-77 37 64,217-119 37,-216 117-84,225-106 28,-225 109-28,216-108 25,-218 109-38,214-110 22,-215 107-22,209-137 22,-214 132-22,159-139 22,-195 162-48,12-14-1,139-167 42,-155 181-57,12-18 0,98-178 27,-98 167 2,58-148 12,-66 154-32,-10 30-18,17-49 14,13-60 0,-5-5 8,-26 112-22,0 1 0,1-1-1,-1 0 0,0-11 1,1 1-650,-15 49-92,13-30 595,-1 0-1,0 0 1,1 0 0,0-1 0,0 1 0,0 0 0,0 0 0,0 0 0,0 0 0,1 0 0,0 3 0,0-1 52,0 6-2887,0 11-8279,-2-51 8455</inkml:trace>
+</inkml:ink>
+</file>
+
+<file path=ppt/ink/ink65.xml><?xml version="1.0" encoding="utf-8"?>
+<inkml:ink xmlns:inkml="http://www.w3.org/2003/InkML">
+  <inkml:definitions>
+    <inkml:context xml:id="ctx0">
+      <inkml:inkSource xml:id="inkSrc0">
+        <inkml:traceFormat>
+          <inkml:channel name="X" type="integer" min="-2.14748E9" max="2.14748E9" units="cm"/>
+          <inkml:channel name="Y" type="integer" min="-2.14748E9" max="2.14748E9" units="cm"/>
+          <inkml:channel name="F" type="integer" max="32767" units="dev"/>
+        </inkml:traceFormat>
+        <inkml:channelProperties>
+          <inkml:channelProperty channel="X" name="resolution" value="1000" units="1/cm"/>
+          <inkml:channelProperty channel="Y" name="resolution" value="1000" units="1/cm"/>
+          <inkml:channelProperty channel="F" name="resolution" value="0" units="1/dev"/>
+        </inkml:channelProperties>
+      </inkml:inkSource>
+      <inkml:timestamp xml:id="ts0" timeString="2022-07-20T18:00:40.855"/>
+    </inkml:context>
+    <inkml:brush xml:id="br0">
+      <inkml:brushProperty name="width" value="0.05" units="cm"/>
+      <inkml:brushProperty name="height" value="0.05" units="cm"/>
+      <inkml:brushProperty name="color" value="#5B2D90"/>
+    </inkml:brush>
+  </inkml:definitions>
+  <inkml:trace contextRef="#ctx0" brushRef="#br0">191 446 13360,'-3'18'139,"1"-9"132,1 0 1,0 0-1,1 9 1,-2 71 1120,3-65-586,6 135 253,-5-114-606,-1 96 1,-2 24-337,0-96 16,-12 289 103,10-288 146,-8 246 143,9-265-212,-8 127 113,10-176-406,0 0 1,0-1 0,0 1-1,0-1 1,-1 1 0,1-1-1,0 1 1,-1-1 0,1 1-1,-1-1 1,0 2 0,0-1-2,1-1 0,-1 1 1,0-1-1,0 1 1,0-1-1,0 0 0,0 1 1,-1-1-1,1 0 0,0 0 1,-2 2-1,2-3-14,0 0 1,0 1-1,0-1 0,0 0 1,0 1-1,0-1 0,0 0 1,0 0-1,0 0 0,0 0 1,0 0-1,0 0 0,1 0 0,-1 0 1,0-1-1,0 1 0,0 0 1,0 0-1,0-1 0,0 1 1,-1-2-1,-3-1 94,1-10 37,4 13-136,-20-81 238,0-32-171,13 60 28,-11-94 3,2-21-62,11 99 46,-10-294 32,14 291-52,3-277 20,-2 330-71,4-27 0,-4 46-11,20-153 25,15-14-18,-25 136-6,0 0 1,23-44 0,24-19-5,-55 90 1,0 0-1,1 1 1,0-1-1,0 1 1,0 0-1,0 0 1,6-5-1,-9 8 3,22-18-10,38-25 0,-34 29 6,41-17 0,-62 29 1,0 0 0,0 0-1,0 0 1,1 1 0,6-2-1,82-9-16,4 13 15,-92-1 4,0 1 0,0 0 0,0-1 0,7 4 0,71 21-1,-2 11 10,-82-36-8,3 1 5,0 1-1,0-1 1,0 1 0,0 0-1,0 0 1,-1 0-1,1 0 1,2 3 0,-5-5-5,16 16 22,22 25 1,-24-21-1,15 27 0,-27-45-9,-1-1 1,0 1-1,0 0 0,-1 0 1,1-1-1,0 1 0,0 0 1,-1 0-1,1 0 0,-1 0 1,0 0-1,1 4 0,-1-6-13,1 13 58,-1 1 0,-1 27 0,-2-24-37,-1-1-1,-7 22 1,10-35-1,0 1 0,-1-1 0,1 1 0,-1-1 0,0 0 0,-2 4 0,4-7-20,-47 68 140,-12 0-105,53-62-24,0 0 0,-9 7 0,-130 92-16,116-85-220,-102 80-179,130-99 363,0-1 0,-1 1 0,1 0 1,0 0-1,0 0 0,0 0 0,0 0 0,0 0 1,0 0-1,0 0 0,0 0 0,1 1 0,-1-1 1,0 0-1,1 0 0,-1 3 0,1-4 41,-3 7-115,1-1-1,0 1 1,0 0-1,1 0 1,-1 9-1,2-10 88,1 0 0,-1 0 0,1 0 0,1 0 0,3 12 0,-5-18 28,1 2-263,0 1-1,-1-1 1,1 1 0,-1-1-1,0 1 1,0-1 0,1 1-1,-2-1 1,1 5 0,-2 52-9830,4-138 7577</inkml:trace>
+</inkml:ink>
+</file>
+
+<file path=ppt/ink/ink66.xml><?xml version="1.0" encoding="utf-8"?>
+<inkml:ink xmlns:inkml="http://www.w3.org/2003/InkML">
+  <inkml:definitions>
+    <inkml:context xml:id="ctx0">
+      <inkml:inkSource xml:id="inkSrc0">
+        <inkml:traceFormat>
+          <inkml:channel name="X" type="integer" min="-2.14748E9" max="2.14748E9" units="cm"/>
+          <inkml:channel name="Y" type="integer" min="-2.14748E9" max="2.14748E9" units="cm"/>
+          <inkml:channel name="F" type="integer" max="32767" units="dev"/>
+        </inkml:traceFormat>
+        <inkml:channelProperties>
+          <inkml:channelProperty channel="X" name="resolution" value="1000" units="1/cm"/>
+          <inkml:channelProperty channel="Y" name="resolution" value="1000" units="1/cm"/>
+          <inkml:channelProperty channel="F" name="resolution" value="0" units="1/dev"/>
+        </inkml:channelProperties>
+      </inkml:inkSource>
+      <inkml:timestamp xml:id="ts0" timeString="2022-07-20T18:00:41.245"/>
+    </inkml:context>
+    <inkml:brush xml:id="br0">
+      <inkml:brushProperty name="width" value="0.05" units="cm"/>
+      <inkml:brushProperty name="height" value="0.05" units="cm"/>
+      <inkml:brushProperty name="color" value="#5B2D90"/>
+    </inkml:brush>
+  </inkml:definitions>
+  <inkml:trace contextRef="#ctx0" brushRef="#br0">858 0 14968,'-20'25'248,"13"-12"993,-38 80 429,34-69-788,-49 120 274,45-104-690,-31 88 1,-6 18-350,31-82 3,-89 287 70,86-277 38,-102 297 49,101-301-282,-90 246-18,96-264-82,-19 52 3,8-22-15,30-81 80,0 1-1,-1 0 1,1-1-1,-1 1 1,1-1-1,-1 0 1,0 1 0,0-1-1,0 1 1,0-1-1,0 0 1,-2 2-1,1 0-21,-1-1-1,1 0 0,-1 0 0,1 0 1,-1 0-1,-4 1 0,6-2 46,-1-1-1,1 1 1,0-1 0,0 0-1,0 0 1,0 1-1,-1-1 1,1 0 0,0 0-1,0 0 1,0-1-1,-1 1 1,1 0 0,0 0-1,0 0 1,0-1-1,0 1 1,0-1 0,-1 1-1,1-1 1,0 1-1,-1-2 1,-2-2-337,1-8-125,3 12 476,-10-71-826,7-27 616,3 98 210,-4-55-2338,-5-47-6357,21 238 6533</inkml:trace>
+</inkml:ink>
+</file>
+
+<file path=ppt/ink/ink67.xml><?xml version="1.0" encoding="utf-8"?>
+<inkml:ink xmlns:inkml="http://www.w3.org/2003/InkML">
+  <inkml:definitions>
+    <inkml:context xml:id="ctx0">
+      <inkml:inkSource xml:id="inkSrc0">
+        <inkml:traceFormat>
+          <inkml:channel name="X" type="integer" min="-2.14748E9" max="2.14748E9" units="cm"/>
+          <inkml:channel name="Y" type="integer" min="-2.14748E9" max="2.14748E9" units="cm"/>
+          <inkml:channel name="F" type="integer" max="32767" units="dev"/>
+        </inkml:traceFormat>
+        <inkml:channelProperties>
+          <inkml:channelProperty channel="X" name="resolution" value="1000" units="1/cm"/>
+          <inkml:channelProperty channel="Y" name="resolution" value="1000" units="1/cm"/>
+          <inkml:channelProperty channel="F" name="resolution" value="0" units="1/dev"/>
+        </inkml:channelProperties>
+      </inkml:inkSource>
+      <inkml:timestamp xml:id="ts0" timeString="2022-07-20T18:00:41.668"/>
+    </inkml:context>
+    <inkml:brush xml:id="br0">
+      <inkml:brushProperty name="width" value="0.05" units="cm"/>
+      <inkml:brushProperty name="height" value="0.05" units="cm"/>
+      <inkml:brushProperty name="color" value="#5B2D90"/>
+    </inkml:brush>
+  </inkml:definitions>
+  <inkml:trace contextRef="#ctx0" brushRef="#br0">1 1 15152,'21'45'229,"-10"-25"917,61 102 396,-53-91-714,104 171 253,-98-162-668,87 137 81,-93-148-506,69 104-672,-83-125 407,-5-7-120,0-2-67,-9-11-484,-7-14 599,15 25 246,0 0 0,0-1 0,1 0-1,-1 1 1,0-1 0,1 1 0,-1-3 0,-25-103-929,18 73-980,-8-30-5336,37 150 5523</inkml:trace>
+</inkml:ink>
+</file>
+
+<file path=ppt/ink/ink68.xml><?xml version="1.0" encoding="utf-8"?>
+<inkml:ink xmlns:inkml="http://www.w3.org/2003/InkML">
+  <inkml:definitions>
+    <inkml:context xml:id="ctx0">
+      <inkml:inkSource xml:id="inkSrc0">
+        <inkml:traceFormat>
+          <inkml:channel name="X" type="integer" min="-2.14748E9" max="2.14748E9" units="cm"/>
+          <inkml:channel name="Y" type="integer" min="-2.14748E9" max="2.14748E9" units="cm"/>
+          <inkml:channel name="F" type="integer" max="32767" units="dev"/>
+        </inkml:traceFormat>
+        <inkml:channelProperties>
+          <inkml:channelProperty channel="X" name="resolution" value="1000" units="1/cm"/>
+          <inkml:channelProperty channel="Y" name="resolution" value="1000" units="1/cm"/>
+          <inkml:channelProperty channel="F" name="resolution" value="0" units="1/dev"/>
+        </inkml:channelProperties>
+      </inkml:inkSource>
+      <inkml:timestamp xml:id="ts0" timeString="2022-07-20T18:00:42.025"/>
+    </inkml:context>
+    <inkml:brush xml:id="br0">
+      <inkml:brushProperty name="width" value="0.05" units="cm"/>
+      <inkml:brushProperty name="height" value="0.05" units="cm"/>
+      <inkml:brushProperty name="color" value="#5B2D90"/>
+    </inkml:brush>
+  </inkml:definitions>
+  <inkml:trace contextRef="#ctx0" brushRef="#br0">307 1 15600,'0'0'1423,"2"8"-236,1 1-1003,6 31 853,8 65 30,-13-79-652,16 126 79,-15-110-532,10 92 3,0 20-24,-8-87-201,32 294-129,-30-292 2,45 238-254,-51-291 198,5 19-1,22 64-442,0-16 662,-29-81 198,0 1 0,0-1 0,0 0 1,0 1-1,0-1 0,1 0 0,-1 0 1,2 2-1,1 2-20,1-2 1,-1 1-1,1 0 0,7 6 1,-8-10-32,-1 1-1,0 0 1,0-1 0,5 2 0,13 4-1629,1 5-3411,22 17 1</inkml:trace>
+  <inkml:trace contextRef="#ctx0" brushRef="#br0" timeOffset="1">896 703 13808,'16'42'286,"-16"-42"-258,0 0-1,0 1 1,0-1 0,0 0-1,0 0 1,1 0-1,-1 0 1,0 1 0,0-1-1,0 0 1,0 0-1,0 0 1,0 1-1,0-1 1,0 0 0,0 0-1,0 0 1,0 1-1,0-1 1,0 0 0,0 0-1,0 0 1,0 0-1,0 1 1,0-1 0,-1 0-1,1 0 1,0 0-1,0 1 1,0-1-1,0 0 1,0 0 0,0 0-1,0 0 1,-1 0-1,1 1 1,0-1 0,0 0-1,0 0 1,0 0-1,-1 0 1,1 0 0,0 0-1,0 0 1,0 0-1,-1 0 1,1 0 0,0 1-1,0-1 1,0 0-1,-1 0 1,-15 6 611,0 0 0,-28 7 0,22-9 314,-113 9 297,104-11-724,-146 5 57,138-7-830,-168 4-185,171-4-248,-82-12-290,102 9 198,9 1 612,1 0 0,0-1 0,0 0 0,1 0 0,-12-8 0,17 11 150,0 0 0,0-1 1,-1 1-1,1 0 0,0 0 1,0-1-1,-1 1 1,1 0-1,0 0 0,0-1 1,0 1-1,-1 0 0,1-1 1,0 1-1,0 0 0,0-1 1,0 1-1,0 0 0,0-1 0,-1-3-110,1-1 0,0 1 0,0 0 0,1 0 0,-1 0 0,1 0 0,0 0-1,2-5 1,-1 0-976,6-37-8630</inkml:trace>
+</inkml:ink>
+</file>
+
+<file path=ppt/ink/ink69.xml><?xml version="1.0" encoding="utf-8"?>
+<inkml:ink xmlns:inkml="http://www.w3.org/2003/InkML">
+  <inkml:definitions>
+    <inkml:context xml:id="ctx0">
+      <inkml:inkSource xml:id="inkSrc0">
+        <inkml:traceFormat>
+          <inkml:channel name="X" type="integer" min="-2.14748E9" max="2.14748E9" units="cm"/>
+          <inkml:channel name="Y" type="integer" min="-2.14748E9" max="2.14748E9" units="cm"/>
+          <inkml:channel name="F" type="integer" max="32767" units="dev"/>
+        </inkml:traceFormat>
+        <inkml:channelProperties>
+          <inkml:channelProperty channel="X" name="resolution" value="1000" units="1/cm"/>
+          <inkml:channelProperty channel="Y" name="resolution" value="1000" units="1/cm"/>
+          <inkml:channelProperty channel="F" name="resolution" value="0" units="1/dev"/>
+        </inkml:channelProperties>
+      </inkml:inkSource>
+      <inkml:timestamp xml:id="ts0" timeString="2022-07-20T18:00:42.387"/>
+    </inkml:context>
+    <inkml:brush xml:id="br0">
+      <inkml:brushProperty name="width" value="0.05" units="cm"/>
+      <inkml:brushProperty name="height" value="0.05" units="cm"/>
+      <inkml:brushProperty name="color" value="#5B2D90"/>
+    </inkml:brush>
+  </inkml:definitions>
+  <inkml:trace contextRef="#ctx0" brushRef="#br0">1 0 15152,'21'58'258,"-16"-42"1037,17 89 421,-17-77-930,15 145 234,-16-128-640,7 91 0,2 17-301,-9-89-66,23 267 39,-22-269 128,19 195 63,-19-216-110,18 107 82,-18-128 58,7 12 1,-12-31-272,0 0 1,1 0-1,-1 0 1,0 0-1,1 0 1,-1-1-1,1 1 1,-1 0 0,0 0-1,1-1 1,0 1-1,-1 0 1,1-1-1,-1 1 1,1 0-1,0-1 1,0 1-1,-1-1 1,1 1 0,0-1-1,1 1 1,-1-1-3,0-1 0,0 1 0,0 0 1,0-1-1,0 0 0,0 1 0,0-1 1,0 1-1,-1-1 0,1 0 0,0 0 1,-1 1-1,1-1 0,0 0 0,-1 0 1,1 0-1,-1 0 0,1 0 0,-1 0 1,1-2-1,19-46 1,14-30-1,11-22 0,1 5 0,2 10 0,-41 73 1,1 1-1,1 1 0,0 0 0,0 0 0,14-12 1,-23 23-1,0 0 0,0-1 1,1 1-1,-1 0 0,0-1 0,0 1 1,1 0-1,-1 0 0,0-1 1,1 1-1,-1 0 0,0 0 1,1 0-1,-1 0 0,1-1 0,-1 1 1,0 0-1,1 0 0,-1 0 1,0 0-1,1 0 0,-1 0 0,1 0 1,-1 0-1,0 0 0,1 0 1,3 1 0,-1 0 1,1 0-1,-1 1 0,1-1 1,-1 1-1,0-1 1,0 1-1,0 0 0,0 0 1,0 1-1,0-1 1,-1 0-1,4 4 1,-5-5 1,0 0 0,0 1 1,0-1-1,0 0 0,-1 1 1,1-1-1,1 3 0,18 42 24,0 23-22,4 78-83,-21-116-314,15 144-219,-14-145-114,0-12 424,2 1 1,12 28-1,-17-47 289,-1 1-1,0 0 0,1 0 0,-1-1 0,1 1 0,-1 0 0,1-1 1,0 1-1,-1 0 0,1-1 0,0 1 0,-1-1 0,2 2 0,8 3-414,1 1 0,-1-1-1,1-1 1,0 0 0,13 3-1,47 19-11311</inkml:trace>
+</inkml:ink>
+</file>
+
+<file path=ppt/ink/ink7.xml><?xml version="1.0" encoding="utf-8"?>
+<inkml:ink xmlns:inkml="http://www.w3.org/2003/InkML">
+  <inkml:definitions>
+    <inkml:context xml:id="ctx0">
+      <inkml:inkSource xml:id="inkSrc0">
+        <inkml:traceFormat>
+          <inkml:channel name="X" type="integer" min="-2.14748E9" max="2.14748E9" units="cm"/>
+          <inkml:channel name="Y" type="integer" min="-2.14748E9" max="2.14748E9" units="cm"/>
+          <inkml:channel name="F" type="integer" max="32767" units="dev"/>
+        </inkml:traceFormat>
+        <inkml:channelProperties>
+          <inkml:channelProperty channel="X" name="resolution" value="1000" units="1/cm"/>
+          <inkml:channelProperty channel="Y" name="resolution" value="1000" units="1/cm"/>
+          <inkml:channelProperty channel="F" name="resolution" value="0" units="1/dev"/>
+        </inkml:channelProperties>
+      </inkml:inkSource>
+      <inkml:timestamp xml:id="ts0" timeString="2022-07-20T17:59:26.997"/>
+    </inkml:context>
+    <inkml:brush xml:id="br0">
+      <inkml:brushProperty name="width" value="0.05" units="cm"/>
+      <inkml:brushProperty name="height" value="0.05" units="cm"/>
+      <inkml:brushProperty name="color" value="#5B2D90"/>
+    </inkml:brush>
+  </inkml:definitions>
+  <inkml:trace contextRef="#ctx0" brushRef="#br0">194 1 14344,'-58'22'229,"58"-22"-157,-1 0-1,0 0 1,0 1 0,0-1 0,0 0-1,1 1 1,-1-1 0,0 1 0,0-1-1,1 1 1,-1 0 0,0-1 0,1 1-1,-1 0 1,0 0 0,-62 80 1470,61-79-1427,1 0-1,-1 1 0,1 0 1,0-1-1,-1 1 0,0 4 0,-43 142 925,44-145-983,0 0 1,0 0-1,0 0 1,1 1-1,0-1 0,0 8 1,5 92 341,11 9-314,-15-105-78,1 1-1,0-1 0,4 12 1,34 85 19,10-2 8,-50-103-33,4 7 35,0 0 0,0 0 0,7 8 0,49 61 105,6-7-53,-63-66-45,0 0 0,-1-1 0,1 1 0,1-1 0,-1 1-1,6 2 1,8 5 105,30 12 0,-32-17-111,0-1 1,19 4-1,-32-8-19,-1 0 0,1 1 0,-1-1 0,0 0 0,1 0 0,-1 0 0,1 0 0,-1 0 0,0 0 0,1 0 0,-1 0 0,1-1 0,-1 1 0,3-2 0,-4 2-17,10-3 64,-1 0 1,0-1 0,16-9-1,-14 5-39,1-1-1,14-16 1,-24 24-18,-1 0 1,1 0 0,-1-1 0,0 1-1,0-1 1,0 1 0,0-1-1,0 1 1,0-1 0,0 1 0,-1-1-1,1 0 1,0-2 0,7-17 48,6-28 0,-2-32-24,-12 81-32,1-6 12,-1 0 0,0 0 0,-1-11 0,-8-72 40,-15-24-42,8 57-78,-44-99 0,56 144-60,-14-31 212,15 37-266,0-1 1,0 1-1,-1 0 0,1 0 0,-1 0 0,-6-6 0,9 11 161,1 0 0,-1-1 0,1 1 0,0-1 0,-1 1 0,1 0 0,-1-1 0,0 1 0,1 0 0,-1-1 0,1 1 0,-1 0 0,1 0 0,-2 0 0,2 0-3,0 0 0,0 0 0,-1 0 0,1 0 0,0 0 0,0 0 0,0 0 0,0 0 0,0 0 0,0 1 0,-1-1 0,1 0 0,0 0 0,0 0 1,0 0-1,0 0 0,0 1 0,0-1 0,0 0 0,0 0 0,0 0 0,-1 0 0,1 1 0,0-1 0,0 0 0,0 0 0,0 0 0,0 1 0,0-1 0,0 0 0,0 0 0,4 23-1164,-2-17 1275,9 41-325,-10-46 220,-1 1 0,0-1 0,1 1 0,-1-1 0,1 0 0,-1 0 0,1 1 0,0-1 0,-1 0 0,1 0 0,0 0 0,0 0 0,1 2 0,83 86-1308,-68-73 240,77 81-9487</inkml:trace>
+</inkml:ink>
+</file>
+
+<file path=ppt/ink/ink70.xml><?xml version="1.0" encoding="utf-8"?>
+<inkml:ink xmlns:inkml="http://www.w3.org/2003/InkML">
+  <inkml:definitions>
+    <inkml:context xml:id="ctx0">
+      <inkml:inkSource xml:id="inkSrc0">
+        <inkml:traceFormat>
+          <inkml:channel name="X" type="integer" min="-2.14748E9" max="2.14748E9" units="cm"/>
+          <inkml:channel name="Y" type="integer" min="-2.14748E9" max="2.14748E9" units="cm"/>
+          <inkml:channel name="F" type="integer" max="32767" units="dev"/>
+        </inkml:traceFormat>
+        <inkml:channelProperties>
+          <inkml:channelProperty channel="X" name="resolution" value="1000" units="1/cm"/>
+          <inkml:channelProperty channel="Y" name="resolution" value="1000" units="1/cm"/>
+          <inkml:channelProperty channel="F" name="resolution" value="0" units="1/dev"/>
+        </inkml:channelProperties>
+      </inkml:inkSource>
+      <inkml:timestamp xml:id="ts0" timeString="2022-07-20T18:00:42.764"/>
+    </inkml:context>
+    <inkml:brush xml:id="br0">
+      <inkml:brushProperty name="width" value="0.05" units="cm"/>
+      <inkml:brushProperty name="height" value="0.05" units="cm"/>
+      <inkml:brushProperty name="color" value="#5B2D90"/>
+    </inkml:brush>
+  </inkml:definitions>
+  <inkml:trace contextRef="#ctx0" brushRef="#br0">465 140 13272,'-35'-57'232,"26"46"929,-49-36 412,58 46-1500,-1 0 0,0 0 0,0 1-1,-1-1 1,1 0 0,0 1 0,0-1-1,0 1 1,0-1 0,0 1 0,-2 0-1,-88-17 1064,90 17-1110,-1 0 0,1 0 0,0 0 0,0 0 0,0 0 0,0 0 0,0 0 0,-1 0 0,1 0 0,0 0 0,0 1 0,0-1 0,0 1 0,0-1 0,0 1 0,-1 0 0,-31 16 243,-38 28 0,68-43-265,0 0-1,1 1 0,-1-1 1,1 1-1,-5 4 0,-35 47 17,2 11 27,40-65-47,-2 2 24,1 1-1,-1 0 1,1-1 0,0 1 0,0 0-1,0 0 1,0 0 0,0 5-1,-14 79 191,10 9-120,5-96-94,-1 4 33,1 0 0,0 0-1,1 1 1,-1-1 0,1 0-1,-1 0 1,3 6 0,26 86 232,12 0-130,-39-92-90,-1-1 0,1 1 1,0-1-1,0 0 0,0 1 1,1-1-1,-1 0 0,4 3 1,62 62 366,10-10-263,-75-56-116,-1-1 1,1 1-1,0 0 1,0-1-1,-1 0 1,1 1-1,0-1 1,0 0-1,4 0 1,11 4 135,38 5 0,-38-9-126,0-1 0,20-3-1,-38 3-42,2 0 19,0 0 0,-1 0 0,1 0-1,-1-1 1,1 1 0,-1 0 0,1-1-1,-1 1 1,1-1 0,-1 1 0,1-1-1,-1 0 1,0 0 0,1 1 0,1-3-1,6-4 57,1 0 0,-1 0 0,12-14 0,-11 8-41,0 0-1,11-20 0,-21 33-33,1-3 23,1 1-1,-1-1 0,0 1 0,0-1 0,0 0 1,0 1-1,0-1 0,0-4 0,-1 7-22,6-24 100,1-28 0,-6-32-49,-1 84-51,0-6 11,0 1 0,-1-1 0,1 1 0,-3-7 0,3 12-11,-21-82 58,-9-3-48,30 85-10,-3-7-5,0 0 1,-6-10-1,-18-30-378,-42-55 0,56 85-67,-18-18 0,28 33-467,3 3 569,2 5 148,-2-5 118,4 6 85,6 16-2743,-3-6-6729,-17-40 7113</inkml:trace>
+</inkml:ink>
+</file>
+
+<file path=ppt/ink/ink71.xml><?xml version="1.0" encoding="utf-8"?>
+<inkml:ink xmlns:inkml="http://www.w3.org/2003/InkML">
+  <inkml:definitions>
+    <inkml:context xml:id="ctx0">
+      <inkml:inkSource xml:id="inkSrc0">
+        <inkml:traceFormat>
+          <inkml:channel name="X" type="integer" min="-2.14748E9" max="2.14748E9" units="cm"/>
+          <inkml:channel name="Y" type="integer" min="-2.14748E9" max="2.14748E9" units="cm"/>
+          <inkml:channel name="F" type="integer" max="32767" units="dev"/>
+        </inkml:traceFormat>
+        <inkml:channelProperties>
+          <inkml:channelProperty channel="X" name="resolution" value="1000" units="1/cm"/>
+          <inkml:channelProperty channel="Y" name="resolution" value="1000" units="1/cm"/>
+          <inkml:channelProperty channel="F" name="resolution" value="0" units="1/dev"/>
+        </inkml:channelProperties>
+      </inkml:inkSource>
+      <inkml:timestamp xml:id="ts0" timeString="2022-07-20T18:00:43.135"/>
+    </inkml:context>
+    <inkml:brush xml:id="br0">
+      <inkml:brushProperty name="width" value="0.05" units="cm"/>
+      <inkml:brushProperty name="height" value="0.05" units="cm"/>
+      <inkml:brushProperty name="color" value="#5B2D90"/>
+    </inkml:brush>
+  </inkml:definitions>
+  <inkml:trace contextRef="#ctx0" brushRef="#br0">1 145 14072,'2'14'51,"1"2"620,1 29 0,0 53 893,-4-75-736,-6 288 889,6-153-1098,0-139-558,-1 6 80,5 42-1,4-14 100,-7-50-222,1-3 6,0-2-20,1 0 0,-1-1 1,0 1-1,-1 0 0,1-1 1,0 1-1,-1-1 0,1 1 1,-1-1-1,0 0 0,2-3 0,-1 0-2,5-12-7,14-46 3,58-195-93,-49 162 50,6-26-35,-1 11 60,41-63 84,-75 171 0,1 1 0,0-1 0,0 0 0,4-4 0,4-4 51,1 0 0,0 1-1,20-17 1,-31 28-97,1 0 0,-1-1-1,1 1 1,-1 0 0,1-1 0,-1 1-1,1 0 1,0-1 0,-1 1 0,1 0 0,-1 0-1,1 0 1,0 0 0,-1 0 0,1 0-1,0 0 1,-1 0 0,1 0 0,-1 0 0,2 0-1,4 1 19,0-1 0,0 2 0,0-1 0,0 1-1,0 0 1,0 0 0,-1 0 0,1 1 0,-1 0-1,0 0 1,1 0 0,-1 1 0,8 7 0,-1 1 19,-1 1 0,0 0 0,14 22 0,21 45 45,-21-25 58,21 64 0,-36-81 88,30 185 29,-34-178-380,13 159-141,-19-199 122,1 0 0,-1 1 0,1-1 0,2 7 0,8 26-258,18 38 0,-17-44-2290,12 37-7715,-56-160 7795</inkml:trace>
+</inkml:ink>
+</file>
+
+<file path=ppt/ink/ink72.xml><?xml version="1.0" encoding="utf-8"?>
+<inkml:ink xmlns:inkml="http://www.w3.org/2003/InkML">
+  <inkml:definitions>
+    <inkml:context xml:id="ctx0">
+      <inkml:inkSource xml:id="inkSrc0">
+        <inkml:traceFormat>
+          <inkml:channel name="X" type="integer" min="-2.14748E9" max="2.14748E9" units="cm"/>
+          <inkml:channel name="Y" type="integer" min="-2.14748E9" max="2.14748E9" units="cm"/>
+          <inkml:channel name="F" type="integer" max="32767" units="dev"/>
+        </inkml:traceFormat>
+        <inkml:channelProperties>
+          <inkml:channelProperty channel="X" name="resolution" value="1000" units="1/cm"/>
+          <inkml:channelProperty channel="Y" name="resolution" value="1000" units="1/cm"/>
+          <inkml:channelProperty channel="F" name="resolution" value="0" units="1/dev"/>
+        </inkml:channelProperties>
+      </inkml:inkSource>
+      <inkml:timestamp xml:id="ts0" timeString="2022-07-20T18:00:44.187"/>
+    </inkml:context>
+    <inkml:brush xml:id="br0">
+      <inkml:brushProperty name="width" value="0.05" units="cm"/>
+      <inkml:brushProperty name="height" value="0.05" units="cm"/>
+      <inkml:brushProperty name="color" value="#5B2D90"/>
+    </inkml:brush>
+  </inkml:definitions>
+  <inkml:trace contextRef="#ctx0" brushRef="#br0">782 2398 16312,'-34'88'287,"21"-46"1153,-36 131 0,-172 602 267,156-534-896,14-49-481,28-106 310,-43 159 0,-15 59-498,17-45-89,14-44-26,16-58 26,18-62 0,11-60 147,-5 132 88,12-138-48,3 7-82,15 45 0,-20-79-146,0 0 0,1-1-1,0 1 1,-1-1 0,1 0-1,0 1 1,0-1 0,-1 0-1,1 1 1,0-1 0,2 2-1,5 6 22,1 0-1,0-1 0,0 0 1,18 11-1,-20-15-30,0 0 0,0-1 0,0 1-1,0-2 1,0 1 0,1-1 0,-1 0-1,1 0 1,-1-1 0,10 1 0,2-3 0,1 0 1,-1-2 0,28-6-1,40-15 24,-53 13 60,74-28 1,342-144-42,-179 62-35,195-81 0,-337 152-20,-113 43-16,29-6 0,137-34-22,19 0 32,-109 29-16,169-25 4,81-5 22,325-23 5,-543 61-4,183-8 3,61 0 4,-6 5 3,-64 5 0,-182 7 15,436 14 44,-447-8 136,392 30 76,-407-27-96,118 10 0,-13 0-124,-124-12 44,90 3 0,-14-2-40,-97-6 140,146-11 55,-162 5-182,119-38 30,-150 42-95,0 0 0,0 0 0,-1 0 0,1 0 1,0-1-1,-1 1 0,1-1 0,3-3 0,-6 5-8,62-53 74,-4-13-55,-52 59-5,10-17 0,-16 24-14,54-92 32,7-38-24,46-179-2,-87 242-12,30-119 5,0-17 0,-29 114-5,37-159 5,13-67-4,-58 260 0,143-657-37,-121 537 29,-22 98-32,19-146 3,-4-11 24,-20 142-34,-8 92 51,5-223-46,-8 3 27,3 220 20,0-16-14,-1 0 1,0 0 0,-5-17-1,6 33 14,-39-185-53,-14 13 37,53 172 16,-3-9-4,0 1-1,0 0 1,-1 0 0,0 0 0,-9-13 0,13 21 4,-93-134-22,-16 15 2,105 114 11,-1 1 0,0-1 1,0 1-1,0 0 0,0 1 0,-1-1 0,1 1 0,-10-4 0,-150-68-71,-26 17 34,175 54 8,-1 0 0,1 1 0,-21-1 0,-203-14-110,-23 16 108,263 2 40,-119 5-52,-215 18 4,-29 11 36,363-34 12,-154 14-12,-249 18 4,-19 1 8,245-23 6,-287 4 1,-16-7 30,292-6 143,-707-1 39,733 5-204,-195 26 3,33 9-36,307-38-5,0 0 1,0 2-1,0 0 1,-26 10 0,43-14 22,-225 88-108,165-58 7,-62 43 0,122-73 101,-7 4-112,0 0-1,0 1 1,1 0-1,0 0 1,0 0-1,1 1 1,-9 9-1,-16 20-337,-46 69 0,56-69 354,2 2-1,-15 43 1,18-46-475,-18 21-2110,-74 120-8687,250-408 8554</inkml:trace>
+</inkml:ink>
+</file>
+
+<file path=ppt/ink/ink73.xml><?xml version="1.0" encoding="utf-8"?>
+<inkml:ink xmlns:inkml="http://www.w3.org/2003/InkML">
+  <inkml:definitions>
+    <inkml:context xml:id="ctx0">
+      <inkml:inkSource xml:id="inkSrc0">
+        <inkml:traceFormat>
+          <inkml:channel name="X" type="integer" min="-2.14748E9" max="2.14748E9" units="cm"/>
+          <inkml:channel name="Y" type="integer" min="-2.14748E9" max="2.14748E9" units="cm"/>
+          <inkml:channel name="F" type="integer" max="32767" units="dev"/>
+        </inkml:traceFormat>
+        <inkml:channelProperties>
+          <inkml:channelProperty channel="X" name="resolution" value="1000" units="1/cm"/>
+          <inkml:channelProperty channel="Y" name="resolution" value="1000" units="1/cm"/>
+          <inkml:channelProperty channel="F" name="resolution" value="0" units="1/dev"/>
+        </inkml:channelProperties>
+      </inkml:inkSource>
+      <inkml:timestamp xml:id="ts0" timeString="2022-07-20T18:01:08.601"/>
+    </inkml:context>
+    <inkml:brush xml:id="br0">
+      <inkml:brushProperty name="width" value="0.05" units="cm"/>
+      <inkml:brushProperty name="height" value="0.05" units="cm"/>
+      <inkml:brushProperty name="color" value="#5B2D90"/>
+    </inkml:brush>
+  </inkml:definitions>
+  <inkml:trace contextRef="#ctx0" brushRef="#br0">439 0 16136,'-3'5'851,"0"-1"543,6-3-348,20-7 1718,-23 6-2755,0 0-1,0 0 0,0 0 0,0 0 1,0 0-1,1 0 0,-1 0 1,0 0-1,0 0 0,0 0 0,0 0 1,0 0-1,0 0 0,0 0 0,0 0 1,0 0-1,0 0 0,0 0 1,0 0-1,0 0 0,0 0 0,0 0 1,0 0-1,0 0 0,0 0 0,1 0 1,-1 0-1,0 0 0,0 0 1,0 1-1,0-1 0,0 0 0,0 0 1,0 0-1,0 0 0,0 0 1,0 0-1,0 0 0,0 0 0,0 0 1,0 0-1,0 0 0,0 0 0,0 0 1,0 0-1,0 0 0,0 0 1,0 0-1,0 0 0,0 1 0,0-1 1,0 0-1,0 0 0,0 0 0,0 0 1,0 0-1,0 0 0,0 0 1,0 0-1,0 0 0,0 0 0,0 0 1,0 5 240,0-2-213,-1 0 0,1 0 0,0 0 0,-1 0 0,1 0 1,-1 0-1,0 0 0,0 0 0,0 0 0,-3 3 0,-37 80-2,29-64 52,-61 110 38,55-99-24,-93 178 32,89-168-72,-75 140 34,81-154 14,-37 76 56,52-103-148,0-1 0,0 1 1,1-1-1,-1 1 1,1 0-1,-1-1 1,1 1-1,-1 1 1,0 9 39,0 0 0,1 0 1,2 20-1,-2-31-43,0 0 1,1-1-1,-1 1 1,0 0-1,0-1 0,0 1 1,1 0-1,-1-1 1,0 1-1,1-1 0,-1 1 1,0 0-1,1-1 1,-1 1-1,2 0 1,4 5 32,0 0 0,1 0 1,0-1-1,1 0 1,7 4-1,5-2 34,136 41 43,-117-35 10,185 69 86,-176-63 76,193 85 93,-195-84-242,153 75 28,-165-77-188,95 69-152,-92-61-3538,41 27-8852,-181-123 9455</inkml:trace>
+</inkml:ink>
+</file>
+
+<file path=ppt/ink/ink8.xml><?xml version="1.0" encoding="utf-8"?>
+<inkml:ink xmlns:inkml="http://www.w3.org/2003/InkML">
+  <inkml:definitions>
+    <inkml:context xml:id="ctx0">
+      <inkml:inkSource xml:id="inkSrc0">
+        <inkml:traceFormat>
+          <inkml:channel name="X" type="integer" min="-2.14748E9" max="2.14748E9" units="cm"/>
+          <inkml:channel name="Y" type="integer" min="-2.14748E9" max="2.14748E9" units="cm"/>
+          <inkml:channel name="F" type="integer" max="32767" units="dev"/>
+        </inkml:traceFormat>
+        <inkml:channelProperties>
+          <inkml:channelProperty channel="X" name="resolution" value="1000" units="1/cm"/>
+          <inkml:channelProperty channel="Y" name="resolution" value="1000" units="1/cm"/>
+          <inkml:channelProperty channel="F" name="resolution" value="0" units="1/dev"/>
+        </inkml:channelProperties>
+      </inkml:inkSource>
+      <inkml:timestamp xml:id="ts0" timeString="2022-07-20T17:59:27.632"/>
+    </inkml:context>
+    <inkml:brush xml:id="br0">
+      <inkml:brushProperty name="width" value="0.05" units="cm"/>
+      <inkml:brushProperty name="height" value="0.05" units="cm"/>
+      <inkml:brushProperty name="color" value="#5B2D90"/>
+    </inkml:brush>
+  </inkml:definitions>
+  <inkml:trace contextRef="#ctx0" brushRef="#br0">628 5 15416,'-67'-4'272,"49"4"1087,-102 6 436,93-3-982,-113 28 202,135-30-967,0 1 1,0 0-1,-7 3 0,-10 5 4,1 2-1,0 0 1,-25 21-1,35-25-65,0 1-1,2 0 0,-1 1 0,1 0 1,0 0-1,1 1 0,0 1 0,-9 18 1,11-15-10,1 0 0,1 0 0,0 1 0,1-1 0,-1 16 0,4-29 11,-1 0 0,1 0 1,0 0-1,0 0 0,1 0 1,-1 0-1,0 0 0,1 0 1,-1 0-1,1 0 0,1 3 1,29 81-136,-15-51 133,27 48 0,-20-48 15,44 53-1,31 18 6,21 13 13,-80-84-3,47 32-1,-74-59-8,-1 0 1,1-1-1,1-1 1,-1 0-1,19 6 0,-27-11-1,0 1 0,1-2-1,-1 1 1,0-1-1,1 1 1,-1-1 0,0 0-1,7-1 1,-8 0-1,0 0-1,0 0 1,-1 1 0,1-2 0,0 1 0,-1 0 0,1 0-1,-1-1 1,1 0 0,-1 1 0,0-1 0,0 0 0,0 0 0,2-2-1,9-13 46,-1 1-1,17-33 0,-22 35-22,-5 11 5,0 0 0,0 0 0,-1 0 0,2-6 0,8-23 15,-2-1 0,-1 0 0,-2 0 0,3-47 0,-7-32 9,-2 104-53,1-1 0,-1 1 1,0-1-1,-1 1 0,0 0 0,-1-1 0,1 1 0,-1 0 1,-1 0-1,-6-14 0,-3-1-67,7 17-269,2 4 270,1 1-1,-1-1 1,0 1-1,0 0 0,0 0 1,0 0-1,0 0 1,-4 0-1,7 1 44,0-1 0,0 1 0,-1 0 0,1 0 0,0 0 0,0 0 0,0 0 0,-1 0 0,1 0 0,0 1-1,0-1 1,0 0 0,0 0 0,-1 0 0,1 0 0,0 0 0,0 0 0,0 0 0,0 0 0,-1 0 0,1 0 0,0 1 0,0-1 0,0 0 0,0 0 0,0 0 0,0 0 0,-1 0-1,1 1 1,0-1 0,0 0 0,0 0 0,0 0 0,0 0 0,0 1 0,0-1 0,0 0 0,0 0 0,0 0 0,0 0 0,0 1 0,0-1 0,-4 13-355,0 1 0,-3 24 0,7-37 358,-1 0 0,1 0 0,0 1 0,0-1 0,0 0 0,0 0 0,0 0 0,0 0 0,1 0 0,-1 0 0,0 0 0,1 2 0,7 17-785,1-1 0,19 31 0,16 31-9843</inkml:trace>
+</inkml:ink>
+</file>
+
+<file path=ppt/ink/ink9.xml><?xml version="1.0" encoding="utf-8"?>
+<inkml:ink xmlns:inkml="http://www.w3.org/2003/InkML">
+  <inkml:definitions>
+    <inkml:context xml:id="ctx0">
+      <inkml:inkSource xml:id="inkSrc0">
+        <inkml:traceFormat>
+          <inkml:channel name="X" type="integer" min="-2.14748E9" max="2.14748E9" units="cm"/>
+          <inkml:channel name="Y" type="integer" min="-2.14748E9" max="2.14748E9" units="cm"/>
+          <inkml:channel name="F" type="integer" max="32767" units="dev"/>
+        </inkml:traceFormat>
+        <inkml:channelProperties>
+          <inkml:channelProperty channel="X" name="resolution" value="1000" units="1/cm"/>
+          <inkml:channelProperty channel="Y" name="resolution" value="1000" units="1/cm"/>
+          <inkml:channelProperty channel="F" name="resolution" value="0" units="1/dev"/>
+        </inkml:channelProperties>
+      </inkml:inkSource>
+      <inkml:timestamp xml:id="ts0" timeString="2022-07-20T17:59:28.030"/>
+    </inkml:context>
+    <inkml:brush xml:id="br0">
+      <inkml:brushProperty name="width" value="0.05" units="cm"/>
+      <inkml:brushProperty name="height" value="0.05" units="cm"/>
+      <inkml:brushProperty name="color" value="#5B2D90"/>
+    </inkml:brush>
+  </inkml:definitions>
+  <inkml:trace contextRef="#ctx0" brushRef="#br0">36 0 14520,'-5'157'1185,"-8"111"2556,7-201-3566,4-40-109,-7 102-138,8-100-686,6 146-338,-3-121-1603,0 51-5235,-5-245 5998</inkml:trace>
+</inkml:ink>
 </file>
 
 <file path=ppt/slideLayouts/slideLayout1.xml><?xml version="1.0" encoding="utf-8"?>
@@ -255,7 +2308,7 @@
           <a:p>
             <a:fld id="{8415B7D3-8679-45B1-95C7-B5CD651E1E0B}" type="datetimeFigureOut">
               <a:rPr lang="en-US" smtClean="0"/>
-              <a:t>7/19/2022</a:t>
+              <a:t>7/20/2022</a:t>
             </a:fld>
             <a:endParaRPr lang="en-US"/>
           </a:p>
@@ -453,7 +2506,7 @@
           <a:p>
             <a:fld id="{8415B7D3-8679-45B1-95C7-B5CD651E1E0B}" type="datetimeFigureOut">
               <a:rPr lang="en-US" smtClean="0"/>
-              <a:t>7/19/2022</a:t>
+              <a:t>7/20/2022</a:t>
             </a:fld>
             <a:endParaRPr lang="en-US"/>
           </a:p>
@@ -661,7 +2714,7 @@
           <a:p>
             <a:fld id="{8415B7D3-8679-45B1-95C7-B5CD651E1E0B}" type="datetimeFigureOut">
               <a:rPr lang="en-US" smtClean="0"/>
-              <a:t>7/19/2022</a:t>
+              <a:t>7/20/2022</a:t>
             </a:fld>
             <a:endParaRPr lang="en-US"/>
           </a:p>
@@ -859,7 +2912,7 @@
           <a:p>
             <a:fld id="{8415B7D3-8679-45B1-95C7-B5CD651E1E0B}" type="datetimeFigureOut">
               <a:rPr lang="en-US" smtClean="0"/>
-              <a:t>7/19/2022</a:t>
+              <a:t>7/20/2022</a:t>
             </a:fld>
             <a:endParaRPr lang="en-US"/>
           </a:p>
@@ -1134,7 +3187,7 @@
           <a:p>
             <a:fld id="{8415B7D3-8679-45B1-95C7-B5CD651E1E0B}" type="datetimeFigureOut">
               <a:rPr lang="en-US" smtClean="0"/>
-              <a:t>7/19/2022</a:t>
+              <a:t>7/20/2022</a:t>
             </a:fld>
             <a:endParaRPr lang="en-US"/>
           </a:p>
@@ -1399,7 +3452,7 @@
           <a:p>
             <a:fld id="{8415B7D3-8679-45B1-95C7-B5CD651E1E0B}" type="datetimeFigureOut">
               <a:rPr lang="en-US" smtClean="0"/>
-              <a:t>7/19/2022</a:t>
+              <a:t>7/20/2022</a:t>
             </a:fld>
             <a:endParaRPr lang="en-US"/>
           </a:p>
@@ -1811,7 +3864,7 @@
           <a:p>
             <a:fld id="{8415B7D3-8679-45B1-95C7-B5CD651E1E0B}" type="datetimeFigureOut">
               <a:rPr lang="en-US" smtClean="0"/>
-              <a:t>7/19/2022</a:t>
+              <a:t>7/20/2022</a:t>
             </a:fld>
             <a:endParaRPr lang="en-US"/>
           </a:p>
@@ -1952,7 +4005,7 @@
           <a:p>
             <a:fld id="{8415B7D3-8679-45B1-95C7-B5CD651E1E0B}" type="datetimeFigureOut">
               <a:rPr lang="en-US" smtClean="0"/>
-              <a:t>7/19/2022</a:t>
+              <a:t>7/20/2022</a:t>
             </a:fld>
             <a:endParaRPr lang="en-US"/>
           </a:p>
@@ -2065,7 +4118,7 @@
           <a:p>
             <a:fld id="{8415B7D3-8679-45B1-95C7-B5CD651E1E0B}" type="datetimeFigureOut">
               <a:rPr lang="en-US" smtClean="0"/>
-              <a:t>7/19/2022</a:t>
+              <a:t>7/20/2022</a:t>
             </a:fld>
             <a:endParaRPr lang="en-US"/>
           </a:p>
@@ -2376,7 +4429,7 @@
           <a:p>
             <a:fld id="{8415B7D3-8679-45B1-95C7-B5CD651E1E0B}" type="datetimeFigureOut">
               <a:rPr lang="en-US" smtClean="0"/>
-              <a:t>7/19/2022</a:t>
+              <a:t>7/20/2022</a:t>
             </a:fld>
             <a:endParaRPr lang="en-US"/>
           </a:p>
@@ -2664,7 +4717,7 @@
           <a:p>
             <a:fld id="{8415B7D3-8679-45B1-95C7-B5CD651E1E0B}" type="datetimeFigureOut">
               <a:rPr lang="en-US" smtClean="0"/>
-              <a:t>7/19/2022</a:t>
+              <a:t>7/20/2022</a:t>
             </a:fld>
             <a:endParaRPr lang="en-US"/>
           </a:p>
@@ -2905,7 +4958,7 @@
           <a:p>
             <a:fld id="{8415B7D3-8679-45B1-95C7-B5CD651E1E0B}" type="datetimeFigureOut">
               <a:rPr lang="en-US" smtClean="0"/>
-              <a:t>7/19/2022</a:t>
+              <a:t>7/20/2022</a:t>
             </a:fld>
             <a:endParaRPr lang="en-US"/>
           </a:p>
@@ -3817,6 +5870,3801 @@
 </p:sld>
 </file>
 
+<file path=ppt/slides/slide3.xml><?xml version="1.0" encoding="utf-8"?>
+<p:sld xmlns:a="http://schemas.openxmlformats.org/drawingml/2006/main" xmlns:r="http://schemas.openxmlformats.org/officeDocument/2006/relationships" xmlns:p="http://schemas.openxmlformats.org/presentationml/2006/main">
+  <p:cSld>
+    <p:spTree>
+      <p:nvGrpSpPr>
+        <p:cNvPr id="1" name=""/>
+        <p:cNvGrpSpPr/>
+        <p:nvPr/>
+      </p:nvGrpSpPr>
+      <p:grpSpPr>
+        <a:xfrm>
+          <a:off x="0" y="0"/>
+          <a:ext cx="0" cy="0"/>
+          <a:chOff x="0" y="0"/>
+          <a:chExt cx="0" cy="0"/>
+        </a:xfrm>
+      </p:grpSpPr>
+      <p:grpSp>
+        <p:nvGrpSpPr>
+          <p:cNvPr id="80" name="Group 79">
+            <a:extLst>
+              <a:ext uri="{FF2B5EF4-FFF2-40B4-BE49-F238E27FC236}">
+                <a16:creationId xmlns:a16="http://schemas.microsoft.com/office/drawing/2014/main" id="{C5DB7D7E-C140-2C13-077C-46F80D970E93}"/>
+              </a:ext>
+            </a:extLst>
+          </p:cNvPr>
+          <p:cNvGrpSpPr/>
+          <p:nvPr/>
+        </p:nvGrpSpPr>
+        <p:grpSpPr>
+          <a:xfrm>
+            <a:off x="1727703" y="282749"/>
+            <a:ext cx="8988840" cy="6324120"/>
+            <a:chOff x="1727703" y="282749"/>
+            <a:chExt cx="8988840" cy="6324120"/>
+          </a:xfrm>
+        </p:grpSpPr>
+        <mc:AlternateContent xmlns:mc="http://schemas.openxmlformats.org/markup-compatibility/2006">
+          <mc:Choice xmlns:p14="http://schemas.microsoft.com/office/powerpoint/2010/main" Requires="p14">
+            <p:contentPart p14:bwMode="auto" r:id="rId2">
+              <p14:nvContentPartPr>
+                <p14:cNvPr id="4" name="Ink 3">
+                  <a:extLst>
+                    <a:ext uri="{FF2B5EF4-FFF2-40B4-BE49-F238E27FC236}">
+                      <a16:creationId xmlns:a16="http://schemas.microsoft.com/office/drawing/2014/main" id="{3D9B15AB-581C-483F-4211-46181F1E4979}"/>
+                    </a:ext>
+                  </a:extLst>
+                </p14:cNvPr>
+                <p14:cNvContentPartPr/>
+                <p14:nvPr/>
+              </p14:nvContentPartPr>
+              <p14:xfrm>
+                <a:off x="1727703" y="5552069"/>
+                <a:ext cx="5945040" cy="938160"/>
+              </p14:xfrm>
+            </p:contentPart>
+          </mc:Choice>
+          <mc:Fallback>
+            <p:pic>
+              <p:nvPicPr>
+                <p:cNvPr id="4" name="Ink 3">
+                  <a:extLst>
+                    <a:ext uri="{FF2B5EF4-FFF2-40B4-BE49-F238E27FC236}">
+                      <a16:creationId xmlns:a16="http://schemas.microsoft.com/office/drawing/2014/main" id="{3D9B15AB-581C-483F-4211-46181F1E4979}"/>
+                    </a:ext>
+                  </a:extLst>
+                </p:cNvPr>
+                <p:cNvPicPr/>
+                <p:nvPr/>
+              </p:nvPicPr>
+              <p:blipFill>
+                <a:blip r:embed="rId3"/>
+                <a:stretch>
+                  <a:fillRect/>
+                </a:stretch>
+              </p:blipFill>
+              <p:spPr>
+                <a:xfrm>
+                  <a:off x="1719063" y="5543429"/>
+                  <a:ext cx="5962680" cy="955800"/>
+                </a:xfrm>
+                <a:prstGeom prst="rect">
+                  <a:avLst/>
+                </a:prstGeom>
+              </p:spPr>
+            </p:pic>
+          </mc:Fallback>
+        </mc:AlternateContent>
+        <mc:AlternateContent xmlns:mc="http://schemas.openxmlformats.org/markup-compatibility/2006">
+          <mc:Choice xmlns:p14="http://schemas.microsoft.com/office/powerpoint/2010/main" Requires="p14">
+            <p:contentPart p14:bwMode="auto" r:id="rId4">
+              <p14:nvContentPartPr>
+                <p14:cNvPr id="5" name="Ink 4">
+                  <a:extLst>
+                    <a:ext uri="{FF2B5EF4-FFF2-40B4-BE49-F238E27FC236}">
+                      <a16:creationId xmlns:a16="http://schemas.microsoft.com/office/drawing/2014/main" id="{AFC669A2-24A5-A6E9-D463-87E56E006A0D}"/>
+                    </a:ext>
+                  </a:extLst>
+                </p14:cNvPr>
+                <p14:cNvContentPartPr/>
+                <p14:nvPr/>
+              </p14:nvContentPartPr>
+              <p14:xfrm>
+                <a:off x="3098223" y="5877869"/>
+                <a:ext cx="81000" cy="344160"/>
+              </p14:xfrm>
+            </p:contentPart>
+          </mc:Choice>
+          <mc:Fallback>
+            <p:pic>
+              <p:nvPicPr>
+                <p:cNvPr id="5" name="Ink 4">
+                  <a:extLst>
+                    <a:ext uri="{FF2B5EF4-FFF2-40B4-BE49-F238E27FC236}">
+                      <a16:creationId xmlns:a16="http://schemas.microsoft.com/office/drawing/2014/main" id="{AFC669A2-24A5-A6E9-D463-87E56E006A0D}"/>
+                    </a:ext>
+                  </a:extLst>
+                </p:cNvPr>
+                <p:cNvPicPr/>
+                <p:nvPr/>
+              </p:nvPicPr>
+              <p:blipFill>
+                <a:blip r:embed="rId5"/>
+                <a:stretch>
+                  <a:fillRect/>
+                </a:stretch>
+              </p:blipFill>
+              <p:spPr>
+                <a:xfrm>
+                  <a:off x="3089583" y="5868869"/>
+                  <a:ext cx="98640" cy="361800"/>
+                </a:xfrm>
+                <a:prstGeom prst="rect">
+                  <a:avLst/>
+                </a:prstGeom>
+              </p:spPr>
+            </p:pic>
+          </mc:Fallback>
+        </mc:AlternateContent>
+        <mc:AlternateContent xmlns:mc="http://schemas.openxmlformats.org/markup-compatibility/2006">
+          <mc:Choice xmlns:p14="http://schemas.microsoft.com/office/powerpoint/2010/main" Requires="p14">
+            <p:contentPart p14:bwMode="auto" r:id="rId6">
+              <p14:nvContentPartPr>
+                <p14:cNvPr id="6" name="Ink 5">
+                  <a:extLst>
+                    <a:ext uri="{FF2B5EF4-FFF2-40B4-BE49-F238E27FC236}">
+                      <a16:creationId xmlns:a16="http://schemas.microsoft.com/office/drawing/2014/main" id="{0774C2D0-A551-21BD-065C-A81468DE9F96}"/>
+                    </a:ext>
+                  </a:extLst>
+                </p14:cNvPr>
+                <p14:cNvContentPartPr/>
+                <p14:nvPr/>
+              </p14:nvContentPartPr>
+              <p14:xfrm>
+                <a:off x="3244743" y="5939069"/>
+                <a:ext cx="210600" cy="336960"/>
+              </p14:xfrm>
+            </p:contentPart>
+          </mc:Choice>
+          <mc:Fallback>
+            <p:pic>
+              <p:nvPicPr>
+                <p:cNvPr id="6" name="Ink 5">
+                  <a:extLst>
+                    <a:ext uri="{FF2B5EF4-FFF2-40B4-BE49-F238E27FC236}">
+                      <a16:creationId xmlns:a16="http://schemas.microsoft.com/office/drawing/2014/main" id="{0774C2D0-A551-21BD-065C-A81468DE9F96}"/>
+                    </a:ext>
+                  </a:extLst>
+                </p:cNvPr>
+                <p:cNvPicPr/>
+                <p:nvPr/>
+              </p:nvPicPr>
+              <p:blipFill>
+                <a:blip r:embed="rId7"/>
+                <a:stretch>
+                  <a:fillRect/>
+                </a:stretch>
+              </p:blipFill>
+              <p:spPr>
+                <a:xfrm>
+                  <a:off x="3235743" y="5930069"/>
+                  <a:ext cx="228240" cy="354600"/>
+                </a:xfrm>
+                <a:prstGeom prst="rect">
+                  <a:avLst/>
+                </a:prstGeom>
+              </p:spPr>
+            </p:pic>
+          </mc:Fallback>
+        </mc:AlternateContent>
+        <mc:AlternateContent xmlns:mc="http://schemas.openxmlformats.org/markup-compatibility/2006">
+          <mc:Choice xmlns:p14="http://schemas.microsoft.com/office/powerpoint/2010/main" Requires="p14">
+            <p:contentPart p14:bwMode="auto" r:id="rId8">
+              <p14:nvContentPartPr>
+                <p14:cNvPr id="7" name="Ink 6">
+                  <a:extLst>
+                    <a:ext uri="{FF2B5EF4-FFF2-40B4-BE49-F238E27FC236}">
+                      <a16:creationId xmlns:a16="http://schemas.microsoft.com/office/drawing/2014/main" id="{C25D9D51-54F9-8771-72AF-201DD895852E}"/>
+                    </a:ext>
+                  </a:extLst>
+                </p14:cNvPr>
+                <p14:cNvContentPartPr/>
+                <p14:nvPr/>
+              </p14:nvContentPartPr>
+              <p14:xfrm>
+                <a:off x="3648663" y="5905229"/>
+                <a:ext cx="60480" cy="368280"/>
+              </p14:xfrm>
+            </p:contentPart>
+          </mc:Choice>
+          <mc:Fallback>
+            <p:pic>
+              <p:nvPicPr>
+                <p:cNvPr id="7" name="Ink 6">
+                  <a:extLst>
+                    <a:ext uri="{FF2B5EF4-FFF2-40B4-BE49-F238E27FC236}">
+                      <a16:creationId xmlns:a16="http://schemas.microsoft.com/office/drawing/2014/main" id="{C25D9D51-54F9-8771-72AF-201DD895852E}"/>
+                    </a:ext>
+                  </a:extLst>
+                </p:cNvPr>
+                <p:cNvPicPr/>
+                <p:nvPr/>
+              </p:nvPicPr>
+              <p:blipFill>
+                <a:blip r:embed="rId9"/>
+                <a:stretch>
+                  <a:fillRect/>
+                </a:stretch>
+              </p:blipFill>
+              <p:spPr>
+                <a:xfrm>
+                  <a:off x="3639663" y="5896589"/>
+                  <a:ext cx="78120" cy="385920"/>
+                </a:xfrm>
+                <a:prstGeom prst="rect">
+                  <a:avLst/>
+                </a:prstGeom>
+              </p:spPr>
+            </p:pic>
+          </mc:Fallback>
+        </mc:AlternateContent>
+        <mc:AlternateContent xmlns:mc="http://schemas.openxmlformats.org/markup-compatibility/2006">
+          <mc:Choice xmlns:p14="http://schemas.microsoft.com/office/powerpoint/2010/main" Requires="p14">
+            <p:contentPart p14:bwMode="auto" r:id="rId10">
+              <p14:nvContentPartPr>
+                <p14:cNvPr id="8" name="Ink 7">
+                  <a:extLst>
+                    <a:ext uri="{FF2B5EF4-FFF2-40B4-BE49-F238E27FC236}">
+                      <a16:creationId xmlns:a16="http://schemas.microsoft.com/office/drawing/2014/main" id="{EDF54EA0-2A1E-A1E0-4BD0-D8941CD213F1}"/>
+                    </a:ext>
+                  </a:extLst>
+                </p14:cNvPr>
+                <p14:cNvContentPartPr/>
+                <p14:nvPr/>
+              </p14:nvContentPartPr>
+              <p14:xfrm>
+                <a:off x="3848103" y="5850149"/>
+                <a:ext cx="142920" cy="448200"/>
+              </p14:xfrm>
+            </p:contentPart>
+          </mc:Choice>
+          <mc:Fallback>
+            <p:pic>
+              <p:nvPicPr>
+                <p:cNvPr id="8" name="Ink 7">
+                  <a:extLst>
+                    <a:ext uri="{FF2B5EF4-FFF2-40B4-BE49-F238E27FC236}">
+                      <a16:creationId xmlns:a16="http://schemas.microsoft.com/office/drawing/2014/main" id="{EDF54EA0-2A1E-A1E0-4BD0-D8941CD213F1}"/>
+                    </a:ext>
+                  </a:extLst>
+                </p:cNvPr>
+                <p:cNvPicPr/>
+                <p:nvPr/>
+              </p:nvPicPr>
+              <p:blipFill>
+                <a:blip r:embed="rId11"/>
+                <a:stretch>
+                  <a:fillRect/>
+                </a:stretch>
+              </p:blipFill>
+              <p:spPr>
+                <a:xfrm>
+                  <a:off x="3839103" y="5841149"/>
+                  <a:ext cx="160560" cy="465840"/>
+                </a:xfrm>
+                <a:prstGeom prst="rect">
+                  <a:avLst/>
+                </a:prstGeom>
+              </p:spPr>
+            </p:pic>
+          </mc:Fallback>
+        </mc:AlternateContent>
+        <mc:AlternateContent xmlns:mc="http://schemas.openxmlformats.org/markup-compatibility/2006">
+          <mc:Choice xmlns:p14="http://schemas.microsoft.com/office/powerpoint/2010/main" Requires="p14">
+            <p:contentPart p14:bwMode="auto" r:id="rId12">
+              <p14:nvContentPartPr>
+                <p14:cNvPr id="9" name="Ink 8">
+                  <a:extLst>
+                    <a:ext uri="{FF2B5EF4-FFF2-40B4-BE49-F238E27FC236}">
+                      <a16:creationId xmlns:a16="http://schemas.microsoft.com/office/drawing/2014/main" id="{F0A6B4B6-00A5-068C-C190-B8B6425BD2B5}"/>
+                    </a:ext>
+                  </a:extLst>
+                </p14:cNvPr>
+                <p14:cNvContentPartPr/>
+                <p14:nvPr/>
+              </p14:nvContentPartPr>
+              <p14:xfrm>
+                <a:off x="4098303" y="5952029"/>
+                <a:ext cx="194040" cy="378360"/>
+              </p14:xfrm>
+            </p:contentPart>
+          </mc:Choice>
+          <mc:Fallback>
+            <p:pic>
+              <p:nvPicPr>
+                <p:cNvPr id="9" name="Ink 8">
+                  <a:extLst>
+                    <a:ext uri="{FF2B5EF4-FFF2-40B4-BE49-F238E27FC236}">
+                      <a16:creationId xmlns:a16="http://schemas.microsoft.com/office/drawing/2014/main" id="{F0A6B4B6-00A5-068C-C190-B8B6425BD2B5}"/>
+                    </a:ext>
+                  </a:extLst>
+                </p:cNvPr>
+                <p:cNvPicPr/>
+                <p:nvPr/>
+              </p:nvPicPr>
+              <p:blipFill>
+                <a:blip r:embed="rId13"/>
+                <a:stretch>
+                  <a:fillRect/>
+                </a:stretch>
+              </p:blipFill>
+              <p:spPr>
+                <a:xfrm>
+                  <a:off x="4089303" y="5943029"/>
+                  <a:ext cx="211680" cy="396000"/>
+                </a:xfrm>
+                <a:prstGeom prst="rect">
+                  <a:avLst/>
+                </a:prstGeom>
+              </p:spPr>
+            </p:pic>
+          </mc:Fallback>
+        </mc:AlternateContent>
+        <mc:AlternateContent xmlns:mc="http://schemas.openxmlformats.org/markup-compatibility/2006">
+          <mc:Choice xmlns:p14="http://schemas.microsoft.com/office/powerpoint/2010/main" Requires="p14">
+            <p:contentPart p14:bwMode="auto" r:id="rId14">
+              <p14:nvContentPartPr>
+                <p14:cNvPr id="10" name="Ink 9">
+                  <a:extLst>
+                    <a:ext uri="{FF2B5EF4-FFF2-40B4-BE49-F238E27FC236}">
+                      <a16:creationId xmlns:a16="http://schemas.microsoft.com/office/drawing/2014/main" id="{D10D68B9-B61A-364B-FFD9-2F77F3186D1C}"/>
+                    </a:ext>
+                  </a:extLst>
+                </p14:cNvPr>
+                <p14:cNvContentPartPr/>
+                <p14:nvPr/>
+              </p14:nvContentPartPr>
+              <p14:xfrm>
+                <a:off x="4447863" y="5887949"/>
+                <a:ext cx="234720" cy="375480"/>
+              </p14:xfrm>
+            </p:contentPart>
+          </mc:Choice>
+          <mc:Fallback>
+            <p:pic>
+              <p:nvPicPr>
+                <p:cNvPr id="10" name="Ink 9">
+                  <a:extLst>
+                    <a:ext uri="{FF2B5EF4-FFF2-40B4-BE49-F238E27FC236}">
+                      <a16:creationId xmlns:a16="http://schemas.microsoft.com/office/drawing/2014/main" id="{D10D68B9-B61A-364B-FFD9-2F77F3186D1C}"/>
+                    </a:ext>
+                  </a:extLst>
+                </p:cNvPr>
+                <p:cNvPicPr/>
+                <p:nvPr/>
+              </p:nvPicPr>
+              <p:blipFill>
+                <a:blip r:embed="rId15"/>
+                <a:stretch>
+                  <a:fillRect/>
+                </a:stretch>
+              </p:blipFill>
+              <p:spPr>
+                <a:xfrm>
+                  <a:off x="4439223" y="5879309"/>
+                  <a:ext cx="252360" cy="393120"/>
+                </a:xfrm>
+                <a:prstGeom prst="rect">
+                  <a:avLst/>
+                </a:prstGeom>
+              </p:spPr>
+            </p:pic>
+          </mc:Fallback>
+        </mc:AlternateContent>
+        <mc:AlternateContent xmlns:mc="http://schemas.openxmlformats.org/markup-compatibility/2006">
+          <mc:Choice xmlns:p14="http://schemas.microsoft.com/office/powerpoint/2010/main" Requires="p14">
+            <p:contentPart p14:bwMode="auto" r:id="rId16">
+              <p14:nvContentPartPr>
+                <p14:cNvPr id="11" name="Ink 10">
+                  <a:extLst>
+                    <a:ext uri="{FF2B5EF4-FFF2-40B4-BE49-F238E27FC236}">
+                      <a16:creationId xmlns:a16="http://schemas.microsoft.com/office/drawing/2014/main" id="{A2024161-2D3C-7C89-ED16-88516F0B61C7}"/>
+                    </a:ext>
+                  </a:extLst>
+                </p14:cNvPr>
+                <p14:cNvContentPartPr/>
+                <p14:nvPr/>
+              </p14:nvContentPartPr>
+              <p14:xfrm>
+                <a:off x="4833783" y="5870309"/>
+                <a:ext cx="296640" cy="384120"/>
+              </p14:xfrm>
+            </p:contentPart>
+          </mc:Choice>
+          <mc:Fallback>
+            <p:pic>
+              <p:nvPicPr>
+                <p:cNvPr id="11" name="Ink 10">
+                  <a:extLst>
+                    <a:ext uri="{FF2B5EF4-FFF2-40B4-BE49-F238E27FC236}">
+                      <a16:creationId xmlns:a16="http://schemas.microsoft.com/office/drawing/2014/main" id="{A2024161-2D3C-7C89-ED16-88516F0B61C7}"/>
+                    </a:ext>
+                  </a:extLst>
+                </p:cNvPr>
+                <p:cNvPicPr/>
+                <p:nvPr/>
+              </p:nvPicPr>
+              <p:blipFill>
+                <a:blip r:embed="rId17"/>
+                <a:stretch>
+                  <a:fillRect/>
+                </a:stretch>
+              </p:blipFill>
+              <p:spPr>
+                <a:xfrm>
+                  <a:off x="4824783" y="5861669"/>
+                  <a:ext cx="314280" cy="401760"/>
+                </a:xfrm>
+                <a:prstGeom prst="rect">
+                  <a:avLst/>
+                </a:prstGeom>
+              </p:spPr>
+            </p:pic>
+          </mc:Fallback>
+        </mc:AlternateContent>
+        <mc:AlternateContent xmlns:mc="http://schemas.openxmlformats.org/markup-compatibility/2006">
+          <mc:Choice xmlns:p14="http://schemas.microsoft.com/office/powerpoint/2010/main" Requires="p14">
+            <p:contentPart p14:bwMode="auto" r:id="rId18">
+              <p14:nvContentPartPr>
+                <p14:cNvPr id="12" name="Ink 11">
+                  <a:extLst>
+                    <a:ext uri="{FF2B5EF4-FFF2-40B4-BE49-F238E27FC236}">
+                      <a16:creationId xmlns:a16="http://schemas.microsoft.com/office/drawing/2014/main" id="{DD392C2E-0A79-683E-CB85-5F9D08FC6A0E}"/>
+                    </a:ext>
+                  </a:extLst>
+                </p14:cNvPr>
+                <p14:cNvContentPartPr/>
+                <p14:nvPr/>
+              </p14:nvContentPartPr>
+              <p14:xfrm>
+                <a:off x="5267223" y="5894069"/>
+                <a:ext cx="13320" cy="364320"/>
+              </p14:xfrm>
+            </p:contentPart>
+          </mc:Choice>
+          <mc:Fallback>
+            <p:pic>
+              <p:nvPicPr>
+                <p:cNvPr id="12" name="Ink 11">
+                  <a:extLst>
+                    <a:ext uri="{FF2B5EF4-FFF2-40B4-BE49-F238E27FC236}">
+                      <a16:creationId xmlns:a16="http://schemas.microsoft.com/office/drawing/2014/main" id="{DD392C2E-0A79-683E-CB85-5F9D08FC6A0E}"/>
+                    </a:ext>
+                  </a:extLst>
+                </p:cNvPr>
+                <p:cNvPicPr/>
+                <p:nvPr/>
+              </p:nvPicPr>
+              <p:blipFill>
+                <a:blip r:embed="rId19"/>
+                <a:stretch>
+                  <a:fillRect/>
+                </a:stretch>
+              </p:blipFill>
+              <p:spPr>
+                <a:xfrm>
+                  <a:off x="5258223" y="5885069"/>
+                  <a:ext cx="30960" cy="381960"/>
+                </a:xfrm>
+                <a:prstGeom prst="rect">
+                  <a:avLst/>
+                </a:prstGeom>
+              </p:spPr>
+            </p:pic>
+          </mc:Fallback>
+        </mc:AlternateContent>
+        <mc:AlternateContent xmlns:mc="http://schemas.openxmlformats.org/markup-compatibility/2006">
+          <mc:Choice xmlns:p14="http://schemas.microsoft.com/office/powerpoint/2010/main" Requires="p14">
+            <p:contentPart p14:bwMode="auto" r:id="rId20">
+              <p14:nvContentPartPr>
+                <p14:cNvPr id="13" name="Ink 12">
+                  <a:extLst>
+                    <a:ext uri="{FF2B5EF4-FFF2-40B4-BE49-F238E27FC236}">
+                      <a16:creationId xmlns:a16="http://schemas.microsoft.com/office/drawing/2014/main" id="{478EC4E6-567F-150E-E6F9-9FCA50F8CD5E}"/>
+                    </a:ext>
+                  </a:extLst>
+                </p14:cNvPr>
+                <p14:cNvContentPartPr/>
+                <p14:nvPr/>
+              </p14:nvContentPartPr>
+              <p14:xfrm>
+                <a:off x="5486103" y="5814869"/>
+                <a:ext cx="248400" cy="321480"/>
+              </p14:xfrm>
+            </p:contentPart>
+          </mc:Choice>
+          <mc:Fallback>
+            <p:pic>
+              <p:nvPicPr>
+                <p:cNvPr id="13" name="Ink 12">
+                  <a:extLst>
+                    <a:ext uri="{FF2B5EF4-FFF2-40B4-BE49-F238E27FC236}">
+                      <a16:creationId xmlns:a16="http://schemas.microsoft.com/office/drawing/2014/main" id="{478EC4E6-567F-150E-E6F9-9FCA50F8CD5E}"/>
+                    </a:ext>
+                  </a:extLst>
+                </p:cNvPr>
+                <p:cNvPicPr/>
+                <p:nvPr/>
+              </p:nvPicPr>
+              <p:blipFill>
+                <a:blip r:embed="rId21"/>
+                <a:stretch>
+                  <a:fillRect/>
+                </a:stretch>
+              </p:blipFill>
+              <p:spPr>
+                <a:xfrm>
+                  <a:off x="5477463" y="5806229"/>
+                  <a:ext cx="266040" cy="339120"/>
+                </a:xfrm>
+                <a:prstGeom prst="rect">
+                  <a:avLst/>
+                </a:prstGeom>
+              </p:spPr>
+            </p:pic>
+          </mc:Fallback>
+        </mc:AlternateContent>
+        <mc:AlternateContent xmlns:mc="http://schemas.openxmlformats.org/markup-compatibility/2006">
+          <mc:Choice xmlns:p14="http://schemas.microsoft.com/office/powerpoint/2010/main" Requires="p14">
+            <p:contentPart p14:bwMode="auto" r:id="rId22">
+              <p14:nvContentPartPr>
+                <p14:cNvPr id="14" name="Ink 13">
+                  <a:extLst>
+                    <a:ext uri="{FF2B5EF4-FFF2-40B4-BE49-F238E27FC236}">
+                      <a16:creationId xmlns:a16="http://schemas.microsoft.com/office/drawing/2014/main" id="{791B310E-D060-339E-BDD7-232823986BC7}"/>
+                    </a:ext>
+                  </a:extLst>
+                </p14:cNvPr>
+                <p14:cNvContentPartPr/>
+                <p14:nvPr/>
+              </p14:nvContentPartPr>
+              <p14:xfrm>
+                <a:off x="5885703" y="5840789"/>
+                <a:ext cx="31680" cy="406800"/>
+              </p14:xfrm>
+            </p:contentPart>
+          </mc:Choice>
+          <mc:Fallback>
+            <p:pic>
+              <p:nvPicPr>
+                <p:cNvPr id="14" name="Ink 13">
+                  <a:extLst>
+                    <a:ext uri="{FF2B5EF4-FFF2-40B4-BE49-F238E27FC236}">
+                      <a16:creationId xmlns:a16="http://schemas.microsoft.com/office/drawing/2014/main" id="{791B310E-D060-339E-BDD7-232823986BC7}"/>
+                    </a:ext>
+                  </a:extLst>
+                </p:cNvPr>
+                <p:cNvPicPr/>
+                <p:nvPr/>
+              </p:nvPicPr>
+              <p:blipFill>
+                <a:blip r:embed="rId23"/>
+                <a:stretch>
+                  <a:fillRect/>
+                </a:stretch>
+              </p:blipFill>
+              <p:spPr>
+                <a:xfrm>
+                  <a:off x="5877063" y="5832149"/>
+                  <a:ext cx="49320" cy="424440"/>
+                </a:xfrm>
+                <a:prstGeom prst="rect">
+                  <a:avLst/>
+                </a:prstGeom>
+              </p:spPr>
+            </p:pic>
+          </mc:Fallback>
+        </mc:AlternateContent>
+        <mc:AlternateContent xmlns:mc="http://schemas.openxmlformats.org/markup-compatibility/2006">
+          <mc:Choice xmlns:p14="http://schemas.microsoft.com/office/powerpoint/2010/main" Requires="p14">
+            <p:contentPart p14:bwMode="auto" r:id="rId24">
+              <p14:nvContentPartPr>
+                <p14:cNvPr id="15" name="Ink 14">
+                  <a:extLst>
+                    <a:ext uri="{FF2B5EF4-FFF2-40B4-BE49-F238E27FC236}">
+                      <a16:creationId xmlns:a16="http://schemas.microsoft.com/office/drawing/2014/main" id="{D8B3279B-6F86-F5F4-F341-0EF7C0D84C52}"/>
+                    </a:ext>
+                  </a:extLst>
+                </p14:cNvPr>
+                <p14:cNvContentPartPr/>
+                <p14:nvPr/>
+              </p14:nvContentPartPr>
+              <p14:xfrm>
+                <a:off x="6122943" y="5896229"/>
+                <a:ext cx="264600" cy="312840"/>
+              </p14:xfrm>
+            </p:contentPart>
+          </mc:Choice>
+          <mc:Fallback>
+            <p:pic>
+              <p:nvPicPr>
+                <p:cNvPr id="15" name="Ink 14">
+                  <a:extLst>
+                    <a:ext uri="{FF2B5EF4-FFF2-40B4-BE49-F238E27FC236}">
+                      <a16:creationId xmlns:a16="http://schemas.microsoft.com/office/drawing/2014/main" id="{D8B3279B-6F86-F5F4-F341-0EF7C0D84C52}"/>
+                    </a:ext>
+                  </a:extLst>
+                </p:cNvPr>
+                <p:cNvPicPr/>
+                <p:nvPr/>
+              </p:nvPicPr>
+              <p:blipFill>
+                <a:blip r:embed="rId25"/>
+                <a:stretch>
+                  <a:fillRect/>
+                </a:stretch>
+              </p:blipFill>
+              <p:spPr>
+                <a:xfrm>
+                  <a:off x="6113943" y="5887589"/>
+                  <a:ext cx="282240" cy="330480"/>
+                </a:xfrm>
+                <a:prstGeom prst="rect">
+                  <a:avLst/>
+                </a:prstGeom>
+              </p:spPr>
+            </p:pic>
+          </mc:Fallback>
+        </mc:AlternateContent>
+        <mc:AlternateContent xmlns:mc="http://schemas.openxmlformats.org/markup-compatibility/2006">
+          <mc:Choice xmlns:p14="http://schemas.microsoft.com/office/powerpoint/2010/main" Requires="p14">
+            <p:contentPart p14:bwMode="auto" r:id="rId26">
+              <p14:nvContentPartPr>
+                <p14:cNvPr id="16" name="Ink 15">
+                  <a:extLst>
+                    <a:ext uri="{FF2B5EF4-FFF2-40B4-BE49-F238E27FC236}">
+                      <a16:creationId xmlns:a16="http://schemas.microsoft.com/office/drawing/2014/main" id="{8715A318-50A5-2001-12FE-CADEE4047510}"/>
+                    </a:ext>
+                  </a:extLst>
+                </p14:cNvPr>
+                <p14:cNvContentPartPr/>
+                <p14:nvPr/>
+              </p14:nvContentPartPr>
+              <p14:xfrm>
+                <a:off x="6526143" y="5806229"/>
+                <a:ext cx="61200" cy="489240"/>
+              </p14:xfrm>
+            </p:contentPart>
+          </mc:Choice>
+          <mc:Fallback>
+            <p:pic>
+              <p:nvPicPr>
+                <p:cNvPr id="16" name="Ink 15">
+                  <a:extLst>
+                    <a:ext uri="{FF2B5EF4-FFF2-40B4-BE49-F238E27FC236}">
+                      <a16:creationId xmlns:a16="http://schemas.microsoft.com/office/drawing/2014/main" id="{8715A318-50A5-2001-12FE-CADEE4047510}"/>
+                    </a:ext>
+                  </a:extLst>
+                </p:cNvPr>
+                <p:cNvPicPr/>
+                <p:nvPr/>
+              </p:nvPicPr>
+              <p:blipFill>
+                <a:blip r:embed="rId27"/>
+                <a:stretch>
+                  <a:fillRect/>
+                </a:stretch>
+              </p:blipFill>
+              <p:spPr>
+                <a:xfrm>
+                  <a:off x="6517143" y="5797589"/>
+                  <a:ext cx="78840" cy="506880"/>
+                </a:xfrm>
+                <a:prstGeom prst="rect">
+                  <a:avLst/>
+                </a:prstGeom>
+              </p:spPr>
+            </p:pic>
+          </mc:Fallback>
+        </mc:AlternateContent>
+        <mc:AlternateContent xmlns:mc="http://schemas.openxmlformats.org/markup-compatibility/2006">
+          <mc:Choice xmlns:p14="http://schemas.microsoft.com/office/powerpoint/2010/main" Requires="p14">
+            <p:contentPart p14:bwMode="auto" r:id="rId28">
+              <p14:nvContentPartPr>
+                <p14:cNvPr id="17" name="Ink 16">
+                  <a:extLst>
+                    <a:ext uri="{FF2B5EF4-FFF2-40B4-BE49-F238E27FC236}">
+                      <a16:creationId xmlns:a16="http://schemas.microsoft.com/office/drawing/2014/main" id="{BBB106FC-52F2-CDEC-2575-026154FEEFC8}"/>
+                    </a:ext>
+                  </a:extLst>
+                </p14:cNvPr>
+                <p14:cNvContentPartPr/>
+                <p14:nvPr/>
+              </p14:nvContentPartPr>
+              <p14:xfrm>
+                <a:off x="6770943" y="5875349"/>
+                <a:ext cx="193320" cy="412560"/>
+              </p14:xfrm>
+            </p:contentPart>
+          </mc:Choice>
+          <mc:Fallback>
+            <p:pic>
+              <p:nvPicPr>
+                <p:cNvPr id="17" name="Ink 16">
+                  <a:extLst>
+                    <a:ext uri="{FF2B5EF4-FFF2-40B4-BE49-F238E27FC236}">
+                      <a16:creationId xmlns:a16="http://schemas.microsoft.com/office/drawing/2014/main" id="{BBB106FC-52F2-CDEC-2575-026154FEEFC8}"/>
+                    </a:ext>
+                  </a:extLst>
+                </p:cNvPr>
+                <p:cNvPicPr/>
+                <p:nvPr/>
+              </p:nvPicPr>
+              <p:blipFill>
+                <a:blip r:embed="rId29"/>
+                <a:stretch>
+                  <a:fillRect/>
+                </a:stretch>
+              </p:blipFill>
+              <p:spPr>
+                <a:xfrm>
+                  <a:off x="6761943" y="5866349"/>
+                  <a:ext cx="210960" cy="430200"/>
+                </a:xfrm>
+                <a:prstGeom prst="rect">
+                  <a:avLst/>
+                </a:prstGeom>
+              </p:spPr>
+            </p:pic>
+          </mc:Fallback>
+        </mc:AlternateContent>
+        <mc:AlternateContent xmlns:mc="http://schemas.openxmlformats.org/markup-compatibility/2006">
+          <mc:Choice xmlns:p14="http://schemas.microsoft.com/office/powerpoint/2010/main" Requires="p14">
+            <p:contentPart p14:bwMode="auto" r:id="rId30">
+              <p14:nvContentPartPr>
+                <p14:cNvPr id="18" name="Ink 17">
+                  <a:extLst>
+                    <a:ext uri="{FF2B5EF4-FFF2-40B4-BE49-F238E27FC236}">
+                      <a16:creationId xmlns:a16="http://schemas.microsoft.com/office/drawing/2014/main" id="{C388AE3A-E7B9-4DA3-96FE-481BE609547F}"/>
+                    </a:ext>
+                  </a:extLst>
+                </p14:cNvPr>
+                <p14:cNvContentPartPr/>
+                <p14:nvPr/>
+              </p14:nvContentPartPr>
+              <p14:xfrm>
+                <a:off x="7040583" y="6007829"/>
+                <a:ext cx="59040" cy="359280"/>
+              </p14:xfrm>
+            </p:contentPart>
+          </mc:Choice>
+          <mc:Fallback>
+            <p:pic>
+              <p:nvPicPr>
+                <p:cNvPr id="18" name="Ink 17">
+                  <a:extLst>
+                    <a:ext uri="{FF2B5EF4-FFF2-40B4-BE49-F238E27FC236}">
+                      <a16:creationId xmlns:a16="http://schemas.microsoft.com/office/drawing/2014/main" id="{C388AE3A-E7B9-4DA3-96FE-481BE609547F}"/>
+                    </a:ext>
+                  </a:extLst>
+                </p:cNvPr>
+                <p:cNvPicPr/>
+                <p:nvPr/>
+              </p:nvPicPr>
+              <p:blipFill>
+                <a:blip r:embed="rId31"/>
+                <a:stretch>
+                  <a:fillRect/>
+                </a:stretch>
+              </p:blipFill>
+              <p:spPr>
+                <a:xfrm>
+                  <a:off x="7031583" y="5998829"/>
+                  <a:ext cx="76680" cy="376920"/>
+                </a:xfrm>
+                <a:prstGeom prst="rect">
+                  <a:avLst/>
+                </a:prstGeom>
+              </p:spPr>
+            </p:pic>
+          </mc:Fallback>
+        </mc:AlternateContent>
+        <mc:AlternateContent xmlns:mc="http://schemas.openxmlformats.org/markup-compatibility/2006">
+          <mc:Choice xmlns:p14="http://schemas.microsoft.com/office/powerpoint/2010/main" Requires="p14">
+            <p:contentPart p14:bwMode="auto" r:id="rId32">
+              <p14:nvContentPartPr>
+                <p14:cNvPr id="19" name="Ink 18">
+                  <a:extLst>
+                    <a:ext uri="{FF2B5EF4-FFF2-40B4-BE49-F238E27FC236}">
+                      <a16:creationId xmlns:a16="http://schemas.microsoft.com/office/drawing/2014/main" id="{CC8FF422-BBD9-711E-5AB8-42EE351AEFDD}"/>
+                    </a:ext>
+                  </a:extLst>
+                </p14:cNvPr>
+                <p14:cNvContentPartPr/>
+                <p14:nvPr/>
+              </p14:nvContentPartPr>
+              <p14:xfrm>
+                <a:off x="7251183" y="5983709"/>
+                <a:ext cx="172800" cy="354600"/>
+              </p14:xfrm>
+            </p:contentPart>
+          </mc:Choice>
+          <mc:Fallback>
+            <p:pic>
+              <p:nvPicPr>
+                <p:cNvPr id="19" name="Ink 18">
+                  <a:extLst>
+                    <a:ext uri="{FF2B5EF4-FFF2-40B4-BE49-F238E27FC236}">
+                      <a16:creationId xmlns:a16="http://schemas.microsoft.com/office/drawing/2014/main" id="{CC8FF422-BBD9-711E-5AB8-42EE351AEFDD}"/>
+                    </a:ext>
+                  </a:extLst>
+                </p:cNvPr>
+                <p:cNvPicPr/>
+                <p:nvPr/>
+              </p:nvPicPr>
+              <p:blipFill>
+                <a:blip r:embed="rId33"/>
+                <a:stretch>
+                  <a:fillRect/>
+                </a:stretch>
+              </p:blipFill>
+              <p:spPr>
+                <a:xfrm>
+                  <a:off x="7242183" y="5975069"/>
+                  <a:ext cx="190440" cy="372240"/>
+                </a:xfrm>
+                <a:prstGeom prst="rect">
+                  <a:avLst/>
+                </a:prstGeom>
+              </p:spPr>
+            </p:pic>
+          </mc:Fallback>
+        </mc:AlternateContent>
+        <mc:AlternateContent xmlns:mc="http://schemas.openxmlformats.org/markup-compatibility/2006">
+          <mc:Choice xmlns:p14="http://schemas.microsoft.com/office/powerpoint/2010/main" Requires="p14">
+            <p:contentPart p14:bwMode="auto" r:id="rId34">
+              <p14:nvContentPartPr>
+                <p14:cNvPr id="20" name="Ink 19">
+                  <a:extLst>
+                    <a:ext uri="{FF2B5EF4-FFF2-40B4-BE49-F238E27FC236}">
+                      <a16:creationId xmlns:a16="http://schemas.microsoft.com/office/drawing/2014/main" id="{7286174E-5AEB-0CAF-6F8B-7C658768BFFB}"/>
+                    </a:ext>
+                  </a:extLst>
+                </p14:cNvPr>
+                <p14:cNvContentPartPr/>
+                <p14:nvPr/>
+              </p14:nvContentPartPr>
+              <p14:xfrm>
+                <a:off x="7606863" y="5847989"/>
+                <a:ext cx="92160" cy="596160"/>
+              </p14:xfrm>
+            </p:contentPart>
+          </mc:Choice>
+          <mc:Fallback>
+            <p:pic>
+              <p:nvPicPr>
+                <p:cNvPr id="20" name="Ink 19">
+                  <a:extLst>
+                    <a:ext uri="{FF2B5EF4-FFF2-40B4-BE49-F238E27FC236}">
+                      <a16:creationId xmlns:a16="http://schemas.microsoft.com/office/drawing/2014/main" id="{7286174E-5AEB-0CAF-6F8B-7C658768BFFB}"/>
+                    </a:ext>
+                  </a:extLst>
+                </p:cNvPr>
+                <p:cNvPicPr/>
+                <p:nvPr/>
+              </p:nvPicPr>
+              <p:blipFill>
+                <a:blip r:embed="rId35"/>
+                <a:stretch>
+                  <a:fillRect/>
+                </a:stretch>
+              </p:blipFill>
+              <p:spPr>
+                <a:xfrm>
+                  <a:off x="7597863" y="5838989"/>
+                  <a:ext cx="109800" cy="613800"/>
+                </a:xfrm>
+                <a:prstGeom prst="rect">
+                  <a:avLst/>
+                </a:prstGeom>
+              </p:spPr>
+            </p:pic>
+          </mc:Fallback>
+        </mc:AlternateContent>
+        <mc:AlternateContent xmlns:mc="http://schemas.openxmlformats.org/markup-compatibility/2006">
+          <mc:Choice xmlns:p14="http://schemas.microsoft.com/office/powerpoint/2010/main" Requires="p14">
+            <p:contentPart p14:bwMode="auto" r:id="rId36">
+              <p14:nvContentPartPr>
+                <p14:cNvPr id="21" name="Ink 20">
+                  <a:extLst>
+                    <a:ext uri="{FF2B5EF4-FFF2-40B4-BE49-F238E27FC236}">
+                      <a16:creationId xmlns:a16="http://schemas.microsoft.com/office/drawing/2014/main" id="{AC0A8C8F-38D2-A7DD-4C13-88FF0EC930B5}"/>
+                    </a:ext>
+                  </a:extLst>
+                </p14:cNvPr>
+                <p14:cNvContentPartPr/>
+                <p14:nvPr/>
+              </p14:nvContentPartPr>
+              <p14:xfrm>
+                <a:off x="7935183" y="5953109"/>
+                <a:ext cx="343440" cy="406800"/>
+              </p14:xfrm>
+            </p:contentPart>
+          </mc:Choice>
+          <mc:Fallback>
+            <p:pic>
+              <p:nvPicPr>
+                <p:cNvPr id="21" name="Ink 20">
+                  <a:extLst>
+                    <a:ext uri="{FF2B5EF4-FFF2-40B4-BE49-F238E27FC236}">
+                      <a16:creationId xmlns:a16="http://schemas.microsoft.com/office/drawing/2014/main" id="{AC0A8C8F-38D2-A7DD-4C13-88FF0EC930B5}"/>
+                    </a:ext>
+                  </a:extLst>
+                </p:cNvPr>
+                <p:cNvPicPr/>
+                <p:nvPr/>
+              </p:nvPicPr>
+              <p:blipFill>
+                <a:blip r:embed="rId37"/>
+                <a:stretch>
+                  <a:fillRect/>
+                </a:stretch>
+              </p:blipFill>
+              <p:spPr>
+                <a:xfrm>
+                  <a:off x="7926543" y="5944109"/>
+                  <a:ext cx="361080" cy="424440"/>
+                </a:xfrm>
+                <a:prstGeom prst="rect">
+                  <a:avLst/>
+                </a:prstGeom>
+              </p:spPr>
+            </p:pic>
+          </mc:Fallback>
+        </mc:AlternateContent>
+        <mc:AlternateContent xmlns:mc="http://schemas.openxmlformats.org/markup-compatibility/2006">
+          <mc:Choice xmlns:p14="http://schemas.microsoft.com/office/powerpoint/2010/main" Requires="p14">
+            <p:contentPart p14:bwMode="auto" r:id="rId38">
+              <p14:nvContentPartPr>
+                <p14:cNvPr id="22" name="Ink 21">
+                  <a:extLst>
+                    <a:ext uri="{FF2B5EF4-FFF2-40B4-BE49-F238E27FC236}">
+                      <a16:creationId xmlns:a16="http://schemas.microsoft.com/office/drawing/2014/main" id="{595F028A-FB20-7AFA-B68E-B5BA4AED93CC}"/>
+                    </a:ext>
+                  </a:extLst>
+                </p14:cNvPr>
+                <p14:cNvContentPartPr/>
+                <p14:nvPr/>
+              </p14:nvContentPartPr>
+              <p14:xfrm>
+                <a:off x="8459703" y="6065789"/>
+                <a:ext cx="297720" cy="319680"/>
+              </p14:xfrm>
+            </p:contentPart>
+          </mc:Choice>
+          <mc:Fallback>
+            <p:pic>
+              <p:nvPicPr>
+                <p:cNvPr id="22" name="Ink 21">
+                  <a:extLst>
+                    <a:ext uri="{FF2B5EF4-FFF2-40B4-BE49-F238E27FC236}">
+                      <a16:creationId xmlns:a16="http://schemas.microsoft.com/office/drawing/2014/main" id="{595F028A-FB20-7AFA-B68E-B5BA4AED93CC}"/>
+                    </a:ext>
+                  </a:extLst>
+                </p:cNvPr>
+                <p:cNvPicPr/>
+                <p:nvPr/>
+              </p:nvPicPr>
+              <p:blipFill>
+                <a:blip r:embed="rId39"/>
+                <a:stretch>
+                  <a:fillRect/>
+                </a:stretch>
+              </p:blipFill>
+              <p:spPr>
+                <a:xfrm>
+                  <a:off x="8450703" y="6056789"/>
+                  <a:ext cx="315360" cy="337320"/>
+                </a:xfrm>
+                <a:prstGeom prst="rect">
+                  <a:avLst/>
+                </a:prstGeom>
+              </p:spPr>
+            </p:pic>
+          </mc:Fallback>
+        </mc:AlternateContent>
+        <mc:AlternateContent xmlns:mc="http://schemas.openxmlformats.org/markup-compatibility/2006">
+          <mc:Choice xmlns:p14="http://schemas.microsoft.com/office/powerpoint/2010/main" Requires="p14">
+            <p:contentPart p14:bwMode="auto" r:id="rId40">
+              <p14:nvContentPartPr>
+                <p14:cNvPr id="23" name="Ink 22">
+                  <a:extLst>
+                    <a:ext uri="{FF2B5EF4-FFF2-40B4-BE49-F238E27FC236}">
+                      <a16:creationId xmlns:a16="http://schemas.microsoft.com/office/drawing/2014/main" id="{8DC8363C-5800-21EA-2B3C-DAD9EEC97274}"/>
+                    </a:ext>
+                  </a:extLst>
+                </p14:cNvPr>
+                <p14:cNvContentPartPr/>
+                <p14:nvPr/>
+              </p14:nvContentPartPr>
+              <p14:xfrm>
+                <a:off x="9105183" y="5908469"/>
+                <a:ext cx="83520" cy="545040"/>
+              </p14:xfrm>
+            </p:contentPart>
+          </mc:Choice>
+          <mc:Fallback>
+            <p:pic>
+              <p:nvPicPr>
+                <p:cNvPr id="23" name="Ink 22">
+                  <a:extLst>
+                    <a:ext uri="{FF2B5EF4-FFF2-40B4-BE49-F238E27FC236}">
+                      <a16:creationId xmlns:a16="http://schemas.microsoft.com/office/drawing/2014/main" id="{8DC8363C-5800-21EA-2B3C-DAD9EEC97274}"/>
+                    </a:ext>
+                  </a:extLst>
+                </p:cNvPr>
+                <p:cNvPicPr/>
+                <p:nvPr/>
+              </p:nvPicPr>
+              <p:blipFill>
+                <a:blip r:embed="rId41"/>
+                <a:stretch>
+                  <a:fillRect/>
+                </a:stretch>
+              </p:blipFill>
+              <p:spPr>
+                <a:xfrm>
+                  <a:off x="9096543" y="5899829"/>
+                  <a:ext cx="101160" cy="562680"/>
+                </a:xfrm>
+                <a:prstGeom prst="rect">
+                  <a:avLst/>
+                </a:prstGeom>
+              </p:spPr>
+            </p:pic>
+          </mc:Fallback>
+        </mc:AlternateContent>
+        <mc:AlternateContent xmlns:mc="http://schemas.openxmlformats.org/markup-compatibility/2006">
+          <mc:Choice xmlns:p14="http://schemas.microsoft.com/office/powerpoint/2010/main" Requires="p14">
+            <p:contentPart p14:bwMode="auto" r:id="rId42">
+              <p14:nvContentPartPr>
+                <p14:cNvPr id="24" name="Ink 23">
+                  <a:extLst>
+                    <a:ext uri="{FF2B5EF4-FFF2-40B4-BE49-F238E27FC236}">
+                      <a16:creationId xmlns:a16="http://schemas.microsoft.com/office/drawing/2014/main" id="{3A1857B5-C808-25A0-996E-5E8AF3B70759}"/>
+                    </a:ext>
+                  </a:extLst>
+                </p14:cNvPr>
+                <p14:cNvContentPartPr/>
+                <p14:nvPr/>
+              </p14:nvContentPartPr>
+              <p14:xfrm>
+                <a:off x="9473103" y="6013589"/>
+                <a:ext cx="704880" cy="593280"/>
+              </p14:xfrm>
+            </p:contentPart>
+          </mc:Choice>
+          <mc:Fallback>
+            <p:pic>
+              <p:nvPicPr>
+                <p:cNvPr id="24" name="Ink 23">
+                  <a:extLst>
+                    <a:ext uri="{FF2B5EF4-FFF2-40B4-BE49-F238E27FC236}">
+                      <a16:creationId xmlns:a16="http://schemas.microsoft.com/office/drawing/2014/main" id="{3A1857B5-C808-25A0-996E-5E8AF3B70759}"/>
+                    </a:ext>
+                  </a:extLst>
+                </p:cNvPr>
+                <p:cNvPicPr/>
+                <p:nvPr/>
+              </p:nvPicPr>
+              <p:blipFill>
+                <a:blip r:embed="rId43"/>
+                <a:stretch>
+                  <a:fillRect/>
+                </a:stretch>
+              </p:blipFill>
+              <p:spPr>
+                <a:xfrm>
+                  <a:off x="9464103" y="6004949"/>
+                  <a:ext cx="722520" cy="610920"/>
+                </a:xfrm>
+                <a:prstGeom prst="rect">
+                  <a:avLst/>
+                </a:prstGeom>
+              </p:spPr>
+            </p:pic>
+          </mc:Fallback>
+        </mc:AlternateContent>
+        <mc:AlternateContent xmlns:mc="http://schemas.openxmlformats.org/markup-compatibility/2006">
+          <mc:Choice xmlns:p14="http://schemas.microsoft.com/office/powerpoint/2010/main" Requires="p14">
+            <p:contentPart p14:bwMode="auto" r:id="rId44">
+              <p14:nvContentPartPr>
+                <p14:cNvPr id="25" name="Ink 24">
+                  <a:extLst>
+                    <a:ext uri="{FF2B5EF4-FFF2-40B4-BE49-F238E27FC236}">
+                      <a16:creationId xmlns:a16="http://schemas.microsoft.com/office/drawing/2014/main" id="{01CC8F64-79C2-B992-BADB-D78EC6785AEA}"/>
+                    </a:ext>
+                  </a:extLst>
+                </p14:cNvPr>
+                <p14:cNvContentPartPr/>
+                <p14:nvPr/>
+              </p14:nvContentPartPr>
+              <p14:xfrm>
+                <a:off x="10350423" y="6080909"/>
+                <a:ext cx="366120" cy="457920"/>
+              </p14:xfrm>
+            </p:contentPart>
+          </mc:Choice>
+          <mc:Fallback>
+            <p:pic>
+              <p:nvPicPr>
+                <p:cNvPr id="25" name="Ink 24">
+                  <a:extLst>
+                    <a:ext uri="{FF2B5EF4-FFF2-40B4-BE49-F238E27FC236}">
+                      <a16:creationId xmlns:a16="http://schemas.microsoft.com/office/drawing/2014/main" id="{01CC8F64-79C2-B992-BADB-D78EC6785AEA}"/>
+                    </a:ext>
+                  </a:extLst>
+                </p:cNvPr>
+                <p:cNvPicPr/>
+                <p:nvPr/>
+              </p:nvPicPr>
+              <p:blipFill>
+                <a:blip r:embed="rId45"/>
+                <a:stretch>
+                  <a:fillRect/>
+                </a:stretch>
+              </p:blipFill>
+              <p:spPr>
+                <a:xfrm>
+                  <a:off x="10341423" y="6071909"/>
+                  <a:ext cx="383760" cy="475560"/>
+                </a:xfrm>
+                <a:prstGeom prst="rect">
+                  <a:avLst/>
+                </a:prstGeom>
+              </p:spPr>
+            </p:pic>
+          </mc:Fallback>
+        </mc:AlternateContent>
+        <mc:AlternateContent xmlns:mc="http://schemas.openxmlformats.org/markup-compatibility/2006">
+          <mc:Choice xmlns:p14="http://schemas.microsoft.com/office/powerpoint/2010/main" Requires="p14">
+            <p:contentPart p14:bwMode="auto" r:id="rId46">
+              <p14:nvContentPartPr>
+                <p14:cNvPr id="40" name="Ink 39">
+                  <a:extLst>
+                    <a:ext uri="{FF2B5EF4-FFF2-40B4-BE49-F238E27FC236}">
+                      <a16:creationId xmlns:a16="http://schemas.microsoft.com/office/drawing/2014/main" id="{00ED6F91-A12C-8E6E-3BED-C9F4D0B8E500}"/>
+                    </a:ext>
+                  </a:extLst>
+                </p14:cNvPr>
+                <p14:cNvContentPartPr/>
+                <p14:nvPr/>
+              </p14:nvContentPartPr>
+              <p14:xfrm>
+                <a:off x="5887143" y="4650269"/>
+                <a:ext cx="24840" cy="532440"/>
+              </p14:xfrm>
+            </p:contentPart>
+          </mc:Choice>
+          <mc:Fallback>
+            <p:pic>
+              <p:nvPicPr>
+                <p:cNvPr id="40" name="Ink 39">
+                  <a:extLst>
+                    <a:ext uri="{FF2B5EF4-FFF2-40B4-BE49-F238E27FC236}">
+                      <a16:creationId xmlns:a16="http://schemas.microsoft.com/office/drawing/2014/main" id="{00ED6F91-A12C-8E6E-3BED-C9F4D0B8E500}"/>
+                    </a:ext>
+                  </a:extLst>
+                </p:cNvPr>
+                <p:cNvPicPr/>
+                <p:nvPr/>
+              </p:nvPicPr>
+              <p:blipFill>
+                <a:blip r:embed="rId47"/>
+                <a:stretch>
+                  <a:fillRect/>
+                </a:stretch>
+              </p:blipFill>
+              <p:spPr>
+                <a:xfrm>
+                  <a:off x="5878503" y="4641629"/>
+                  <a:ext cx="42480" cy="550080"/>
+                </a:xfrm>
+                <a:prstGeom prst="rect">
+                  <a:avLst/>
+                </a:prstGeom>
+              </p:spPr>
+            </p:pic>
+          </mc:Fallback>
+        </mc:AlternateContent>
+        <mc:AlternateContent xmlns:mc="http://schemas.openxmlformats.org/markup-compatibility/2006">
+          <mc:Choice xmlns:p14="http://schemas.microsoft.com/office/powerpoint/2010/main" Requires="p14">
+            <p:contentPart p14:bwMode="auto" r:id="rId48">
+              <p14:nvContentPartPr>
+                <p14:cNvPr id="41" name="Ink 40">
+                  <a:extLst>
+                    <a:ext uri="{FF2B5EF4-FFF2-40B4-BE49-F238E27FC236}">
+                      <a16:creationId xmlns:a16="http://schemas.microsoft.com/office/drawing/2014/main" id="{057E8FE0-5A7D-1DC9-BD96-935756E83EDA}"/>
+                    </a:ext>
+                  </a:extLst>
+                </p14:cNvPr>
+                <p14:cNvContentPartPr/>
+                <p14:nvPr/>
+              </p14:nvContentPartPr>
+              <p14:xfrm>
+                <a:off x="5874903" y="5062829"/>
+                <a:ext cx="327240" cy="90720"/>
+              </p14:xfrm>
+            </p:contentPart>
+          </mc:Choice>
+          <mc:Fallback>
+            <p:pic>
+              <p:nvPicPr>
+                <p:cNvPr id="41" name="Ink 40">
+                  <a:extLst>
+                    <a:ext uri="{FF2B5EF4-FFF2-40B4-BE49-F238E27FC236}">
+                      <a16:creationId xmlns:a16="http://schemas.microsoft.com/office/drawing/2014/main" id="{057E8FE0-5A7D-1DC9-BD96-935756E83EDA}"/>
+                    </a:ext>
+                  </a:extLst>
+                </p:cNvPr>
+                <p:cNvPicPr/>
+                <p:nvPr/>
+              </p:nvPicPr>
+              <p:blipFill>
+                <a:blip r:embed="rId49"/>
+                <a:stretch>
+                  <a:fillRect/>
+                </a:stretch>
+              </p:blipFill>
+              <p:spPr>
+                <a:xfrm>
+                  <a:off x="5865903" y="5054189"/>
+                  <a:ext cx="344880" cy="108360"/>
+                </a:xfrm>
+                <a:prstGeom prst="rect">
+                  <a:avLst/>
+                </a:prstGeom>
+              </p:spPr>
+            </p:pic>
+          </mc:Fallback>
+        </mc:AlternateContent>
+        <mc:AlternateContent xmlns:mc="http://schemas.openxmlformats.org/markup-compatibility/2006">
+          <mc:Choice xmlns:p14="http://schemas.microsoft.com/office/powerpoint/2010/main" Requires="p14">
+            <p:contentPart p14:bwMode="auto" r:id="rId50">
+              <p14:nvContentPartPr>
+                <p14:cNvPr id="42" name="Ink 41">
+                  <a:extLst>
+                    <a:ext uri="{FF2B5EF4-FFF2-40B4-BE49-F238E27FC236}">
+                      <a16:creationId xmlns:a16="http://schemas.microsoft.com/office/drawing/2014/main" id="{F36BA2F6-5F4D-C852-A01F-66BA81C3DDA6}"/>
+                    </a:ext>
+                  </a:extLst>
+                </p14:cNvPr>
+                <p14:cNvContentPartPr/>
+                <p14:nvPr/>
+              </p14:nvContentPartPr>
+              <p14:xfrm>
+                <a:off x="6237783" y="4953389"/>
+                <a:ext cx="314280" cy="196200"/>
+              </p14:xfrm>
+            </p:contentPart>
+          </mc:Choice>
+          <mc:Fallback>
+            <p:pic>
+              <p:nvPicPr>
+                <p:cNvPr id="42" name="Ink 41">
+                  <a:extLst>
+                    <a:ext uri="{FF2B5EF4-FFF2-40B4-BE49-F238E27FC236}">
+                      <a16:creationId xmlns:a16="http://schemas.microsoft.com/office/drawing/2014/main" id="{F36BA2F6-5F4D-C852-A01F-66BA81C3DDA6}"/>
+                    </a:ext>
+                  </a:extLst>
+                </p:cNvPr>
+                <p:cNvPicPr/>
+                <p:nvPr/>
+              </p:nvPicPr>
+              <p:blipFill>
+                <a:blip r:embed="rId51"/>
+                <a:stretch>
+                  <a:fillRect/>
+                </a:stretch>
+              </p:blipFill>
+              <p:spPr>
+                <a:xfrm>
+                  <a:off x="6229143" y="4944749"/>
+                  <a:ext cx="331920" cy="213840"/>
+                </a:xfrm>
+                <a:prstGeom prst="rect">
+                  <a:avLst/>
+                </a:prstGeom>
+              </p:spPr>
+            </p:pic>
+          </mc:Fallback>
+        </mc:AlternateContent>
+        <mc:AlternateContent xmlns:mc="http://schemas.openxmlformats.org/markup-compatibility/2006">
+          <mc:Choice xmlns:p14="http://schemas.microsoft.com/office/powerpoint/2010/main" Requires="p14">
+            <p:contentPart p14:bwMode="auto" r:id="rId52">
+              <p14:nvContentPartPr>
+                <p14:cNvPr id="43" name="Ink 42">
+                  <a:extLst>
+                    <a:ext uri="{FF2B5EF4-FFF2-40B4-BE49-F238E27FC236}">
+                      <a16:creationId xmlns:a16="http://schemas.microsoft.com/office/drawing/2014/main" id="{91DAC1A5-E6B2-5195-BF6D-22977C482924}"/>
+                    </a:ext>
+                  </a:extLst>
+                </p14:cNvPr>
+                <p14:cNvContentPartPr/>
+                <p14:nvPr/>
+              </p14:nvContentPartPr>
+              <p14:xfrm>
+                <a:off x="6587703" y="4983629"/>
+                <a:ext cx="203400" cy="174960"/>
+              </p14:xfrm>
+            </p:contentPart>
+          </mc:Choice>
+          <mc:Fallback>
+            <p:pic>
+              <p:nvPicPr>
+                <p:cNvPr id="43" name="Ink 42">
+                  <a:extLst>
+                    <a:ext uri="{FF2B5EF4-FFF2-40B4-BE49-F238E27FC236}">
+                      <a16:creationId xmlns:a16="http://schemas.microsoft.com/office/drawing/2014/main" id="{91DAC1A5-E6B2-5195-BF6D-22977C482924}"/>
+                    </a:ext>
+                  </a:extLst>
+                </p:cNvPr>
+                <p:cNvPicPr/>
+                <p:nvPr/>
+              </p:nvPicPr>
+              <p:blipFill>
+                <a:blip r:embed="rId53"/>
+                <a:stretch>
+                  <a:fillRect/>
+                </a:stretch>
+              </p:blipFill>
+              <p:spPr>
+                <a:xfrm>
+                  <a:off x="6579063" y="4974629"/>
+                  <a:ext cx="221040" cy="192600"/>
+                </a:xfrm>
+                <a:prstGeom prst="rect">
+                  <a:avLst/>
+                </a:prstGeom>
+              </p:spPr>
+            </p:pic>
+          </mc:Fallback>
+        </mc:AlternateContent>
+        <mc:AlternateContent xmlns:mc="http://schemas.openxmlformats.org/markup-compatibility/2006">
+          <mc:Choice xmlns:p14="http://schemas.microsoft.com/office/powerpoint/2010/main" Requires="p14">
+            <p:contentPart p14:bwMode="auto" r:id="rId54">
+              <p14:nvContentPartPr>
+                <p14:cNvPr id="44" name="Ink 43">
+                  <a:extLst>
+                    <a:ext uri="{FF2B5EF4-FFF2-40B4-BE49-F238E27FC236}">
+                      <a16:creationId xmlns:a16="http://schemas.microsoft.com/office/drawing/2014/main" id="{A5FF363F-FBA3-C923-2F17-708DA9DB2FA8}"/>
+                    </a:ext>
+                  </a:extLst>
+                </p14:cNvPr>
+                <p14:cNvContentPartPr/>
+                <p14:nvPr/>
+              </p14:nvContentPartPr>
+              <p14:xfrm>
+                <a:off x="6783543" y="5014949"/>
+                <a:ext cx="175680" cy="488160"/>
+              </p14:xfrm>
+            </p:contentPart>
+          </mc:Choice>
+          <mc:Fallback>
+            <p:pic>
+              <p:nvPicPr>
+                <p:cNvPr id="44" name="Ink 43">
+                  <a:extLst>
+                    <a:ext uri="{FF2B5EF4-FFF2-40B4-BE49-F238E27FC236}">
+                      <a16:creationId xmlns:a16="http://schemas.microsoft.com/office/drawing/2014/main" id="{A5FF363F-FBA3-C923-2F17-708DA9DB2FA8}"/>
+                    </a:ext>
+                  </a:extLst>
+                </p:cNvPr>
+                <p:cNvPicPr/>
+                <p:nvPr/>
+              </p:nvPicPr>
+              <p:blipFill>
+                <a:blip r:embed="rId55"/>
+                <a:stretch>
+                  <a:fillRect/>
+                </a:stretch>
+              </p:blipFill>
+              <p:spPr>
+                <a:xfrm>
+                  <a:off x="6774543" y="5005949"/>
+                  <a:ext cx="193320" cy="505800"/>
+                </a:xfrm>
+                <a:prstGeom prst="rect">
+                  <a:avLst/>
+                </a:prstGeom>
+              </p:spPr>
+            </p:pic>
+          </mc:Fallback>
+        </mc:AlternateContent>
+        <mc:AlternateContent xmlns:mc="http://schemas.openxmlformats.org/markup-compatibility/2006">
+          <mc:Choice xmlns:p14="http://schemas.microsoft.com/office/powerpoint/2010/main" Requires="p14">
+            <p:contentPart p14:bwMode="auto" r:id="rId56">
+              <p14:nvContentPartPr>
+                <p14:cNvPr id="45" name="Ink 44">
+                  <a:extLst>
+                    <a:ext uri="{FF2B5EF4-FFF2-40B4-BE49-F238E27FC236}">
+                      <a16:creationId xmlns:a16="http://schemas.microsoft.com/office/drawing/2014/main" id="{5B883391-C177-D2E0-1100-A5F13A3F8FFA}"/>
+                    </a:ext>
+                  </a:extLst>
+                </p14:cNvPr>
+                <p14:cNvContentPartPr/>
+                <p14:nvPr/>
+              </p14:nvContentPartPr>
+              <p14:xfrm>
+                <a:off x="7051743" y="4962029"/>
+                <a:ext cx="232560" cy="241560"/>
+              </p14:xfrm>
+            </p:contentPart>
+          </mc:Choice>
+          <mc:Fallback>
+            <p:pic>
+              <p:nvPicPr>
+                <p:cNvPr id="45" name="Ink 44">
+                  <a:extLst>
+                    <a:ext uri="{FF2B5EF4-FFF2-40B4-BE49-F238E27FC236}">
+                      <a16:creationId xmlns:a16="http://schemas.microsoft.com/office/drawing/2014/main" id="{5B883391-C177-D2E0-1100-A5F13A3F8FFA}"/>
+                    </a:ext>
+                  </a:extLst>
+                </p:cNvPr>
+                <p:cNvPicPr/>
+                <p:nvPr/>
+              </p:nvPicPr>
+              <p:blipFill>
+                <a:blip r:embed="rId57"/>
+                <a:stretch>
+                  <a:fillRect/>
+                </a:stretch>
+              </p:blipFill>
+              <p:spPr>
+                <a:xfrm>
+                  <a:off x="7042743" y="4953389"/>
+                  <a:ext cx="250200" cy="259200"/>
+                </a:xfrm>
+                <a:prstGeom prst="rect">
+                  <a:avLst/>
+                </a:prstGeom>
+              </p:spPr>
+            </p:pic>
+          </mc:Fallback>
+        </mc:AlternateContent>
+        <mc:AlternateContent xmlns:mc="http://schemas.openxmlformats.org/markup-compatibility/2006">
+          <mc:Choice xmlns:p14="http://schemas.microsoft.com/office/powerpoint/2010/main" Requires="p14">
+            <p:contentPart p14:bwMode="auto" r:id="rId58">
+              <p14:nvContentPartPr>
+                <p14:cNvPr id="46" name="Ink 45">
+                  <a:extLst>
+                    <a:ext uri="{FF2B5EF4-FFF2-40B4-BE49-F238E27FC236}">
+                      <a16:creationId xmlns:a16="http://schemas.microsoft.com/office/drawing/2014/main" id="{89C069C8-11FB-6B0C-952B-EB72CFE26799}"/>
+                    </a:ext>
+                  </a:extLst>
+                </p14:cNvPr>
+                <p14:cNvContentPartPr/>
+                <p14:nvPr/>
+              </p14:nvContentPartPr>
+              <p14:xfrm>
+                <a:off x="7339023" y="4957709"/>
+                <a:ext cx="206640" cy="216360"/>
+              </p14:xfrm>
+            </p:contentPart>
+          </mc:Choice>
+          <mc:Fallback>
+            <p:pic>
+              <p:nvPicPr>
+                <p:cNvPr id="46" name="Ink 45">
+                  <a:extLst>
+                    <a:ext uri="{FF2B5EF4-FFF2-40B4-BE49-F238E27FC236}">
+                      <a16:creationId xmlns:a16="http://schemas.microsoft.com/office/drawing/2014/main" id="{89C069C8-11FB-6B0C-952B-EB72CFE26799}"/>
+                    </a:ext>
+                  </a:extLst>
+                </p:cNvPr>
+                <p:cNvPicPr/>
+                <p:nvPr/>
+              </p:nvPicPr>
+              <p:blipFill>
+                <a:blip r:embed="rId59"/>
+                <a:stretch>
+                  <a:fillRect/>
+                </a:stretch>
+              </p:blipFill>
+              <p:spPr>
+                <a:xfrm>
+                  <a:off x="7330023" y="4948709"/>
+                  <a:ext cx="224280" cy="234000"/>
+                </a:xfrm>
+                <a:prstGeom prst="rect">
+                  <a:avLst/>
+                </a:prstGeom>
+              </p:spPr>
+            </p:pic>
+          </mc:Fallback>
+        </mc:AlternateContent>
+        <mc:AlternateContent xmlns:mc="http://schemas.openxmlformats.org/markup-compatibility/2006">
+          <mc:Choice xmlns:p14="http://schemas.microsoft.com/office/powerpoint/2010/main" Requires="p14">
+            <p:contentPart p14:bwMode="auto" r:id="rId60">
+              <p14:nvContentPartPr>
+                <p14:cNvPr id="47" name="Ink 46">
+                  <a:extLst>
+                    <a:ext uri="{FF2B5EF4-FFF2-40B4-BE49-F238E27FC236}">
+                      <a16:creationId xmlns:a16="http://schemas.microsoft.com/office/drawing/2014/main" id="{927FD4A1-CA57-5247-EB3B-00B020FECCDF}"/>
+                    </a:ext>
+                  </a:extLst>
+                </p14:cNvPr>
+                <p14:cNvContentPartPr/>
+                <p14:nvPr/>
+              </p14:nvContentPartPr>
+              <p14:xfrm>
+                <a:off x="7632063" y="4890389"/>
+                <a:ext cx="204840" cy="630000"/>
+              </p14:xfrm>
+            </p:contentPart>
+          </mc:Choice>
+          <mc:Fallback>
+            <p:pic>
+              <p:nvPicPr>
+                <p:cNvPr id="47" name="Ink 46">
+                  <a:extLst>
+                    <a:ext uri="{FF2B5EF4-FFF2-40B4-BE49-F238E27FC236}">
+                      <a16:creationId xmlns:a16="http://schemas.microsoft.com/office/drawing/2014/main" id="{927FD4A1-CA57-5247-EB3B-00B020FECCDF}"/>
+                    </a:ext>
+                  </a:extLst>
+                </p:cNvPr>
+                <p:cNvPicPr/>
+                <p:nvPr/>
+              </p:nvPicPr>
+              <p:blipFill>
+                <a:blip r:embed="rId61"/>
+                <a:stretch>
+                  <a:fillRect/>
+                </a:stretch>
+              </p:blipFill>
+              <p:spPr>
+                <a:xfrm>
+                  <a:off x="7623063" y="4881749"/>
+                  <a:ext cx="222480" cy="647640"/>
+                </a:xfrm>
+                <a:prstGeom prst="rect">
+                  <a:avLst/>
+                </a:prstGeom>
+              </p:spPr>
+            </p:pic>
+          </mc:Fallback>
+        </mc:AlternateContent>
+        <mc:AlternateContent xmlns:mc="http://schemas.openxmlformats.org/markup-compatibility/2006">
+          <mc:Choice xmlns:p14="http://schemas.microsoft.com/office/powerpoint/2010/main" Requires="p14">
+            <p:contentPart p14:bwMode="auto" r:id="rId62">
+              <p14:nvContentPartPr>
+                <p14:cNvPr id="48" name="Ink 47">
+                  <a:extLst>
+                    <a:ext uri="{FF2B5EF4-FFF2-40B4-BE49-F238E27FC236}">
+                      <a16:creationId xmlns:a16="http://schemas.microsoft.com/office/drawing/2014/main" id="{B6C1F4B2-2C2E-19AF-869F-A026C6071B1D}"/>
+                    </a:ext>
+                  </a:extLst>
+                </p14:cNvPr>
+                <p14:cNvContentPartPr/>
+                <p14:nvPr/>
+              </p14:nvContentPartPr>
+              <p14:xfrm>
+                <a:off x="7925463" y="4984349"/>
+                <a:ext cx="407520" cy="353880"/>
+              </p14:xfrm>
+            </p:contentPart>
+          </mc:Choice>
+          <mc:Fallback>
+            <p:pic>
+              <p:nvPicPr>
+                <p:cNvPr id="48" name="Ink 47">
+                  <a:extLst>
+                    <a:ext uri="{FF2B5EF4-FFF2-40B4-BE49-F238E27FC236}">
+                      <a16:creationId xmlns:a16="http://schemas.microsoft.com/office/drawing/2014/main" id="{B6C1F4B2-2C2E-19AF-869F-A026C6071B1D}"/>
+                    </a:ext>
+                  </a:extLst>
+                </p:cNvPr>
+                <p:cNvPicPr/>
+                <p:nvPr/>
+              </p:nvPicPr>
+              <p:blipFill>
+                <a:blip r:embed="rId63"/>
+                <a:stretch>
+                  <a:fillRect/>
+                </a:stretch>
+              </p:blipFill>
+              <p:spPr>
+                <a:xfrm>
+                  <a:off x="7916463" y="4975709"/>
+                  <a:ext cx="425160" cy="371520"/>
+                </a:xfrm>
+                <a:prstGeom prst="rect">
+                  <a:avLst/>
+                </a:prstGeom>
+              </p:spPr>
+            </p:pic>
+          </mc:Fallback>
+        </mc:AlternateContent>
+        <mc:AlternateContent xmlns:mc="http://schemas.openxmlformats.org/markup-compatibility/2006">
+          <mc:Choice xmlns:p14="http://schemas.microsoft.com/office/powerpoint/2010/main" Requires="p14">
+            <p:contentPart p14:bwMode="auto" r:id="rId64">
+              <p14:nvContentPartPr>
+                <p14:cNvPr id="28" name="Ink 27">
+                  <a:extLst>
+                    <a:ext uri="{FF2B5EF4-FFF2-40B4-BE49-F238E27FC236}">
+                      <a16:creationId xmlns:a16="http://schemas.microsoft.com/office/drawing/2014/main" id="{AEABC896-7972-06E3-6CF0-2FBB7973F08E}"/>
+                    </a:ext>
+                  </a:extLst>
+                </p14:cNvPr>
+                <p14:cNvContentPartPr/>
+                <p14:nvPr/>
+              </p14:nvContentPartPr>
+              <p14:xfrm>
+                <a:off x="4706703" y="5265509"/>
+                <a:ext cx="52200" cy="383400"/>
+              </p14:xfrm>
+            </p:contentPart>
+          </mc:Choice>
+          <mc:Fallback>
+            <p:pic>
+              <p:nvPicPr>
+                <p:cNvPr id="28" name="Ink 27">
+                  <a:extLst>
+                    <a:ext uri="{FF2B5EF4-FFF2-40B4-BE49-F238E27FC236}">
+                      <a16:creationId xmlns:a16="http://schemas.microsoft.com/office/drawing/2014/main" id="{AEABC896-7972-06E3-6CF0-2FBB7973F08E}"/>
+                    </a:ext>
+                  </a:extLst>
+                </p:cNvPr>
+                <p:cNvPicPr/>
+                <p:nvPr/>
+              </p:nvPicPr>
+              <p:blipFill>
+                <a:blip r:embed="rId65"/>
+                <a:stretch>
+                  <a:fillRect/>
+                </a:stretch>
+              </p:blipFill>
+              <p:spPr>
+                <a:xfrm>
+                  <a:off x="4697703" y="5256869"/>
+                  <a:ext cx="69840" cy="401040"/>
+                </a:xfrm>
+                <a:prstGeom prst="rect">
+                  <a:avLst/>
+                </a:prstGeom>
+              </p:spPr>
+            </p:pic>
+          </mc:Fallback>
+        </mc:AlternateContent>
+        <mc:AlternateContent xmlns:mc="http://schemas.openxmlformats.org/markup-compatibility/2006">
+          <mc:Choice xmlns:p14="http://schemas.microsoft.com/office/powerpoint/2010/main" Requires="p14">
+            <p:contentPart p14:bwMode="auto" r:id="rId66">
+              <p14:nvContentPartPr>
+                <p14:cNvPr id="29" name="Ink 28">
+                  <a:extLst>
+                    <a:ext uri="{FF2B5EF4-FFF2-40B4-BE49-F238E27FC236}">
+                      <a16:creationId xmlns:a16="http://schemas.microsoft.com/office/drawing/2014/main" id="{80D9244F-3F4A-FC9F-EC2F-28698E6408CD}"/>
+                    </a:ext>
+                  </a:extLst>
+                </p14:cNvPr>
+                <p14:cNvContentPartPr/>
+                <p14:nvPr/>
+              </p14:nvContentPartPr>
+              <p14:xfrm>
+                <a:off x="3343383" y="4717589"/>
+                <a:ext cx="367920" cy="448200"/>
+              </p14:xfrm>
+            </p:contentPart>
+          </mc:Choice>
+          <mc:Fallback>
+            <p:pic>
+              <p:nvPicPr>
+                <p:cNvPr id="29" name="Ink 28">
+                  <a:extLst>
+                    <a:ext uri="{FF2B5EF4-FFF2-40B4-BE49-F238E27FC236}">
+                      <a16:creationId xmlns:a16="http://schemas.microsoft.com/office/drawing/2014/main" id="{80D9244F-3F4A-FC9F-EC2F-28698E6408CD}"/>
+                    </a:ext>
+                  </a:extLst>
+                </p:cNvPr>
+                <p:cNvPicPr/>
+                <p:nvPr/>
+              </p:nvPicPr>
+              <p:blipFill>
+                <a:blip r:embed="rId67"/>
+                <a:stretch>
+                  <a:fillRect/>
+                </a:stretch>
+              </p:blipFill>
+              <p:spPr>
+                <a:xfrm>
+                  <a:off x="3334743" y="4708589"/>
+                  <a:ext cx="385560" cy="465840"/>
+                </a:xfrm>
+                <a:prstGeom prst="rect">
+                  <a:avLst/>
+                </a:prstGeom>
+              </p:spPr>
+            </p:pic>
+          </mc:Fallback>
+        </mc:AlternateContent>
+        <mc:AlternateContent xmlns:mc="http://schemas.openxmlformats.org/markup-compatibility/2006">
+          <mc:Choice xmlns:p14="http://schemas.microsoft.com/office/powerpoint/2010/main" Requires="p14">
+            <p:contentPart p14:bwMode="auto" r:id="rId68">
+              <p14:nvContentPartPr>
+                <p14:cNvPr id="30" name="Ink 29">
+                  <a:extLst>
+                    <a:ext uri="{FF2B5EF4-FFF2-40B4-BE49-F238E27FC236}">
+                      <a16:creationId xmlns:a16="http://schemas.microsoft.com/office/drawing/2014/main" id="{CFD26D55-EC0F-76DE-EB65-87DF8FC1DB49}"/>
+                    </a:ext>
+                  </a:extLst>
+                </p14:cNvPr>
+                <p14:cNvContentPartPr/>
+                <p14:nvPr/>
+              </p14:nvContentPartPr>
+              <p14:xfrm>
+                <a:off x="3437343" y="4869149"/>
+                <a:ext cx="201240" cy="93600"/>
+              </p14:xfrm>
+            </p:contentPart>
+          </mc:Choice>
+          <mc:Fallback>
+            <p:pic>
+              <p:nvPicPr>
+                <p:cNvPr id="30" name="Ink 29">
+                  <a:extLst>
+                    <a:ext uri="{FF2B5EF4-FFF2-40B4-BE49-F238E27FC236}">
+                      <a16:creationId xmlns:a16="http://schemas.microsoft.com/office/drawing/2014/main" id="{CFD26D55-EC0F-76DE-EB65-87DF8FC1DB49}"/>
+                    </a:ext>
+                  </a:extLst>
+                </p:cNvPr>
+                <p:cNvPicPr/>
+                <p:nvPr/>
+              </p:nvPicPr>
+              <p:blipFill>
+                <a:blip r:embed="rId69"/>
+                <a:stretch>
+                  <a:fillRect/>
+                </a:stretch>
+              </p:blipFill>
+              <p:spPr>
+                <a:xfrm>
+                  <a:off x="3428343" y="4860149"/>
+                  <a:ext cx="218880" cy="111240"/>
+                </a:xfrm>
+                <a:prstGeom prst="rect">
+                  <a:avLst/>
+                </a:prstGeom>
+              </p:spPr>
+            </p:pic>
+          </mc:Fallback>
+        </mc:AlternateContent>
+        <mc:AlternateContent xmlns:mc="http://schemas.openxmlformats.org/markup-compatibility/2006">
+          <mc:Choice xmlns:p14="http://schemas.microsoft.com/office/powerpoint/2010/main" Requires="p14">
+            <p:contentPart p14:bwMode="auto" r:id="rId70">
+              <p14:nvContentPartPr>
+                <p14:cNvPr id="31" name="Ink 30">
+                  <a:extLst>
+                    <a:ext uri="{FF2B5EF4-FFF2-40B4-BE49-F238E27FC236}">
+                      <a16:creationId xmlns:a16="http://schemas.microsoft.com/office/drawing/2014/main" id="{D5242B1E-B068-C64C-5C5B-ED3D577584AF}"/>
+                    </a:ext>
+                  </a:extLst>
+                </p14:cNvPr>
+                <p14:cNvContentPartPr/>
+                <p14:nvPr/>
+              </p14:nvContentPartPr>
+              <p14:xfrm>
+                <a:off x="3736143" y="4842509"/>
+                <a:ext cx="205920" cy="324360"/>
+              </p14:xfrm>
+            </p:contentPart>
+          </mc:Choice>
+          <mc:Fallback>
+            <p:pic>
+              <p:nvPicPr>
+                <p:cNvPr id="31" name="Ink 30">
+                  <a:extLst>
+                    <a:ext uri="{FF2B5EF4-FFF2-40B4-BE49-F238E27FC236}">
+                      <a16:creationId xmlns:a16="http://schemas.microsoft.com/office/drawing/2014/main" id="{D5242B1E-B068-C64C-5C5B-ED3D577584AF}"/>
+                    </a:ext>
+                  </a:extLst>
+                </p:cNvPr>
+                <p:cNvPicPr/>
+                <p:nvPr/>
+              </p:nvPicPr>
+              <p:blipFill>
+                <a:blip r:embed="rId71"/>
+                <a:stretch>
+                  <a:fillRect/>
+                </a:stretch>
+              </p:blipFill>
+              <p:spPr>
+                <a:xfrm>
+                  <a:off x="3727503" y="4833509"/>
+                  <a:ext cx="223560" cy="342000"/>
+                </a:xfrm>
+                <a:prstGeom prst="rect">
+                  <a:avLst/>
+                </a:prstGeom>
+              </p:spPr>
+            </p:pic>
+          </mc:Fallback>
+        </mc:AlternateContent>
+        <mc:AlternateContent xmlns:mc="http://schemas.openxmlformats.org/markup-compatibility/2006">
+          <mc:Choice xmlns:p14="http://schemas.microsoft.com/office/powerpoint/2010/main" Requires="p14">
+            <p:contentPart p14:bwMode="auto" r:id="rId72">
+              <p14:nvContentPartPr>
+                <p14:cNvPr id="32" name="Ink 31">
+                  <a:extLst>
+                    <a:ext uri="{FF2B5EF4-FFF2-40B4-BE49-F238E27FC236}">
+                      <a16:creationId xmlns:a16="http://schemas.microsoft.com/office/drawing/2014/main" id="{84D8841B-FCD4-FF41-915A-9E9B581BB195}"/>
+                    </a:ext>
+                  </a:extLst>
+                </p14:cNvPr>
+                <p14:cNvContentPartPr/>
+                <p14:nvPr/>
+              </p14:nvContentPartPr>
+              <p14:xfrm>
+                <a:off x="3987423" y="4845389"/>
+                <a:ext cx="169920" cy="307440"/>
+              </p14:xfrm>
+            </p:contentPart>
+          </mc:Choice>
+          <mc:Fallback>
+            <p:pic>
+              <p:nvPicPr>
+                <p:cNvPr id="32" name="Ink 31">
+                  <a:extLst>
+                    <a:ext uri="{FF2B5EF4-FFF2-40B4-BE49-F238E27FC236}">
+                      <a16:creationId xmlns:a16="http://schemas.microsoft.com/office/drawing/2014/main" id="{84D8841B-FCD4-FF41-915A-9E9B581BB195}"/>
+                    </a:ext>
+                  </a:extLst>
+                </p:cNvPr>
+                <p:cNvPicPr/>
+                <p:nvPr/>
+              </p:nvPicPr>
+              <p:blipFill>
+                <a:blip r:embed="rId73"/>
+                <a:stretch>
+                  <a:fillRect/>
+                </a:stretch>
+              </p:blipFill>
+              <p:spPr>
+                <a:xfrm>
+                  <a:off x="3978783" y="4836389"/>
+                  <a:ext cx="187560" cy="325080"/>
+                </a:xfrm>
+                <a:prstGeom prst="rect">
+                  <a:avLst/>
+                </a:prstGeom>
+              </p:spPr>
+            </p:pic>
+          </mc:Fallback>
+        </mc:AlternateContent>
+        <mc:AlternateContent xmlns:mc="http://schemas.openxmlformats.org/markup-compatibility/2006">
+          <mc:Choice xmlns:p14="http://schemas.microsoft.com/office/powerpoint/2010/main" Requires="p14">
+            <p:contentPart p14:bwMode="auto" r:id="rId74">
+              <p14:nvContentPartPr>
+                <p14:cNvPr id="33" name="Ink 32">
+                  <a:extLst>
+                    <a:ext uri="{FF2B5EF4-FFF2-40B4-BE49-F238E27FC236}">
+                      <a16:creationId xmlns:a16="http://schemas.microsoft.com/office/drawing/2014/main" id="{8B368DDE-3B27-B7B1-CDFA-B5D3ACBF32C3}"/>
+                    </a:ext>
+                  </a:extLst>
+                </p14:cNvPr>
+                <p14:cNvContentPartPr/>
+                <p14:nvPr/>
+              </p14:nvContentPartPr>
+              <p14:xfrm>
+                <a:off x="4195863" y="4800389"/>
+                <a:ext cx="191520" cy="229320"/>
+              </p14:xfrm>
+            </p:contentPart>
+          </mc:Choice>
+          <mc:Fallback>
+            <p:pic>
+              <p:nvPicPr>
+                <p:cNvPr id="33" name="Ink 32">
+                  <a:extLst>
+                    <a:ext uri="{FF2B5EF4-FFF2-40B4-BE49-F238E27FC236}">
+                      <a16:creationId xmlns:a16="http://schemas.microsoft.com/office/drawing/2014/main" id="{8B368DDE-3B27-B7B1-CDFA-B5D3ACBF32C3}"/>
+                    </a:ext>
+                  </a:extLst>
+                </p:cNvPr>
+                <p:cNvPicPr/>
+                <p:nvPr/>
+              </p:nvPicPr>
+              <p:blipFill>
+                <a:blip r:embed="rId75"/>
+                <a:stretch>
+                  <a:fillRect/>
+                </a:stretch>
+              </p:blipFill>
+              <p:spPr>
+                <a:xfrm>
+                  <a:off x="4187223" y="4791749"/>
+                  <a:ext cx="209160" cy="246960"/>
+                </a:xfrm>
+                <a:prstGeom prst="rect">
+                  <a:avLst/>
+                </a:prstGeom>
+              </p:spPr>
+            </p:pic>
+          </mc:Fallback>
+        </mc:AlternateContent>
+        <mc:AlternateContent xmlns:mc="http://schemas.openxmlformats.org/markup-compatibility/2006">
+          <mc:Choice xmlns:p14="http://schemas.microsoft.com/office/powerpoint/2010/main" Requires="p14">
+            <p:contentPart p14:bwMode="auto" r:id="rId76">
+              <p14:nvContentPartPr>
+                <p14:cNvPr id="34" name="Ink 33">
+                  <a:extLst>
+                    <a:ext uri="{FF2B5EF4-FFF2-40B4-BE49-F238E27FC236}">
+                      <a16:creationId xmlns:a16="http://schemas.microsoft.com/office/drawing/2014/main" id="{9FA8BAB2-B3EF-FFDF-015C-D99CBFD95821}"/>
+                    </a:ext>
+                  </a:extLst>
+                </p14:cNvPr>
+                <p14:cNvContentPartPr/>
+                <p14:nvPr/>
+              </p14:nvContentPartPr>
+              <p14:xfrm>
+                <a:off x="4451103" y="4861589"/>
+                <a:ext cx="285840" cy="236880"/>
+              </p14:xfrm>
+            </p:contentPart>
+          </mc:Choice>
+          <mc:Fallback>
+            <p:pic>
+              <p:nvPicPr>
+                <p:cNvPr id="34" name="Ink 33">
+                  <a:extLst>
+                    <a:ext uri="{FF2B5EF4-FFF2-40B4-BE49-F238E27FC236}">
+                      <a16:creationId xmlns:a16="http://schemas.microsoft.com/office/drawing/2014/main" id="{9FA8BAB2-B3EF-FFDF-015C-D99CBFD95821}"/>
+                    </a:ext>
+                  </a:extLst>
+                </p:cNvPr>
+                <p:cNvPicPr/>
+                <p:nvPr/>
+              </p:nvPicPr>
+              <p:blipFill>
+                <a:blip r:embed="rId77"/>
+                <a:stretch>
+                  <a:fillRect/>
+                </a:stretch>
+              </p:blipFill>
+              <p:spPr>
+                <a:xfrm>
+                  <a:off x="4442463" y="4852589"/>
+                  <a:ext cx="303480" cy="254520"/>
+                </a:xfrm>
+                <a:prstGeom prst="rect">
+                  <a:avLst/>
+                </a:prstGeom>
+              </p:spPr>
+            </p:pic>
+          </mc:Fallback>
+        </mc:AlternateContent>
+        <mc:AlternateContent xmlns:mc="http://schemas.openxmlformats.org/markup-compatibility/2006">
+          <mc:Choice xmlns:p14="http://schemas.microsoft.com/office/powerpoint/2010/main" Requires="p14">
+            <p:contentPart p14:bwMode="auto" r:id="rId78">
+              <p14:nvContentPartPr>
+                <p14:cNvPr id="35" name="Ink 34">
+                  <a:extLst>
+                    <a:ext uri="{FF2B5EF4-FFF2-40B4-BE49-F238E27FC236}">
+                      <a16:creationId xmlns:a16="http://schemas.microsoft.com/office/drawing/2014/main" id="{625EED3F-E859-D698-F126-1C39C4B9FDC1}"/>
+                    </a:ext>
+                  </a:extLst>
+                </p14:cNvPr>
+                <p14:cNvContentPartPr/>
+                <p14:nvPr/>
+              </p14:nvContentPartPr>
+              <p14:xfrm>
+                <a:off x="4784463" y="4595549"/>
+                <a:ext cx="201600" cy="499320"/>
+              </p14:xfrm>
+            </p:contentPart>
+          </mc:Choice>
+          <mc:Fallback>
+            <p:pic>
+              <p:nvPicPr>
+                <p:cNvPr id="35" name="Ink 34">
+                  <a:extLst>
+                    <a:ext uri="{FF2B5EF4-FFF2-40B4-BE49-F238E27FC236}">
+                      <a16:creationId xmlns:a16="http://schemas.microsoft.com/office/drawing/2014/main" id="{625EED3F-E859-D698-F126-1C39C4B9FDC1}"/>
+                    </a:ext>
+                  </a:extLst>
+                </p:cNvPr>
+                <p:cNvPicPr/>
+                <p:nvPr/>
+              </p:nvPicPr>
+              <p:blipFill>
+                <a:blip r:embed="rId79"/>
+                <a:stretch>
+                  <a:fillRect/>
+                </a:stretch>
+              </p:blipFill>
+              <p:spPr>
+                <a:xfrm>
+                  <a:off x="4775823" y="4586909"/>
+                  <a:ext cx="219240" cy="516960"/>
+                </a:xfrm>
+                <a:prstGeom prst="rect">
+                  <a:avLst/>
+                </a:prstGeom>
+              </p:spPr>
+            </p:pic>
+          </mc:Fallback>
+        </mc:AlternateContent>
+        <mc:AlternateContent xmlns:mc="http://schemas.openxmlformats.org/markup-compatibility/2006">
+          <mc:Choice xmlns:p14="http://schemas.microsoft.com/office/powerpoint/2010/main" Requires="p14">
+            <p:contentPart p14:bwMode="auto" r:id="rId80">
+              <p14:nvContentPartPr>
+                <p14:cNvPr id="36" name="Ink 35">
+                  <a:extLst>
+                    <a:ext uri="{FF2B5EF4-FFF2-40B4-BE49-F238E27FC236}">
+                      <a16:creationId xmlns:a16="http://schemas.microsoft.com/office/drawing/2014/main" id="{5BF504BE-3CF0-3A12-3479-32AD015EB069}"/>
+                    </a:ext>
+                  </a:extLst>
+                </p14:cNvPr>
+                <p14:cNvContentPartPr/>
+                <p14:nvPr/>
+              </p14:nvContentPartPr>
+              <p14:xfrm>
+                <a:off x="5059863" y="4546949"/>
+                <a:ext cx="59760" cy="543240"/>
+              </p14:xfrm>
+            </p:contentPart>
+          </mc:Choice>
+          <mc:Fallback>
+            <p:pic>
+              <p:nvPicPr>
+                <p:cNvPr id="36" name="Ink 35">
+                  <a:extLst>
+                    <a:ext uri="{FF2B5EF4-FFF2-40B4-BE49-F238E27FC236}">
+                      <a16:creationId xmlns:a16="http://schemas.microsoft.com/office/drawing/2014/main" id="{5BF504BE-3CF0-3A12-3479-32AD015EB069}"/>
+                    </a:ext>
+                  </a:extLst>
+                </p:cNvPr>
+                <p:cNvPicPr/>
+                <p:nvPr/>
+              </p:nvPicPr>
+              <p:blipFill>
+                <a:blip r:embed="rId81"/>
+                <a:stretch>
+                  <a:fillRect/>
+                </a:stretch>
+              </p:blipFill>
+              <p:spPr>
+                <a:xfrm>
+                  <a:off x="5050863" y="4537949"/>
+                  <a:ext cx="77400" cy="560880"/>
+                </a:xfrm>
+                <a:prstGeom prst="rect">
+                  <a:avLst/>
+                </a:prstGeom>
+              </p:spPr>
+            </p:pic>
+          </mc:Fallback>
+        </mc:AlternateContent>
+        <mc:AlternateContent xmlns:mc="http://schemas.openxmlformats.org/markup-compatibility/2006">
+          <mc:Choice xmlns:p14="http://schemas.microsoft.com/office/powerpoint/2010/main" Requires="p14">
+            <p:contentPart p14:bwMode="auto" r:id="rId82">
+              <p14:nvContentPartPr>
+                <p14:cNvPr id="37" name="Ink 36">
+                  <a:extLst>
+                    <a:ext uri="{FF2B5EF4-FFF2-40B4-BE49-F238E27FC236}">
+                      <a16:creationId xmlns:a16="http://schemas.microsoft.com/office/drawing/2014/main" id="{947D7531-C7CB-5A07-0323-378BAC3B49B8}"/>
+                    </a:ext>
+                  </a:extLst>
+                </p14:cNvPr>
+                <p14:cNvContentPartPr/>
+                <p14:nvPr/>
+              </p14:nvContentPartPr>
+              <p14:xfrm>
+                <a:off x="5210703" y="4927469"/>
+                <a:ext cx="181800" cy="445320"/>
+              </p14:xfrm>
+            </p:contentPart>
+          </mc:Choice>
+          <mc:Fallback>
+            <p:pic>
+              <p:nvPicPr>
+                <p:cNvPr id="37" name="Ink 36">
+                  <a:extLst>
+                    <a:ext uri="{FF2B5EF4-FFF2-40B4-BE49-F238E27FC236}">
+                      <a16:creationId xmlns:a16="http://schemas.microsoft.com/office/drawing/2014/main" id="{947D7531-C7CB-5A07-0323-378BAC3B49B8}"/>
+                    </a:ext>
+                  </a:extLst>
+                </p:cNvPr>
+                <p:cNvPicPr/>
+                <p:nvPr/>
+              </p:nvPicPr>
+              <p:blipFill>
+                <a:blip r:embed="rId83"/>
+                <a:stretch>
+                  <a:fillRect/>
+                </a:stretch>
+              </p:blipFill>
+              <p:spPr>
+                <a:xfrm>
+                  <a:off x="5201703" y="4918829"/>
+                  <a:ext cx="199440" cy="462960"/>
+                </a:xfrm>
+                <a:prstGeom prst="rect">
+                  <a:avLst/>
+                </a:prstGeom>
+              </p:spPr>
+            </p:pic>
+          </mc:Fallback>
+        </mc:AlternateContent>
+        <mc:AlternateContent xmlns:mc="http://schemas.openxmlformats.org/markup-compatibility/2006">
+          <mc:Choice xmlns:p14="http://schemas.microsoft.com/office/powerpoint/2010/main" Requires="p14">
+            <p:contentPart p14:bwMode="auto" r:id="rId84">
+              <p14:nvContentPartPr>
+                <p14:cNvPr id="38" name="Ink 37">
+                  <a:extLst>
+                    <a:ext uri="{FF2B5EF4-FFF2-40B4-BE49-F238E27FC236}">
+                      <a16:creationId xmlns:a16="http://schemas.microsoft.com/office/drawing/2014/main" id="{4B53252D-C916-7213-7514-603A5878ECF5}"/>
+                    </a:ext>
+                  </a:extLst>
+                </p14:cNvPr>
+                <p14:cNvContentPartPr/>
+                <p14:nvPr/>
+              </p14:nvContentPartPr>
+              <p14:xfrm>
+                <a:off x="5193783" y="4905869"/>
+                <a:ext cx="83520" cy="196560"/>
+              </p14:xfrm>
+            </p:contentPart>
+          </mc:Choice>
+          <mc:Fallback>
+            <p:pic>
+              <p:nvPicPr>
+                <p:cNvPr id="38" name="Ink 37">
+                  <a:extLst>
+                    <a:ext uri="{FF2B5EF4-FFF2-40B4-BE49-F238E27FC236}">
+                      <a16:creationId xmlns:a16="http://schemas.microsoft.com/office/drawing/2014/main" id="{4B53252D-C916-7213-7514-603A5878ECF5}"/>
+                    </a:ext>
+                  </a:extLst>
+                </p:cNvPr>
+                <p:cNvPicPr/>
+                <p:nvPr/>
+              </p:nvPicPr>
+              <p:blipFill>
+                <a:blip r:embed="rId85"/>
+                <a:stretch>
+                  <a:fillRect/>
+                </a:stretch>
+              </p:blipFill>
+              <p:spPr>
+                <a:xfrm>
+                  <a:off x="5184783" y="4896869"/>
+                  <a:ext cx="101160" cy="214200"/>
+                </a:xfrm>
+                <a:prstGeom prst="rect">
+                  <a:avLst/>
+                </a:prstGeom>
+              </p:spPr>
+            </p:pic>
+          </mc:Fallback>
+        </mc:AlternateContent>
+        <mc:AlternateContent xmlns:mc="http://schemas.openxmlformats.org/markup-compatibility/2006">
+          <mc:Choice xmlns:p14="http://schemas.microsoft.com/office/powerpoint/2010/main" Requires="p14">
+            <p:contentPart p14:bwMode="auto" r:id="rId86">
+              <p14:nvContentPartPr>
+                <p14:cNvPr id="50" name="Ink 49">
+                  <a:extLst>
+                    <a:ext uri="{FF2B5EF4-FFF2-40B4-BE49-F238E27FC236}">
+                      <a16:creationId xmlns:a16="http://schemas.microsoft.com/office/drawing/2014/main" id="{20E0DFFC-3580-CC92-6A0F-4BB831F4734F}"/>
+                    </a:ext>
+                  </a:extLst>
+                </p14:cNvPr>
+                <p14:cNvContentPartPr/>
+                <p14:nvPr/>
+              </p14:nvContentPartPr>
+              <p14:xfrm>
+                <a:off x="4591503" y="4013069"/>
+                <a:ext cx="97560" cy="531000"/>
+              </p14:xfrm>
+            </p:contentPart>
+          </mc:Choice>
+          <mc:Fallback>
+            <p:pic>
+              <p:nvPicPr>
+                <p:cNvPr id="50" name="Ink 49">
+                  <a:extLst>
+                    <a:ext uri="{FF2B5EF4-FFF2-40B4-BE49-F238E27FC236}">
+                      <a16:creationId xmlns:a16="http://schemas.microsoft.com/office/drawing/2014/main" id="{20E0DFFC-3580-CC92-6A0F-4BB831F4734F}"/>
+                    </a:ext>
+                  </a:extLst>
+                </p:cNvPr>
+                <p:cNvPicPr/>
+                <p:nvPr/>
+              </p:nvPicPr>
+              <p:blipFill>
+                <a:blip r:embed="rId87"/>
+                <a:stretch>
+                  <a:fillRect/>
+                </a:stretch>
+              </p:blipFill>
+              <p:spPr>
+                <a:xfrm>
+                  <a:off x="4582863" y="4004429"/>
+                  <a:ext cx="115200" cy="548640"/>
+                </a:xfrm>
+                <a:prstGeom prst="rect">
+                  <a:avLst/>
+                </a:prstGeom>
+              </p:spPr>
+            </p:pic>
+          </mc:Fallback>
+        </mc:AlternateContent>
+        <mc:AlternateContent xmlns:mc="http://schemas.openxmlformats.org/markup-compatibility/2006">
+          <mc:Choice xmlns:p14="http://schemas.microsoft.com/office/powerpoint/2010/main" Requires="p14">
+            <p:contentPart p14:bwMode="auto" r:id="rId88">
+              <p14:nvContentPartPr>
+                <p14:cNvPr id="52" name="Ink 51">
+                  <a:extLst>
+                    <a:ext uri="{FF2B5EF4-FFF2-40B4-BE49-F238E27FC236}">
+                      <a16:creationId xmlns:a16="http://schemas.microsoft.com/office/drawing/2014/main" id="{E6C98EB8-04AB-F3B7-5E22-F7B3A985C626}"/>
+                    </a:ext>
+                  </a:extLst>
+                </p14:cNvPr>
+                <p14:cNvContentPartPr/>
+                <p14:nvPr/>
+              </p14:nvContentPartPr>
+              <p14:xfrm>
+                <a:off x="3523023" y="3340589"/>
+                <a:ext cx="420120" cy="517680"/>
+              </p14:xfrm>
+            </p:contentPart>
+          </mc:Choice>
+          <mc:Fallback>
+            <p:pic>
+              <p:nvPicPr>
+                <p:cNvPr id="52" name="Ink 51">
+                  <a:extLst>
+                    <a:ext uri="{FF2B5EF4-FFF2-40B4-BE49-F238E27FC236}">
+                      <a16:creationId xmlns:a16="http://schemas.microsoft.com/office/drawing/2014/main" id="{E6C98EB8-04AB-F3B7-5E22-F7B3A985C626}"/>
+                    </a:ext>
+                  </a:extLst>
+                </p:cNvPr>
+                <p:cNvPicPr/>
+                <p:nvPr/>
+              </p:nvPicPr>
+              <p:blipFill>
+                <a:blip r:embed="rId89"/>
+                <a:stretch>
+                  <a:fillRect/>
+                </a:stretch>
+              </p:blipFill>
+              <p:spPr>
+                <a:xfrm>
+                  <a:off x="3514023" y="3331589"/>
+                  <a:ext cx="437760" cy="535320"/>
+                </a:xfrm>
+                <a:prstGeom prst="rect">
+                  <a:avLst/>
+                </a:prstGeom>
+              </p:spPr>
+            </p:pic>
+          </mc:Fallback>
+        </mc:AlternateContent>
+        <mc:AlternateContent xmlns:mc="http://schemas.openxmlformats.org/markup-compatibility/2006">
+          <mc:Choice xmlns:p14="http://schemas.microsoft.com/office/powerpoint/2010/main" Requires="p14">
+            <p:contentPart p14:bwMode="auto" r:id="rId90">
+              <p14:nvContentPartPr>
+                <p14:cNvPr id="53" name="Ink 52">
+                  <a:extLst>
+                    <a:ext uri="{FF2B5EF4-FFF2-40B4-BE49-F238E27FC236}">
+                      <a16:creationId xmlns:a16="http://schemas.microsoft.com/office/drawing/2014/main" id="{F8E07956-6310-F0AB-3781-269047B8FFA0}"/>
+                    </a:ext>
+                  </a:extLst>
+                </p14:cNvPr>
+                <p14:cNvContentPartPr/>
+                <p14:nvPr/>
+              </p14:nvContentPartPr>
+              <p14:xfrm>
+                <a:off x="3135663" y="3185789"/>
+                <a:ext cx="2901960" cy="945360"/>
+              </p14:xfrm>
+            </p:contentPart>
+          </mc:Choice>
+          <mc:Fallback>
+            <p:pic>
+              <p:nvPicPr>
+                <p:cNvPr id="53" name="Ink 52">
+                  <a:extLst>
+                    <a:ext uri="{FF2B5EF4-FFF2-40B4-BE49-F238E27FC236}">
+                      <a16:creationId xmlns:a16="http://schemas.microsoft.com/office/drawing/2014/main" id="{F8E07956-6310-F0AB-3781-269047B8FFA0}"/>
+                    </a:ext>
+                  </a:extLst>
+                </p:cNvPr>
+                <p:cNvPicPr/>
+                <p:nvPr/>
+              </p:nvPicPr>
+              <p:blipFill>
+                <a:blip r:embed="rId91"/>
+                <a:stretch>
+                  <a:fillRect/>
+                </a:stretch>
+              </p:blipFill>
+              <p:spPr>
+                <a:xfrm>
+                  <a:off x="3127023" y="3176789"/>
+                  <a:ext cx="2919600" cy="963000"/>
+                </a:xfrm>
+                <a:prstGeom prst="rect">
+                  <a:avLst/>
+                </a:prstGeom>
+              </p:spPr>
+            </p:pic>
+          </mc:Fallback>
+        </mc:AlternateContent>
+        <mc:AlternateContent xmlns:mc="http://schemas.openxmlformats.org/markup-compatibility/2006">
+          <mc:Choice xmlns:p14="http://schemas.microsoft.com/office/powerpoint/2010/main" Requires="p14">
+            <p:contentPart p14:bwMode="auto" r:id="rId92">
+              <p14:nvContentPartPr>
+                <p14:cNvPr id="55" name="Ink 54">
+                  <a:extLst>
+                    <a:ext uri="{FF2B5EF4-FFF2-40B4-BE49-F238E27FC236}">
+                      <a16:creationId xmlns:a16="http://schemas.microsoft.com/office/drawing/2014/main" id="{31749A90-5E2D-8528-2DBD-602C7C943791}"/>
+                    </a:ext>
+                  </a:extLst>
+                </p14:cNvPr>
+                <p14:cNvContentPartPr/>
+                <p14:nvPr/>
+              </p14:nvContentPartPr>
+              <p14:xfrm>
+                <a:off x="4543263" y="2686829"/>
+                <a:ext cx="25920" cy="645840"/>
+              </p14:xfrm>
+            </p:contentPart>
+          </mc:Choice>
+          <mc:Fallback>
+            <p:pic>
+              <p:nvPicPr>
+                <p:cNvPr id="55" name="Ink 54">
+                  <a:extLst>
+                    <a:ext uri="{FF2B5EF4-FFF2-40B4-BE49-F238E27FC236}">
+                      <a16:creationId xmlns:a16="http://schemas.microsoft.com/office/drawing/2014/main" id="{31749A90-5E2D-8528-2DBD-602C7C943791}"/>
+                    </a:ext>
+                  </a:extLst>
+                </p:cNvPr>
+                <p:cNvPicPr/>
+                <p:nvPr/>
+              </p:nvPicPr>
+              <p:blipFill>
+                <a:blip r:embed="rId93"/>
+                <a:stretch>
+                  <a:fillRect/>
+                </a:stretch>
+              </p:blipFill>
+              <p:spPr>
+                <a:xfrm>
+                  <a:off x="4534623" y="2678189"/>
+                  <a:ext cx="43560" cy="663480"/>
+                </a:xfrm>
+                <a:prstGeom prst="rect">
+                  <a:avLst/>
+                </a:prstGeom>
+              </p:spPr>
+            </p:pic>
+          </mc:Fallback>
+        </mc:AlternateContent>
+        <mc:AlternateContent xmlns:mc="http://schemas.openxmlformats.org/markup-compatibility/2006">
+          <mc:Choice xmlns:p14="http://schemas.microsoft.com/office/powerpoint/2010/main" Requires="p14">
+            <p:contentPart p14:bwMode="auto" r:id="rId94">
+              <p14:nvContentPartPr>
+                <p14:cNvPr id="57" name="Ink 56">
+                  <a:extLst>
+                    <a:ext uri="{FF2B5EF4-FFF2-40B4-BE49-F238E27FC236}">
+                      <a16:creationId xmlns:a16="http://schemas.microsoft.com/office/drawing/2014/main" id="{F4DA4FF1-3DEF-AE2C-C204-C01429F31961}"/>
+                    </a:ext>
+                  </a:extLst>
+                </p14:cNvPr>
+                <p14:cNvContentPartPr/>
+                <p14:nvPr/>
+              </p14:nvContentPartPr>
+              <p14:xfrm>
+                <a:off x="3449583" y="2087069"/>
+                <a:ext cx="427320" cy="468000"/>
+              </p14:xfrm>
+            </p:contentPart>
+          </mc:Choice>
+          <mc:Fallback>
+            <p:pic>
+              <p:nvPicPr>
+                <p:cNvPr id="57" name="Ink 56">
+                  <a:extLst>
+                    <a:ext uri="{FF2B5EF4-FFF2-40B4-BE49-F238E27FC236}">
+                      <a16:creationId xmlns:a16="http://schemas.microsoft.com/office/drawing/2014/main" id="{F4DA4FF1-3DEF-AE2C-C204-C01429F31961}"/>
+                    </a:ext>
+                  </a:extLst>
+                </p:cNvPr>
+                <p:cNvPicPr/>
+                <p:nvPr/>
+              </p:nvPicPr>
+              <p:blipFill>
+                <a:blip r:embed="rId95"/>
+                <a:stretch>
+                  <a:fillRect/>
+                </a:stretch>
+              </p:blipFill>
+              <p:spPr>
+                <a:xfrm>
+                  <a:off x="3440583" y="2078069"/>
+                  <a:ext cx="444960" cy="485640"/>
+                </a:xfrm>
+                <a:prstGeom prst="rect">
+                  <a:avLst/>
+                </a:prstGeom>
+              </p:spPr>
+            </p:pic>
+          </mc:Fallback>
+        </mc:AlternateContent>
+        <mc:AlternateContent xmlns:mc="http://schemas.openxmlformats.org/markup-compatibility/2006">
+          <mc:Choice xmlns:p14="http://schemas.microsoft.com/office/powerpoint/2010/main" Requires="p14">
+            <p:contentPart p14:bwMode="auto" r:id="rId96">
+              <p14:nvContentPartPr>
+                <p14:cNvPr id="58" name="Ink 57">
+                  <a:extLst>
+                    <a:ext uri="{FF2B5EF4-FFF2-40B4-BE49-F238E27FC236}">
+                      <a16:creationId xmlns:a16="http://schemas.microsoft.com/office/drawing/2014/main" id="{0D40A7D1-1BA2-F9E8-56C0-258C31C967FE}"/>
+                    </a:ext>
+                  </a:extLst>
+                </p14:cNvPr>
+                <p14:cNvContentPartPr/>
+                <p14:nvPr/>
+              </p14:nvContentPartPr>
+              <p14:xfrm>
+                <a:off x="4182183" y="1961429"/>
+                <a:ext cx="120600" cy="550440"/>
+              </p14:xfrm>
+            </p:contentPart>
+          </mc:Choice>
+          <mc:Fallback>
+            <p:pic>
+              <p:nvPicPr>
+                <p:cNvPr id="58" name="Ink 57">
+                  <a:extLst>
+                    <a:ext uri="{FF2B5EF4-FFF2-40B4-BE49-F238E27FC236}">
+                      <a16:creationId xmlns:a16="http://schemas.microsoft.com/office/drawing/2014/main" id="{0D40A7D1-1BA2-F9E8-56C0-258C31C967FE}"/>
+                    </a:ext>
+                  </a:extLst>
+                </p:cNvPr>
+                <p:cNvPicPr/>
+                <p:nvPr/>
+              </p:nvPicPr>
+              <p:blipFill>
+                <a:blip r:embed="rId97"/>
+                <a:stretch>
+                  <a:fillRect/>
+                </a:stretch>
+              </p:blipFill>
+              <p:spPr>
+                <a:xfrm>
+                  <a:off x="4173543" y="1952789"/>
+                  <a:ext cx="138240" cy="568080"/>
+                </a:xfrm>
+                <a:prstGeom prst="rect">
+                  <a:avLst/>
+                </a:prstGeom>
+              </p:spPr>
+            </p:pic>
+          </mc:Fallback>
+        </mc:AlternateContent>
+        <mc:AlternateContent xmlns:mc="http://schemas.openxmlformats.org/markup-compatibility/2006">
+          <mc:Choice xmlns:p14="http://schemas.microsoft.com/office/powerpoint/2010/main" Requires="p14">
+            <p:contentPart p14:bwMode="auto" r:id="rId98">
+              <p14:nvContentPartPr>
+                <p14:cNvPr id="59" name="Ink 58">
+                  <a:extLst>
+                    <a:ext uri="{FF2B5EF4-FFF2-40B4-BE49-F238E27FC236}">
+                      <a16:creationId xmlns:a16="http://schemas.microsoft.com/office/drawing/2014/main" id="{0E43A724-277E-7E49-6194-62658ABD5AC1}"/>
+                    </a:ext>
+                  </a:extLst>
+                </p14:cNvPr>
+                <p14:cNvContentPartPr/>
+                <p14:nvPr/>
+              </p14:nvContentPartPr>
+              <p14:xfrm>
+                <a:off x="4382703" y="1976189"/>
+                <a:ext cx="67680" cy="546120"/>
+              </p14:xfrm>
+            </p:contentPart>
+          </mc:Choice>
+          <mc:Fallback>
+            <p:pic>
+              <p:nvPicPr>
+                <p:cNvPr id="59" name="Ink 58">
+                  <a:extLst>
+                    <a:ext uri="{FF2B5EF4-FFF2-40B4-BE49-F238E27FC236}">
+                      <a16:creationId xmlns:a16="http://schemas.microsoft.com/office/drawing/2014/main" id="{0E43A724-277E-7E49-6194-62658ABD5AC1}"/>
+                    </a:ext>
+                  </a:extLst>
+                </p:cNvPr>
+                <p:cNvPicPr/>
+                <p:nvPr/>
+              </p:nvPicPr>
+              <p:blipFill>
+                <a:blip r:embed="rId99"/>
+                <a:stretch>
+                  <a:fillRect/>
+                </a:stretch>
+              </p:blipFill>
+              <p:spPr>
+                <a:xfrm>
+                  <a:off x="4373703" y="1967189"/>
+                  <a:ext cx="85320" cy="563760"/>
+                </a:xfrm>
+                <a:prstGeom prst="rect">
+                  <a:avLst/>
+                </a:prstGeom>
+              </p:spPr>
+            </p:pic>
+          </mc:Fallback>
+        </mc:AlternateContent>
+        <mc:AlternateContent xmlns:mc="http://schemas.openxmlformats.org/markup-compatibility/2006">
+          <mc:Choice xmlns:p14="http://schemas.microsoft.com/office/powerpoint/2010/main" Requires="p14">
+            <p:contentPart p14:bwMode="auto" r:id="rId100">
+              <p14:nvContentPartPr>
+                <p14:cNvPr id="61" name="Ink 60">
+                  <a:extLst>
+                    <a:ext uri="{FF2B5EF4-FFF2-40B4-BE49-F238E27FC236}">
+                      <a16:creationId xmlns:a16="http://schemas.microsoft.com/office/drawing/2014/main" id="{B9A512E4-4292-5C81-DCC8-2619D781052B}"/>
+                    </a:ext>
+                  </a:extLst>
+                </p14:cNvPr>
+                <p14:cNvContentPartPr/>
+                <p14:nvPr/>
+              </p14:nvContentPartPr>
+              <p14:xfrm>
+                <a:off x="4091103" y="2168069"/>
+                <a:ext cx="311400" cy="46080"/>
+              </p14:xfrm>
+            </p:contentPart>
+          </mc:Choice>
+          <mc:Fallback>
+            <p:pic>
+              <p:nvPicPr>
+                <p:cNvPr id="61" name="Ink 60">
+                  <a:extLst>
+                    <a:ext uri="{FF2B5EF4-FFF2-40B4-BE49-F238E27FC236}">
+                      <a16:creationId xmlns:a16="http://schemas.microsoft.com/office/drawing/2014/main" id="{B9A512E4-4292-5C81-DCC8-2619D781052B}"/>
+                    </a:ext>
+                  </a:extLst>
+                </p:cNvPr>
+                <p:cNvPicPr/>
+                <p:nvPr/>
+              </p:nvPicPr>
+              <p:blipFill>
+                <a:blip r:embed="rId101"/>
+                <a:stretch>
+                  <a:fillRect/>
+                </a:stretch>
+              </p:blipFill>
+              <p:spPr>
+                <a:xfrm>
+                  <a:off x="4082103" y="2159069"/>
+                  <a:ext cx="329040" cy="63720"/>
+                </a:xfrm>
+                <a:prstGeom prst="rect">
+                  <a:avLst/>
+                </a:prstGeom>
+              </p:spPr>
+            </p:pic>
+          </mc:Fallback>
+        </mc:AlternateContent>
+        <mc:AlternateContent xmlns:mc="http://schemas.openxmlformats.org/markup-compatibility/2006">
+          <mc:Choice xmlns:p14="http://schemas.microsoft.com/office/powerpoint/2010/main" Requires="p14">
+            <p:contentPart p14:bwMode="auto" r:id="rId102">
+              <p14:nvContentPartPr>
+                <p14:cNvPr id="62" name="Ink 61">
+                  <a:extLst>
+                    <a:ext uri="{FF2B5EF4-FFF2-40B4-BE49-F238E27FC236}">
+                      <a16:creationId xmlns:a16="http://schemas.microsoft.com/office/drawing/2014/main" id="{8D4A4458-8E48-35F7-9E65-574C48600658}"/>
+                    </a:ext>
+                  </a:extLst>
+                </p14:cNvPr>
+                <p14:cNvContentPartPr/>
+                <p14:nvPr/>
+              </p14:nvContentPartPr>
+              <p14:xfrm>
+                <a:off x="4353543" y="2223149"/>
+                <a:ext cx="186840" cy="120960"/>
+              </p14:xfrm>
+            </p:contentPart>
+          </mc:Choice>
+          <mc:Fallback>
+            <p:pic>
+              <p:nvPicPr>
+                <p:cNvPr id="62" name="Ink 61">
+                  <a:extLst>
+                    <a:ext uri="{FF2B5EF4-FFF2-40B4-BE49-F238E27FC236}">
+                      <a16:creationId xmlns:a16="http://schemas.microsoft.com/office/drawing/2014/main" id="{8D4A4458-8E48-35F7-9E65-574C48600658}"/>
+                    </a:ext>
+                  </a:extLst>
+                </p:cNvPr>
+                <p:cNvPicPr/>
+                <p:nvPr/>
+              </p:nvPicPr>
+              <p:blipFill>
+                <a:blip r:embed="rId103"/>
+                <a:stretch>
+                  <a:fillRect/>
+                </a:stretch>
+              </p:blipFill>
+              <p:spPr>
+                <a:xfrm>
+                  <a:off x="4344543" y="2214149"/>
+                  <a:ext cx="204480" cy="138600"/>
+                </a:xfrm>
+                <a:prstGeom prst="rect">
+                  <a:avLst/>
+                </a:prstGeom>
+              </p:spPr>
+            </p:pic>
+          </mc:Fallback>
+        </mc:AlternateContent>
+        <mc:AlternateContent xmlns:mc="http://schemas.openxmlformats.org/markup-compatibility/2006">
+          <mc:Choice xmlns:p14="http://schemas.microsoft.com/office/powerpoint/2010/main" Requires="p14">
+            <p:contentPart p14:bwMode="auto" r:id="rId104">
+              <p14:nvContentPartPr>
+                <p14:cNvPr id="64" name="Ink 63">
+                  <a:extLst>
+                    <a:ext uri="{FF2B5EF4-FFF2-40B4-BE49-F238E27FC236}">
+                      <a16:creationId xmlns:a16="http://schemas.microsoft.com/office/drawing/2014/main" id="{B449A4C5-7552-E6B6-A23D-F2B56B5F2F8C}"/>
+                    </a:ext>
+                  </a:extLst>
+                </p14:cNvPr>
+                <p14:cNvContentPartPr/>
+                <p14:nvPr/>
+              </p14:nvContentPartPr>
+              <p14:xfrm>
+                <a:off x="3032343" y="1759109"/>
+                <a:ext cx="2177280" cy="1017000"/>
+              </p14:xfrm>
+            </p:contentPart>
+          </mc:Choice>
+          <mc:Fallback>
+            <p:pic>
+              <p:nvPicPr>
+                <p:cNvPr id="64" name="Ink 63">
+                  <a:extLst>
+                    <a:ext uri="{FF2B5EF4-FFF2-40B4-BE49-F238E27FC236}">
+                      <a16:creationId xmlns:a16="http://schemas.microsoft.com/office/drawing/2014/main" id="{B449A4C5-7552-E6B6-A23D-F2B56B5F2F8C}"/>
+                    </a:ext>
+                  </a:extLst>
+                </p:cNvPr>
+                <p:cNvPicPr/>
+                <p:nvPr/>
+              </p:nvPicPr>
+              <p:blipFill>
+                <a:blip r:embed="rId105"/>
+                <a:stretch>
+                  <a:fillRect/>
+                </a:stretch>
+              </p:blipFill>
+              <p:spPr>
+                <a:xfrm>
+                  <a:off x="3023703" y="1750109"/>
+                  <a:ext cx="2194920" cy="1034640"/>
+                </a:xfrm>
+                <a:prstGeom prst="rect">
+                  <a:avLst/>
+                </a:prstGeom>
+              </p:spPr>
+            </p:pic>
+          </mc:Fallback>
+        </mc:AlternateContent>
+        <mc:AlternateContent xmlns:mc="http://schemas.openxmlformats.org/markup-compatibility/2006">
+          <mc:Choice xmlns:p14="http://schemas.microsoft.com/office/powerpoint/2010/main" Requires="p14">
+            <p:contentPart p14:bwMode="auto" r:id="rId106">
+              <p14:nvContentPartPr>
+                <p14:cNvPr id="65" name="Ink 64">
+                  <a:extLst>
+                    <a:ext uri="{FF2B5EF4-FFF2-40B4-BE49-F238E27FC236}">
+                      <a16:creationId xmlns:a16="http://schemas.microsoft.com/office/drawing/2014/main" id="{300929FD-3351-DFA1-229D-AEF186BA04FC}"/>
+                    </a:ext>
+                  </a:extLst>
+                </p14:cNvPr>
+                <p14:cNvContentPartPr/>
+                <p14:nvPr/>
+              </p14:nvContentPartPr>
+              <p14:xfrm>
+                <a:off x="4106583" y="1261589"/>
+                <a:ext cx="47520" cy="644760"/>
+              </p14:xfrm>
+            </p:contentPart>
+          </mc:Choice>
+          <mc:Fallback>
+            <p:pic>
+              <p:nvPicPr>
+                <p:cNvPr id="65" name="Ink 64">
+                  <a:extLst>
+                    <a:ext uri="{FF2B5EF4-FFF2-40B4-BE49-F238E27FC236}">
+                      <a16:creationId xmlns:a16="http://schemas.microsoft.com/office/drawing/2014/main" id="{300929FD-3351-DFA1-229D-AEF186BA04FC}"/>
+                    </a:ext>
+                  </a:extLst>
+                </p:cNvPr>
+                <p:cNvPicPr/>
+                <p:nvPr/>
+              </p:nvPicPr>
+              <p:blipFill>
+                <a:blip r:embed="rId107"/>
+                <a:stretch>
+                  <a:fillRect/>
+                </a:stretch>
+              </p:blipFill>
+              <p:spPr>
+                <a:xfrm>
+                  <a:off x="4097943" y="1252589"/>
+                  <a:ext cx="65160" cy="662400"/>
+                </a:xfrm>
+                <a:prstGeom prst="rect">
+                  <a:avLst/>
+                </a:prstGeom>
+              </p:spPr>
+            </p:pic>
+          </mc:Fallback>
+        </mc:AlternateContent>
+        <mc:AlternateContent xmlns:mc="http://schemas.openxmlformats.org/markup-compatibility/2006">
+          <mc:Choice xmlns:p14="http://schemas.microsoft.com/office/powerpoint/2010/main" Requires="p14">
+            <p:contentPart p14:bwMode="auto" r:id="rId108">
+              <p14:nvContentPartPr>
+                <p14:cNvPr id="66" name="Ink 65">
+                  <a:extLst>
+                    <a:ext uri="{FF2B5EF4-FFF2-40B4-BE49-F238E27FC236}">
+                      <a16:creationId xmlns:a16="http://schemas.microsoft.com/office/drawing/2014/main" id="{5FDC9036-843C-419A-CB62-F63E729A049F}"/>
+                    </a:ext>
+                  </a:extLst>
+                </p14:cNvPr>
+                <p14:cNvContentPartPr/>
+                <p14:nvPr/>
+              </p14:nvContentPartPr>
+              <p14:xfrm>
+                <a:off x="3549303" y="591269"/>
+                <a:ext cx="549000" cy="532800"/>
+              </p14:xfrm>
+            </p:contentPart>
+          </mc:Choice>
+          <mc:Fallback>
+            <p:pic>
+              <p:nvPicPr>
+                <p:cNvPr id="66" name="Ink 65">
+                  <a:extLst>
+                    <a:ext uri="{FF2B5EF4-FFF2-40B4-BE49-F238E27FC236}">
+                      <a16:creationId xmlns:a16="http://schemas.microsoft.com/office/drawing/2014/main" id="{5FDC9036-843C-419A-CB62-F63E729A049F}"/>
+                    </a:ext>
+                  </a:extLst>
+                </p:cNvPr>
+                <p:cNvPicPr/>
+                <p:nvPr/>
+              </p:nvPicPr>
+              <p:blipFill>
+                <a:blip r:embed="rId109"/>
+                <a:stretch>
+                  <a:fillRect/>
+                </a:stretch>
+              </p:blipFill>
+              <p:spPr>
+                <a:xfrm>
+                  <a:off x="3540663" y="582269"/>
+                  <a:ext cx="566640" cy="550440"/>
+                </a:xfrm>
+                <a:prstGeom prst="rect">
+                  <a:avLst/>
+                </a:prstGeom>
+              </p:spPr>
+            </p:pic>
+          </mc:Fallback>
+        </mc:AlternateContent>
+        <mc:AlternateContent xmlns:mc="http://schemas.openxmlformats.org/markup-compatibility/2006">
+          <mc:Choice xmlns:p14="http://schemas.microsoft.com/office/powerpoint/2010/main" Requires="p14">
+            <p:contentPart p14:bwMode="auto" r:id="rId110">
+              <p14:nvContentPartPr>
+                <p14:cNvPr id="67" name="Ink 66">
+                  <a:extLst>
+                    <a:ext uri="{FF2B5EF4-FFF2-40B4-BE49-F238E27FC236}">
+                      <a16:creationId xmlns:a16="http://schemas.microsoft.com/office/drawing/2014/main" id="{4625B6A6-CBE1-A1CC-5D5F-9F8E7A80B2CF}"/>
+                    </a:ext>
+                  </a:extLst>
+                </p14:cNvPr>
+                <p14:cNvContentPartPr/>
+                <p14:nvPr/>
+              </p14:nvContentPartPr>
+              <p14:xfrm>
+                <a:off x="4327983" y="375269"/>
+                <a:ext cx="218160" cy="714600"/>
+              </p14:xfrm>
+            </p:contentPart>
+          </mc:Choice>
+          <mc:Fallback>
+            <p:pic>
+              <p:nvPicPr>
+                <p:cNvPr id="67" name="Ink 66">
+                  <a:extLst>
+                    <a:ext uri="{FF2B5EF4-FFF2-40B4-BE49-F238E27FC236}">
+                      <a16:creationId xmlns:a16="http://schemas.microsoft.com/office/drawing/2014/main" id="{4625B6A6-CBE1-A1CC-5D5F-9F8E7A80B2CF}"/>
+                    </a:ext>
+                  </a:extLst>
+                </p:cNvPr>
+                <p:cNvPicPr/>
+                <p:nvPr/>
+              </p:nvPicPr>
+              <p:blipFill>
+                <a:blip r:embed="rId111"/>
+                <a:stretch>
+                  <a:fillRect/>
+                </a:stretch>
+              </p:blipFill>
+              <p:spPr>
+                <a:xfrm>
+                  <a:off x="4319343" y="366269"/>
+                  <a:ext cx="235800" cy="732240"/>
+                </a:xfrm>
+                <a:prstGeom prst="rect">
+                  <a:avLst/>
+                </a:prstGeom>
+              </p:spPr>
+            </p:pic>
+          </mc:Fallback>
+        </mc:AlternateContent>
+        <mc:AlternateContent xmlns:mc="http://schemas.openxmlformats.org/markup-compatibility/2006">
+          <mc:Choice xmlns:p14="http://schemas.microsoft.com/office/powerpoint/2010/main" Requires="p14">
+            <p:contentPart p14:bwMode="auto" r:id="rId112">
+              <p14:nvContentPartPr>
+                <p14:cNvPr id="68" name="Ink 67">
+                  <a:extLst>
+                    <a:ext uri="{FF2B5EF4-FFF2-40B4-BE49-F238E27FC236}">
+                      <a16:creationId xmlns:a16="http://schemas.microsoft.com/office/drawing/2014/main" id="{04455455-946F-5931-8DAE-2FA0323E6BB9}"/>
+                    </a:ext>
+                  </a:extLst>
+                </p14:cNvPr>
+                <p14:cNvContentPartPr/>
+                <p14:nvPr/>
+              </p14:nvContentPartPr>
+              <p14:xfrm>
+                <a:off x="4473783" y="321629"/>
+                <a:ext cx="383400" cy="746280"/>
+              </p14:xfrm>
+            </p:contentPart>
+          </mc:Choice>
+          <mc:Fallback>
+            <p:pic>
+              <p:nvPicPr>
+                <p:cNvPr id="68" name="Ink 67">
+                  <a:extLst>
+                    <a:ext uri="{FF2B5EF4-FFF2-40B4-BE49-F238E27FC236}">
+                      <a16:creationId xmlns:a16="http://schemas.microsoft.com/office/drawing/2014/main" id="{04455455-946F-5931-8DAE-2FA0323E6BB9}"/>
+                    </a:ext>
+                  </a:extLst>
+                </p:cNvPr>
+                <p:cNvPicPr/>
+                <p:nvPr/>
+              </p:nvPicPr>
+              <p:blipFill>
+                <a:blip r:embed="rId113"/>
+                <a:stretch>
+                  <a:fillRect/>
+                </a:stretch>
+              </p:blipFill>
+              <p:spPr>
+                <a:xfrm>
+                  <a:off x="4465143" y="312629"/>
+                  <a:ext cx="401040" cy="763920"/>
+                </a:xfrm>
+                <a:prstGeom prst="rect">
+                  <a:avLst/>
+                </a:prstGeom>
+              </p:spPr>
+            </p:pic>
+          </mc:Fallback>
+        </mc:AlternateContent>
+        <mc:AlternateContent xmlns:mc="http://schemas.openxmlformats.org/markup-compatibility/2006">
+          <mc:Choice xmlns:p14="http://schemas.microsoft.com/office/powerpoint/2010/main" Requires="p14">
+            <p:contentPart p14:bwMode="auto" r:id="rId114">
+              <p14:nvContentPartPr>
+                <p14:cNvPr id="69" name="Ink 68">
+                  <a:extLst>
+                    <a:ext uri="{FF2B5EF4-FFF2-40B4-BE49-F238E27FC236}">
+                      <a16:creationId xmlns:a16="http://schemas.microsoft.com/office/drawing/2014/main" id="{4D678FC1-9A4C-376F-78FE-FF29A243F43E}"/>
+                    </a:ext>
+                  </a:extLst>
+                </p14:cNvPr>
+                <p14:cNvContentPartPr/>
+                <p14:nvPr/>
+              </p14:nvContentPartPr>
+              <p14:xfrm>
+                <a:off x="4085343" y="417389"/>
+                <a:ext cx="648720" cy="400320"/>
+              </p14:xfrm>
+            </p:contentPart>
+          </mc:Choice>
+          <mc:Fallback>
+            <p:pic>
+              <p:nvPicPr>
+                <p:cNvPr id="69" name="Ink 68">
+                  <a:extLst>
+                    <a:ext uri="{FF2B5EF4-FFF2-40B4-BE49-F238E27FC236}">
+                      <a16:creationId xmlns:a16="http://schemas.microsoft.com/office/drawing/2014/main" id="{4D678FC1-9A4C-376F-78FE-FF29A243F43E}"/>
+                    </a:ext>
+                  </a:extLst>
+                </p:cNvPr>
+                <p:cNvPicPr/>
+                <p:nvPr/>
+              </p:nvPicPr>
+              <p:blipFill>
+                <a:blip r:embed="rId115"/>
+                <a:stretch>
+                  <a:fillRect/>
+                </a:stretch>
+              </p:blipFill>
+              <p:spPr>
+                <a:xfrm>
+                  <a:off x="4076703" y="408389"/>
+                  <a:ext cx="666360" cy="417960"/>
+                </a:xfrm>
+                <a:prstGeom prst="rect">
+                  <a:avLst/>
+                </a:prstGeom>
+              </p:spPr>
+            </p:pic>
+          </mc:Fallback>
+        </mc:AlternateContent>
+        <mc:AlternateContent xmlns:mc="http://schemas.openxmlformats.org/markup-compatibility/2006">
+          <mc:Choice xmlns:p14="http://schemas.microsoft.com/office/powerpoint/2010/main" Requires="p14">
+            <p:contentPart p14:bwMode="auto" r:id="rId116">
+              <p14:nvContentPartPr>
+                <p14:cNvPr id="70" name="Ink 69">
+                  <a:extLst>
+                    <a:ext uri="{FF2B5EF4-FFF2-40B4-BE49-F238E27FC236}">
+                      <a16:creationId xmlns:a16="http://schemas.microsoft.com/office/drawing/2014/main" id="{02F35826-CFD2-EB24-5C89-D2DA032C1F3D}"/>
+                    </a:ext>
+                  </a:extLst>
+                </p14:cNvPr>
+                <p14:cNvContentPartPr/>
+                <p14:nvPr/>
+              </p14:nvContentPartPr>
+              <p14:xfrm>
+                <a:off x="4112343" y="601349"/>
+                <a:ext cx="837720" cy="389160"/>
+              </p14:xfrm>
+            </p:contentPart>
+          </mc:Choice>
+          <mc:Fallback>
+            <p:pic>
+              <p:nvPicPr>
+                <p:cNvPr id="70" name="Ink 69">
+                  <a:extLst>
+                    <a:ext uri="{FF2B5EF4-FFF2-40B4-BE49-F238E27FC236}">
+                      <a16:creationId xmlns:a16="http://schemas.microsoft.com/office/drawing/2014/main" id="{02F35826-CFD2-EB24-5C89-D2DA032C1F3D}"/>
+                    </a:ext>
+                  </a:extLst>
+                </p:cNvPr>
+                <p:cNvPicPr/>
+                <p:nvPr/>
+              </p:nvPicPr>
+              <p:blipFill>
+                <a:blip r:embed="rId117"/>
+                <a:stretch>
+                  <a:fillRect/>
+                </a:stretch>
+              </p:blipFill>
+              <p:spPr>
+                <a:xfrm>
+                  <a:off x="4103343" y="592709"/>
+                  <a:ext cx="855360" cy="406800"/>
+                </a:xfrm>
+                <a:prstGeom prst="rect">
+                  <a:avLst/>
+                </a:prstGeom>
+              </p:spPr>
+            </p:pic>
+          </mc:Fallback>
+        </mc:AlternateContent>
+        <mc:AlternateContent xmlns:mc="http://schemas.openxmlformats.org/markup-compatibility/2006">
+          <mc:Choice xmlns:p14="http://schemas.microsoft.com/office/powerpoint/2010/main" Requires="p14">
+            <p:contentPart p14:bwMode="auto" r:id="rId118">
+              <p14:nvContentPartPr>
+                <p14:cNvPr id="71" name="Ink 70">
+                  <a:extLst>
+                    <a:ext uri="{FF2B5EF4-FFF2-40B4-BE49-F238E27FC236}">
+                      <a16:creationId xmlns:a16="http://schemas.microsoft.com/office/drawing/2014/main" id="{01A41B8E-649D-A0C9-ACA6-6B54EB309C09}"/>
+                    </a:ext>
+                  </a:extLst>
+                </p14:cNvPr>
+                <p14:cNvContentPartPr/>
+                <p14:nvPr/>
+              </p14:nvContentPartPr>
+              <p14:xfrm>
+                <a:off x="2977983" y="282749"/>
+                <a:ext cx="2489760" cy="1068480"/>
+              </p14:xfrm>
+            </p:contentPart>
+          </mc:Choice>
+          <mc:Fallback>
+            <p:pic>
+              <p:nvPicPr>
+                <p:cNvPr id="71" name="Ink 70">
+                  <a:extLst>
+                    <a:ext uri="{FF2B5EF4-FFF2-40B4-BE49-F238E27FC236}">
+                      <a16:creationId xmlns:a16="http://schemas.microsoft.com/office/drawing/2014/main" id="{01A41B8E-649D-A0C9-ACA6-6B54EB309C09}"/>
+                    </a:ext>
+                  </a:extLst>
+                </p:cNvPr>
+                <p:cNvPicPr/>
+                <p:nvPr/>
+              </p:nvPicPr>
+              <p:blipFill>
+                <a:blip r:embed="rId119"/>
+                <a:stretch>
+                  <a:fillRect/>
+                </a:stretch>
+              </p:blipFill>
+              <p:spPr>
+                <a:xfrm>
+                  <a:off x="2969343" y="274109"/>
+                  <a:ext cx="2507400" cy="1086120"/>
+                </a:xfrm>
+                <a:prstGeom prst="rect">
+                  <a:avLst/>
+                </a:prstGeom>
+              </p:spPr>
+            </p:pic>
+          </mc:Fallback>
+        </mc:AlternateContent>
+        <mc:AlternateContent xmlns:mc="http://schemas.openxmlformats.org/markup-compatibility/2006">
+          <mc:Choice xmlns:p14="http://schemas.microsoft.com/office/powerpoint/2010/main" Requires="p14">
+            <p:contentPart p14:bwMode="auto" r:id="rId120">
+              <p14:nvContentPartPr>
+                <p14:cNvPr id="73" name="Ink 72">
+                  <a:extLst>
+                    <a:ext uri="{FF2B5EF4-FFF2-40B4-BE49-F238E27FC236}">
+                      <a16:creationId xmlns:a16="http://schemas.microsoft.com/office/drawing/2014/main" id="{99B26BE7-AF00-6694-16AB-C9665D7897E4}"/>
+                    </a:ext>
+                  </a:extLst>
+                </p14:cNvPr>
+                <p14:cNvContentPartPr/>
+                <p14:nvPr/>
+              </p14:nvContentPartPr>
+              <p14:xfrm>
+                <a:off x="3919743" y="1631669"/>
+                <a:ext cx="376200" cy="226440"/>
+              </p14:xfrm>
+            </p:contentPart>
+          </mc:Choice>
+          <mc:Fallback>
+            <p:pic>
+              <p:nvPicPr>
+                <p:cNvPr id="73" name="Ink 72">
+                  <a:extLst>
+                    <a:ext uri="{FF2B5EF4-FFF2-40B4-BE49-F238E27FC236}">
+                      <a16:creationId xmlns:a16="http://schemas.microsoft.com/office/drawing/2014/main" id="{99B26BE7-AF00-6694-16AB-C9665D7897E4}"/>
+                    </a:ext>
+                  </a:extLst>
+                </p:cNvPr>
+                <p:cNvPicPr/>
+                <p:nvPr/>
+              </p:nvPicPr>
+              <p:blipFill>
+                <a:blip r:embed="rId121"/>
+                <a:stretch>
+                  <a:fillRect/>
+                </a:stretch>
+              </p:blipFill>
+              <p:spPr>
+                <a:xfrm>
+                  <a:off x="3911103" y="1622669"/>
+                  <a:ext cx="393840" cy="244080"/>
+                </a:xfrm>
+                <a:prstGeom prst="rect">
+                  <a:avLst/>
+                </a:prstGeom>
+              </p:spPr>
+            </p:pic>
+          </mc:Fallback>
+        </mc:AlternateContent>
+        <mc:AlternateContent xmlns:mc="http://schemas.openxmlformats.org/markup-compatibility/2006">
+          <mc:Choice xmlns:p14="http://schemas.microsoft.com/office/powerpoint/2010/main" Requires="p14">
+            <p:contentPart p14:bwMode="auto" r:id="rId122">
+              <p14:nvContentPartPr>
+                <p14:cNvPr id="75" name="Ink 74">
+                  <a:extLst>
+                    <a:ext uri="{FF2B5EF4-FFF2-40B4-BE49-F238E27FC236}">
+                      <a16:creationId xmlns:a16="http://schemas.microsoft.com/office/drawing/2014/main" id="{F1AD2F86-81D2-5D74-34A9-13875C491387}"/>
+                    </a:ext>
+                  </a:extLst>
+                </p14:cNvPr>
+                <p14:cNvContentPartPr/>
+                <p14:nvPr/>
+              </p14:nvContentPartPr>
+              <p14:xfrm>
+                <a:off x="4319343" y="3078869"/>
+                <a:ext cx="403920" cy="228600"/>
+              </p14:xfrm>
+            </p:contentPart>
+          </mc:Choice>
+          <mc:Fallback>
+            <p:pic>
+              <p:nvPicPr>
+                <p:cNvPr id="75" name="Ink 74">
+                  <a:extLst>
+                    <a:ext uri="{FF2B5EF4-FFF2-40B4-BE49-F238E27FC236}">
+                      <a16:creationId xmlns:a16="http://schemas.microsoft.com/office/drawing/2014/main" id="{F1AD2F86-81D2-5D74-34A9-13875C491387}"/>
+                    </a:ext>
+                  </a:extLst>
+                </p:cNvPr>
+                <p:cNvPicPr/>
+                <p:nvPr/>
+              </p:nvPicPr>
+              <p:blipFill>
+                <a:blip r:embed="rId123"/>
+                <a:stretch>
+                  <a:fillRect/>
+                </a:stretch>
+              </p:blipFill>
+              <p:spPr>
+                <a:xfrm>
+                  <a:off x="4310703" y="3069869"/>
+                  <a:ext cx="421560" cy="246240"/>
+                </a:xfrm>
+                <a:prstGeom prst="rect">
+                  <a:avLst/>
+                </a:prstGeom>
+              </p:spPr>
+            </p:pic>
+          </mc:Fallback>
+        </mc:AlternateContent>
+        <mc:AlternateContent xmlns:mc="http://schemas.openxmlformats.org/markup-compatibility/2006">
+          <mc:Choice xmlns:p14="http://schemas.microsoft.com/office/powerpoint/2010/main" Requires="p14">
+            <p:contentPart p14:bwMode="auto" r:id="rId124">
+              <p14:nvContentPartPr>
+                <p14:cNvPr id="77" name="Ink 76">
+                  <a:extLst>
+                    <a:ext uri="{FF2B5EF4-FFF2-40B4-BE49-F238E27FC236}">
+                      <a16:creationId xmlns:a16="http://schemas.microsoft.com/office/drawing/2014/main" id="{90D5B369-5A17-75FD-D7B4-B3E38A012C16}"/>
+                    </a:ext>
+                  </a:extLst>
+                </p14:cNvPr>
+                <p14:cNvContentPartPr/>
+                <p14:nvPr/>
+              </p14:nvContentPartPr>
+              <p14:xfrm>
+                <a:off x="4281183" y="4359749"/>
+                <a:ext cx="461160" cy="203400"/>
+              </p14:xfrm>
+            </p:contentPart>
+          </mc:Choice>
+          <mc:Fallback>
+            <p:pic>
+              <p:nvPicPr>
+                <p:cNvPr id="77" name="Ink 76">
+                  <a:extLst>
+                    <a:ext uri="{FF2B5EF4-FFF2-40B4-BE49-F238E27FC236}">
+                      <a16:creationId xmlns:a16="http://schemas.microsoft.com/office/drawing/2014/main" id="{90D5B369-5A17-75FD-D7B4-B3E38A012C16}"/>
+                    </a:ext>
+                  </a:extLst>
+                </p:cNvPr>
+                <p:cNvPicPr/>
+                <p:nvPr/>
+              </p:nvPicPr>
+              <p:blipFill>
+                <a:blip r:embed="rId125"/>
+                <a:stretch>
+                  <a:fillRect/>
+                </a:stretch>
+              </p:blipFill>
+              <p:spPr>
+                <a:xfrm>
+                  <a:off x="4272183" y="4350749"/>
+                  <a:ext cx="478800" cy="221040"/>
+                </a:xfrm>
+                <a:prstGeom prst="rect">
+                  <a:avLst/>
+                </a:prstGeom>
+              </p:spPr>
+            </p:pic>
+          </mc:Fallback>
+        </mc:AlternateContent>
+        <mc:AlternateContent xmlns:mc="http://schemas.openxmlformats.org/markup-compatibility/2006">
+          <mc:Choice xmlns:p14="http://schemas.microsoft.com/office/powerpoint/2010/main" Requires="p14">
+            <p:contentPart p14:bwMode="auto" r:id="rId126">
+              <p14:nvContentPartPr>
+                <p14:cNvPr id="79" name="Ink 78">
+                  <a:extLst>
+                    <a:ext uri="{FF2B5EF4-FFF2-40B4-BE49-F238E27FC236}">
+                      <a16:creationId xmlns:a16="http://schemas.microsoft.com/office/drawing/2014/main" id="{73E3631A-884E-2AD5-524A-2ED029C70B71}"/>
+                    </a:ext>
+                  </a:extLst>
+                </p14:cNvPr>
+                <p14:cNvContentPartPr/>
+                <p14:nvPr/>
+              </p14:nvContentPartPr>
+              <p14:xfrm>
+                <a:off x="4408263" y="5423549"/>
+                <a:ext cx="512640" cy="241200"/>
+              </p14:xfrm>
+            </p:contentPart>
+          </mc:Choice>
+          <mc:Fallback>
+            <p:pic>
+              <p:nvPicPr>
+                <p:cNvPr id="79" name="Ink 78">
+                  <a:extLst>
+                    <a:ext uri="{FF2B5EF4-FFF2-40B4-BE49-F238E27FC236}">
+                      <a16:creationId xmlns:a16="http://schemas.microsoft.com/office/drawing/2014/main" id="{73E3631A-884E-2AD5-524A-2ED029C70B71}"/>
+                    </a:ext>
+                  </a:extLst>
+                </p:cNvPr>
+                <p:cNvPicPr/>
+                <p:nvPr/>
+              </p:nvPicPr>
+              <p:blipFill>
+                <a:blip r:embed="rId127"/>
+                <a:stretch>
+                  <a:fillRect/>
+                </a:stretch>
+              </p:blipFill>
+              <p:spPr>
+                <a:xfrm>
+                  <a:off x="4399623" y="5414549"/>
+                  <a:ext cx="530280" cy="258840"/>
+                </a:xfrm>
+                <a:prstGeom prst="rect">
+                  <a:avLst/>
+                </a:prstGeom>
+              </p:spPr>
+            </p:pic>
+          </mc:Fallback>
+        </mc:AlternateContent>
+      </p:grpSp>
+      <p:grpSp>
+        <p:nvGrpSpPr>
+          <p:cNvPr id="90" name="Group 89">
+            <a:extLst>
+              <a:ext uri="{FF2B5EF4-FFF2-40B4-BE49-F238E27FC236}">
+                <a16:creationId xmlns:a16="http://schemas.microsoft.com/office/drawing/2014/main" id="{795AD155-D6F9-5020-9CB6-05B1C8D33F74}"/>
+              </a:ext>
+            </a:extLst>
+          </p:cNvPr>
+          <p:cNvGrpSpPr/>
+          <p:nvPr/>
+        </p:nvGrpSpPr>
+        <p:grpSpPr>
+          <a:xfrm>
+            <a:off x="5874903" y="818429"/>
+            <a:ext cx="3379320" cy="2553840"/>
+            <a:chOff x="5874903" y="818429"/>
+            <a:chExt cx="3379320" cy="2553840"/>
+          </a:xfrm>
+        </p:grpSpPr>
+        <mc:AlternateContent xmlns:mc="http://schemas.openxmlformats.org/markup-compatibility/2006">
+          <mc:Choice xmlns:p14="http://schemas.microsoft.com/office/powerpoint/2010/main" Requires="p14">
+            <p:contentPart p14:bwMode="auto" r:id="rId128">
+              <p14:nvContentPartPr>
+                <p14:cNvPr id="81" name="Ink 80">
+                  <a:extLst>
+                    <a:ext uri="{FF2B5EF4-FFF2-40B4-BE49-F238E27FC236}">
+                      <a16:creationId xmlns:a16="http://schemas.microsoft.com/office/drawing/2014/main" id="{BE3A5B46-E543-3C5A-5500-D2DF21281484}"/>
+                    </a:ext>
+                  </a:extLst>
+                </p14:cNvPr>
+                <p14:cNvContentPartPr/>
+                <p14:nvPr/>
+              </p14:nvContentPartPr>
+              <p14:xfrm>
+                <a:off x="5874903" y="2440949"/>
+                <a:ext cx="1258920" cy="931320"/>
+              </p14:xfrm>
+            </p:contentPart>
+          </mc:Choice>
+          <mc:Fallback>
+            <p:pic>
+              <p:nvPicPr>
+                <p:cNvPr id="81" name="Ink 80">
+                  <a:extLst>
+                    <a:ext uri="{FF2B5EF4-FFF2-40B4-BE49-F238E27FC236}">
+                      <a16:creationId xmlns:a16="http://schemas.microsoft.com/office/drawing/2014/main" id="{BE3A5B46-E543-3C5A-5500-D2DF21281484}"/>
+                    </a:ext>
+                  </a:extLst>
+                </p:cNvPr>
+                <p:cNvPicPr/>
+                <p:nvPr/>
+              </p:nvPicPr>
+              <p:blipFill>
+                <a:blip r:embed="rId129"/>
+                <a:stretch>
+                  <a:fillRect/>
+                </a:stretch>
+              </p:blipFill>
+              <p:spPr>
+                <a:xfrm>
+                  <a:off x="5865903" y="2432309"/>
+                  <a:ext cx="1276560" cy="948960"/>
+                </a:xfrm>
+                <a:prstGeom prst="rect">
+                  <a:avLst/>
+                </a:prstGeom>
+              </p:spPr>
+            </p:pic>
+          </mc:Fallback>
+        </mc:AlternateContent>
+        <mc:AlternateContent xmlns:mc="http://schemas.openxmlformats.org/markup-compatibility/2006">
+          <mc:Choice xmlns:p14="http://schemas.microsoft.com/office/powerpoint/2010/main" Requires="p14">
+            <p:contentPart p14:bwMode="auto" r:id="rId130">
+              <p14:nvContentPartPr>
+                <p14:cNvPr id="82" name="Ink 81">
+                  <a:extLst>
+                    <a:ext uri="{FF2B5EF4-FFF2-40B4-BE49-F238E27FC236}">
+                      <a16:creationId xmlns:a16="http://schemas.microsoft.com/office/drawing/2014/main" id="{812A41B6-91EA-E381-888A-25E9BFCB4405}"/>
+                    </a:ext>
+                  </a:extLst>
+                </p14:cNvPr>
+                <p14:cNvContentPartPr/>
+                <p14:nvPr/>
+              </p14:nvContentPartPr>
+              <p14:xfrm>
+                <a:off x="6599943" y="1706549"/>
+                <a:ext cx="340200" cy="797040"/>
+              </p14:xfrm>
+            </p:contentPart>
+          </mc:Choice>
+          <mc:Fallback>
+            <p:pic>
+              <p:nvPicPr>
+                <p:cNvPr id="82" name="Ink 81">
+                  <a:extLst>
+                    <a:ext uri="{FF2B5EF4-FFF2-40B4-BE49-F238E27FC236}">
+                      <a16:creationId xmlns:a16="http://schemas.microsoft.com/office/drawing/2014/main" id="{812A41B6-91EA-E381-888A-25E9BFCB4405}"/>
+                    </a:ext>
+                  </a:extLst>
+                </p:cNvPr>
+                <p:cNvPicPr/>
+                <p:nvPr/>
+              </p:nvPicPr>
+              <p:blipFill>
+                <a:blip r:embed="rId131"/>
+                <a:stretch>
+                  <a:fillRect/>
+                </a:stretch>
+              </p:blipFill>
+              <p:spPr>
+                <a:xfrm>
+                  <a:off x="6591303" y="1697909"/>
+                  <a:ext cx="357840" cy="814680"/>
+                </a:xfrm>
+                <a:prstGeom prst="rect">
+                  <a:avLst/>
+                </a:prstGeom>
+              </p:spPr>
+            </p:pic>
+          </mc:Fallback>
+        </mc:AlternateContent>
+        <mc:AlternateContent xmlns:mc="http://schemas.openxmlformats.org/markup-compatibility/2006">
+          <mc:Choice xmlns:p14="http://schemas.microsoft.com/office/powerpoint/2010/main" Requires="p14">
+            <p:contentPart p14:bwMode="auto" r:id="rId132">
+              <p14:nvContentPartPr>
+                <p14:cNvPr id="83" name="Ink 82">
+                  <a:extLst>
+                    <a:ext uri="{FF2B5EF4-FFF2-40B4-BE49-F238E27FC236}">
+                      <a16:creationId xmlns:a16="http://schemas.microsoft.com/office/drawing/2014/main" id="{7CFCCF40-851B-6A84-4CFE-A5CBEDD294A4}"/>
+                    </a:ext>
+                  </a:extLst>
+                </p14:cNvPr>
+                <p14:cNvContentPartPr/>
+                <p14:nvPr/>
+              </p14:nvContentPartPr>
+              <p14:xfrm>
+                <a:off x="7035903" y="1697909"/>
+                <a:ext cx="309240" cy="768960"/>
+              </p14:xfrm>
+            </p:contentPart>
+          </mc:Choice>
+          <mc:Fallback>
+            <p:pic>
+              <p:nvPicPr>
+                <p:cNvPr id="83" name="Ink 82">
+                  <a:extLst>
+                    <a:ext uri="{FF2B5EF4-FFF2-40B4-BE49-F238E27FC236}">
+                      <a16:creationId xmlns:a16="http://schemas.microsoft.com/office/drawing/2014/main" id="{7CFCCF40-851B-6A84-4CFE-A5CBEDD294A4}"/>
+                    </a:ext>
+                  </a:extLst>
+                </p:cNvPr>
+                <p:cNvPicPr/>
+                <p:nvPr/>
+              </p:nvPicPr>
+              <p:blipFill>
+                <a:blip r:embed="rId133"/>
+                <a:stretch>
+                  <a:fillRect/>
+                </a:stretch>
+              </p:blipFill>
+              <p:spPr>
+                <a:xfrm>
+                  <a:off x="7026903" y="1688909"/>
+                  <a:ext cx="326880" cy="786600"/>
+                </a:xfrm>
+                <a:prstGeom prst="rect">
+                  <a:avLst/>
+                </a:prstGeom>
+              </p:spPr>
+            </p:pic>
+          </mc:Fallback>
+        </mc:AlternateContent>
+        <mc:AlternateContent xmlns:mc="http://schemas.openxmlformats.org/markup-compatibility/2006">
+          <mc:Choice xmlns:p14="http://schemas.microsoft.com/office/powerpoint/2010/main" Requires="p14">
+            <p:contentPart p14:bwMode="auto" r:id="rId134">
+              <p14:nvContentPartPr>
+                <p14:cNvPr id="84" name="Ink 83">
+                  <a:extLst>
+                    <a:ext uri="{FF2B5EF4-FFF2-40B4-BE49-F238E27FC236}">
+                      <a16:creationId xmlns:a16="http://schemas.microsoft.com/office/drawing/2014/main" id="{C37184A3-A5BA-A635-667B-2BA737DF91ED}"/>
+                    </a:ext>
+                  </a:extLst>
+                </p14:cNvPr>
+                <p14:cNvContentPartPr/>
+                <p14:nvPr/>
+              </p14:nvContentPartPr>
+              <p14:xfrm>
+                <a:off x="7037343" y="1810949"/>
+                <a:ext cx="178920" cy="291240"/>
+              </p14:xfrm>
+            </p:contentPart>
+          </mc:Choice>
+          <mc:Fallback>
+            <p:pic>
+              <p:nvPicPr>
+                <p:cNvPr id="84" name="Ink 83">
+                  <a:extLst>
+                    <a:ext uri="{FF2B5EF4-FFF2-40B4-BE49-F238E27FC236}">
+                      <a16:creationId xmlns:a16="http://schemas.microsoft.com/office/drawing/2014/main" id="{C37184A3-A5BA-A635-667B-2BA737DF91ED}"/>
+                    </a:ext>
+                  </a:extLst>
+                </p:cNvPr>
+                <p:cNvPicPr/>
+                <p:nvPr/>
+              </p:nvPicPr>
+              <p:blipFill>
+                <a:blip r:embed="rId135"/>
+                <a:stretch>
+                  <a:fillRect/>
+                </a:stretch>
+              </p:blipFill>
+              <p:spPr>
+                <a:xfrm>
+                  <a:off x="7028703" y="1802309"/>
+                  <a:ext cx="196560" cy="308880"/>
+                </a:xfrm>
+                <a:prstGeom prst="rect">
+                  <a:avLst/>
+                </a:prstGeom>
+              </p:spPr>
+            </p:pic>
+          </mc:Fallback>
+        </mc:AlternateContent>
+        <mc:AlternateContent xmlns:mc="http://schemas.openxmlformats.org/markup-compatibility/2006">
+          <mc:Choice xmlns:p14="http://schemas.microsoft.com/office/powerpoint/2010/main" Requires="p14">
+            <p:contentPart p14:bwMode="auto" r:id="rId136">
+              <p14:nvContentPartPr>
+                <p14:cNvPr id="85" name="Ink 84">
+                  <a:extLst>
+                    <a:ext uri="{FF2B5EF4-FFF2-40B4-BE49-F238E27FC236}">
+                      <a16:creationId xmlns:a16="http://schemas.microsoft.com/office/drawing/2014/main" id="{D1406799-0C78-07B3-6B94-EFDE8ED446D7}"/>
+                    </a:ext>
+                  </a:extLst>
+                </p14:cNvPr>
+                <p14:cNvContentPartPr/>
+                <p14:nvPr/>
+              </p14:nvContentPartPr>
+              <p14:xfrm>
+                <a:off x="7268823" y="1497389"/>
+                <a:ext cx="329040" cy="654480"/>
+              </p14:xfrm>
+            </p:contentPart>
+          </mc:Choice>
+          <mc:Fallback>
+            <p:pic>
+              <p:nvPicPr>
+                <p:cNvPr id="85" name="Ink 84">
+                  <a:extLst>
+                    <a:ext uri="{FF2B5EF4-FFF2-40B4-BE49-F238E27FC236}">
+                      <a16:creationId xmlns:a16="http://schemas.microsoft.com/office/drawing/2014/main" id="{D1406799-0C78-07B3-6B94-EFDE8ED446D7}"/>
+                    </a:ext>
+                  </a:extLst>
+                </p:cNvPr>
+                <p:cNvPicPr/>
+                <p:nvPr/>
+              </p:nvPicPr>
+              <p:blipFill>
+                <a:blip r:embed="rId137"/>
+                <a:stretch>
+                  <a:fillRect/>
+                </a:stretch>
+              </p:blipFill>
+              <p:spPr>
+                <a:xfrm>
+                  <a:off x="7259823" y="1488749"/>
+                  <a:ext cx="346680" cy="672120"/>
+                </a:xfrm>
+                <a:prstGeom prst="rect">
+                  <a:avLst/>
+                </a:prstGeom>
+              </p:spPr>
+            </p:pic>
+          </mc:Fallback>
+        </mc:AlternateContent>
+        <mc:AlternateContent xmlns:mc="http://schemas.openxmlformats.org/markup-compatibility/2006">
+          <mc:Choice xmlns:p14="http://schemas.microsoft.com/office/powerpoint/2010/main" Requires="p14">
+            <p:contentPart p14:bwMode="auto" r:id="rId138">
+              <p14:nvContentPartPr>
+                <p14:cNvPr id="86" name="Ink 85">
+                  <a:extLst>
+                    <a:ext uri="{FF2B5EF4-FFF2-40B4-BE49-F238E27FC236}">
+                      <a16:creationId xmlns:a16="http://schemas.microsoft.com/office/drawing/2014/main" id="{041319AE-BF41-969B-7A5C-AF4618232DF0}"/>
+                    </a:ext>
+                  </a:extLst>
+                </p14:cNvPr>
+                <p14:cNvContentPartPr/>
+                <p14:nvPr/>
+              </p14:nvContentPartPr>
+              <p14:xfrm>
+                <a:off x="7679583" y="1353029"/>
+                <a:ext cx="299520" cy="670680"/>
+              </p14:xfrm>
+            </p:contentPart>
+          </mc:Choice>
+          <mc:Fallback>
+            <p:pic>
+              <p:nvPicPr>
+                <p:cNvPr id="86" name="Ink 85">
+                  <a:extLst>
+                    <a:ext uri="{FF2B5EF4-FFF2-40B4-BE49-F238E27FC236}">
+                      <a16:creationId xmlns:a16="http://schemas.microsoft.com/office/drawing/2014/main" id="{041319AE-BF41-969B-7A5C-AF4618232DF0}"/>
+                    </a:ext>
+                  </a:extLst>
+                </p:cNvPr>
+                <p:cNvPicPr/>
+                <p:nvPr/>
+              </p:nvPicPr>
+              <p:blipFill>
+                <a:blip r:embed="rId139"/>
+                <a:stretch>
+                  <a:fillRect/>
+                </a:stretch>
+              </p:blipFill>
+              <p:spPr>
+                <a:xfrm>
+                  <a:off x="7670943" y="1344029"/>
+                  <a:ext cx="317160" cy="688320"/>
+                </a:xfrm>
+                <a:prstGeom prst="rect">
+                  <a:avLst/>
+                </a:prstGeom>
+              </p:spPr>
+            </p:pic>
+          </mc:Fallback>
+        </mc:AlternateContent>
+        <mc:AlternateContent xmlns:mc="http://schemas.openxmlformats.org/markup-compatibility/2006">
+          <mc:Choice xmlns:p14="http://schemas.microsoft.com/office/powerpoint/2010/main" Requires="p14">
+            <p:contentPart p14:bwMode="auto" r:id="rId140">
+              <p14:nvContentPartPr>
+                <p14:cNvPr id="87" name="Ink 86">
+                  <a:extLst>
+                    <a:ext uri="{FF2B5EF4-FFF2-40B4-BE49-F238E27FC236}">
+                      <a16:creationId xmlns:a16="http://schemas.microsoft.com/office/drawing/2014/main" id="{0AD580F1-962B-04E3-7353-34F2D260B753}"/>
+                    </a:ext>
+                  </a:extLst>
+                </p14:cNvPr>
+                <p14:cNvContentPartPr/>
+                <p14:nvPr/>
+              </p14:nvContentPartPr>
+              <p14:xfrm>
+                <a:off x="8125263" y="1754789"/>
+                <a:ext cx="203040" cy="301680"/>
+              </p14:xfrm>
+            </p:contentPart>
+          </mc:Choice>
+          <mc:Fallback>
+            <p:pic>
+              <p:nvPicPr>
+                <p:cNvPr id="87" name="Ink 86">
+                  <a:extLst>
+                    <a:ext uri="{FF2B5EF4-FFF2-40B4-BE49-F238E27FC236}">
+                      <a16:creationId xmlns:a16="http://schemas.microsoft.com/office/drawing/2014/main" id="{0AD580F1-962B-04E3-7353-34F2D260B753}"/>
+                    </a:ext>
+                  </a:extLst>
+                </p:cNvPr>
+                <p:cNvPicPr/>
+                <p:nvPr/>
+              </p:nvPicPr>
+              <p:blipFill>
+                <a:blip r:embed="rId141"/>
+                <a:stretch>
+                  <a:fillRect/>
+                </a:stretch>
+              </p:blipFill>
+              <p:spPr>
+                <a:xfrm>
+                  <a:off x="8116263" y="1746149"/>
+                  <a:ext cx="220680" cy="319320"/>
+                </a:xfrm>
+                <a:prstGeom prst="rect">
+                  <a:avLst/>
+                </a:prstGeom>
+              </p:spPr>
+            </p:pic>
+          </mc:Fallback>
+        </mc:AlternateContent>
+        <mc:AlternateContent xmlns:mc="http://schemas.openxmlformats.org/markup-compatibility/2006">
+          <mc:Choice xmlns:p14="http://schemas.microsoft.com/office/powerpoint/2010/main" Requires="p14">
+            <p:contentPart p14:bwMode="auto" r:id="rId142">
+              <p14:nvContentPartPr>
+                <p14:cNvPr id="88" name="Ink 87">
+                  <a:extLst>
+                    <a:ext uri="{FF2B5EF4-FFF2-40B4-BE49-F238E27FC236}">
+                      <a16:creationId xmlns:a16="http://schemas.microsoft.com/office/drawing/2014/main" id="{DBFEB98C-B687-A98F-41E0-08A19A0344A1}"/>
+                    </a:ext>
+                  </a:extLst>
+                </p14:cNvPr>
+                <p14:cNvContentPartPr/>
+                <p14:nvPr/>
+              </p14:nvContentPartPr>
+              <p14:xfrm>
+                <a:off x="8520903" y="1715189"/>
+                <a:ext cx="302040" cy="405000"/>
+              </p14:xfrm>
+            </p:contentPart>
+          </mc:Choice>
+          <mc:Fallback>
+            <p:pic>
+              <p:nvPicPr>
+                <p:cNvPr id="88" name="Ink 87">
+                  <a:extLst>
+                    <a:ext uri="{FF2B5EF4-FFF2-40B4-BE49-F238E27FC236}">
+                      <a16:creationId xmlns:a16="http://schemas.microsoft.com/office/drawing/2014/main" id="{DBFEB98C-B687-A98F-41E0-08A19A0344A1}"/>
+                    </a:ext>
+                  </a:extLst>
+                </p:cNvPr>
+                <p:cNvPicPr/>
+                <p:nvPr/>
+              </p:nvPicPr>
+              <p:blipFill>
+                <a:blip r:embed="rId143"/>
+                <a:stretch>
+                  <a:fillRect/>
+                </a:stretch>
+              </p:blipFill>
+              <p:spPr>
+                <a:xfrm>
+                  <a:off x="8512263" y="1706549"/>
+                  <a:ext cx="319680" cy="422640"/>
+                </a:xfrm>
+                <a:prstGeom prst="rect">
+                  <a:avLst/>
+                </a:prstGeom>
+              </p:spPr>
+            </p:pic>
+          </mc:Fallback>
+        </mc:AlternateContent>
+        <mc:AlternateContent xmlns:mc="http://schemas.openxmlformats.org/markup-compatibility/2006">
+          <mc:Choice xmlns:p14="http://schemas.microsoft.com/office/powerpoint/2010/main" Requires="p14">
+            <p:contentPart p14:bwMode="auto" r:id="rId144">
+              <p14:nvContentPartPr>
+                <p14:cNvPr id="89" name="Ink 88">
+                  <a:extLst>
+                    <a:ext uri="{FF2B5EF4-FFF2-40B4-BE49-F238E27FC236}">
+                      <a16:creationId xmlns:a16="http://schemas.microsoft.com/office/drawing/2014/main" id="{B14557FB-B2EF-EE00-8424-B74ABBCAEB95}"/>
+                    </a:ext>
+                  </a:extLst>
+                </p14:cNvPr>
+                <p14:cNvContentPartPr/>
+                <p14:nvPr/>
+              </p14:nvContentPartPr>
+              <p14:xfrm>
+                <a:off x="6147063" y="818429"/>
+                <a:ext cx="3107160" cy="2058840"/>
+              </p14:xfrm>
+            </p:contentPart>
+          </mc:Choice>
+          <mc:Fallback>
+            <p:pic>
+              <p:nvPicPr>
+                <p:cNvPr id="89" name="Ink 88">
+                  <a:extLst>
+                    <a:ext uri="{FF2B5EF4-FFF2-40B4-BE49-F238E27FC236}">
+                      <a16:creationId xmlns:a16="http://schemas.microsoft.com/office/drawing/2014/main" id="{B14557FB-B2EF-EE00-8424-B74ABBCAEB95}"/>
+                    </a:ext>
+                  </a:extLst>
+                </p:cNvPr>
+                <p:cNvPicPr/>
+                <p:nvPr/>
+              </p:nvPicPr>
+              <p:blipFill>
+                <a:blip r:embed="rId145"/>
+                <a:stretch>
+                  <a:fillRect/>
+                </a:stretch>
+              </p:blipFill>
+              <p:spPr>
+                <a:xfrm>
+                  <a:off x="6138063" y="809429"/>
+                  <a:ext cx="3124800" cy="2076480"/>
+                </a:xfrm>
+                <a:prstGeom prst="rect">
+                  <a:avLst/>
+                </a:prstGeom>
+              </p:spPr>
+            </p:pic>
+          </mc:Fallback>
+        </mc:AlternateContent>
+      </p:grpSp>
+      <mc:AlternateContent xmlns:mc="http://schemas.openxmlformats.org/markup-compatibility/2006">
+        <mc:Choice xmlns:p14="http://schemas.microsoft.com/office/powerpoint/2010/main" Requires="p14">
+          <p:contentPart p14:bwMode="auto" r:id="rId146">
+            <p14:nvContentPartPr>
+              <p14:cNvPr id="91" name="Ink 90">
+                <a:extLst>
+                  <a:ext uri="{FF2B5EF4-FFF2-40B4-BE49-F238E27FC236}">
+                    <a16:creationId xmlns:a16="http://schemas.microsoft.com/office/drawing/2014/main" id="{4D22F8DB-5840-5650-13EA-04D6F86628D7}"/>
+                  </a:ext>
+                </a:extLst>
+              </p14:cNvPr>
+              <p14:cNvContentPartPr/>
+              <p14:nvPr/>
+            </p14:nvContentPartPr>
+            <p14:xfrm>
+              <a:off x="5911530" y="3071461"/>
+              <a:ext cx="470880" cy="574560"/>
+            </p14:xfrm>
+          </p:contentPart>
+        </mc:Choice>
+        <mc:Fallback>
+          <p:pic>
+            <p:nvPicPr>
+              <p:cNvPr id="91" name="Ink 90">
+                <a:extLst>
+                  <a:ext uri="{FF2B5EF4-FFF2-40B4-BE49-F238E27FC236}">
+                    <a16:creationId xmlns:a16="http://schemas.microsoft.com/office/drawing/2014/main" id="{4D22F8DB-5840-5650-13EA-04D6F86628D7}"/>
+                  </a:ext>
+                </a:extLst>
+              </p:cNvPr>
+              <p:cNvPicPr/>
+              <p:nvPr/>
+            </p:nvPicPr>
+            <p:blipFill>
+              <a:blip r:embed="rId147"/>
+              <a:stretch>
+                <a:fillRect/>
+              </a:stretch>
+            </p:blipFill>
+            <p:spPr>
+              <a:xfrm>
+                <a:off x="5902530" y="3062461"/>
+                <a:ext cx="488520" cy="592200"/>
+              </a:xfrm>
+              <a:prstGeom prst="rect">
+                <a:avLst/>
+              </a:prstGeom>
+            </p:spPr>
+          </p:pic>
+        </mc:Fallback>
+      </mc:AlternateContent>
+    </p:spTree>
+    <p:extLst>
+      <p:ext uri="{BB962C8B-B14F-4D97-AF65-F5344CB8AC3E}">
+        <p14:creationId xmlns:p14="http://schemas.microsoft.com/office/powerpoint/2010/main" val="1955128963"/>
+      </p:ext>
+    </p:extLst>
+  </p:cSld>
+  <p:clrMapOvr>
+    <a:masterClrMapping/>
+  </p:clrMapOvr>
+</p:sld>
+</file>
+
 <file path=ppt/theme/theme1.xml><?xml version="1.0" encoding="utf-8"?>
 <a:theme xmlns:a="http://schemas.openxmlformats.org/drawingml/2006/main" name="Office Theme">
   <a:themeElements>

--- a/Marks Drawings.pptx
+++ b/Marks Drawings.pptx
@@ -8,6 +8,7 @@
     <p:sldId id="256" r:id="rId2"/>
     <p:sldId id="257" r:id="rId3"/>
     <p:sldId id="258" r:id="rId4"/>
+    <p:sldId id="259" r:id="rId5"/>
   </p:sldIdLst>
   <p:sldSz cx="12192000" cy="6858000"/>
   <p:notesSz cx="6858000" cy="9144000"/>
@@ -2308,7 +2309,7 @@
           <a:p>
             <a:fld id="{8415B7D3-8679-45B1-95C7-B5CD651E1E0B}" type="datetimeFigureOut">
               <a:rPr lang="en-US" smtClean="0"/>
-              <a:t>7/20/2022</a:t>
+              <a:t>7/25/2022</a:t>
             </a:fld>
             <a:endParaRPr lang="en-US"/>
           </a:p>
@@ -2506,7 +2507,7 @@
           <a:p>
             <a:fld id="{8415B7D3-8679-45B1-95C7-B5CD651E1E0B}" type="datetimeFigureOut">
               <a:rPr lang="en-US" smtClean="0"/>
-              <a:t>7/20/2022</a:t>
+              <a:t>7/25/2022</a:t>
             </a:fld>
             <a:endParaRPr lang="en-US"/>
           </a:p>
@@ -2714,7 +2715,7 @@
           <a:p>
             <a:fld id="{8415B7D3-8679-45B1-95C7-B5CD651E1E0B}" type="datetimeFigureOut">
               <a:rPr lang="en-US" smtClean="0"/>
-              <a:t>7/20/2022</a:t>
+              <a:t>7/25/2022</a:t>
             </a:fld>
             <a:endParaRPr lang="en-US"/>
           </a:p>
@@ -2912,7 +2913,7 @@
           <a:p>
             <a:fld id="{8415B7D3-8679-45B1-95C7-B5CD651E1E0B}" type="datetimeFigureOut">
               <a:rPr lang="en-US" smtClean="0"/>
-              <a:t>7/20/2022</a:t>
+              <a:t>7/25/2022</a:t>
             </a:fld>
             <a:endParaRPr lang="en-US"/>
           </a:p>
@@ -3187,7 +3188,7 @@
           <a:p>
             <a:fld id="{8415B7D3-8679-45B1-95C7-B5CD651E1E0B}" type="datetimeFigureOut">
               <a:rPr lang="en-US" smtClean="0"/>
-              <a:t>7/20/2022</a:t>
+              <a:t>7/25/2022</a:t>
             </a:fld>
             <a:endParaRPr lang="en-US"/>
           </a:p>
@@ -3452,7 +3453,7 @@
           <a:p>
             <a:fld id="{8415B7D3-8679-45B1-95C7-B5CD651E1E0B}" type="datetimeFigureOut">
               <a:rPr lang="en-US" smtClean="0"/>
-              <a:t>7/20/2022</a:t>
+              <a:t>7/25/2022</a:t>
             </a:fld>
             <a:endParaRPr lang="en-US"/>
           </a:p>
@@ -3864,7 +3865,7 @@
           <a:p>
             <a:fld id="{8415B7D3-8679-45B1-95C7-B5CD651E1E0B}" type="datetimeFigureOut">
               <a:rPr lang="en-US" smtClean="0"/>
-              <a:t>7/20/2022</a:t>
+              <a:t>7/25/2022</a:t>
             </a:fld>
             <a:endParaRPr lang="en-US"/>
           </a:p>
@@ -4005,7 +4006,7 @@
           <a:p>
             <a:fld id="{8415B7D3-8679-45B1-95C7-B5CD651E1E0B}" type="datetimeFigureOut">
               <a:rPr lang="en-US" smtClean="0"/>
-              <a:t>7/20/2022</a:t>
+              <a:t>7/25/2022</a:t>
             </a:fld>
             <a:endParaRPr lang="en-US"/>
           </a:p>
@@ -4118,7 +4119,7 @@
           <a:p>
             <a:fld id="{8415B7D3-8679-45B1-95C7-B5CD651E1E0B}" type="datetimeFigureOut">
               <a:rPr lang="en-US" smtClean="0"/>
-              <a:t>7/20/2022</a:t>
+              <a:t>7/25/2022</a:t>
             </a:fld>
             <a:endParaRPr lang="en-US"/>
           </a:p>
@@ -4429,7 +4430,7 @@
           <a:p>
             <a:fld id="{8415B7D3-8679-45B1-95C7-B5CD651E1E0B}" type="datetimeFigureOut">
               <a:rPr lang="en-US" smtClean="0"/>
-              <a:t>7/20/2022</a:t>
+              <a:t>7/25/2022</a:t>
             </a:fld>
             <a:endParaRPr lang="en-US"/>
           </a:p>
@@ -4717,7 +4718,7 @@
           <a:p>
             <a:fld id="{8415B7D3-8679-45B1-95C7-B5CD651E1E0B}" type="datetimeFigureOut">
               <a:rPr lang="en-US" smtClean="0"/>
-              <a:t>7/20/2022</a:t>
+              <a:t>7/25/2022</a:t>
             </a:fld>
             <a:endParaRPr lang="en-US"/>
           </a:p>
@@ -4958,7 +4959,7 @@
           <a:p>
             <a:fld id="{8415B7D3-8679-45B1-95C7-B5CD651E1E0B}" type="datetimeFigureOut">
               <a:rPr lang="en-US" smtClean="0"/>
-              <a:t>7/20/2022</a:t>
+              <a:t>7/25/2022</a:t>
             </a:fld>
             <a:endParaRPr lang="en-US"/>
           </a:p>
@@ -5907,8 +5908,8 @@
             <a:chExt cx="8988840" cy="6324120"/>
           </a:xfrm>
         </p:grpSpPr>
-        <mc:AlternateContent xmlns:mc="http://schemas.openxmlformats.org/markup-compatibility/2006">
-          <mc:Choice xmlns:p14="http://schemas.microsoft.com/office/powerpoint/2010/main" Requires="p14">
+        <mc:AlternateContent xmlns:mc="http://schemas.openxmlformats.org/markup-compatibility/2006" xmlns:p14="http://schemas.microsoft.com/office/powerpoint/2010/main">
+          <mc:Choice Requires="p14">
             <p:contentPart p14:bwMode="auto" r:id="rId2">
               <p14:nvContentPartPr>
                 <p14:cNvPr id="4" name="Ink 3">
@@ -5927,7 +5928,7 @@
               </p14:xfrm>
             </p:contentPart>
           </mc:Choice>
-          <mc:Fallback>
+          <mc:Fallback xmlns="">
             <p:pic>
               <p:nvPicPr>
                 <p:cNvPr id="4" name="Ink 3">
@@ -5958,8 +5959,8 @@
             </p:pic>
           </mc:Fallback>
         </mc:AlternateContent>
-        <mc:AlternateContent xmlns:mc="http://schemas.openxmlformats.org/markup-compatibility/2006">
-          <mc:Choice xmlns:p14="http://schemas.microsoft.com/office/powerpoint/2010/main" Requires="p14">
+        <mc:AlternateContent xmlns:mc="http://schemas.openxmlformats.org/markup-compatibility/2006" xmlns:p14="http://schemas.microsoft.com/office/powerpoint/2010/main">
+          <mc:Choice Requires="p14">
             <p:contentPart p14:bwMode="auto" r:id="rId4">
               <p14:nvContentPartPr>
                 <p14:cNvPr id="5" name="Ink 4">
@@ -5978,7 +5979,7 @@
               </p14:xfrm>
             </p:contentPart>
           </mc:Choice>
-          <mc:Fallback>
+          <mc:Fallback xmlns="">
             <p:pic>
               <p:nvPicPr>
                 <p:cNvPr id="5" name="Ink 4">
@@ -6009,8 +6010,8 @@
             </p:pic>
           </mc:Fallback>
         </mc:AlternateContent>
-        <mc:AlternateContent xmlns:mc="http://schemas.openxmlformats.org/markup-compatibility/2006">
-          <mc:Choice xmlns:p14="http://schemas.microsoft.com/office/powerpoint/2010/main" Requires="p14">
+        <mc:AlternateContent xmlns:mc="http://schemas.openxmlformats.org/markup-compatibility/2006" xmlns:p14="http://schemas.microsoft.com/office/powerpoint/2010/main">
+          <mc:Choice Requires="p14">
             <p:contentPart p14:bwMode="auto" r:id="rId6">
               <p14:nvContentPartPr>
                 <p14:cNvPr id="6" name="Ink 5">
@@ -6029,7 +6030,7 @@
               </p14:xfrm>
             </p:contentPart>
           </mc:Choice>
-          <mc:Fallback>
+          <mc:Fallback xmlns="">
             <p:pic>
               <p:nvPicPr>
                 <p:cNvPr id="6" name="Ink 5">
@@ -6060,8 +6061,8 @@
             </p:pic>
           </mc:Fallback>
         </mc:AlternateContent>
-        <mc:AlternateContent xmlns:mc="http://schemas.openxmlformats.org/markup-compatibility/2006">
-          <mc:Choice xmlns:p14="http://schemas.microsoft.com/office/powerpoint/2010/main" Requires="p14">
+        <mc:AlternateContent xmlns:mc="http://schemas.openxmlformats.org/markup-compatibility/2006" xmlns:p14="http://schemas.microsoft.com/office/powerpoint/2010/main">
+          <mc:Choice Requires="p14">
             <p:contentPart p14:bwMode="auto" r:id="rId8">
               <p14:nvContentPartPr>
                 <p14:cNvPr id="7" name="Ink 6">
@@ -6080,7 +6081,7 @@
               </p14:xfrm>
             </p:contentPart>
           </mc:Choice>
-          <mc:Fallback>
+          <mc:Fallback xmlns="">
             <p:pic>
               <p:nvPicPr>
                 <p:cNvPr id="7" name="Ink 6">
@@ -6111,8 +6112,8 @@
             </p:pic>
           </mc:Fallback>
         </mc:AlternateContent>
-        <mc:AlternateContent xmlns:mc="http://schemas.openxmlformats.org/markup-compatibility/2006">
-          <mc:Choice xmlns:p14="http://schemas.microsoft.com/office/powerpoint/2010/main" Requires="p14">
+        <mc:AlternateContent xmlns:mc="http://schemas.openxmlformats.org/markup-compatibility/2006" xmlns:p14="http://schemas.microsoft.com/office/powerpoint/2010/main">
+          <mc:Choice Requires="p14">
             <p:contentPart p14:bwMode="auto" r:id="rId10">
               <p14:nvContentPartPr>
                 <p14:cNvPr id="8" name="Ink 7">
@@ -6131,7 +6132,7 @@
               </p14:xfrm>
             </p:contentPart>
           </mc:Choice>
-          <mc:Fallback>
+          <mc:Fallback xmlns="">
             <p:pic>
               <p:nvPicPr>
                 <p:cNvPr id="8" name="Ink 7">
@@ -6162,8 +6163,8 @@
             </p:pic>
           </mc:Fallback>
         </mc:AlternateContent>
-        <mc:AlternateContent xmlns:mc="http://schemas.openxmlformats.org/markup-compatibility/2006">
-          <mc:Choice xmlns:p14="http://schemas.microsoft.com/office/powerpoint/2010/main" Requires="p14">
+        <mc:AlternateContent xmlns:mc="http://schemas.openxmlformats.org/markup-compatibility/2006" xmlns:p14="http://schemas.microsoft.com/office/powerpoint/2010/main">
+          <mc:Choice Requires="p14">
             <p:contentPart p14:bwMode="auto" r:id="rId12">
               <p14:nvContentPartPr>
                 <p14:cNvPr id="9" name="Ink 8">
@@ -6182,7 +6183,7 @@
               </p14:xfrm>
             </p:contentPart>
           </mc:Choice>
-          <mc:Fallback>
+          <mc:Fallback xmlns="">
             <p:pic>
               <p:nvPicPr>
                 <p:cNvPr id="9" name="Ink 8">
@@ -6213,8 +6214,8 @@
             </p:pic>
           </mc:Fallback>
         </mc:AlternateContent>
-        <mc:AlternateContent xmlns:mc="http://schemas.openxmlformats.org/markup-compatibility/2006">
-          <mc:Choice xmlns:p14="http://schemas.microsoft.com/office/powerpoint/2010/main" Requires="p14">
+        <mc:AlternateContent xmlns:mc="http://schemas.openxmlformats.org/markup-compatibility/2006" xmlns:p14="http://schemas.microsoft.com/office/powerpoint/2010/main">
+          <mc:Choice Requires="p14">
             <p:contentPart p14:bwMode="auto" r:id="rId14">
               <p14:nvContentPartPr>
                 <p14:cNvPr id="10" name="Ink 9">
@@ -6233,7 +6234,7 @@
               </p14:xfrm>
             </p:contentPart>
           </mc:Choice>
-          <mc:Fallback>
+          <mc:Fallback xmlns="">
             <p:pic>
               <p:nvPicPr>
                 <p:cNvPr id="10" name="Ink 9">
@@ -6264,8 +6265,8 @@
             </p:pic>
           </mc:Fallback>
         </mc:AlternateContent>
-        <mc:AlternateContent xmlns:mc="http://schemas.openxmlformats.org/markup-compatibility/2006">
-          <mc:Choice xmlns:p14="http://schemas.microsoft.com/office/powerpoint/2010/main" Requires="p14">
+        <mc:AlternateContent xmlns:mc="http://schemas.openxmlformats.org/markup-compatibility/2006" xmlns:p14="http://schemas.microsoft.com/office/powerpoint/2010/main">
+          <mc:Choice Requires="p14">
             <p:contentPart p14:bwMode="auto" r:id="rId16">
               <p14:nvContentPartPr>
                 <p14:cNvPr id="11" name="Ink 10">
@@ -6284,7 +6285,7 @@
               </p14:xfrm>
             </p:contentPart>
           </mc:Choice>
-          <mc:Fallback>
+          <mc:Fallback xmlns="">
             <p:pic>
               <p:nvPicPr>
                 <p:cNvPr id="11" name="Ink 10">
@@ -6315,8 +6316,8 @@
             </p:pic>
           </mc:Fallback>
         </mc:AlternateContent>
-        <mc:AlternateContent xmlns:mc="http://schemas.openxmlformats.org/markup-compatibility/2006">
-          <mc:Choice xmlns:p14="http://schemas.microsoft.com/office/powerpoint/2010/main" Requires="p14">
+        <mc:AlternateContent xmlns:mc="http://schemas.openxmlformats.org/markup-compatibility/2006" xmlns:p14="http://schemas.microsoft.com/office/powerpoint/2010/main">
+          <mc:Choice Requires="p14">
             <p:contentPart p14:bwMode="auto" r:id="rId18">
               <p14:nvContentPartPr>
                 <p14:cNvPr id="12" name="Ink 11">
@@ -6335,7 +6336,7 @@
               </p14:xfrm>
             </p:contentPart>
           </mc:Choice>
-          <mc:Fallback>
+          <mc:Fallback xmlns="">
             <p:pic>
               <p:nvPicPr>
                 <p:cNvPr id="12" name="Ink 11">
@@ -6366,8 +6367,8 @@
             </p:pic>
           </mc:Fallback>
         </mc:AlternateContent>
-        <mc:AlternateContent xmlns:mc="http://schemas.openxmlformats.org/markup-compatibility/2006">
-          <mc:Choice xmlns:p14="http://schemas.microsoft.com/office/powerpoint/2010/main" Requires="p14">
+        <mc:AlternateContent xmlns:mc="http://schemas.openxmlformats.org/markup-compatibility/2006" xmlns:p14="http://schemas.microsoft.com/office/powerpoint/2010/main">
+          <mc:Choice Requires="p14">
             <p:contentPart p14:bwMode="auto" r:id="rId20">
               <p14:nvContentPartPr>
                 <p14:cNvPr id="13" name="Ink 12">
@@ -6386,7 +6387,7 @@
               </p14:xfrm>
             </p:contentPart>
           </mc:Choice>
-          <mc:Fallback>
+          <mc:Fallback xmlns="">
             <p:pic>
               <p:nvPicPr>
                 <p:cNvPr id="13" name="Ink 12">
@@ -6417,8 +6418,8 @@
             </p:pic>
           </mc:Fallback>
         </mc:AlternateContent>
-        <mc:AlternateContent xmlns:mc="http://schemas.openxmlformats.org/markup-compatibility/2006">
-          <mc:Choice xmlns:p14="http://schemas.microsoft.com/office/powerpoint/2010/main" Requires="p14">
+        <mc:AlternateContent xmlns:mc="http://schemas.openxmlformats.org/markup-compatibility/2006" xmlns:p14="http://schemas.microsoft.com/office/powerpoint/2010/main">
+          <mc:Choice Requires="p14">
             <p:contentPart p14:bwMode="auto" r:id="rId22">
               <p14:nvContentPartPr>
                 <p14:cNvPr id="14" name="Ink 13">
@@ -6437,7 +6438,7 @@
               </p14:xfrm>
             </p:contentPart>
           </mc:Choice>
-          <mc:Fallback>
+          <mc:Fallback xmlns="">
             <p:pic>
               <p:nvPicPr>
                 <p:cNvPr id="14" name="Ink 13">
@@ -6468,8 +6469,8 @@
             </p:pic>
           </mc:Fallback>
         </mc:AlternateContent>
-        <mc:AlternateContent xmlns:mc="http://schemas.openxmlformats.org/markup-compatibility/2006">
-          <mc:Choice xmlns:p14="http://schemas.microsoft.com/office/powerpoint/2010/main" Requires="p14">
+        <mc:AlternateContent xmlns:mc="http://schemas.openxmlformats.org/markup-compatibility/2006" xmlns:p14="http://schemas.microsoft.com/office/powerpoint/2010/main">
+          <mc:Choice Requires="p14">
             <p:contentPart p14:bwMode="auto" r:id="rId24">
               <p14:nvContentPartPr>
                 <p14:cNvPr id="15" name="Ink 14">
@@ -6488,7 +6489,7 @@
               </p14:xfrm>
             </p:contentPart>
           </mc:Choice>
-          <mc:Fallback>
+          <mc:Fallback xmlns="">
             <p:pic>
               <p:nvPicPr>
                 <p:cNvPr id="15" name="Ink 14">
@@ -6519,8 +6520,8 @@
             </p:pic>
           </mc:Fallback>
         </mc:AlternateContent>
-        <mc:AlternateContent xmlns:mc="http://schemas.openxmlformats.org/markup-compatibility/2006">
-          <mc:Choice xmlns:p14="http://schemas.microsoft.com/office/powerpoint/2010/main" Requires="p14">
+        <mc:AlternateContent xmlns:mc="http://schemas.openxmlformats.org/markup-compatibility/2006" xmlns:p14="http://schemas.microsoft.com/office/powerpoint/2010/main">
+          <mc:Choice Requires="p14">
             <p:contentPart p14:bwMode="auto" r:id="rId26">
               <p14:nvContentPartPr>
                 <p14:cNvPr id="16" name="Ink 15">
@@ -6539,7 +6540,7 @@
               </p14:xfrm>
             </p:contentPart>
           </mc:Choice>
-          <mc:Fallback>
+          <mc:Fallback xmlns="">
             <p:pic>
               <p:nvPicPr>
                 <p:cNvPr id="16" name="Ink 15">
@@ -6570,8 +6571,8 @@
             </p:pic>
           </mc:Fallback>
         </mc:AlternateContent>
-        <mc:AlternateContent xmlns:mc="http://schemas.openxmlformats.org/markup-compatibility/2006">
-          <mc:Choice xmlns:p14="http://schemas.microsoft.com/office/powerpoint/2010/main" Requires="p14">
+        <mc:AlternateContent xmlns:mc="http://schemas.openxmlformats.org/markup-compatibility/2006" xmlns:p14="http://schemas.microsoft.com/office/powerpoint/2010/main">
+          <mc:Choice Requires="p14">
             <p:contentPart p14:bwMode="auto" r:id="rId28">
               <p14:nvContentPartPr>
                 <p14:cNvPr id="17" name="Ink 16">
@@ -6590,7 +6591,7 @@
               </p14:xfrm>
             </p:contentPart>
           </mc:Choice>
-          <mc:Fallback>
+          <mc:Fallback xmlns="">
             <p:pic>
               <p:nvPicPr>
                 <p:cNvPr id="17" name="Ink 16">
@@ -6621,8 +6622,8 @@
             </p:pic>
           </mc:Fallback>
         </mc:AlternateContent>
-        <mc:AlternateContent xmlns:mc="http://schemas.openxmlformats.org/markup-compatibility/2006">
-          <mc:Choice xmlns:p14="http://schemas.microsoft.com/office/powerpoint/2010/main" Requires="p14">
+        <mc:AlternateContent xmlns:mc="http://schemas.openxmlformats.org/markup-compatibility/2006" xmlns:p14="http://schemas.microsoft.com/office/powerpoint/2010/main">
+          <mc:Choice Requires="p14">
             <p:contentPart p14:bwMode="auto" r:id="rId30">
               <p14:nvContentPartPr>
                 <p14:cNvPr id="18" name="Ink 17">
@@ -6641,7 +6642,7 @@
               </p14:xfrm>
             </p:contentPart>
           </mc:Choice>
-          <mc:Fallback>
+          <mc:Fallback xmlns="">
             <p:pic>
               <p:nvPicPr>
                 <p:cNvPr id="18" name="Ink 17">
@@ -6672,8 +6673,8 @@
             </p:pic>
           </mc:Fallback>
         </mc:AlternateContent>
-        <mc:AlternateContent xmlns:mc="http://schemas.openxmlformats.org/markup-compatibility/2006">
-          <mc:Choice xmlns:p14="http://schemas.microsoft.com/office/powerpoint/2010/main" Requires="p14">
+        <mc:AlternateContent xmlns:mc="http://schemas.openxmlformats.org/markup-compatibility/2006" xmlns:p14="http://schemas.microsoft.com/office/powerpoint/2010/main">
+          <mc:Choice Requires="p14">
             <p:contentPart p14:bwMode="auto" r:id="rId32">
               <p14:nvContentPartPr>
                 <p14:cNvPr id="19" name="Ink 18">
@@ -6692,7 +6693,7 @@
               </p14:xfrm>
             </p:contentPart>
           </mc:Choice>
-          <mc:Fallback>
+          <mc:Fallback xmlns="">
             <p:pic>
               <p:nvPicPr>
                 <p:cNvPr id="19" name="Ink 18">
@@ -6723,8 +6724,8 @@
             </p:pic>
           </mc:Fallback>
         </mc:AlternateContent>
-        <mc:AlternateContent xmlns:mc="http://schemas.openxmlformats.org/markup-compatibility/2006">
-          <mc:Choice xmlns:p14="http://schemas.microsoft.com/office/powerpoint/2010/main" Requires="p14">
+        <mc:AlternateContent xmlns:mc="http://schemas.openxmlformats.org/markup-compatibility/2006" xmlns:p14="http://schemas.microsoft.com/office/powerpoint/2010/main">
+          <mc:Choice Requires="p14">
             <p:contentPart p14:bwMode="auto" r:id="rId34">
               <p14:nvContentPartPr>
                 <p14:cNvPr id="20" name="Ink 19">
@@ -6743,7 +6744,7 @@
               </p14:xfrm>
             </p:contentPart>
           </mc:Choice>
-          <mc:Fallback>
+          <mc:Fallback xmlns="">
             <p:pic>
               <p:nvPicPr>
                 <p:cNvPr id="20" name="Ink 19">
@@ -6774,8 +6775,8 @@
             </p:pic>
           </mc:Fallback>
         </mc:AlternateContent>
-        <mc:AlternateContent xmlns:mc="http://schemas.openxmlformats.org/markup-compatibility/2006">
-          <mc:Choice xmlns:p14="http://schemas.microsoft.com/office/powerpoint/2010/main" Requires="p14">
+        <mc:AlternateContent xmlns:mc="http://schemas.openxmlformats.org/markup-compatibility/2006" xmlns:p14="http://schemas.microsoft.com/office/powerpoint/2010/main">
+          <mc:Choice Requires="p14">
             <p:contentPart p14:bwMode="auto" r:id="rId36">
               <p14:nvContentPartPr>
                 <p14:cNvPr id="21" name="Ink 20">
@@ -6794,7 +6795,7 @@
               </p14:xfrm>
             </p:contentPart>
           </mc:Choice>
-          <mc:Fallback>
+          <mc:Fallback xmlns="">
             <p:pic>
               <p:nvPicPr>
                 <p:cNvPr id="21" name="Ink 20">
@@ -6825,8 +6826,8 @@
             </p:pic>
           </mc:Fallback>
         </mc:AlternateContent>
-        <mc:AlternateContent xmlns:mc="http://schemas.openxmlformats.org/markup-compatibility/2006">
-          <mc:Choice xmlns:p14="http://schemas.microsoft.com/office/powerpoint/2010/main" Requires="p14">
+        <mc:AlternateContent xmlns:mc="http://schemas.openxmlformats.org/markup-compatibility/2006" xmlns:p14="http://schemas.microsoft.com/office/powerpoint/2010/main">
+          <mc:Choice Requires="p14">
             <p:contentPart p14:bwMode="auto" r:id="rId38">
               <p14:nvContentPartPr>
                 <p14:cNvPr id="22" name="Ink 21">
@@ -6845,7 +6846,7 @@
               </p14:xfrm>
             </p:contentPart>
           </mc:Choice>
-          <mc:Fallback>
+          <mc:Fallback xmlns="">
             <p:pic>
               <p:nvPicPr>
                 <p:cNvPr id="22" name="Ink 21">
@@ -6876,8 +6877,8 @@
             </p:pic>
           </mc:Fallback>
         </mc:AlternateContent>
-        <mc:AlternateContent xmlns:mc="http://schemas.openxmlformats.org/markup-compatibility/2006">
-          <mc:Choice xmlns:p14="http://schemas.microsoft.com/office/powerpoint/2010/main" Requires="p14">
+        <mc:AlternateContent xmlns:mc="http://schemas.openxmlformats.org/markup-compatibility/2006" xmlns:p14="http://schemas.microsoft.com/office/powerpoint/2010/main">
+          <mc:Choice Requires="p14">
             <p:contentPart p14:bwMode="auto" r:id="rId40">
               <p14:nvContentPartPr>
                 <p14:cNvPr id="23" name="Ink 22">
@@ -6896,7 +6897,7 @@
               </p14:xfrm>
             </p:contentPart>
           </mc:Choice>
-          <mc:Fallback>
+          <mc:Fallback xmlns="">
             <p:pic>
               <p:nvPicPr>
                 <p:cNvPr id="23" name="Ink 22">
@@ -6927,8 +6928,8 @@
             </p:pic>
           </mc:Fallback>
         </mc:AlternateContent>
-        <mc:AlternateContent xmlns:mc="http://schemas.openxmlformats.org/markup-compatibility/2006">
-          <mc:Choice xmlns:p14="http://schemas.microsoft.com/office/powerpoint/2010/main" Requires="p14">
+        <mc:AlternateContent xmlns:mc="http://schemas.openxmlformats.org/markup-compatibility/2006" xmlns:p14="http://schemas.microsoft.com/office/powerpoint/2010/main">
+          <mc:Choice Requires="p14">
             <p:contentPart p14:bwMode="auto" r:id="rId42">
               <p14:nvContentPartPr>
                 <p14:cNvPr id="24" name="Ink 23">
@@ -6947,7 +6948,7 @@
               </p14:xfrm>
             </p:contentPart>
           </mc:Choice>
-          <mc:Fallback>
+          <mc:Fallback xmlns="">
             <p:pic>
               <p:nvPicPr>
                 <p:cNvPr id="24" name="Ink 23">
@@ -6978,8 +6979,8 @@
             </p:pic>
           </mc:Fallback>
         </mc:AlternateContent>
-        <mc:AlternateContent xmlns:mc="http://schemas.openxmlformats.org/markup-compatibility/2006">
-          <mc:Choice xmlns:p14="http://schemas.microsoft.com/office/powerpoint/2010/main" Requires="p14">
+        <mc:AlternateContent xmlns:mc="http://schemas.openxmlformats.org/markup-compatibility/2006" xmlns:p14="http://schemas.microsoft.com/office/powerpoint/2010/main">
+          <mc:Choice Requires="p14">
             <p:contentPart p14:bwMode="auto" r:id="rId44">
               <p14:nvContentPartPr>
                 <p14:cNvPr id="25" name="Ink 24">
@@ -6998,7 +6999,7 @@
               </p14:xfrm>
             </p:contentPart>
           </mc:Choice>
-          <mc:Fallback>
+          <mc:Fallback xmlns="">
             <p:pic>
               <p:nvPicPr>
                 <p:cNvPr id="25" name="Ink 24">
@@ -7029,8 +7030,8 @@
             </p:pic>
           </mc:Fallback>
         </mc:AlternateContent>
-        <mc:AlternateContent xmlns:mc="http://schemas.openxmlformats.org/markup-compatibility/2006">
-          <mc:Choice xmlns:p14="http://schemas.microsoft.com/office/powerpoint/2010/main" Requires="p14">
+        <mc:AlternateContent xmlns:mc="http://schemas.openxmlformats.org/markup-compatibility/2006" xmlns:p14="http://schemas.microsoft.com/office/powerpoint/2010/main">
+          <mc:Choice Requires="p14">
             <p:contentPart p14:bwMode="auto" r:id="rId46">
               <p14:nvContentPartPr>
                 <p14:cNvPr id="40" name="Ink 39">
@@ -7049,7 +7050,7 @@
               </p14:xfrm>
             </p:contentPart>
           </mc:Choice>
-          <mc:Fallback>
+          <mc:Fallback xmlns="">
             <p:pic>
               <p:nvPicPr>
                 <p:cNvPr id="40" name="Ink 39">
@@ -7080,8 +7081,8 @@
             </p:pic>
           </mc:Fallback>
         </mc:AlternateContent>
-        <mc:AlternateContent xmlns:mc="http://schemas.openxmlformats.org/markup-compatibility/2006">
-          <mc:Choice xmlns:p14="http://schemas.microsoft.com/office/powerpoint/2010/main" Requires="p14">
+        <mc:AlternateContent xmlns:mc="http://schemas.openxmlformats.org/markup-compatibility/2006" xmlns:p14="http://schemas.microsoft.com/office/powerpoint/2010/main">
+          <mc:Choice Requires="p14">
             <p:contentPart p14:bwMode="auto" r:id="rId48">
               <p14:nvContentPartPr>
                 <p14:cNvPr id="41" name="Ink 40">
@@ -7100,7 +7101,7 @@
               </p14:xfrm>
             </p:contentPart>
           </mc:Choice>
-          <mc:Fallback>
+          <mc:Fallback xmlns="">
             <p:pic>
               <p:nvPicPr>
                 <p:cNvPr id="41" name="Ink 40">
@@ -7131,8 +7132,8 @@
             </p:pic>
           </mc:Fallback>
         </mc:AlternateContent>
-        <mc:AlternateContent xmlns:mc="http://schemas.openxmlformats.org/markup-compatibility/2006">
-          <mc:Choice xmlns:p14="http://schemas.microsoft.com/office/powerpoint/2010/main" Requires="p14">
+        <mc:AlternateContent xmlns:mc="http://schemas.openxmlformats.org/markup-compatibility/2006" xmlns:p14="http://schemas.microsoft.com/office/powerpoint/2010/main">
+          <mc:Choice Requires="p14">
             <p:contentPart p14:bwMode="auto" r:id="rId50">
               <p14:nvContentPartPr>
                 <p14:cNvPr id="42" name="Ink 41">
@@ -7151,7 +7152,7 @@
               </p14:xfrm>
             </p:contentPart>
           </mc:Choice>
-          <mc:Fallback>
+          <mc:Fallback xmlns="">
             <p:pic>
               <p:nvPicPr>
                 <p:cNvPr id="42" name="Ink 41">
@@ -7182,8 +7183,8 @@
             </p:pic>
           </mc:Fallback>
         </mc:AlternateContent>
-        <mc:AlternateContent xmlns:mc="http://schemas.openxmlformats.org/markup-compatibility/2006">
-          <mc:Choice xmlns:p14="http://schemas.microsoft.com/office/powerpoint/2010/main" Requires="p14">
+        <mc:AlternateContent xmlns:mc="http://schemas.openxmlformats.org/markup-compatibility/2006" xmlns:p14="http://schemas.microsoft.com/office/powerpoint/2010/main">
+          <mc:Choice Requires="p14">
             <p:contentPart p14:bwMode="auto" r:id="rId52">
               <p14:nvContentPartPr>
                 <p14:cNvPr id="43" name="Ink 42">
@@ -7202,7 +7203,7 @@
               </p14:xfrm>
             </p:contentPart>
           </mc:Choice>
-          <mc:Fallback>
+          <mc:Fallback xmlns="">
             <p:pic>
               <p:nvPicPr>
                 <p:cNvPr id="43" name="Ink 42">
@@ -7233,8 +7234,8 @@
             </p:pic>
           </mc:Fallback>
         </mc:AlternateContent>
-        <mc:AlternateContent xmlns:mc="http://schemas.openxmlformats.org/markup-compatibility/2006">
-          <mc:Choice xmlns:p14="http://schemas.microsoft.com/office/powerpoint/2010/main" Requires="p14">
+        <mc:AlternateContent xmlns:mc="http://schemas.openxmlformats.org/markup-compatibility/2006" xmlns:p14="http://schemas.microsoft.com/office/powerpoint/2010/main">
+          <mc:Choice Requires="p14">
             <p:contentPart p14:bwMode="auto" r:id="rId54">
               <p14:nvContentPartPr>
                 <p14:cNvPr id="44" name="Ink 43">
@@ -7253,7 +7254,7 @@
               </p14:xfrm>
             </p:contentPart>
           </mc:Choice>
-          <mc:Fallback>
+          <mc:Fallback xmlns="">
             <p:pic>
               <p:nvPicPr>
                 <p:cNvPr id="44" name="Ink 43">
@@ -7284,8 +7285,8 @@
             </p:pic>
           </mc:Fallback>
         </mc:AlternateContent>
-        <mc:AlternateContent xmlns:mc="http://schemas.openxmlformats.org/markup-compatibility/2006">
-          <mc:Choice xmlns:p14="http://schemas.microsoft.com/office/powerpoint/2010/main" Requires="p14">
+        <mc:AlternateContent xmlns:mc="http://schemas.openxmlformats.org/markup-compatibility/2006" xmlns:p14="http://schemas.microsoft.com/office/powerpoint/2010/main">
+          <mc:Choice Requires="p14">
             <p:contentPart p14:bwMode="auto" r:id="rId56">
               <p14:nvContentPartPr>
                 <p14:cNvPr id="45" name="Ink 44">
@@ -7304,7 +7305,7 @@
               </p14:xfrm>
             </p:contentPart>
           </mc:Choice>
-          <mc:Fallback>
+          <mc:Fallback xmlns="">
             <p:pic>
               <p:nvPicPr>
                 <p:cNvPr id="45" name="Ink 44">
@@ -7335,8 +7336,8 @@
             </p:pic>
           </mc:Fallback>
         </mc:AlternateContent>
-        <mc:AlternateContent xmlns:mc="http://schemas.openxmlformats.org/markup-compatibility/2006">
-          <mc:Choice xmlns:p14="http://schemas.microsoft.com/office/powerpoint/2010/main" Requires="p14">
+        <mc:AlternateContent xmlns:mc="http://schemas.openxmlformats.org/markup-compatibility/2006" xmlns:p14="http://schemas.microsoft.com/office/powerpoint/2010/main">
+          <mc:Choice Requires="p14">
             <p:contentPart p14:bwMode="auto" r:id="rId58">
               <p14:nvContentPartPr>
                 <p14:cNvPr id="46" name="Ink 45">
@@ -7355,7 +7356,7 @@
               </p14:xfrm>
             </p:contentPart>
           </mc:Choice>
-          <mc:Fallback>
+          <mc:Fallback xmlns="">
             <p:pic>
               <p:nvPicPr>
                 <p:cNvPr id="46" name="Ink 45">
@@ -7386,8 +7387,8 @@
             </p:pic>
           </mc:Fallback>
         </mc:AlternateContent>
-        <mc:AlternateContent xmlns:mc="http://schemas.openxmlformats.org/markup-compatibility/2006">
-          <mc:Choice xmlns:p14="http://schemas.microsoft.com/office/powerpoint/2010/main" Requires="p14">
+        <mc:AlternateContent xmlns:mc="http://schemas.openxmlformats.org/markup-compatibility/2006" xmlns:p14="http://schemas.microsoft.com/office/powerpoint/2010/main">
+          <mc:Choice Requires="p14">
             <p:contentPart p14:bwMode="auto" r:id="rId60">
               <p14:nvContentPartPr>
                 <p14:cNvPr id="47" name="Ink 46">
@@ -7406,7 +7407,7 @@
               </p14:xfrm>
             </p:contentPart>
           </mc:Choice>
-          <mc:Fallback>
+          <mc:Fallback xmlns="">
             <p:pic>
               <p:nvPicPr>
                 <p:cNvPr id="47" name="Ink 46">
@@ -7437,8 +7438,8 @@
             </p:pic>
           </mc:Fallback>
         </mc:AlternateContent>
-        <mc:AlternateContent xmlns:mc="http://schemas.openxmlformats.org/markup-compatibility/2006">
-          <mc:Choice xmlns:p14="http://schemas.microsoft.com/office/powerpoint/2010/main" Requires="p14">
+        <mc:AlternateContent xmlns:mc="http://schemas.openxmlformats.org/markup-compatibility/2006" xmlns:p14="http://schemas.microsoft.com/office/powerpoint/2010/main">
+          <mc:Choice Requires="p14">
             <p:contentPart p14:bwMode="auto" r:id="rId62">
               <p14:nvContentPartPr>
                 <p14:cNvPr id="48" name="Ink 47">
@@ -7457,7 +7458,7 @@
               </p14:xfrm>
             </p:contentPart>
           </mc:Choice>
-          <mc:Fallback>
+          <mc:Fallback xmlns="">
             <p:pic>
               <p:nvPicPr>
                 <p:cNvPr id="48" name="Ink 47">
@@ -7488,8 +7489,8 @@
             </p:pic>
           </mc:Fallback>
         </mc:AlternateContent>
-        <mc:AlternateContent xmlns:mc="http://schemas.openxmlformats.org/markup-compatibility/2006">
-          <mc:Choice xmlns:p14="http://schemas.microsoft.com/office/powerpoint/2010/main" Requires="p14">
+        <mc:AlternateContent xmlns:mc="http://schemas.openxmlformats.org/markup-compatibility/2006" xmlns:p14="http://schemas.microsoft.com/office/powerpoint/2010/main">
+          <mc:Choice Requires="p14">
             <p:contentPart p14:bwMode="auto" r:id="rId64">
               <p14:nvContentPartPr>
                 <p14:cNvPr id="28" name="Ink 27">
@@ -7508,7 +7509,7 @@
               </p14:xfrm>
             </p:contentPart>
           </mc:Choice>
-          <mc:Fallback>
+          <mc:Fallback xmlns="">
             <p:pic>
               <p:nvPicPr>
                 <p:cNvPr id="28" name="Ink 27">
@@ -7539,8 +7540,8 @@
             </p:pic>
           </mc:Fallback>
         </mc:AlternateContent>
-        <mc:AlternateContent xmlns:mc="http://schemas.openxmlformats.org/markup-compatibility/2006">
-          <mc:Choice xmlns:p14="http://schemas.microsoft.com/office/powerpoint/2010/main" Requires="p14">
+        <mc:AlternateContent xmlns:mc="http://schemas.openxmlformats.org/markup-compatibility/2006" xmlns:p14="http://schemas.microsoft.com/office/powerpoint/2010/main">
+          <mc:Choice Requires="p14">
             <p:contentPart p14:bwMode="auto" r:id="rId66">
               <p14:nvContentPartPr>
                 <p14:cNvPr id="29" name="Ink 28">
@@ -7559,7 +7560,7 @@
               </p14:xfrm>
             </p:contentPart>
           </mc:Choice>
-          <mc:Fallback>
+          <mc:Fallback xmlns="">
             <p:pic>
               <p:nvPicPr>
                 <p:cNvPr id="29" name="Ink 28">
@@ -7590,8 +7591,8 @@
             </p:pic>
           </mc:Fallback>
         </mc:AlternateContent>
-        <mc:AlternateContent xmlns:mc="http://schemas.openxmlformats.org/markup-compatibility/2006">
-          <mc:Choice xmlns:p14="http://schemas.microsoft.com/office/powerpoint/2010/main" Requires="p14">
+        <mc:AlternateContent xmlns:mc="http://schemas.openxmlformats.org/markup-compatibility/2006" xmlns:p14="http://schemas.microsoft.com/office/powerpoint/2010/main">
+          <mc:Choice Requires="p14">
             <p:contentPart p14:bwMode="auto" r:id="rId68">
               <p14:nvContentPartPr>
                 <p14:cNvPr id="30" name="Ink 29">
@@ -7610,7 +7611,7 @@
               </p14:xfrm>
             </p:contentPart>
           </mc:Choice>
-          <mc:Fallback>
+          <mc:Fallback xmlns="">
             <p:pic>
               <p:nvPicPr>
                 <p:cNvPr id="30" name="Ink 29">
@@ -7641,8 +7642,8 @@
             </p:pic>
           </mc:Fallback>
         </mc:AlternateContent>
-        <mc:AlternateContent xmlns:mc="http://schemas.openxmlformats.org/markup-compatibility/2006">
-          <mc:Choice xmlns:p14="http://schemas.microsoft.com/office/powerpoint/2010/main" Requires="p14">
+        <mc:AlternateContent xmlns:mc="http://schemas.openxmlformats.org/markup-compatibility/2006" xmlns:p14="http://schemas.microsoft.com/office/powerpoint/2010/main">
+          <mc:Choice Requires="p14">
             <p:contentPart p14:bwMode="auto" r:id="rId70">
               <p14:nvContentPartPr>
                 <p14:cNvPr id="31" name="Ink 30">
@@ -7661,7 +7662,7 @@
               </p14:xfrm>
             </p:contentPart>
           </mc:Choice>
-          <mc:Fallback>
+          <mc:Fallback xmlns="">
             <p:pic>
               <p:nvPicPr>
                 <p:cNvPr id="31" name="Ink 30">
@@ -7692,8 +7693,8 @@
             </p:pic>
           </mc:Fallback>
         </mc:AlternateContent>
-        <mc:AlternateContent xmlns:mc="http://schemas.openxmlformats.org/markup-compatibility/2006">
-          <mc:Choice xmlns:p14="http://schemas.microsoft.com/office/powerpoint/2010/main" Requires="p14">
+        <mc:AlternateContent xmlns:mc="http://schemas.openxmlformats.org/markup-compatibility/2006" xmlns:p14="http://schemas.microsoft.com/office/powerpoint/2010/main">
+          <mc:Choice Requires="p14">
             <p:contentPart p14:bwMode="auto" r:id="rId72">
               <p14:nvContentPartPr>
                 <p14:cNvPr id="32" name="Ink 31">
@@ -7712,7 +7713,7 @@
               </p14:xfrm>
             </p:contentPart>
           </mc:Choice>
-          <mc:Fallback>
+          <mc:Fallback xmlns="">
             <p:pic>
               <p:nvPicPr>
                 <p:cNvPr id="32" name="Ink 31">
@@ -7743,8 +7744,8 @@
             </p:pic>
           </mc:Fallback>
         </mc:AlternateContent>
-        <mc:AlternateContent xmlns:mc="http://schemas.openxmlformats.org/markup-compatibility/2006">
-          <mc:Choice xmlns:p14="http://schemas.microsoft.com/office/powerpoint/2010/main" Requires="p14">
+        <mc:AlternateContent xmlns:mc="http://schemas.openxmlformats.org/markup-compatibility/2006" xmlns:p14="http://schemas.microsoft.com/office/powerpoint/2010/main">
+          <mc:Choice Requires="p14">
             <p:contentPart p14:bwMode="auto" r:id="rId74">
               <p14:nvContentPartPr>
                 <p14:cNvPr id="33" name="Ink 32">
@@ -7763,7 +7764,7 @@
               </p14:xfrm>
             </p:contentPart>
           </mc:Choice>
-          <mc:Fallback>
+          <mc:Fallback xmlns="">
             <p:pic>
               <p:nvPicPr>
                 <p:cNvPr id="33" name="Ink 32">
@@ -7794,8 +7795,8 @@
             </p:pic>
           </mc:Fallback>
         </mc:AlternateContent>
-        <mc:AlternateContent xmlns:mc="http://schemas.openxmlformats.org/markup-compatibility/2006">
-          <mc:Choice xmlns:p14="http://schemas.microsoft.com/office/powerpoint/2010/main" Requires="p14">
+        <mc:AlternateContent xmlns:mc="http://schemas.openxmlformats.org/markup-compatibility/2006" xmlns:p14="http://schemas.microsoft.com/office/powerpoint/2010/main">
+          <mc:Choice Requires="p14">
             <p:contentPart p14:bwMode="auto" r:id="rId76">
               <p14:nvContentPartPr>
                 <p14:cNvPr id="34" name="Ink 33">
@@ -7814,7 +7815,7 @@
               </p14:xfrm>
             </p:contentPart>
           </mc:Choice>
-          <mc:Fallback>
+          <mc:Fallback xmlns="">
             <p:pic>
               <p:nvPicPr>
                 <p:cNvPr id="34" name="Ink 33">
@@ -7845,8 +7846,8 @@
             </p:pic>
           </mc:Fallback>
         </mc:AlternateContent>
-        <mc:AlternateContent xmlns:mc="http://schemas.openxmlformats.org/markup-compatibility/2006">
-          <mc:Choice xmlns:p14="http://schemas.microsoft.com/office/powerpoint/2010/main" Requires="p14">
+        <mc:AlternateContent xmlns:mc="http://schemas.openxmlformats.org/markup-compatibility/2006" xmlns:p14="http://schemas.microsoft.com/office/powerpoint/2010/main">
+          <mc:Choice Requires="p14">
             <p:contentPart p14:bwMode="auto" r:id="rId78">
               <p14:nvContentPartPr>
                 <p14:cNvPr id="35" name="Ink 34">
@@ -7865,7 +7866,7 @@
               </p14:xfrm>
             </p:contentPart>
           </mc:Choice>
-          <mc:Fallback>
+          <mc:Fallback xmlns="">
             <p:pic>
               <p:nvPicPr>
                 <p:cNvPr id="35" name="Ink 34">
@@ -7896,8 +7897,8 @@
             </p:pic>
           </mc:Fallback>
         </mc:AlternateContent>
-        <mc:AlternateContent xmlns:mc="http://schemas.openxmlformats.org/markup-compatibility/2006">
-          <mc:Choice xmlns:p14="http://schemas.microsoft.com/office/powerpoint/2010/main" Requires="p14">
+        <mc:AlternateContent xmlns:mc="http://schemas.openxmlformats.org/markup-compatibility/2006" xmlns:p14="http://schemas.microsoft.com/office/powerpoint/2010/main">
+          <mc:Choice Requires="p14">
             <p:contentPart p14:bwMode="auto" r:id="rId80">
               <p14:nvContentPartPr>
                 <p14:cNvPr id="36" name="Ink 35">
@@ -7916,7 +7917,7 @@
               </p14:xfrm>
             </p:contentPart>
           </mc:Choice>
-          <mc:Fallback>
+          <mc:Fallback xmlns="">
             <p:pic>
               <p:nvPicPr>
                 <p:cNvPr id="36" name="Ink 35">
@@ -7947,8 +7948,8 @@
             </p:pic>
           </mc:Fallback>
         </mc:AlternateContent>
-        <mc:AlternateContent xmlns:mc="http://schemas.openxmlformats.org/markup-compatibility/2006">
-          <mc:Choice xmlns:p14="http://schemas.microsoft.com/office/powerpoint/2010/main" Requires="p14">
+        <mc:AlternateContent xmlns:mc="http://schemas.openxmlformats.org/markup-compatibility/2006" xmlns:p14="http://schemas.microsoft.com/office/powerpoint/2010/main">
+          <mc:Choice Requires="p14">
             <p:contentPart p14:bwMode="auto" r:id="rId82">
               <p14:nvContentPartPr>
                 <p14:cNvPr id="37" name="Ink 36">
@@ -7967,7 +7968,7 @@
               </p14:xfrm>
             </p:contentPart>
           </mc:Choice>
-          <mc:Fallback>
+          <mc:Fallback xmlns="">
             <p:pic>
               <p:nvPicPr>
                 <p:cNvPr id="37" name="Ink 36">
@@ -7998,8 +7999,8 @@
             </p:pic>
           </mc:Fallback>
         </mc:AlternateContent>
-        <mc:AlternateContent xmlns:mc="http://schemas.openxmlformats.org/markup-compatibility/2006">
-          <mc:Choice xmlns:p14="http://schemas.microsoft.com/office/powerpoint/2010/main" Requires="p14">
+        <mc:AlternateContent xmlns:mc="http://schemas.openxmlformats.org/markup-compatibility/2006" xmlns:p14="http://schemas.microsoft.com/office/powerpoint/2010/main">
+          <mc:Choice Requires="p14">
             <p:contentPart p14:bwMode="auto" r:id="rId84">
               <p14:nvContentPartPr>
                 <p14:cNvPr id="38" name="Ink 37">
@@ -8018,7 +8019,7 @@
               </p14:xfrm>
             </p:contentPart>
           </mc:Choice>
-          <mc:Fallback>
+          <mc:Fallback xmlns="">
             <p:pic>
               <p:nvPicPr>
                 <p:cNvPr id="38" name="Ink 37">
@@ -8049,8 +8050,8 @@
             </p:pic>
           </mc:Fallback>
         </mc:AlternateContent>
-        <mc:AlternateContent xmlns:mc="http://schemas.openxmlformats.org/markup-compatibility/2006">
-          <mc:Choice xmlns:p14="http://schemas.microsoft.com/office/powerpoint/2010/main" Requires="p14">
+        <mc:AlternateContent xmlns:mc="http://schemas.openxmlformats.org/markup-compatibility/2006" xmlns:p14="http://schemas.microsoft.com/office/powerpoint/2010/main">
+          <mc:Choice Requires="p14">
             <p:contentPart p14:bwMode="auto" r:id="rId86">
               <p14:nvContentPartPr>
                 <p14:cNvPr id="50" name="Ink 49">
@@ -8069,7 +8070,7 @@
               </p14:xfrm>
             </p:contentPart>
           </mc:Choice>
-          <mc:Fallback>
+          <mc:Fallback xmlns="">
             <p:pic>
               <p:nvPicPr>
                 <p:cNvPr id="50" name="Ink 49">
@@ -8100,8 +8101,8 @@
             </p:pic>
           </mc:Fallback>
         </mc:AlternateContent>
-        <mc:AlternateContent xmlns:mc="http://schemas.openxmlformats.org/markup-compatibility/2006">
-          <mc:Choice xmlns:p14="http://schemas.microsoft.com/office/powerpoint/2010/main" Requires="p14">
+        <mc:AlternateContent xmlns:mc="http://schemas.openxmlformats.org/markup-compatibility/2006" xmlns:p14="http://schemas.microsoft.com/office/powerpoint/2010/main">
+          <mc:Choice Requires="p14">
             <p:contentPart p14:bwMode="auto" r:id="rId88">
               <p14:nvContentPartPr>
                 <p14:cNvPr id="52" name="Ink 51">
@@ -8120,7 +8121,7 @@
               </p14:xfrm>
             </p:contentPart>
           </mc:Choice>
-          <mc:Fallback>
+          <mc:Fallback xmlns="">
             <p:pic>
               <p:nvPicPr>
                 <p:cNvPr id="52" name="Ink 51">
@@ -8151,8 +8152,8 @@
             </p:pic>
           </mc:Fallback>
         </mc:AlternateContent>
-        <mc:AlternateContent xmlns:mc="http://schemas.openxmlformats.org/markup-compatibility/2006">
-          <mc:Choice xmlns:p14="http://schemas.microsoft.com/office/powerpoint/2010/main" Requires="p14">
+        <mc:AlternateContent xmlns:mc="http://schemas.openxmlformats.org/markup-compatibility/2006" xmlns:p14="http://schemas.microsoft.com/office/powerpoint/2010/main">
+          <mc:Choice Requires="p14">
             <p:contentPart p14:bwMode="auto" r:id="rId90">
               <p14:nvContentPartPr>
                 <p14:cNvPr id="53" name="Ink 52">
@@ -8171,7 +8172,7 @@
               </p14:xfrm>
             </p:contentPart>
           </mc:Choice>
-          <mc:Fallback>
+          <mc:Fallback xmlns="">
             <p:pic>
               <p:nvPicPr>
                 <p:cNvPr id="53" name="Ink 52">
@@ -8202,8 +8203,8 @@
             </p:pic>
           </mc:Fallback>
         </mc:AlternateContent>
-        <mc:AlternateContent xmlns:mc="http://schemas.openxmlformats.org/markup-compatibility/2006">
-          <mc:Choice xmlns:p14="http://schemas.microsoft.com/office/powerpoint/2010/main" Requires="p14">
+        <mc:AlternateContent xmlns:mc="http://schemas.openxmlformats.org/markup-compatibility/2006" xmlns:p14="http://schemas.microsoft.com/office/powerpoint/2010/main">
+          <mc:Choice Requires="p14">
             <p:contentPart p14:bwMode="auto" r:id="rId92">
               <p14:nvContentPartPr>
                 <p14:cNvPr id="55" name="Ink 54">
@@ -8222,7 +8223,7 @@
               </p14:xfrm>
             </p:contentPart>
           </mc:Choice>
-          <mc:Fallback>
+          <mc:Fallback xmlns="">
             <p:pic>
               <p:nvPicPr>
                 <p:cNvPr id="55" name="Ink 54">
@@ -8253,8 +8254,8 @@
             </p:pic>
           </mc:Fallback>
         </mc:AlternateContent>
-        <mc:AlternateContent xmlns:mc="http://schemas.openxmlformats.org/markup-compatibility/2006">
-          <mc:Choice xmlns:p14="http://schemas.microsoft.com/office/powerpoint/2010/main" Requires="p14">
+        <mc:AlternateContent xmlns:mc="http://schemas.openxmlformats.org/markup-compatibility/2006" xmlns:p14="http://schemas.microsoft.com/office/powerpoint/2010/main">
+          <mc:Choice Requires="p14">
             <p:contentPart p14:bwMode="auto" r:id="rId94">
               <p14:nvContentPartPr>
                 <p14:cNvPr id="57" name="Ink 56">
@@ -8273,7 +8274,7 @@
               </p14:xfrm>
             </p:contentPart>
           </mc:Choice>
-          <mc:Fallback>
+          <mc:Fallback xmlns="">
             <p:pic>
               <p:nvPicPr>
                 <p:cNvPr id="57" name="Ink 56">
@@ -8304,8 +8305,8 @@
             </p:pic>
           </mc:Fallback>
         </mc:AlternateContent>
-        <mc:AlternateContent xmlns:mc="http://schemas.openxmlformats.org/markup-compatibility/2006">
-          <mc:Choice xmlns:p14="http://schemas.microsoft.com/office/powerpoint/2010/main" Requires="p14">
+        <mc:AlternateContent xmlns:mc="http://schemas.openxmlformats.org/markup-compatibility/2006" xmlns:p14="http://schemas.microsoft.com/office/powerpoint/2010/main">
+          <mc:Choice Requires="p14">
             <p:contentPart p14:bwMode="auto" r:id="rId96">
               <p14:nvContentPartPr>
                 <p14:cNvPr id="58" name="Ink 57">
@@ -8324,7 +8325,7 @@
               </p14:xfrm>
             </p:contentPart>
           </mc:Choice>
-          <mc:Fallback>
+          <mc:Fallback xmlns="">
             <p:pic>
               <p:nvPicPr>
                 <p:cNvPr id="58" name="Ink 57">
@@ -8355,8 +8356,8 @@
             </p:pic>
           </mc:Fallback>
         </mc:AlternateContent>
-        <mc:AlternateContent xmlns:mc="http://schemas.openxmlformats.org/markup-compatibility/2006">
-          <mc:Choice xmlns:p14="http://schemas.microsoft.com/office/powerpoint/2010/main" Requires="p14">
+        <mc:AlternateContent xmlns:mc="http://schemas.openxmlformats.org/markup-compatibility/2006" xmlns:p14="http://schemas.microsoft.com/office/powerpoint/2010/main">
+          <mc:Choice Requires="p14">
             <p:contentPart p14:bwMode="auto" r:id="rId98">
               <p14:nvContentPartPr>
                 <p14:cNvPr id="59" name="Ink 58">
@@ -8375,7 +8376,7 @@
               </p14:xfrm>
             </p:contentPart>
           </mc:Choice>
-          <mc:Fallback>
+          <mc:Fallback xmlns="">
             <p:pic>
               <p:nvPicPr>
                 <p:cNvPr id="59" name="Ink 58">
@@ -8406,8 +8407,8 @@
             </p:pic>
           </mc:Fallback>
         </mc:AlternateContent>
-        <mc:AlternateContent xmlns:mc="http://schemas.openxmlformats.org/markup-compatibility/2006">
-          <mc:Choice xmlns:p14="http://schemas.microsoft.com/office/powerpoint/2010/main" Requires="p14">
+        <mc:AlternateContent xmlns:mc="http://schemas.openxmlformats.org/markup-compatibility/2006" xmlns:p14="http://schemas.microsoft.com/office/powerpoint/2010/main">
+          <mc:Choice Requires="p14">
             <p:contentPart p14:bwMode="auto" r:id="rId100">
               <p14:nvContentPartPr>
                 <p14:cNvPr id="61" name="Ink 60">
@@ -8426,7 +8427,7 @@
               </p14:xfrm>
             </p:contentPart>
           </mc:Choice>
-          <mc:Fallback>
+          <mc:Fallback xmlns="">
             <p:pic>
               <p:nvPicPr>
                 <p:cNvPr id="61" name="Ink 60">
@@ -8457,8 +8458,8 @@
             </p:pic>
           </mc:Fallback>
         </mc:AlternateContent>
-        <mc:AlternateContent xmlns:mc="http://schemas.openxmlformats.org/markup-compatibility/2006">
-          <mc:Choice xmlns:p14="http://schemas.microsoft.com/office/powerpoint/2010/main" Requires="p14">
+        <mc:AlternateContent xmlns:mc="http://schemas.openxmlformats.org/markup-compatibility/2006" xmlns:p14="http://schemas.microsoft.com/office/powerpoint/2010/main">
+          <mc:Choice Requires="p14">
             <p:contentPart p14:bwMode="auto" r:id="rId102">
               <p14:nvContentPartPr>
                 <p14:cNvPr id="62" name="Ink 61">
@@ -8477,7 +8478,7 @@
               </p14:xfrm>
             </p:contentPart>
           </mc:Choice>
-          <mc:Fallback>
+          <mc:Fallback xmlns="">
             <p:pic>
               <p:nvPicPr>
                 <p:cNvPr id="62" name="Ink 61">
@@ -8508,8 +8509,8 @@
             </p:pic>
           </mc:Fallback>
         </mc:AlternateContent>
-        <mc:AlternateContent xmlns:mc="http://schemas.openxmlformats.org/markup-compatibility/2006">
-          <mc:Choice xmlns:p14="http://schemas.microsoft.com/office/powerpoint/2010/main" Requires="p14">
+        <mc:AlternateContent xmlns:mc="http://schemas.openxmlformats.org/markup-compatibility/2006" xmlns:p14="http://schemas.microsoft.com/office/powerpoint/2010/main">
+          <mc:Choice Requires="p14">
             <p:contentPart p14:bwMode="auto" r:id="rId104">
               <p14:nvContentPartPr>
                 <p14:cNvPr id="64" name="Ink 63">
@@ -8528,7 +8529,7 @@
               </p14:xfrm>
             </p:contentPart>
           </mc:Choice>
-          <mc:Fallback>
+          <mc:Fallback xmlns="">
             <p:pic>
               <p:nvPicPr>
                 <p:cNvPr id="64" name="Ink 63">
@@ -8559,8 +8560,8 @@
             </p:pic>
           </mc:Fallback>
         </mc:AlternateContent>
-        <mc:AlternateContent xmlns:mc="http://schemas.openxmlformats.org/markup-compatibility/2006">
-          <mc:Choice xmlns:p14="http://schemas.microsoft.com/office/powerpoint/2010/main" Requires="p14">
+        <mc:AlternateContent xmlns:mc="http://schemas.openxmlformats.org/markup-compatibility/2006" xmlns:p14="http://schemas.microsoft.com/office/powerpoint/2010/main">
+          <mc:Choice Requires="p14">
             <p:contentPart p14:bwMode="auto" r:id="rId106">
               <p14:nvContentPartPr>
                 <p14:cNvPr id="65" name="Ink 64">
@@ -8579,7 +8580,7 @@
               </p14:xfrm>
             </p:contentPart>
           </mc:Choice>
-          <mc:Fallback>
+          <mc:Fallback xmlns="">
             <p:pic>
               <p:nvPicPr>
                 <p:cNvPr id="65" name="Ink 64">
@@ -8610,8 +8611,8 @@
             </p:pic>
           </mc:Fallback>
         </mc:AlternateContent>
-        <mc:AlternateContent xmlns:mc="http://schemas.openxmlformats.org/markup-compatibility/2006">
-          <mc:Choice xmlns:p14="http://schemas.microsoft.com/office/powerpoint/2010/main" Requires="p14">
+        <mc:AlternateContent xmlns:mc="http://schemas.openxmlformats.org/markup-compatibility/2006" xmlns:p14="http://schemas.microsoft.com/office/powerpoint/2010/main">
+          <mc:Choice Requires="p14">
             <p:contentPart p14:bwMode="auto" r:id="rId108">
               <p14:nvContentPartPr>
                 <p14:cNvPr id="66" name="Ink 65">
@@ -8630,7 +8631,7 @@
               </p14:xfrm>
             </p:contentPart>
           </mc:Choice>
-          <mc:Fallback>
+          <mc:Fallback xmlns="">
             <p:pic>
               <p:nvPicPr>
                 <p:cNvPr id="66" name="Ink 65">
@@ -8661,8 +8662,8 @@
             </p:pic>
           </mc:Fallback>
         </mc:AlternateContent>
-        <mc:AlternateContent xmlns:mc="http://schemas.openxmlformats.org/markup-compatibility/2006">
-          <mc:Choice xmlns:p14="http://schemas.microsoft.com/office/powerpoint/2010/main" Requires="p14">
+        <mc:AlternateContent xmlns:mc="http://schemas.openxmlformats.org/markup-compatibility/2006" xmlns:p14="http://schemas.microsoft.com/office/powerpoint/2010/main">
+          <mc:Choice Requires="p14">
             <p:contentPart p14:bwMode="auto" r:id="rId110">
               <p14:nvContentPartPr>
                 <p14:cNvPr id="67" name="Ink 66">
@@ -8681,7 +8682,7 @@
               </p14:xfrm>
             </p:contentPart>
           </mc:Choice>
-          <mc:Fallback>
+          <mc:Fallback xmlns="">
             <p:pic>
               <p:nvPicPr>
                 <p:cNvPr id="67" name="Ink 66">
@@ -8712,8 +8713,8 @@
             </p:pic>
           </mc:Fallback>
         </mc:AlternateContent>
-        <mc:AlternateContent xmlns:mc="http://schemas.openxmlformats.org/markup-compatibility/2006">
-          <mc:Choice xmlns:p14="http://schemas.microsoft.com/office/powerpoint/2010/main" Requires="p14">
+        <mc:AlternateContent xmlns:mc="http://schemas.openxmlformats.org/markup-compatibility/2006" xmlns:p14="http://schemas.microsoft.com/office/powerpoint/2010/main">
+          <mc:Choice Requires="p14">
             <p:contentPart p14:bwMode="auto" r:id="rId112">
               <p14:nvContentPartPr>
                 <p14:cNvPr id="68" name="Ink 67">
@@ -8732,7 +8733,7 @@
               </p14:xfrm>
             </p:contentPart>
           </mc:Choice>
-          <mc:Fallback>
+          <mc:Fallback xmlns="">
             <p:pic>
               <p:nvPicPr>
                 <p:cNvPr id="68" name="Ink 67">
@@ -8763,8 +8764,8 @@
             </p:pic>
           </mc:Fallback>
         </mc:AlternateContent>
-        <mc:AlternateContent xmlns:mc="http://schemas.openxmlformats.org/markup-compatibility/2006">
-          <mc:Choice xmlns:p14="http://schemas.microsoft.com/office/powerpoint/2010/main" Requires="p14">
+        <mc:AlternateContent xmlns:mc="http://schemas.openxmlformats.org/markup-compatibility/2006" xmlns:p14="http://schemas.microsoft.com/office/powerpoint/2010/main">
+          <mc:Choice Requires="p14">
             <p:contentPart p14:bwMode="auto" r:id="rId114">
               <p14:nvContentPartPr>
                 <p14:cNvPr id="69" name="Ink 68">
@@ -8783,7 +8784,7 @@
               </p14:xfrm>
             </p:contentPart>
           </mc:Choice>
-          <mc:Fallback>
+          <mc:Fallback xmlns="">
             <p:pic>
               <p:nvPicPr>
                 <p:cNvPr id="69" name="Ink 68">
@@ -8814,8 +8815,8 @@
             </p:pic>
           </mc:Fallback>
         </mc:AlternateContent>
-        <mc:AlternateContent xmlns:mc="http://schemas.openxmlformats.org/markup-compatibility/2006">
-          <mc:Choice xmlns:p14="http://schemas.microsoft.com/office/powerpoint/2010/main" Requires="p14">
+        <mc:AlternateContent xmlns:mc="http://schemas.openxmlformats.org/markup-compatibility/2006" xmlns:p14="http://schemas.microsoft.com/office/powerpoint/2010/main">
+          <mc:Choice Requires="p14">
             <p:contentPart p14:bwMode="auto" r:id="rId116">
               <p14:nvContentPartPr>
                 <p14:cNvPr id="70" name="Ink 69">
@@ -8834,7 +8835,7 @@
               </p14:xfrm>
             </p:contentPart>
           </mc:Choice>
-          <mc:Fallback>
+          <mc:Fallback xmlns="">
             <p:pic>
               <p:nvPicPr>
                 <p:cNvPr id="70" name="Ink 69">
@@ -8865,8 +8866,8 @@
             </p:pic>
           </mc:Fallback>
         </mc:AlternateContent>
-        <mc:AlternateContent xmlns:mc="http://schemas.openxmlformats.org/markup-compatibility/2006">
-          <mc:Choice xmlns:p14="http://schemas.microsoft.com/office/powerpoint/2010/main" Requires="p14">
+        <mc:AlternateContent xmlns:mc="http://schemas.openxmlformats.org/markup-compatibility/2006" xmlns:p14="http://schemas.microsoft.com/office/powerpoint/2010/main">
+          <mc:Choice Requires="p14">
             <p:contentPart p14:bwMode="auto" r:id="rId118">
               <p14:nvContentPartPr>
                 <p14:cNvPr id="71" name="Ink 70">
@@ -8885,7 +8886,7 @@
               </p14:xfrm>
             </p:contentPart>
           </mc:Choice>
-          <mc:Fallback>
+          <mc:Fallback xmlns="">
             <p:pic>
               <p:nvPicPr>
                 <p:cNvPr id="71" name="Ink 70">
@@ -8916,8 +8917,8 @@
             </p:pic>
           </mc:Fallback>
         </mc:AlternateContent>
-        <mc:AlternateContent xmlns:mc="http://schemas.openxmlformats.org/markup-compatibility/2006">
-          <mc:Choice xmlns:p14="http://schemas.microsoft.com/office/powerpoint/2010/main" Requires="p14">
+        <mc:AlternateContent xmlns:mc="http://schemas.openxmlformats.org/markup-compatibility/2006" xmlns:p14="http://schemas.microsoft.com/office/powerpoint/2010/main">
+          <mc:Choice Requires="p14">
             <p:contentPart p14:bwMode="auto" r:id="rId120">
               <p14:nvContentPartPr>
                 <p14:cNvPr id="73" name="Ink 72">
@@ -8936,7 +8937,7 @@
               </p14:xfrm>
             </p:contentPart>
           </mc:Choice>
-          <mc:Fallback>
+          <mc:Fallback xmlns="">
             <p:pic>
               <p:nvPicPr>
                 <p:cNvPr id="73" name="Ink 72">
@@ -8967,8 +8968,8 @@
             </p:pic>
           </mc:Fallback>
         </mc:AlternateContent>
-        <mc:AlternateContent xmlns:mc="http://schemas.openxmlformats.org/markup-compatibility/2006">
-          <mc:Choice xmlns:p14="http://schemas.microsoft.com/office/powerpoint/2010/main" Requires="p14">
+        <mc:AlternateContent xmlns:mc="http://schemas.openxmlformats.org/markup-compatibility/2006" xmlns:p14="http://schemas.microsoft.com/office/powerpoint/2010/main">
+          <mc:Choice Requires="p14">
             <p:contentPart p14:bwMode="auto" r:id="rId122">
               <p14:nvContentPartPr>
                 <p14:cNvPr id="75" name="Ink 74">
@@ -8987,7 +8988,7 @@
               </p14:xfrm>
             </p:contentPart>
           </mc:Choice>
-          <mc:Fallback>
+          <mc:Fallback xmlns="">
             <p:pic>
               <p:nvPicPr>
                 <p:cNvPr id="75" name="Ink 74">
@@ -9018,8 +9019,8 @@
             </p:pic>
           </mc:Fallback>
         </mc:AlternateContent>
-        <mc:AlternateContent xmlns:mc="http://schemas.openxmlformats.org/markup-compatibility/2006">
-          <mc:Choice xmlns:p14="http://schemas.microsoft.com/office/powerpoint/2010/main" Requires="p14">
+        <mc:AlternateContent xmlns:mc="http://schemas.openxmlformats.org/markup-compatibility/2006" xmlns:p14="http://schemas.microsoft.com/office/powerpoint/2010/main">
+          <mc:Choice Requires="p14">
             <p:contentPart p14:bwMode="auto" r:id="rId124">
               <p14:nvContentPartPr>
                 <p14:cNvPr id="77" name="Ink 76">
@@ -9038,7 +9039,7 @@
               </p14:xfrm>
             </p:contentPart>
           </mc:Choice>
-          <mc:Fallback>
+          <mc:Fallback xmlns="">
             <p:pic>
               <p:nvPicPr>
                 <p:cNvPr id="77" name="Ink 76">
@@ -9069,8 +9070,8 @@
             </p:pic>
           </mc:Fallback>
         </mc:AlternateContent>
-        <mc:AlternateContent xmlns:mc="http://schemas.openxmlformats.org/markup-compatibility/2006">
-          <mc:Choice xmlns:p14="http://schemas.microsoft.com/office/powerpoint/2010/main" Requires="p14">
+        <mc:AlternateContent xmlns:mc="http://schemas.openxmlformats.org/markup-compatibility/2006" xmlns:p14="http://schemas.microsoft.com/office/powerpoint/2010/main">
+          <mc:Choice Requires="p14">
             <p:contentPart p14:bwMode="auto" r:id="rId126">
               <p14:nvContentPartPr>
                 <p14:cNvPr id="79" name="Ink 78">
@@ -9089,7 +9090,7 @@
               </p14:xfrm>
             </p:contentPart>
           </mc:Choice>
-          <mc:Fallback>
+          <mc:Fallback xmlns="">
             <p:pic>
               <p:nvPicPr>
                 <p:cNvPr id="79" name="Ink 78">
@@ -9141,8 +9142,8 @@
             <a:chExt cx="3379320" cy="2553840"/>
           </a:xfrm>
         </p:grpSpPr>
-        <mc:AlternateContent xmlns:mc="http://schemas.openxmlformats.org/markup-compatibility/2006">
-          <mc:Choice xmlns:p14="http://schemas.microsoft.com/office/powerpoint/2010/main" Requires="p14">
+        <mc:AlternateContent xmlns:mc="http://schemas.openxmlformats.org/markup-compatibility/2006" xmlns:p14="http://schemas.microsoft.com/office/powerpoint/2010/main">
+          <mc:Choice Requires="p14">
             <p:contentPart p14:bwMode="auto" r:id="rId128">
               <p14:nvContentPartPr>
                 <p14:cNvPr id="81" name="Ink 80">
@@ -9161,7 +9162,7 @@
               </p14:xfrm>
             </p:contentPart>
           </mc:Choice>
-          <mc:Fallback>
+          <mc:Fallback xmlns="">
             <p:pic>
               <p:nvPicPr>
                 <p:cNvPr id="81" name="Ink 80">
@@ -9192,8 +9193,8 @@
             </p:pic>
           </mc:Fallback>
         </mc:AlternateContent>
-        <mc:AlternateContent xmlns:mc="http://schemas.openxmlformats.org/markup-compatibility/2006">
-          <mc:Choice xmlns:p14="http://schemas.microsoft.com/office/powerpoint/2010/main" Requires="p14">
+        <mc:AlternateContent xmlns:mc="http://schemas.openxmlformats.org/markup-compatibility/2006" xmlns:p14="http://schemas.microsoft.com/office/powerpoint/2010/main">
+          <mc:Choice Requires="p14">
             <p:contentPart p14:bwMode="auto" r:id="rId130">
               <p14:nvContentPartPr>
                 <p14:cNvPr id="82" name="Ink 81">
@@ -9212,7 +9213,7 @@
               </p14:xfrm>
             </p:contentPart>
           </mc:Choice>
-          <mc:Fallback>
+          <mc:Fallback xmlns="">
             <p:pic>
               <p:nvPicPr>
                 <p:cNvPr id="82" name="Ink 81">
@@ -9243,8 +9244,8 @@
             </p:pic>
           </mc:Fallback>
         </mc:AlternateContent>
-        <mc:AlternateContent xmlns:mc="http://schemas.openxmlformats.org/markup-compatibility/2006">
-          <mc:Choice xmlns:p14="http://schemas.microsoft.com/office/powerpoint/2010/main" Requires="p14">
+        <mc:AlternateContent xmlns:mc="http://schemas.openxmlformats.org/markup-compatibility/2006" xmlns:p14="http://schemas.microsoft.com/office/powerpoint/2010/main">
+          <mc:Choice Requires="p14">
             <p:contentPart p14:bwMode="auto" r:id="rId132">
               <p14:nvContentPartPr>
                 <p14:cNvPr id="83" name="Ink 82">
@@ -9263,7 +9264,7 @@
               </p14:xfrm>
             </p:contentPart>
           </mc:Choice>
-          <mc:Fallback>
+          <mc:Fallback xmlns="">
             <p:pic>
               <p:nvPicPr>
                 <p:cNvPr id="83" name="Ink 82">
@@ -9294,8 +9295,8 @@
             </p:pic>
           </mc:Fallback>
         </mc:AlternateContent>
-        <mc:AlternateContent xmlns:mc="http://schemas.openxmlformats.org/markup-compatibility/2006">
-          <mc:Choice xmlns:p14="http://schemas.microsoft.com/office/powerpoint/2010/main" Requires="p14">
+        <mc:AlternateContent xmlns:mc="http://schemas.openxmlformats.org/markup-compatibility/2006" xmlns:p14="http://schemas.microsoft.com/office/powerpoint/2010/main">
+          <mc:Choice Requires="p14">
             <p:contentPart p14:bwMode="auto" r:id="rId134">
               <p14:nvContentPartPr>
                 <p14:cNvPr id="84" name="Ink 83">
@@ -9314,7 +9315,7 @@
               </p14:xfrm>
             </p:contentPart>
           </mc:Choice>
-          <mc:Fallback>
+          <mc:Fallback xmlns="">
             <p:pic>
               <p:nvPicPr>
                 <p:cNvPr id="84" name="Ink 83">
@@ -9345,8 +9346,8 @@
             </p:pic>
           </mc:Fallback>
         </mc:AlternateContent>
-        <mc:AlternateContent xmlns:mc="http://schemas.openxmlformats.org/markup-compatibility/2006">
-          <mc:Choice xmlns:p14="http://schemas.microsoft.com/office/powerpoint/2010/main" Requires="p14">
+        <mc:AlternateContent xmlns:mc="http://schemas.openxmlformats.org/markup-compatibility/2006" xmlns:p14="http://schemas.microsoft.com/office/powerpoint/2010/main">
+          <mc:Choice Requires="p14">
             <p:contentPart p14:bwMode="auto" r:id="rId136">
               <p14:nvContentPartPr>
                 <p14:cNvPr id="85" name="Ink 84">
@@ -9365,7 +9366,7 @@
               </p14:xfrm>
             </p:contentPart>
           </mc:Choice>
-          <mc:Fallback>
+          <mc:Fallback xmlns="">
             <p:pic>
               <p:nvPicPr>
                 <p:cNvPr id="85" name="Ink 84">
@@ -9396,8 +9397,8 @@
             </p:pic>
           </mc:Fallback>
         </mc:AlternateContent>
-        <mc:AlternateContent xmlns:mc="http://schemas.openxmlformats.org/markup-compatibility/2006">
-          <mc:Choice xmlns:p14="http://schemas.microsoft.com/office/powerpoint/2010/main" Requires="p14">
+        <mc:AlternateContent xmlns:mc="http://schemas.openxmlformats.org/markup-compatibility/2006" xmlns:p14="http://schemas.microsoft.com/office/powerpoint/2010/main">
+          <mc:Choice Requires="p14">
             <p:contentPart p14:bwMode="auto" r:id="rId138">
               <p14:nvContentPartPr>
                 <p14:cNvPr id="86" name="Ink 85">
@@ -9416,7 +9417,7 @@
               </p14:xfrm>
             </p:contentPart>
           </mc:Choice>
-          <mc:Fallback>
+          <mc:Fallback xmlns="">
             <p:pic>
               <p:nvPicPr>
                 <p:cNvPr id="86" name="Ink 85">
@@ -9447,8 +9448,8 @@
             </p:pic>
           </mc:Fallback>
         </mc:AlternateContent>
-        <mc:AlternateContent xmlns:mc="http://schemas.openxmlformats.org/markup-compatibility/2006">
-          <mc:Choice xmlns:p14="http://schemas.microsoft.com/office/powerpoint/2010/main" Requires="p14">
+        <mc:AlternateContent xmlns:mc="http://schemas.openxmlformats.org/markup-compatibility/2006" xmlns:p14="http://schemas.microsoft.com/office/powerpoint/2010/main">
+          <mc:Choice Requires="p14">
             <p:contentPart p14:bwMode="auto" r:id="rId140">
               <p14:nvContentPartPr>
                 <p14:cNvPr id="87" name="Ink 86">
@@ -9467,7 +9468,7 @@
               </p14:xfrm>
             </p:contentPart>
           </mc:Choice>
-          <mc:Fallback>
+          <mc:Fallback xmlns="">
             <p:pic>
               <p:nvPicPr>
                 <p:cNvPr id="87" name="Ink 86">
@@ -9498,8 +9499,8 @@
             </p:pic>
           </mc:Fallback>
         </mc:AlternateContent>
-        <mc:AlternateContent xmlns:mc="http://schemas.openxmlformats.org/markup-compatibility/2006">
-          <mc:Choice xmlns:p14="http://schemas.microsoft.com/office/powerpoint/2010/main" Requires="p14">
+        <mc:AlternateContent xmlns:mc="http://schemas.openxmlformats.org/markup-compatibility/2006" xmlns:p14="http://schemas.microsoft.com/office/powerpoint/2010/main">
+          <mc:Choice Requires="p14">
             <p:contentPart p14:bwMode="auto" r:id="rId142">
               <p14:nvContentPartPr>
                 <p14:cNvPr id="88" name="Ink 87">
@@ -9518,7 +9519,7 @@
               </p14:xfrm>
             </p:contentPart>
           </mc:Choice>
-          <mc:Fallback>
+          <mc:Fallback xmlns="">
             <p:pic>
               <p:nvPicPr>
                 <p:cNvPr id="88" name="Ink 87">
@@ -9549,8 +9550,8 @@
             </p:pic>
           </mc:Fallback>
         </mc:AlternateContent>
-        <mc:AlternateContent xmlns:mc="http://schemas.openxmlformats.org/markup-compatibility/2006">
-          <mc:Choice xmlns:p14="http://schemas.microsoft.com/office/powerpoint/2010/main" Requires="p14">
+        <mc:AlternateContent xmlns:mc="http://schemas.openxmlformats.org/markup-compatibility/2006" xmlns:p14="http://schemas.microsoft.com/office/powerpoint/2010/main">
+          <mc:Choice Requires="p14">
             <p:contentPart p14:bwMode="auto" r:id="rId144">
               <p14:nvContentPartPr>
                 <p14:cNvPr id="89" name="Ink 88">
@@ -9569,7 +9570,7 @@
               </p14:xfrm>
             </p:contentPart>
           </mc:Choice>
-          <mc:Fallback>
+          <mc:Fallback xmlns="">
             <p:pic>
               <p:nvPicPr>
                 <p:cNvPr id="89" name="Ink 88">
@@ -9601,8 +9602,8 @@
           </mc:Fallback>
         </mc:AlternateContent>
       </p:grpSp>
-      <mc:AlternateContent xmlns:mc="http://schemas.openxmlformats.org/markup-compatibility/2006">
-        <mc:Choice xmlns:p14="http://schemas.microsoft.com/office/powerpoint/2010/main" Requires="p14">
+      <mc:AlternateContent xmlns:mc="http://schemas.openxmlformats.org/markup-compatibility/2006" xmlns:p14="http://schemas.microsoft.com/office/powerpoint/2010/main">
+        <mc:Choice Requires="p14">
           <p:contentPart p14:bwMode="auto" r:id="rId146">
             <p14:nvContentPartPr>
               <p14:cNvPr id="91" name="Ink 90">
@@ -9621,7 +9622,7 @@
             </p14:xfrm>
           </p:contentPart>
         </mc:Choice>
-        <mc:Fallback>
+        <mc:Fallback xmlns="">
           <p:pic>
             <p:nvPicPr>
               <p:cNvPr id="91" name="Ink 90">
@@ -9656,6 +9657,575 @@
     <p:extLst>
       <p:ext uri="{BB962C8B-B14F-4D97-AF65-F5344CB8AC3E}">
         <p14:creationId xmlns:p14="http://schemas.microsoft.com/office/powerpoint/2010/main" val="1955128963"/>
+      </p:ext>
+    </p:extLst>
+  </p:cSld>
+  <p:clrMapOvr>
+    <a:masterClrMapping/>
+  </p:clrMapOvr>
+</p:sld>
+</file>
+
+<file path=ppt/slides/slide4.xml><?xml version="1.0" encoding="utf-8"?>
+<p:sld xmlns:a="http://schemas.openxmlformats.org/drawingml/2006/main" xmlns:r="http://schemas.openxmlformats.org/officeDocument/2006/relationships" xmlns:p="http://schemas.openxmlformats.org/presentationml/2006/main">
+  <p:cSld>
+    <p:spTree>
+      <p:nvGrpSpPr>
+        <p:cNvPr id="1" name=""/>
+        <p:cNvGrpSpPr/>
+        <p:nvPr/>
+      </p:nvGrpSpPr>
+      <p:grpSpPr>
+        <a:xfrm>
+          <a:off x="0" y="0"/>
+          <a:ext cx="0" cy="0"/>
+          <a:chOff x="0" y="0"/>
+          <a:chExt cx="0" cy="0"/>
+        </a:xfrm>
+      </p:grpSpPr>
+      <p:sp>
+        <p:nvSpPr>
+          <p:cNvPr id="2" name="Title 1">
+            <a:extLst>
+              <a:ext uri="{FF2B5EF4-FFF2-40B4-BE49-F238E27FC236}">
+                <a16:creationId xmlns:a16="http://schemas.microsoft.com/office/drawing/2014/main" id="{F9E1AD3F-9F73-5643-5F10-49E227D707F4}"/>
+              </a:ext>
+            </a:extLst>
+          </p:cNvPr>
+          <p:cNvSpPr>
+            <a:spLocks noGrp="1"/>
+          </p:cNvSpPr>
+          <p:nvPr>
+            <p:ph type="title"/>
+          </p:nvPr>
+        </p:nvSpPr>
+        <p:spPr/>
+        <p:txBody>
+          <a:bodyPr/>
+          <a:lstStyle/>
+          <a:p>
+            <a:r>
+              <a:rPr lang="en-US" dirty="0"/>
+              <a:t>RPS OOP Planning</a:t>
+            </a:r>
+          </a:p>
+        </p:txBody>
+      </p:sp>
+      <p:graphicFrame>
+        <p:nvGraphicFramePr>
+          <p:cNvPr id="4" name="Table 4">
+            <a:extLst>
+              <a:ext uri="{FF2B5EF4-FFF2-40B4-BE49-F238E27FC236}">
+                <a16:creationId xmlns:a16="http://schemas.microsoft.com/office/drawing/2014/main" id="{69B6CC62-D38F-6189-071C-7ED28FE65C14}"/>
+              </a:ext>
+            </a:extLst>
+          </p:cNvPr>
+          <p:cNvGraphicFramePr>
+            <a:graphicFrameLocks noGrp="1"/>
+          </p:cNvGraphicFramePr>
+          <p:nvPr>
+            <p:ph idx="1"/>
+            <p:extLst>
+              <p:ext uri="{D42A27DB-BD31-4B8C-83A1-F6EECF244321}">
+                <p14:modId xmlns:p14="http://schemas.microsoft.com/office/powerpoint/2010/main" val="774597943"/>
+              </p:ext>
+            </p:extLst>
+          </p:nvPr>
+        </p:nvGraphicFramePr>
+        <p:xfrm>
+          <a:off x="838200" y="1825625"/>
+          <a:ext cx="10515600" cy="2966720"/>
+        </p:xfrm>
+        <a:graphic>
+          <a:graphicData uri="http://schemas.openxmlformats.org/drawingml/2006/table">
+            <a:tbl>
+              <a:tblPr firstRow="1" bandRow="1">
+                <a:tableStyleId>{5C22544A-7EE6-4342-B048-85BDC9FD1C3A}</a:tableStyleId>
+              </a:tblPr>
+              <a:tblGrid>
+                <a:gridCol w="2104348">
+                  <a:extLst>
+                    <a:ext uri="{9D8B030D-6E8A-4147-A177-3AD203B41FA5}">
+                      <a16:colId xmlns:a16="http://schemas.microsoft.com/office/drawing/2014/main" val="1746974277"/>
+                    </a:ext>
+                  </a:extLst>
+                </a:gridCol>
+                <a:gridCol w="2877543">
+                  <a:extLst>
+                    <a:ext uri="{9D8B030D-6E8A-4147-A177-3AD203B41FA5}">
+                      <a16:colId xmlns:a16="http://schemas.microsoft.com/office/drawing/2014/main" val="630654838"/>
+                    </a:ext>
+                  </a:extLst>
+                </a:gridCol>
+                <a:gridCol w="2904809">
+                  <a:extLst>
+                    <a:ext uri="{9D8B030D-6E8A-4147-A177-3AD203B41FA5}">
+                      <a16:colId xmlns:a16="http://schemas.microsoft.com/office/drawing/2014/main" val="1385804153"/>
+                    </a:ext>
+                  </a:extLst>
+                </a:gridCol>
+                <a:gridCol w="2628900">
+                  <a:extLst>
+                    <a:ext uri="{9D8B030D-6E8A-4147-A177-3AD203B41FA5}">
+                      <a16:colId xmlns:a16="http://schemas.microsoft.com/office/drawing/2014/main" val="872475530"/>
+                    </a:ext>
+                  </a:extLst>
+                </a:gridCol>
+              </a:tblGrid>
+              <a:tr h="370840">
+                <a:tc>
+                  <a:txBody>
+                    <a:bodyPr/>
+                    <a:lstStyle/>
+                    <a:p>
+                      <a:r>
+                        <a:rPr lang="en-US" dirty="0"/>
+                        <a:t>Player</a:t>
+                      </a:r>
+                    </a:p>
+                  </a:txBody>
+                  <a:tcPr/>
+                </a:tc>
+                <a:tc>
+                  <a:txBody>
+                    <a:bodyPr/>
+                    <a:lstStyle/>
+                    <a:p>
+                      <a:r>
+                        <a:rPr lang="en-US" dirty="0" err="1"/>
+                        <a:t>Gamepieces</a:t>
+                      </a:r>
+                      <a:endParaRPr lang="en-US" dirty="0"/>
+                    </a:p>
+                  </a:txBody>
+                  <a:tcPr/>
+                </a:tc>
+                <a:tc>
+                  <a:txBody>
+                    <a:bodyPr/>
+                    <a:lstStyle/>
+                    <a:p>
+                      <a:r>
+                        <a:rPr lang="en-US" dirty="0"/>
+                        <a:t>Game(results of the game)</a:t>
+                      </a:r>
+                    </a:p>
+                  </a:txBody>
+                  <a:tcPr/>
+                </a:tc>
+                <a:tc>
+                  <a:txBody>
+                    <a:bodyPr/>
+                    <a:lstStyle/>
+                    <a:p>
+                      <a:r>
+                        <a:rPr lang="en-US" dirty="0"/>
+                        <a:t>Round</a:t>
+                      </a:r>
+                    </a:p>
+                  </a:txBody>
+                  <a:tcPr/>
+                </a:tc>
+                <a:extLst>
+                  <a:ext uri="{0D108BD9-81ED-4DB2-BD59-A6C34878D82A}">
+                    <a16:rowId xmlns:a16="http://schemas.microsoft.com/office/drawing/2014/main" val="2532158938"/>
+                  </a:ext>
+                </a:extLst>
+              </a:tr>
+              <a:tr h="370840">
+                <a:tc>
+                  <a:txBody>
+                    <a:bodyPr/>
+                    <a:lstStyle/>
+                    <a:p>
+                      <a:r>
+                        <a:rPr lang="en-US" dirty="0" err="1"/>
+                        <a:t>Fname</a:t>
+                      </a:r>
+                      <a:endParaRPr lang="en-US" dirty="0"/>
+                    </a:p>
+                  </a:txBody>
+                  <a:tcPr/>
+                </a:tc>
+                <a:tc>
+                  <a:txBody>
+                    <a:bodyPr/>
+                    <a:lstStyle/>
+                    <a:p>
+                      <a:r>
+                        <a:rPr lang="en-US" dirty="0"/>
+                        <a:t>Rock</a:t>
+                      </a:r>
+                    </a:p>
+                  </a:txBody>
+                  <a:tcPr/>
+                </a:tc>
+                <a:tc>
+                  <a:txBody>
+                    <a:bodyPr/>
+                    <a:lstStyle/>
+                    <a:p>
+                      <a:r>
+                        <a:rPr lang="en-US" dirty="0"/>
+                        <a:t>Array(List) of rounds</a:t>
+                      </a:r>
+                    </a:p>
+                  </a:txBody>
+                  <a:tcPr/>
+                </a:tc>
+                <a:tc>
+                  <a:txBody>
+                    <a:bodyPr/>
+                    <a:lstStyle/>
+                    <a:p>
+                      <a:r>
+                        <a:rPr lang="en-US" dirty="0"/>
+                        <a:t>P1choice</a:t>
+                      </a:r>
+                    </a:p>
+                  </a:txBody>
+                  <a:tcPr/>
+                </a:tc>
+                <a:extLst>
+                  <a:ext uri="{0D108BD9-81ED-4DB2-BD59-A6C34878D82A}">
+                    <a16:rowId xmlns:a16="http://schemas.microsoft.com/office/drawing/2014/main" val="1992777680"/>
+                  </a:ext>
+                </a:extLst>
+              </a:tr>
+              <a:tr h="370840">
+                <a:tc>
+                  <a:txBody>
+                    <a:bodyPr/>
+                    <a:lstStyle/>
+                    <a:p>
+                      <a:r>
+                        <a:rPr lang="en-US" dirty="0" err="1"/>
+                        <a:t>Lname</a:t>
+                      </a:r>
+                      <a:endParaRPr lang="en-US" dirty="0"/>
+                    </a:p>
+                  </a:txBody>
+                  <a:tcPr/>
+                </a:tc>
+                <a:tc>
+                  <a:txBody>
+                    <a:bodyPr/>
+                    <a:lstStyle/>
+                    <a:p>
+                      <a:r>
+                        <a:rPr lang="en-US" dirty="0"/>
+                        <a:t>Paper</a:t>
+                      </a:r>
+                    </a:p>
+                  </a:txBody>
+                  <a:tcPr/>
+                </a:tc>
+                <a:tc>
+                  <a:txBody>
+                    <a:bodyPr/>
+                    <a:lstStyle/>
+                    <a:p>
+                      <a:r>
+                        <a:rPr lang="en-US" dirty="0"/>
+                        <a:t>Overall winner</a:t>
+                      </a:r>
+                    </a:p>
+                  </a:txBody>
+                  <a:tcPr/>
+                </a:tc>
+                <a:tc>
+                  <a:txBody>
+                    <a:bodyPr/>
+                    <a:lstStyle/>
+                    <a:p>
+                      <a:r>
+                        <a:rPr lang="en-US" dirty="0"/>
+                        <a:t>P2choice</a:t>
+                      </a:r>
+                    </a:p>
+                  </a:txBody>
+                  <a:tcPr/>
+                </a:tc>
+                <a:extLst>
+                  <a:ext uri="{0D108BD9-81ED-4DB2-BD59-A6C34878D82A}">
+                    <a16:rowId xmlns:a16="http://schemas.microsoft.com/office/drawing/2014/main" val="4021628799"/>
+                  </a:ext>
+                </a:extLst>
+              </a:tr>
+              <a:tr h="370840">
+                <a:tc>
+                  <a:txBody>
+                    <a:bodyPr/>
+                    <a:lstStyle/>
+                    <a:p>
+                      <a:r>
+                        <a:rPr lang="en-US" dirty="0" err="1"/>
+                        <a:t>DoB</a:t>
+                      </a:r>
+                      <a:endParaRPr lang="en-US" dirty="0"/>
+                    </a:p>
+                  </a:txBody>
+                  <a:tcPr/>
+                </a:tc>
+                <a:tc>
+                  <a:txBody>
+                    <a:bodyPr/>
+                    <a:lstStyle/>
+                    <a:p>
+                      <a:r>
+                        <a:rPr lang="en-US" dirty="0"/>
+                        <a:t>scissors</a:t>
+                      </a:r>
+                    </a:p>
+                  </a:txBody>
+                  <a:tcPr/>
+                </a:tc>
+                <a:tc>
+                  <a:txBody>
+                    <a:bodyPr/>
+                    <a:lstStyle/>
+                    <a:p>
+                      <a:r>
+                        <a:rPr lang="en-US" dirty="0"/>
+                        <a:t>Date &amp; Time played</a:t>
+                      </a:r>
+                    </a:p>
+                  </a:txBody>
+                  <a:tcPr/>
+                </a:tc>
+                <a:tc>
+                  <a:txBody>
+                    <a:bodyPr/>
+                    <a:lstStyle/>
+                    <a:p>
+                      <a:r>
+                        <a:rPr lang="en-US" dirty="0"/>
+                        <a:t>P1</a:t>
+                      </a:r>
+                    </a:p>
+                  </a:txBody>
+                  <a:tcPr/>
+                </a:tc>
+                <a:extLst>
+                  <a:ext uri="{0D108BD9-81ED-4DB2-BD59-A6C34878D82A}">
+                    <a16:rowId xmlns:a16="http://schemas.microsoft.com/office/drawing/2014/main" val="2937763594"/>
+                  </a:ext>
+                </a:extLst>
+              </a:tr>
+              <a:tr h="370840">
+                <a:tc>
+                  <a:txBody>
+                    <a:bodyPr/>
+                    <a:lstStyle/>
+                    <a:p>
+                      <a:r>
+                        <a:rPr lang="en-US" dirty="0"/>
+                        <a:t>Gender</a:t>
+                      </a:r>
+                    </a:p>
+                  </a:txBody>
+                  <a:tcPr/>
+                </a:tc>
+                <a:tc>
+                  <a:txBody>
+                    <a:bodyPr/>
+                    <a:lstStyle/>
+                    <a:p>
+                      <a:endParaRPr lang="en-US" dirty="0"/>
+                    </a:p>
+                  </a:txBody>
+                  <a:tcPr/>
+                </a:tc>
+                <a:tc>
+                  <a:txBody>
+                    <a:bodyPr/>
+                    <a:lstStyle/>
+                    <a:p>
+                      <a:r>
+                        <a:rPr lang="en-US" dirty="0"/>
+                        <a:t>Number of ties</a:t>
+                      </a:r>
+                    </a:p>
+                  </a:txBody>
+                  <a:tcPr/>
+                </a:tc>
+                <a:tc>
+                  <a:txBody>
+                    <a:bodyPr/>
+                    <a:lstStyle/>
+                    <a:p>
+                      <a:r>
+                        <a:rPr lang="en-US" dirty="0"/>
+                        <a:t>p2</a:t>
+                      </a:r>
+                    </a:p>
+                  </a:txBody>
+                  <a:tcPr/>
+                </a:tc>
+                <a:extLst>
+                  <a:ext uri="{0D108BD9-81ED-4DB2-BD59-A6C34878D82A}">
+                    <a16:rowId xmlns:a16="http://schemas.microsoft.com/office/drawing/2014/main" val="724769240"/>
+                  </a:ext>
+                </a:extLst>
+              </a:tr>
+              <a:tr h="370840">
+                <a:tc>
+                  <a:txBody>
+                    <a:bodyPr/>
+                    <a:lstStyle/>
+                    <a:p>
+                      <a:r>
+                        <a:rPr lang="en-US" dirty="0"/>
+                        <a:t>Wins</a:t>
+                      </a:r>
+                    </a:p>
+                  </a:txBody>
+                  <a:tcPr/>
+                </a:tc>
+                <a:tc>
+                  <a:txBody>
+                    <a:bodyPr/>
+                    <a:lstStyle/>
+                    <a:p>
+                      <a:endParaRPr lang="en-US" dirty="0"/>
+                    </a:p>
+                  </a:txBody>
+                  <a:tcPr/>
+                </a:tc>
+                <a:tc>
+                  <a:txBody>
+                    <a:bodyPr/>
+                    <a:lstStyle/>
+                    <a:p>
+                      <a:endParaRPr lang="en-US" dirty="0"/>
+                    </a:p>
+                  </a:txBody>
+                  <a:tcPr/>
+                </a:tc>
+                <a:tc>
+                  <a:txBody>
+                    <a:bodyPr/>
+                    <a:lstStyle/>
+                    <a:p>
+                      <a:r>
+                        <a:rPr lang="en-US" dirty="0"/>
+                        <a:t>Round winner</a:t>
+                      </a:r>
+                    </a:p>
+                  </a:txBody>
+                  <a:tcPr/>
+                </a:tc>
+                <a:extLst>
+                  <a:ext uri="{0D108BD9-81ED-4DB2-BD59-A6C34878D82A}">
+                    <a16:rowId xmlns:a16="http://schemas.microsoft.com/office/drawing/2014/main" val="216940374"/>
+                  </a:ext>
+                </a:extLst>
+              </a:tr>
+              <a:tr h="370840">
+                <a:tc>
+                  <a:txBody>
+                    <a:bodyPr/>
+                    <a:lstStyle/>
+                    <a:p>
+                      <a:r>
+                        <a:rPr lang="en-US" dirty="0"/>
+                        <a:t>losses</a:t>
+                      </a:r>
+                    </a:p>
+                  </a:txBody>
+                  <a:tcPr/>
+                </a:tc>
+                <a:tc>
+                  <a:txBody>
+                    <a:bodyPr/>
+                    <a:lstStyle/>
+                    <a:p>
+                      <a:endParaRPr lang="en-US" dirty="0"/>
+                    </a:p>
+                  </a:txBody>
+                  <a:tcPr/>
+                </a:tc>
+                <a:tc>
+                  <a:txBody>
+                    <a:bodyPr/>
+                    <a:lstStyle/>
+                    <a:p>
+                      <a:endParaRPr lang="en-US" dirty="0"/>
+                    </a:p>
+                  </a:txBody>
+                  <a:tcPr/>
+                </a:tc>
+                <a:tc>
+                  <a:txBody>
+                    <a:bodyPr/>
+                    <a:lstStyle/>
+                    <a:p>
+                      <a:endParaRPr lang="en-US" dirty="0"/>
+                    </a:p>
+                  </a:txBody>
+                  <a:tcPr/>
+                </a:tc>
+                <a:extLst>
+                  <a:ext uri="{0D108BD9-81ED-4DB2-BD59-A6C34878D82A}">
+                    <a16:rowId xmlns:a16="http://schemas.microsoft.com/office/drawing/2014/main" val="2304622162"/>
+                  </a:ext>
+                </a:extLst>
+              </a:tr>
+              <a:tr h="370840">
+                <a:tc>
+                  <a:txBody>
+                    <a:bodyPr/>
+                    <a:lstStyle/>
+                    <a:p>
+                      <a:endParaRPr lang="en-US" dirty="0"/>
+                    </a:p>
+                  </a:txBody>
+                  <a:tcPr/>
+                </a:tc>
+                <a:tc>
+                  <a:txBody>
+                    <a:bodyPr/>
+                    <a:lstStyle/>
+                    <a:p>
+                      <a:endParaRPr lang="en-US" dirty="0"/>
+                    </a:p>
+                  </a:txBody>
+                  <a:tcPr/>
+                </a:tc>
+                <a:tc>
+                  <a:txBody>
+                    <a:bodyPr/>
+                    <a:lstStyle/>
+                    <a:p>
+                      <a:endParaRPr lang="en-US" dirty="0"/>
+                    </a:p>
+                  </a:txBody>
+                  <a:tcPr/>
+                </a:tc>
+                <a:tc>
+                  <a:txBody>
+                    <a:bodyPr/>
+                    <a:lstStyle/>
+                    <a:p>
+                      <a:endParaRPr lang="en-US" dirty="0"/>
+                    </a:p>
+                  </a:txBody>
+                  <a:tcPr/>
+                </a:tc>
+                <a:extLst>
+                  <a:ext uri="{0D108BD9-81ED-4DB2-BD59-A6C34878D82A}">
+                    <a16:rowId xmlns:a16="http://schemas.microsoft.com/office/drawing/2014/main" val="3851927929"/>
+                  </a:ext>
+                </a:extLst>
+              </a:tr>
+            </a:tbl>
+          </a:graphicData>
+        </a:graphic>
+      </p:graphicFrame>
+    </p:spTree>
+    <p:extLst>
+      <p:ext uri="{BB962C8B-B14F-4D97-AF65-F5344CB8AC3E}">
+        <p14:creationId xmlns:p14="http://schemas.microsoft.com/office/powerpoint/2010/main" val="4271260597"/>
       </p:ext>
     </p:extLst>
   </p:cSld>

--- a/Marks Drawings.pptx
+++ b/Marks Drawings.pptx
@@ -2309,7 +2309,7 @@
           <a:p>
             <a:fld id="{8415B7D3-8679-45B1-95C7-B5CD651E1E0B}" type="datetimeFigureOut">
               <a:rPr lang="en-US" smtClean="0"/>
-              <a:t>7/25/2022</a:t>
+              <a:t>7/26/2022</a:t>
             </a:fld>
             <a:endParaRPr lang="en-US"/>
           </a:p>
@@ -2507,7 +2507,7 @@
           <a:p>
             <a:fld id="{8415B7D3-8679-45B1-95C7-B5CD651E1E0B}" type="datetimeFigureOut">
               <a:rPr lang="en-US" smtClean="0"/>
-              <a:t>7/25/2022</a:t>
+              <a:t>7/26/2022</a:t>
             </a:fld>
             <a:endParaRPr lang="en-US"/>
           </a:p>
@@ -2715,7 +2715,7 @@
           <a:p>
             <a:fld id="{8415B7D3-8679-45B1-95C7-B5CD651E1E0B}" type="datetimeFigureOut">
               <a:rPr lang="en-US" smtClean="0"/>
-              <a:t>7/25/2022</a:t>
+              <a:t>7/26/2022</a:t>
             </a:fld>
             <a:endParaRPr lang="en-US"/>
           </a:p>
@@ -2913,7 +2913,7 @@
           <a:p>
             <a:fld id="{8415B7D3-8679-45B1-95C7-B5CD651E1E0B}" type="datetimeFigureOut">
               <a:rPr lang="en-US" smtClean="0"/>
-              <a:t>7/25/2022</a:t>
+              <a:t>7/26/2022</a:t>
             </a:fld>
             <a:endParaRPr lang="en-US"/>
           </a:p>
@@ -3188,7 +3188,7 @@
           <a:p>
             <a:fld id="{8415B7D3-8679-45B1-95C7-B5CD651E1E0B}" type="datetimeFigureOut">
               <a:rPr lang="en-US" smtClean="0"/>
-              <a:t>7/25/2022</a:t>
+              <a:t>7/26/2022</a:t>
             </a:fld>
             <a:endParaRPr lang="en-US"/>
           </a:p>
@@ -3453,7 +3453,7 @@
           <a:p>
             <a:fld id="{8415B7D3-8679-45B1-95C7-B5CD651E1E0B}" type="datetimeFigureOut">
               <a:rPr lang="en-US" smtClean="0"/>
-              <a:t>7/25/2022</a:t>
+              <a:t>7/26/2022</a:t>
             </a:fld>
             <a:endParaRPr lang="en-US"/>
           </a:p>
@@ -3865,7 +3865,7 @@
           <a:p>
             <a:fld id="{8415B7D3-8679-45B1-95C7-B5CD651E1E0B}" type="datetimeFigureOut">
               <a:rPr lang="en-US" smtClean="0"/>
-              <a:t>7/25/2022</a:t>
+              <a:t>7/26/2022</a:t>
             </a:fld>
             <a:endParaRPr lang="en-US"/>
           </a:p>
@@ -4006,7 +4006,7 @@
           <a:p>
             <a:fld id="{8415B7D3-8679-45B1-95C7-B5CD651E1E0B}" type="datetimeFigureOut">
               <a:rPr lang="en-US" smtClean="0"/>
-              <a:t>7/25/2022</a:t>
+              <a:t>7/26/2022</a:t>
             </a:fld>
             <a:endParaRPr lang="en-US"/>
           </a:p>
@@ -4119,7 +4119,7 @@
           <a:p>
             <a:fld id="{8415B7D3-8679-45B1-95C7-B5CD651E1E0B}" type="datetimeFigureOut">
               <a:rPr lang="en-US" smtClean="0"/>
-              <a:t>7/25/2022</a:t>
+              <a:t>7/26/2022</a:t>
             </a:fld>
             <a:endParaRPr lang="en-US"/>
           </a:p>
@@ -4430,7 +4430,7 @@
           <a:p>
             <a:fld id="{8415B7D3-8679-45B1-95C7-B5CD651E1E0B}" type="datetimeFigureOut">
               <a:rPr lang="en-US" smtClean="0"/>
-              <a:t>7/25/2022</a:t>
+              <a:t>7/26/2022</a:t>
             </a:fld>
             <a:endParaRPr lang="en-US"/>
           </a:p>
@@ -4718,7 +4718,7 @@
           <a:p>
             <a:fld id="{8415B7D3-8679-45B1-95C7-B5CD651E1E0B}" type="datetimeFigureOut">
               <a:rPr lang="en-US" smtClean="0"/>
-              <a:t>7/25/2022</a:t>
+              <a:t>7/26/2022</a:t>
             </a:fld>
             <a:endParaRPr lang="en-US"/>
           </a:p>
@@ -4959,7 +4959,7 @@
           <a:p>
             <a:fld id="{8415B7D3-8679-45B1-95C7-B5CD651E1E0B}" type="datetimeFigureOut">
               <a:rPr lang="en-US" smtClean="0"/>
-              <a:t>7/25/2022</a:t>
+              <a:t>7/26/2022</a:t>
             </a:fld>
             <a:endParaRPr lang="en-US"/>
           </a:p>
@@ -9727,7 +9727,7 @@
             <p:ph idx="1"/>
             <p:extLst>
               <p:ext uri="{D42A27DB-BD31-4B8C-83A1-F6EECF244321}">
-                <p14:modId xmlns:p14="http://schemas.microsoft.com/office/powerpoint/2010/main" val="774597943"/>
+                <p14:modId xmlns:p14="http://schemas.microsoft.com/office/powerpoint/2010/main" val="2271130823"/>
               </p:ext>
             </p:extLst>
           </p:nvPr>
@@ -10097,7 +10097,14 @@
                     <a:bodyPr/>
                     <a:lstStyle/>
                     <a:p>
-                      <a:endParaRPr lang="en-US" dirty="0"/>
+                      <a:r>
+                        <a:rPr lang="en-US" dirty="0">
+                          <a:solidFill>
+                            <a:srgbClr val="FF0000"/>
+                          </a:solidFill>
+                        </a:rPr>
+                        <a:t>P1</a:t>
+                      </a:r>
                     </a:p>
                   </a:txBody>
                   <a:tcPr/>
@@ -10150,7 +10157,14 @@
                     <a:bodyPr/>
                     <a:lstStyle/>
                     <a:p>
-                      <a:endParaRPr lang="en-US" dirty="0"/>
+                      <a:r>
+                        <a:rPr lang="en-US" dirty="0">
+                          <a:solidFill>
+                            <a:srgbClr val="FF0000"/>
+                          </a:solidFill>
+                        </a:rPr>
+                        <a:t>p2</a:t>
+                      </a:r>
                     </a:p>
                   </a:txBody>
                   <a:tcPr/>

--- a/Marks Drawings.pptx
+++ b/Marks Drawings.pptx
@@ -10,6 +10,7 @@
     <p:sldId id="258" r:id="rId4"/>
     <p:sldId id="259" r:id="rId5"/>
     <p:sldId id="260" r:id="rId6"/>
+    <p:sldId id="261" r:id="rId7"/>
   </p:sldIdLst>
   <p:sldSz cx="12192000" cy="6858000"/>
   <p:notesSz cx="6858000" cy="9144000"/>
@@ -5940,7 +5941,7 @@
           <a:p>
             <a:fld id="{8415B7D3-8679-45B1-95C7-B5CD651E1E0B}" type="datetimeFigureOut">
               <a:rPr lang="en-US" smtClean="0"/>
-              <a:t>7/27/2022</a:t>
+              <a:t>7/28/2022</a:t>
             </a:fld>
             <a:endParaRPr lang="en-US"/>
           </a:p>
@@ -6138,7 +6139,7 @@
           <a:p>
             <a:fld id="{8415B7D3-8679-45B1-95C7-B5CD651E1E0B}" type="datetimeFigureOut">
               <a:rPr lang="en-US" smtClean="0"/>
-              <a:t>7/27/2022</a:t>
+              <a:t>7/28/2022</a:t>
             </a:fld>
             <a:endParaRPr lang="en-US"/>
           </a:p>
@@ -6346,7 +6347,7 @@
           <a:p>
             <a:fld id="{8415B7D3-8679-45B1-95C7-B5CD651E1E0B}" type="datetimeFigureOut">
               <a:rPr lang="en-US" smtClean="0"/>
-              <a:t>7/27/2022</a:t>
+              <a:t>7/28/2022</a:t>
             </a:fld>
             <a:endParaRPr lang="en-US"/>
           </a:p>
@@ -6544,7 +6545,7 @@
           <a:p>
             <a:fld id="{8415B7D3-8679-45B1-95C7-B5CD651E1E0B}" type="datetimeFigureOut">
               <a:rPr lang="en-US" smtClean="0"/>
-              <a:t>7/27/2022</a:t>
+              <a:t>7/28/2022</a:t>
             </a:fld>
             <a:endParaRPr lang="en-US"/>
           </a:p>
@@ -6819,7 +6820,7 @@
           <a:p>
             <a:fld id="{8415B7D3-8679-45B1-95C7-B5CD651E1E0B}" type="datetimeFigureOut">
               <a:rPr lang="en-US" smtClean="0"/>
-              <a:t>7/27/2022</a:t>
+              <a:t>7/28/2022</a:t>
             </a:fld>
             <a:endParaRPr lang="en-US"/>
           </a:p>
@@ -7084,7 +7085,7 @@
           <a:p>
             <a:fld id="{8415B7D3-8679-45B1-95C7-B5CD651E1E0B}" type="datetimeFigureOut">
               <a:rPr lang="en-US" smtClean="0"/>
-              <a:t>7/27/2022</a:t>
+              <a:t>7/28/2022</a:t>
             </a:fld>
             <a:endParaRPr lang="en-US"/>
           </a:p>
@@ -7496,7 +7497,7 @@
           <a:p>
             <a:fld id="{8415B7D3-8679-45B1-95C7-B5CD651E1E0B}" type="datetimeFigureOut">
               <a:rPr lang="en-US" smtClean="0"/>
-              <a:t>7/27/2022</a:t>
+              <a:t>7/28/2022</a:t>
             </a:fld>
             <a:endParaRPr lang="en-US"/>
           </a:p>
@@ -7637,7 +7638,7 @@
           <a:p>
             <a:fld id="{8415B7D3-8679-45B1-95C7-B5CD651E1E0B}" type="datetimeFigureOut">
               <a:rPr lang="en-US" smtClean="0"/>
-              <a:t>7/27/2022</a:t>
+              <a:t>7/28/2022</a:t>
             </a:fld>
             <a:endParaRPr lang="en-US"/>
           </a:p>
@@ -7750,7 +7751,7 @@
           <a:p>
             <a:fld id="{8415B7D3-8679-45B1-95C7-B5CD651E1E0B}" type="datetimeFigureOut">
               <a:rPr lang="en-US" smtClean="0"/>
-              <a:t>7/27/2022</a:t>
+              <a:t>7/28/2022</a:t>
             </a:fld>
             <a:endParaRPr lang="en-US"/>
           </a:p>
@@ -8061,7 +8062,7 @@
           <a:p>
             <a:fld id="{8415B7D3-8679-45B1-95C7-B5CD651E1E0B}" type="datetimeFigureOut">
               <a:rPr lang="en-US" smtClean="0"/>
-              <a:t>7/27/2022</a:t>
+              <a:t>7/28/2022</a:t>
             </a:fld>
             <a:endParaRPr lang="en-US"/>
           </a:p>
@@ -8349,7 +8350,7 @@
           <a:p>
             <a:fld id="{8415B7D3-8679-45B1-95C7-B5CD651E1E0B}" type="datetimeFigureOut">
               <a:rPr lang="en-US" smtClean="0"/>
-              <a:t>7/27/2022</a:t>
+              <a:t>7/28/2022</a:t>
             </a:fld>
             <a:endParaRPr lang="en-US"/>
           </a:p>
@@ -8590,7 +8591,7 @@
           <a:p>
             <a:fld id="{8415B7D3-8679-45B1-95C7-B5CD651E1E0B}" type="datetimeFigureOut">
               <a:rPr lang="en-US" smtClean="0"/>
-              <a:t>7/27/2022</a:t>
+              <a:t>7/28/2022</a:t>
             </a:fld>
             <a:endParaRPr lang="en-US"/>
           </a:p>
@@ -13897,8 +13898,8 @@
           <a:chExt cx="0" cy="0"/>
         </a:xfrm>
       </p:grpSpPr>
-      <mc:AlternateContent xmlns:mc="http://schemas.openxmlformats.org/markup-compatibility/2006">
-        <mc:Choice xmlns:p14="http://schemas.microsoft.com/office/powerpoint/2010/main" Requires="p14">
+      <mc:AlternateContent xmlns:mc="http://schemas.openxmlformats.org/markup-compatibility/2006" xmlns:p14="http://schemas.microsoft.com/office/powerpoint/2010/main">
+        <mc:Choice Requires="p14">
           <p:contentPart p14:bwMode="auto" r:id="rId2">
             <p14:nvContentPartPr>
               <p14:cNvPr id="4" name="Ink 3">
@@ -13917,7 +13918,7 @@
             </p14:xfrm>
           </p:contentPart>
         </mc:Choice>
-        <mc:Fallback>
+        <mc:Fallback xmlns="">
           <p:pic>
             <p:nvPicPr>
               <p:cNvPr id="4" name="Ink 3">
@@ -13948,8 +13949,8 @@
           </p:pic>
         </mc:Fallback>
       </mc:AlternateContent>
-      <mc:AlternateContent xmlns:mc="http://schemas.openxmlformats.org/markup-compatibility/2006">
-        <mc:Choice xmlns:p14="http://schemas.microsoft.com/office/powerpoint/2010/main" Requires="p14">
+      <mc:AlternateContent xmlns:mc="http://schemas.openxmlformats.org/markup-compatibility/2006" xmlns:p14="http://schemas.microsoft.com/office/powerpoint/2010/main">
+        <mc:Choice Requires="p14">
           <p:contentPart p14:bwMode="auto" r:id="rId4">
             <p14:nvContentPartPr>
               <p14:cNvPr id="5" name="Ink 4">
@@ -13968,7 +13969,7 @@
             </p14:xfrm>
           </p:contentPart>
         </mc:Choice>
-        <mc:Fallback>
+        <mc:Fallback xmlns="">
           <p:pic>
             <p:nvPicPr>
               <p:cNvPr id="5" name="Ink 4">
@@ -13999,8 +14000,8 @@
           </p:pic>
         </mc:Fallback>
       </mc:AlternateContent>
-      <mc:AlternateContent xmlns:mc="http://schemas.openxmlformats.org/markup-compatibility/2006">
-        <mc:Choice xmlns:p14="http://schemas.microsoft.com/office/powerpoint/2010/main" Requires="p14">
+      <mc:AlternateContent xmlns:mc="http://schemas.openxmlformats.org/markup-compatibility/2006" xmlns:p14="http://schemas.microsoft.com/office/powerpoint/2010/main">
+        <mc:Choice Requires="p14">
           <p:contentPart p14:bwMode="auto" r:id="rId6">
             <p14:nvContentPartPr>
               <p14:cNvPr id="6" name="Ink 5">
@@ -14019,7 +14020,7 @@
             </p14:xfrm>
           </p:contentPart>
         </mc:Choice>
-        <mc:Fallback>
+        <mc:Fallback xmlns="">
           <p:pic>
             <p:nvPicPr>
               <p:cNvPr id="6" name="Ink 5">
@@ -14050,8 +14051,8 @@
           </p:pic>
         </mc:Fallback>
       </mc:AlternateContent>
-      <mc:AlternateContent xmlns:mc="http://schemas.openxmlformats.org/markup-compatibility/2006">
-        <mc:Choice xmlns:p14="http://schemas.microsoft.com/office/powerpoint/2010/main" Requires="p14">
+      <mc:AlternateContent xmlns:mc="http://schemas.openxmlformats.org/markup-compatibility/2006" xmlns:p14="http://schemas.microsoft.com/office/powerpoint/2010/main">
+        <mc:Choice Requires="p14">
           <p:contentPart p14:bwMode="auto" r:id="rId8">
             <p14:nvContentPartPr>
               <p14:cNvPr id="7" name="Ink 6">
@@ -14070,7 +14071,7 @@
             </p14:xfrm>
           </p:contentPart>
         </mc:Choice>
-        <mc:Fallback>
+        <mc:Fallback xmlns="">
           <p:pic>
             <p:nvPicPr>
               <p:cNvPr id="7" name="Ink 6">
@@ -14101,8 +14102,8 @@
           </p:pic>
         </mc:Fallback>
       </mc:AlternateContent>
-      <mc:AlternateContent xmlns:mc="http://schemas.openxmlformats.org/markup-compatibility/2006">
-        <mc:Choice xmlns:p14="http://schemas.microsoft.com/office/powerpoint/2010/main" Requires="p14">
+      <mc:AlternateContent xmlns:mc="http://schemas.openxmlformats.org/markup-compatibility/2006" xmlns:p14="http://schemas.microsoft.com/office/powerpoint/2010/main">
+        <mc:Choice Requires="p14">
           <p:contentPart p14:bwMode="auto" r:id="rId10">
             <p14:nvContentPartPr>
               <p14:cNvPr id="8" name="Ink 7">
@@ -14121,7 +14122,7 @@
             </p14:xfrm>
           </p:contentPart>
         </mc:Choice>
-        <mc:Fallback>
+        <mc:Fallback xmlns="">
           <p:pic>
             <p:nvPicPr>
               <p:cNvPr id="8" name="Ink 7">
@@ -14152,8 +14153,8 @@
           </p:pic>
         </mc:Fallback>
       </mc:AlternateContent>
-      <mc:AlternateContent xmlns:mc="http://schemas.openxmlformats.org/markup-compatibility/2006">
-        <mc:Choice xmlns:p14="http://schemas.microsoft.com/office/powerpoint/2010/main" Requires="p14">
+      <mc:AlternateContent xmlns:mc="http://schemas.openxmlformats.org/markup-compatibility/2006" xmlns:p14="http://schemas.microsoft.com/office/powerpoint/2010/main">
+        <mc:Choice Requires="p14">
           <p:contentPart p14:bwMode="auto" r:id="rId12">
             <p14:nvContentPartPr>
               <p14:cNvPr id="9" name="Ink 8">
@@ -14172,7 +14173,7 @@
             </p14:xfrm>
           </p:contentPart>
         </mc:Choice>
-        <mc:Fallback>
+        <mc:Fallback xmlns="">
           <p:pic>
             <p:nvPicPr>
               <p:cNvPr id="9" name="Ink 8">
@@ -14203,8 +14204,8 @@
           </p:pic>
         </mc:Fallback>
       </mc:AlternateContent>
-      <mc:AlternateContent xmlns:mc="http://schemas.openxmlformats.org/markup-compatibility/2006">
-        <mc:Choice xmlns:p14="http://schemas.microsoft.com/office/powerpoint/2010/main" Requires="p14">
+      <mc:AlternateContent xmlns:mc="http://schemas.openxmlformats.org/markup-compatibility/2006" xmlns:p14="http://schemas.microsoft.com/office/powerpoint/2010/main">
+        <mc:Choice Requires="p14">
           <p:contentPart p14:bwMode="auto" r:id="rId14">
             <p14:nvContentPartPr>
               <p14:cNvPr id="10" name="Ink 9">
@@ -14223,7 +14224,7 @@
             </p14:xfrm>
           </p:contentPart>
         </mc:Choice>
-        <mc:Fallback>
+        <mc:Fallback xmlns="">
           <p:pic>
             <p:nvPicPr>
               <p:cNvPr id="10" name="Ink 9">
@@ -14254,8 +14255,8 @@
           </p:pic>
         </mc:Fallback>
       </mc:AlternateContent>
-      <mc:AlternateContent xmlns:mc="http://schemas.openxmlformats.org/markup-compatibility/2006">
-        <mc:Choice xmlns:p14="http://schemas.microsoft.com/office/powerpoint/2010/main" Requires="p14">
+      <mc:AlternateContent xmlns:mc="http://schemas.openxmlformats.org/markup-compatibility/2006" xmlns:p14="http://schemas.microsoft.com/office/powerpoint/2010/main">
+        <mc:Choice Requires="p14">
           <p:contentPart p14:bwMode="auto" r:id="rId16">
             <p14:nvContentPartPr>
               <p14:cNvPr id="11" name="Ink 10">
@@ -14274,7 +14275,7 @@
             </p14:xfrm>
           </p:contentPart>
         </mc:Choice>
-        <mc:Fallback>
+        <mc:Fallback xmlns="">
           <p:pic>
             <p:nvPicPr>
               <p:cNvPr id="11" name="Ink 10">
@@ -14305,8 +14306,8 @@
           </p:pic>
         </mc:Fallback>
       </mc:AlternateContent>
-      <mc:AlternateContent xmlns:mc="http://schemas.openxmlformats.org/markup-compatibility/2006">
-        <mc:Choice xmlns:p14="http://schemas.microsoft.com/office/powerpoint/2010/main" Requires="p14">
+      <mc:AlternateContent xmlns:mc="http://schemas.openxmlformats.org/markup-compatibility/2006" xmlns:p14="http://schemas.microsoft.com/office/powerpoint/2010/main">
+        <mc:Choice Requires="p14">
           <p:contentPart p14:bwMode="auto" r:id="rId18">
             <p14:nvContentPartPr>
               <p14:cNvPr id="12" name="Ink 11">
@@ -14325,7 +14326,7 @@
             </p14:xfrm>
           </p:contentPart>
         </mc:Choice>
-        <mc:Fallback>
+        <mc:Fallback xmlns="">
           <p:pic>
             <p:nvPicPr>
               <p:cNvPr id="12" name="Ink 11">
@@ -14356,8 +14357,8 @@
           </p:pic>
         </mc:Fallback>
       </mc:AlternateContent>
-      <mc:AlternateContent xmlns:mc="http://schemas.openxmlformats.org/markup-compatibility/2006">
-        <mc:Choice xmlns:p14="http://schemas.microsoft.com/office/powerpoint/2010/main" Requires="p14">
+      <mc:AlternateContent xmlns:mc="http://schemas.openxmlformats.org/markup-compatibility/2006" xmlns:p14="http://schemas.microsoft.com/office/powerpoint/2010/main">
+        <mc:Choice Requires="p14">
           <p:contentPart p14:bwMode="auto" r:id="rId20">
             <p14:nvContentPartPr>
               <p14:cNvPr id="13" name="Ink 12">
@@ -14376,7 +14377,7 @@
             </p14:xfrm>
           </p:contentPart>
         </mc:Choice>
-        <mc:Fallback>
+        <mc:Fallback xmlns="">
           <p:pic>
             <p:nvPicPr>
               <p:cNvPr id="13" name="Ink 12">
@@ -14407,8 +14408,8 @@
           </p:pic>
         </mc:Fallback>
       </mc:AlternateContent>
-      <mc:AlternateContent xmlns:mc="http://schemas.openxmlformats.org/markup-compatibility/2006">
-        <mc:Choice xmlns:p14="http://schemas.microsoft.com/office/powerpoint/2010/main" Requires="p14">
+      <mc:AlternateContent xmlns:mc="http://schemas.openxmlformats.org/markup-compatibility/2006" xmlns:p14="http://schemas.microsoft.com/office/powerpoint/2010/main">
+        <mc:Choice Requires="p14">
           <p:contentPart p14:bwMode="auto" r:id="rId22">
             <p14:nvContentPartPr>
               <p14:cNvPr id="14" name="Ink 13">
@@ -14427,7 +14428,7 @@
             </p14:xfrm>
           </p:contentPart>
         </mc:Choice>
-        <mc:Fallback>
+        <mc:Fallback xmlns="">
           <p:pic>
             <p:nvPicPr>
               <p:cNvPr id="14" name="Ink 13">
@@ -14458,8 +14459,8 @@
           </p:pic>
         </mc:Fallback>
       </mc:AlternateContent>
-      <mc:AlternateContent xmlns:mc="http://schemas.openxmlformats.org/markup-compatibility/2006">
-        <mc:Choice xmlns:p14="http://schemas.microsoft.com/office/powerpoint/2010/main" Requires="p14">
+      <mc:AlternateContent xmlns:mc="http://schemas.openxmlformats.org/markup-compatibility/2006" xmlns:p14="http://schemas.microsoft.com/office/powerpoint/2010/main">
+        <mc:Choice Requires="p14">
           <p:contentPart p14:bwMode="auto" r:id="rId24">
             <p14:nvContentPartPr>
               <p14:cNvPr id="15" name="Ink 14">
@@ -14478,7 +14479,7 @@
             </p14:xfrm>
           </p:contentPart>
         </mc:Choice>
-        <mc:Fallback>
+        <mc:Fallback xmlns="">
           <p:pic>
             <p:nvPicPr>
               <p:cNvPr id="15" name="Ink 14">
@@ -14509,8 +14510,8 @@
           </p:pic>
         </mc:Fallback>
       </mc:AlternateContent>
-      <mc:AlternateContent xmlns:mc="http://schemas.openxmlformats.org/markup-compatibility/2006">
-        <mc:Choice xmlns:p14="http://schemas.microsoft.com/office/powerpoint/2010/main" Requires="p14">
+      <mc:AlternateContent xmlns:mc="http://schemas.openxmlformats.org/markup-compatibility/2006" xmlns:p14="http://schemas.microsoft.com/office/powerpoint/2010/main">
+        <mc:Choice Requires="p14">
           <p:contentPart p14:bwMode="auto" r:id="rId26">
             <p14:nvContentPartPr>
               <p14:cNvPr id="16" name="Ink 15">
@@ -14529,7 +14530,7 @@
             </p14:xfrm>
           </p:contentPart>
         </mc:Choice>
-        <mc:Fallback>
+        <mc:Fallback xmlns="">
           <p:pic>
             <p:nvPicPr>
               <p:cNvPr id="16" name="Ink 15">
@@ -14560,8 +14561,8 @@
           </p:pic>
         </mc:Fallback>
       </mc:AlternateContent>
-      <mc:AlternateContent xmlns:mc="http://schemas.openxmlformats.org/markup-compatibility/2006">
-        <mc:Choice xmlns:p14="http://schemas.microsoft.com/office/powerpoint/2010/main" Requires="p14">
+      <mc:AlternateContent xmlns:mc="http://schemas.openxmlformats.org/markup-compatibility/2006" xmlns:p14="http://schemas.microsoft.com/office/powerpoint/2010/main">
+        <mc:Choice Requires="p14">
           <p:contentPart p14:bwMode="auto" r:id="rId28">
             <p14:nvContentPartPr>
               <p14:cNvPr id="17" name="Ink 16">
@@ -14580,7 +14581,7 @@
             </p14:xfrm>
           </p:contentPart>
         </mc:Choice>
-        <mc:Fallback>
+        <mc:Fallback xmlns="">
           <p:pic>
             <p:nvPicPr>
               <p:cNvPr id="17" name="Ink 16">
@@ -14611,8 +14612,8 @@
           </p:pic>
         </mc:Fallback>
       </mc:AlternateContent>
-      <mc:AlternateContent xmlns:mc="http://schemas.openxmlformats.org/markup-compatibility/2006">
-        <mc:Choice xmlns:p14="http://schemas.microsoft.com/office/powerpoint/2010/main" Requires="p14">
+      <mc:AlternateContent xmlns:mc="http://schemas.openxmlformats.org/markup-compatibility/2006" xmlns:p14="http://schemas.microsoft.com/office/powerpoint/2010/main">
+        <mc:Choice Requires="p14">
           <p:contentPart p14:bwMode="auto" r:id="rId30">
             <p14:nvContentPartPr>
               <p14:cNvPr id="18" name="Ink 17">
@@ -14631,7 +14632,7 @@
             </p14:xfrm>
           </p:contentPart>
         </mc:Choice>
-        <mc:Fallback>
+        <mc:Fallback xmlns="">
           <p:pic>
             <p:nvPicPr>
               <p:cNvPr id="18" name="Ink 17">
@@ -14662,8 +14663,8 @@
           </p:pic>
         </mc:Fallback>
       </mc:AlternateContent>
-      <mc:AlternateContent xmlns:mc="http://schemas.openxmlformats.org/markup-compatibility/2006">
-        <mc:Choice xmlns:p14="http://schemas.microsoft.com/office/powerpoint/2010/main" Requires="p14">
+      <mc:AlternateContent xmlns:mc="http://schemas.openxmlformats.org/markup-compatibility/2006" xmlns:p14="http://schemas.microsoft.com/office/powerpoint/2010/main">
+        <mc:Choice Requires="p14">
           <p:contentPart p14:bwMode="auto" r:id="rId32">
             <p14:nvContentPartPr>
               <p14:cNvPr id="19" name="Ink 18">
@@ -14682,7 +14683,7 @@
             </p14:xfrm>
           </p:contentPart>
         </mc:Choice>
-        <mc:Fallback>
+        <mc:Fallback xmlns="">
           <p:pic>
             <p:nvPicPr>
               <p:cNvPr id="19" name="Ink 18">
@@ -14713,8 +14714,8 @@
           </p:pic>
         </mc:Fallback>
       </mc:AlternateContent>
-      <mc:AlternateContent xmlns:mc="http://schemas.openxmlformats.org/markup-compatibility/2006">
-        <mc:Choice xmlns:p14="http://schemas.microsoft.com/office/powerpoint/2010/main" Requires="p14">
+      <mc:AlternateContent xmlns:mc="http://schemas.openxmlformats.org/markup-compatibility/2006" xmlns:p14="http://schemas.microsoft.com/office/powerpoint/2010/main">
+        <mc:Choice Requires="p14">
           <p:contentPart p14:bwMode="auto" r:id="rId34">
             <p14:nvContentPartPr>
               <p14:cNvPr id="20" name="Ink 19">
@@ -14733,7 +14734,7 @@
             </p14:xfrm>
           </p:contentPart>
         </mc:Choice>
-        <mc:Fallback>
+        <mc:Fallback xmlns="">
           <p:pic>
             <p:nvPicPr>
               <p:cNvPr id="20" name="Ink 19">
@@ -14764,8 +14765,8 @@
           </p:pic>
         </mc:Fallback>
       </mc:AlternateContent>
-      <mc:AlternateContent xmlns:mc="http://schemas.openxmlformats.org/markup-compatibility/2006">
-        <mc:Choice xmlns:p14="http://schemas.microsoft.com/office/powerpoint/2010/main" Requires="p14">
+      <mc:AlternateContent xmlns:mc="http://schemas.openxmlformats.org/markup-compatibility/2006" xmlns:p14="http://schemas.microsoft.com/office/powerpoint/2010/main">
+        <mc:Choice Requires="p14">
           <p:contentPart p14:bwMode="auto" r:id="rId36">
             <p14:nvContentPartPr>
               <p14:cNvPr id="21" name="Ink 20">
@@ -14784,7 +14785,7 @@
             </p14:xfrm>
           </p:contentPart>
         </mc:Choice>
-        <mc:Fallback>
+        <mc:Fallback xmlns="">
           <p:pic>
             <p:nvPicPr>
               <p:cNvPr id="21" name="Ink 20">
@@ -14815,8 +14816,8 @@
           </p:pic>
         </mc:Fallback>
       </mc:AlternateContent>
-      <mc:AlternateContent xmlns:mc="http://schemas.openxmlformats.org/markup-compatibility/2006">
-        <mc:Choice xmlns:p14="http://schemas.microsoft.com/office/powerpoint/2010/main" Requires="p14">
+      <mc:AlternateContent xmlns:mc="http://schemas.openxmlformats.org/markup-compatibility/2006" xmlns:p14="http://schemas.microsoft.com/office/powerpoint/2010/main">
+        <mc:Choice Requires="p14">
           <p:contentPart p14:bwMode="auto" r:id="rId38">
             <p14:nvContentPartPr>
               <p14:cNvPr id="22" name="Ink 21">
@@ -14835,7 +14836,7 @@
             </p14:xfrm>
           </p:contentPart>
         </mc:Choice>
-        <mc:Fallback>
+        <mc:Fallback xmlns="">
           <p:pic>
             <p:nvPicPr>
               <p:cNvPr id="22" name="Ink 21">
@@ -14866,8 +14867,8 @@
           </p:pic>
         </mc:Fallback>
       </mc:AlternateContent>
-      <mc:AlternateContent xmlns:mc="http://schemas.openxmlformats.org/markup-compatibility/2006">
-        <mc:Choice xmlns:p14="http://schemas.microsoft.com/office/powerpoint/2010/main" Requires="p14">
+      <mc:AlternateContent xmlns:mc="http://schemas.openxmlformats.org/markup-compatibility/2006" xmlns:p14="http://schemas.microsoft.com/office/powerpoint/2010/main">
+        <mc:Choice Requires="p14">
           <p:contentPart p14:bwMode="auto" r:id="rId40">
             <p14:nvContentPartPr>
               <p14:cNvPr id="23" name="Ink 22">
@@ -14886,7 +14887,7 @@
             </p14:xfrm>
           </p:contentPart>
         </mc:Choice>
-        <mc:Fallback>
+        <mc:Fallback xmlns="">
           <p:pic>
             <p:nvPicPr>
               <p:cNvPr id="23" name="Ink 22">
@@ -14917,8 +14918,8 @@
           </p:pic>
         </mc:Fallback>
       </mc:AlternateContent>
-      <mc:AlternateContent xmlns:mc="http://schemas.openxmlformats.org/markup-compatibility/2006">
-        <mc:Choice xmlns:p14="http://schemas.microsoft.com/office/powerpoint/2010/main" Requires="p14">
+      <mc:AlternateContent xmlns:mc="http://schemas.openxmlformats.org/markup-compatibility/2006" xmlns:p14="http://schemas.microsoft.com/office/powerpoint/2010/main">
+        <mc:Choice Requires="p14">
           <p:contentPart p14:bwMode="auto" r:id="rId42">
             <p14:nvContentPartPr>
               <p14:cNvPr id="24" name="Ink 23">
@@ -14937,7 +14938,7 @@
             </p14:xfrm>
           </p:contentPart>
         </mc:Choice>
-        <mc:Fallback>
+        <mc:Fallback xmlns="">
           <p:pic>
             <p:nvPicPr>
               <p:cNvPr id="24" name="Ink 23">
@@ -14968,8 +14969,8 @@
           </p:pic>
         </mc:Fallback>
       </mc:AlternateContent>
-      <mc:AlternateContent xmlns:mc="http://schemas.openxmlformats.org/markup-compatibility/2006">
-        <mc:Choice xmlns:p14="http://schemas.microsoft.com/office/powerpoint/2010/main" Requires="p14">
+      <mc:AlternateContent xmlns:mc="http://schemas.openxmlformats.org/markup-compatibility/2006" xmlns:p14="http://schemas.microsoft.com/office/powerpoint/2010/main">
+        <mc:Choice Requires="p14">
           <p:contentPart p14:bwMode="auto" r:id="rId44">
             <p14:nvContentPartPr>
               <p14:cNvPr id="25" name="Ink 24">
@@ -14988,7 +14989,7 @@
             </p14:xfrm>
           </p:contentPart>
         </mc:Choice>
-        <mc:Fallback>
+        <mc:Fallback xmlns="">
           <p:pic>
             <p:nvPicPr>
               <p:cNvPr id="25" name="Ink 24">
@@ -15019,8 +15020,8 @@
           </p:pic>
         </mc:Fallback>
       </mc:AlternateContent>
-      <mc:AlternateContent xmlns:mc="http://schemas.openxmlformats.org/markup-compatibility/2006">
-        <mc:Choice xmlns:p14="http://schemas.microsoft.com/office/powerpoint/2010/main" Requires="p14">
+      <mc:AlternateContent xmlns:mc="http://schemas.openxmlformats.org/markup-compatibility/2006" xmlns:p14="http://schemas.microsoft.com/office/powerpoint/2010/main">
+        <mc:Choice Requires="p14">
           <p:contentPart p14:bwMode="auto" r:id="rId46">
             <p14:nvContentPartPr>
               <p14:cNvPr id="26" name="Ink 25">
@@ -15039,7 +15040,7 @@
             </p14:xfrm>
           </p:contentPart>
         </mc:Choice>
-        <mc:Fallback>
+        <mc:Fallback xmlns="">
           <p:pic>
             <p:nvPicPr>
               <p:cNvPr id="26" name="Ink 25">
@@ -15070,8 +15071,8 @@
           </p:pic>
         </mc:Fallback>
       </mc:AlternateContent>
-      <mc:AlternateContent xmlns:mc="http://schemas.openxmlformats.org/markup-compatibility/2006">
-        <mc:Choice xmlns:p14="http://schemas.microsoft.com/office/powerpoint/2010/main" Requires="p14">
+      <mc:AlternateContent xmlns:mc="http://schemas.openxmlformats.org/markup-compatibility/2006" xmlns:p14="http://schemas.microsoft.com/office/powerpoint/2010/main">
+        <mc:Choice Requires="p14">
           <p:contentPart p14:bwMode="auto" r:id="rId48">
             <p14:nvContentPartPr>
               <p14:cNvPr id="27" name="Ink 26">
@@ -15090,7 +15091,7 @@
             </p14:xfrm>
           </p:contentPart>
         </mc:Choice>
-        <mc:Fallback>
+        <mc:Fallback xmlns="">
           <p:pic>
             <p:nvPicPr>
               <p:cNvPr id="27" name="Ink 26">
@@ -15121,8 +15122,8 @@
           </p:pic>
         </mc:Fallback>
       </mc:AlternateContent>
-      <mc:AlternateContent xmlns:mc="http://schemas.openxmlformats.org/markup-compatibility/2006">
-        <mc:Choice xmlns:p14="http://schemas.microsoft.com/office/powerpoint/2010/main" Requires="p14">
+      <mc:AlternateContent xmlns:mc="http://schemas.openxmlformats.org/markup-compatibility/2006" xmlns:p14="http://schemas.microsoft.com/office/powerpoint/2010/main">
+        <mc:Choice Requires="p14">
           <p:contentPart p14:bwMode="auto" r:id="rId50">
             <p14:nvContentPartPr>
               <p14:cNvPr id="28" name="Ink 27">
@@ -15141,7 +15142,7 @@
             </p14:xfrm>
           </p:contentPart>
         </mc:Choice>
-        <mc:Fallback>
+        <mc:Fallback xmlns="">
           <p:pic>
             <p:nvPicPr>
               <p:cNvPr id="28" name="Ink 27">
@@ -15172,8 +15173,8 @@
           </p:pic>
         </mc:Fallback>
       </mc:AlternateContent>
-      <mc:AlternateContent xmlns:mc="http://schemas.openxmlformats.org/markup-compatibility/2006">
-        <mc:Choice xmlns:p14="http://schemas.microsoft.com/office/powerpoint/2010/main" Requires="p14">
+      <mc:AlternateContent xmlns:mc="http://schemas.openxmlformats.org/markup-compatibility/2006" xmlns:p14="http://schemas.microsoft.com/office/powerpoint/2010/main">
+        <mc:Choice Requires="p14">
           <p:contentPart p14:bwMode="auto" r:id="rId52">
             <p14:nvContentPartPr>
               <p14:cNvPr id="29" name="Ink 28">
@@ -15192,7 +15193,7 @@
             </p14:xfrm>
           </p:contentPart>
         </mc:Choice>
-        <mc:Fallback>
+        <mc:Fallback xmlns="">
           <p:pic>
             <p:nvPicPr>
               <p:cNvPr id="29" name="Ink 28">
@@ -15223,8 +15224,8 @@
           </p:pic>
         </mc:Fallback>
       </mc:AlternateContent>
-      <mc:AlternateContent xmlns:mc="http://schemas.openxmlformats.org/markup-compatibility/2006">
-        <mc:Choice xmlns:p14="http://schemas.microsoft.com/office/powerpoint/2010/main" Requires="p14">
+      <mc:AlternateContent xmlns:mc="http://schemas.openxmlformats.org/markup-compatibility/2006" xmlns:p14="http://schemas.microsoft.com/office/powerpoint/2010/main">
+        <mc:Choice Requires="p14">
           <p:contentPart p14:bwMode="auto" r:id="rId54">
             <p14:nvContentPartPr>
               <p14:cNvPr id="30" name="Ink 29">
@@ -15243,7 +15244,7 @@
             </p14:xfrm>
           </p:contentPart>
         </mc:Choice>
-        <mc:Fallback>
+        <mc:Fallback xmlns="">
           <p:pic>
             <p:nvPicPr>
               <p:cNvPr id="30" name="Ink 29">
@@ -15274,8 +15275,8 @@
           </p:pic>
         </mc:Fallback>
       </mc:AlternateContent>
-      <mc:AlternateContent xmlns:mc="http://schemas.openxmlformats.org/markup-compatibility/2006">
-        <mc:Choice xmlns:p14="http://schemas.microsoft.com/office/powerpoint/2010/main" Requires="p14">
+      <mc:AlternateContent xmlns:mc="http://schemas.openxmlformats.org/markup-compatibility/2006" xmlns:p14="http://schemas.microsoft.com/office/powerpoint/2010/main">
+        <mc:Choice Requires="p14">
           <p:contentPart p14:bwMode="auto" r:id="rId56">
             <p14:nvContentPartPr>
               <p14:cNvPr id="31" name="Ink 30">
@@ -15294,7 +15295,7 @@
             </p14:xfrm>
           </p:contentPart>
         </mc:Choice>
-        <mc:Fallback>
+        <mc:Fallback xmlns="">
           <p:pic>
             <p:nvPicPr>
               <p:cNvPr id="31" name="Ink 30">
@@ -15325,8 +15326,8 @@
           </p:pic>
         </mc:Fallback>
       </mc:AlternateContent>
-      <mc:AlternateContent xmlns:mc="http://schemas.openxmlformats.org/markup-compatibility/2006">
-        <mc:Choice xmlns:p14="http://schemas.microsoft.com/office/powerpoint/2010/main" Requires="p14">
+      <mc:AlternateContent xmlns:mc="http://schemas.openxmlformats.org/markup-compatibility/2006" xmlns:p14="http://schemas.microsoft.com/office/powerpoint/2010/main">
+        <mc:Choice Requires="p14">
           <p:contentPart p14:bwMode="auto" r:id="rId58">
             <p14:nvContentPartPr>
               <p14:cNvPr id="32" name="Ink 31">
@@ -15345,7 +15346,7 @@
             </p14:xfrm>
           </p:contentPart>
         </mc:Choice>
-        <mc:Fallback>
+        <mc:Fallback xmlns="">
           <p:pic>
             <p:nvPicPr>
               <p:cNvPr id="32" name="Ink 31">
@@ -15376,8 +15377,8 @@
           </p:pic>
         </mc:Fallback>
       </mc:AlternateContent>
-      <mc:AlternateContent xmlns:mc="http://schemas.openxmlformats.org/markup-compatibility/2006">
-        <mc:Choice xmlns:p14="http://schemas.microsoft.com/office/powerpoint/2010/main" Requires="p14">
+      <mc:AlternateContent xmlns:mc="http://schemas.openxmlformats.org/markup-compatibility/2006" xmlns:p14="http://schemas.microsoft.com/office/powerpoint/2010/main">
+        <mc:Choice Requires="p14">
           <p:contentPart p14:bwMode="auto" r:id="rId60">
             <p14:nvContentPartPr>
               <p14:cNvPr id="33" name="Ink 32">
@@ -15396,7 +15397,7 @@
             </p14:xfrm>
           </p:contentPart>
         </mc:Choice>
-        <mc:Fallback>
+        <mc:Fallback xmlns="">
           <p:pic>
             <p:nvPicPr>
               <p:cNvPr id="33" name="Ink 32">
@@ -15427,8 +15428,8 @@
           </p:pic>
         </mc:Fallback>
       </mc:AlternateContent>
-      <mc:AlternateContent xmlns:mc="http://schemas.openxmlformats.org/markup-compatibility/2006">
-        <mc:Choice xmlns:p14="http://schemas.microsoft.com/office/powerpoint/2010/main" Requires="p14">
+      <mc:AlternateContent xmlns:mc="http://schemas.openxmlformats.org/markup-compatibility/2006" xmlns:p14="http://schemas.microsoft.com/office/powerpoint/2010/main">
+        <mc:Choice Requires="p14">
           <p:contentPart p14:bwMode="auto" r:id="rId62">
             <p14:nvContentPartPr>
               <p14:cNvPr id="34" name="Ink 33">
@@ -15447,7 +15448,7 @@
             </p14:xfrm>
           </p:contentPart>
         </mc:Choice>
-        <mc:Fallback>
+        <mc:Fallback xmlns="">
           <p:pic>
             <p:nvPicPr>
               <p:cNvPr id="34" name="Ink 33">
@@ -15478,8 +15479,8 @@
           </p:pic>
         </mc:Fallback>
       </mc:AlternateContent>
-      <mc:AlternateContent xmlns:mc="http://schemas.openxmlformats.org/markup-compatibility/2006">
-        <mc:Choice xmlns:p14="http://schemas.microsoft.com/office/powerpoint/2010/main" Requires="p14">
+      <mc:AlternateContent xmlns:mc="http://schemas.openxmlformats.org/markup-compatibility/2006" xmlns:p14="http://schemas.microsoft.com/office/powerpoint/2010/main">
+        <mc:Choice Requires="p14">
           <p:contentPart p14:bwMode="auto" r:id="rId64">
             <p14:nvContentPartPr>
               <p14:cNvPr id="35" name="Ink 34">
@@ -15498,7 +15499,7 @@
             </p14:xfrm>
           </p:contentPart>
         </mc:Choice>
-        <mc:Fallback>
+        <mc:Fallback xmlns="">
           <p:pic>
             <p:nvPicPr>
               <p:cNvPr id="35" name="Ink 34">
@@ -15529,8 +15530,8 @@
           </p:pic>
         </mc:Fallback>
       </mc:AlternateContent>
-      <mc:AlternateContent xmlns:mc="http://schemas.openxmlformats.org/markup-compatibility/2006">
-        <mc:Choice xmlns:p14="http://schemas.microsoft.com/office/powerpoint/2010/main" Requires="p14">
+      <mc:AlternateContent xmlns:mc="http://schemas.openxmlformats.org/markup-compatibility/2006" xmlns:p14="http://schemas.microsoft.com/office/powerpoint/2010/main">
+        <mc:Choice Requires="p14">
           <p:contentPart p14:bwMode="auto" r:id="rId66">
             <p14:nvContentPartPr>
               <p14:cNvPr id="36" name="Ink 35">
@@ -15549,7 +15550,7 @@
             </p14:xfrm>
           </p:contentPart>
         </mc:Choice>
-        <mc:Fallback>
+        <mc:Fallback xmlns="">
           <p:pic>
             <p:nvPicPr>
               <p:cNvPr id="36" name="Ink 35">
@@ -15580,8 +15581,8 @@
           </p:pic>
         </mc:Fallback>
       </mc:AlternateContent>
-      <mc:AlternateContent xmlns:mc="http://schemas.openxmlformats.org/markup-compatibility/2006">
-        <mc:Choice xmlns:p14="http://schemas.microsoft.com/office/powerpoint/2010/main" Requires="p14">
+      <mc:AlternateContent xmlns:mc="http://schemas.openxmlformats.org/markup-compatibility/2006" xmlns:p14="http://schemas.microsoft.com/office/powerpoint/2010/main">
+        <mc:Choice Requires="p14">
           <p:contentPart p14:bwMode="auto" r:id="rId68">
             <p14:nvContentPartPr>
               <p14:cNvPr id="37" name="Ink 36">
@@ -15600,7 +15601,7 @@
             </p14:xfrm>
           </p:contentPart>
         </mc:Choice>
-        <mc:Fallback>
+        <mc:Fallback xmlns="">
           <p:pic>
             <p:nvPicPr>
               <p:cNvPr id="37" name="Ink 36">
@@ -15631,8 +15632,8 @@
           </p:pic>
         </mc:Fallback>
       </mc:AlternateContent>
-      <mc:AlternateContent xmlns:mc="http://schemas.openxmlformats.org/markup-compatibility/2006">
-        <mc:Choice xmlns:p14="http://schemas.microsoft.com/office/powerpoint/2010/main" Requires="p14">
+      <mc:AlternateContent xmlns:mc="http://schemas.openxmlformats.org/markup-compatibility/2006" xmlns:p14="http://schemas.microsoft.com/office/powerpoint/2010/main">
+        <mc:Choice Requires="p14">
           <p:contentPart p14:bwMode="auto" r:id="rId70">
             <p14:nvContentPartPr>
               <p14:cNvPr id="38" name="Ink 37">
@@ -15651,7 +15652,7 @@
             </p14:xfrm>
           </p:contentPart>
         </mc:Choice>
-        <mc:Fallback>
+        <mc:Fallback xmlns="">
           <p:pic>
             <p:nvPicPr>
               <p:cNvPr id="38" name="Ink 37">
@@ -15682,8 +15683,8 @@
           </p:pic>
         </mc:Fallback>
       </mc:AlternateContent>
-      <mc:AlternateContent xmlns:mc="http://schemas.openxmlformats.org/markup-compatibility/2006">
-        <mc:Choice xmlns:p14="http://schemas.microsoft.com/office/powerpoint/2010/main" Requires="p14">
+      <mc:AlternateContent xmlns:mc="http://schemas.openxmlformats.org/markup-compatibility/2006" xmlns:p14="http://schemas.microsoft.com/office/powerpoint/2010/main">
+        <mc:Choice Requires="p14">
           <p:contentPart p14:bwMode="auto" r:id="rId72">
             <p14:nvContentPartPr>
               <p14:cNvPr id="39" name="Ink 38">
@@ -15702,7 +15703,7 @@
             </p14:xfrm>
           </p:contentPart>
         </mc:Choice>
-        <mc:Fallback>
+        <mc:Fallback xmlns="">
           <p:pic>
             <p:nvPicPr>
               <p:cNvPr id="39" name="Ink 38">
@@ -15733,8 +15734,8 @@
           </p:pic>
         </mc:Fallback>
       </mc:AlternateContent>
-      <mc:AlternateContent xmlns:mc="http://schemas.openxmlformats.org/markup-compatibility/2006">
-        <mc:Choice xmlns:p14="http://schemas.microsoft.com/office/powerpoint/2010/main" Requires="p14">
+      <mc:AlternateContent xmlns:mc="http://schemas.openxmlformats.org/markup-compatibility/2006" xmlns:p14="http://schemas.microsoft.com/office/powerpoint/2010/main">
+        <mc:Choice Requires="p14">
           <p:contentPart p14:bwMode="auto" r:id="rId74">
             <p14:nvContentPartPr>
               <p14:cNvPr id="40" name="Ink 39">
@@ -15753,7 +15754,7 @@
             </p14:xfrm>
           </p:contentPart>
         </mc:Choice>
-        <mc:Fallback>
+        <mc:Fallback xmlns="">
           <p:pic>
             <p:nvPicPr>
               <p:cNvPr id="40" name="Ink 39">
@@ -15784,8 +15785,8 @@
           </p:pic>
         </mc:Fallback>
       </mc:AlternateContent>
-      <mc:AlternateContent xmlns:mc="http://schemas.openxmlformats.org/markup-compatibility/2006">
-        <mc:Choice xmlns:p14="http://schemas.microsoft.com/office/powerpoint/2010/main" Requires="p14">
+      <mc:AlternateContent xmlns:mc="http://schemas.openxmlformats.org/markup-compatibility/2006" xmlns:p14="http://schemas.microsoft.com/office/powerpoint/2010/main">
+        <mc:Choice Requires="p14">
           <p:contentPart p14:bwMode="auto" r:id="rId76">
             <p14:nvContentPartPr>
               <p14:cNvPr id="41" name="Ink 40">
@@ -15804,7 +15805,7 @@
             </p14:xfrm>
           </p:contentPart>
         </mc:Choice>
-        <mc:Fallback>
+        <mc:Fallback xmlns="">
           <p:pic>
             <p:nvPicPr>
               <p:cNvPr id="41" name="Ink 40">
@@ -15835,8 +15836,8 @@
           </p:pic>
         </mc:Fallback>
       </mc:AlternateContent>
-      <mc:AlternateContent xmlns:mc="http://schemas.openxmlformats.org/markup-compatibility/2006">
-        <mc:Choice xmlns:p14="http://schemas.microsoft.com/office/powerpoint/2010/main" Requires="p14">
+      <mc:AlternateContent xmlns:mc="http://schemas.openxmlformats.org/markup-compatibility/2006" xmlns:p14="http://schemas.microsoft.com/office/powerpoint/2010/main">
+        <mc:Choice Requires="p14">
           <p:contentPart p14:bwMode="auto" r:id="rId78">
             <p14:nvContentPartPr>
               <p14:cNvPr id="42" name="Ink 41">
@@ -15855,7 +15856,7 @@
             </p14:xfrm>
           </p:contentPart>
         </mc:Choice>
-        <mc:Fallback>
+        <mc:Fallback xmlns="">
           <p:pic>
             <p:nvPicPr>
               <p:cNvPr id="42" name="Ink 41">
@@ -15886,8 +15887,8 @@
           </p:pic>
         </mc:Fallback>
       </mc:AlternateContent>
-      <mc:AlternateContent xmlns:mc="http://schemas.openxmlformats.org/markup-compatibility/2006">
-        <mc:Choice xmlns:p14="http://schemas.microsoft.com/office/powerpoint/2010/main" Requires="p14">
+      <mc:AlternateContent xmlns:mc="http://schemas.openxmlformats.org/markup-compatibility/2006" xmlns:p14="http://schemas.microsoft.com/office/powerpoint/2010/main">
+        <mc:Choice Requires="p14">
           <p:contentPart p14:bwMode="auto" r:id="rId80">
             <p14:nvContentPartPr>
               <p14:cNvPr id="43" name="Ink 42">
@@ -15906,7 +15907,7 @@
             </p14:xfrm>
           </p:contentPart>
         </mc:Choice>
-        <mc:Fallback>
+        <mc:Fallback xmlns="">
           <p:pic>
             <p:nvPicPr>
               <p:cNvPr id="43" name="Ink 42">
@@ -15937,8 +15938,8 @@
           </p:pic>
         </mc:Fallback>
       </mc:AlternateContent>
-      <mc:AlternateContent xmlns:mc="http://schemas.openxmlformats.org/markup-compatibility/2006">
-        <mc:Choice xmlns:p14="http://schemas.microsoft.com/office/powerpoint/2010/main" Requires="p14">
+      <mc:AlternateContent xmlns:mc="http://schemas.openxmlformats.org/markup-compatibility/2006" xmlns:p14="http://schemas.microsoft.com/office/powerpoint/2010/main">
+        <mc:Choice Requires="p14">
           <p:contentPart p14:bwMode="auto" r:id="rId82">
             <p14:nvContentPartPr>
               <p14:cNvPr id="44" name="Ink 43">
@@ -15957,7 +15958,7 @@
             </p14:xfrm>
           </p:contentPart>
         </mc:Choice>
-        <mc:Fallback>
+        <mc:Fallback xmlns="">
           <p:pic>
             <p:nvPicPr>
               <p:cNvPr id="44" name="Ink 43">
@@ -15988,8 +15989,8 @@
           </p:pic>
         </mc:Fallback>
       </mc:AlternateContent>
-      <mc:AlternateContent xmlns:mc="http://schemas.openxmlformats.org/markup-compatibility/2006">
-        <mc:Choice xmlns:p14="http://schemas.microsoft.com/office/powerpoint/2010/main" Requires="p14">
+      <mc:AlternateContent xmlns:mc="http://schemas.openxmlformats.org/markup-compatibility/2006" xmlns:p14="http://schemas.microsoft.com/office/powerpoint/2010/main">
+        <mc:Choice Requires="p14">
           <p:contentPart p14:bwMode="auto" r:id="rId84">
             <p14:nvContentPartPr>
               <p14:cNvPr id="45" name="Ink 44">
@@ -16008,7 +16009,7 @@
             </p14:xfrm>
           </p:contentPart>
         </mc:Choice>
-        <mc:Fallback>
+        <mc:Fallback xmlns="">
           <p:pic>
             <p:nvPicPr>
               <p:cNvPr id="45" name="Ink 44">
@@ -16039,8 +16040,8 @@
           </p:pic>
         </mc:Fallback>
       </mc:AlternateContent>
-      <mc:AlternateContent xmlns:mc="http://schemas.openxmlformats.org/markup-compatibility/2006">
-        <mc:Choice xmlns:p14="http://schemas.microsoft.com/office/powerpoint/2010/main" Requires="p14">
+      <mc:AlternateContent xmlns:mc="http://schemas.openxmlformats.org/markup-compatibility/2006" xmlns:p14="http://schemas.microsoft.com/office/powerpoint/2010/main">
+        <mc:Choice Requires="p14">
           <p:contentPart p14:bwMode="auto" r:id="rId86">
             <p14:nvContentPartPr>
               <p14:cNvPr id="46" name="Ink 45">
@@ -16059,7 +16060,7 @@
             </p14:xfrm>
           </p:contentPart>
         </mc:Choice>
-        <mc:Fallback>
+        <mc:Fallback xmlns="">
           <p:pic>
             <p:nvPicPr>
               <p:cNvPr id="46" name="Ink 45">
@@ -16090,8 +16091,8 @@
           </p:pic>
         </mc:Fallback>
       </mc:AlternateContent>
-      <mc:AlternateContent xmlns:mc="http://schemas.openxmlformats.org/markup-compatibility/2006">
-        <mc:Choice xmlns:p14="http://schemas.microsoft.com/office/powerpoint/2010/main" Requires="p14">
+      <mc:AlternateContent xmlns:mc="http://schemas.openxmlformats.org/markup-compatibility/2006" xmlns:p14="http://schemas.microsoft.com/office/powerpoint/2010/main">
+        <mc:Choice Requires="p14">
           <p:contentPart p14:bwMode="auto" r:id="rId88">
             <p14:nvContentPartPr>
               <p14:cNvPr id="47" name="Ink 46">
@@ -16110,7 +16111,7 @@
             </p14:xfrm>
           </p:contentPart>
         </mc:Choice>
-        <mc:Fallback>
+        <mc:Fallback xmlns="">
           <p:pic>
             <p:nvPicPr>
               <p:cNvPr id="47" name="Ink 46">
@@ -16141,8 +16142,8 @@
           </p:pic>
         </mc:Fallback>
       </mc:AlternateContent>
-      <mc:AlternateContent xmlns:mc="http://schemas.openxmlformats.org/markup-compatibility/2006">
-        <mc:Choice xmlns:p14="http://schemas.microsoft.com/office/powerpoint/2010/main" Requires="p14">
+      <mc:AlternateContent xmlns:mc="http://schemas.openxmlformats.org/markup-compatibility/2006" xmlns:p14="http://schemas.microsoft.com/office/powerpoint/2010/main">
+        <mc:Choice Requires="p14">
           <p:contentPart p14:bwMode="auto" r:id="rId90">
             <p14:nvContentPartPr>
               <p14:cNvPr id="48" name="Ink 47">
@@ -16161,7 +16162,7 @@
             </p14:xfrm>
           </p:contentPart>
         </mc:Choice>
-        <mc:Fallback>
+        <mc:Fallback xmlns="">
           <p:pic>
             <p:nvPicPr>
               <p:cNvPr id="48" name="Ink 47">
@@ -16192,8 +16193,8 @@
           </p:pic>
         </mc:Fallback>
       </mc:AlternateContent>
-      <mc:AlternateContent xmlns:mc="http://schemas.openxmlformats.org/markup-compatibility/2006">
-        <mc:Choice xmlns:p14="http://schemas.microsoft.com/office/powerpoint/2010/main" Requires="p14">
+      <mc:AlternateContent xmlns:mc="http://schemas.openxmlformats.org/markup-compatibility/2006" xmlns:p14="http://schemas.microsoft.com/office/powerpoint/2010/main">
+        <mc:Choice Requires="p14">
           <p:contentPart p14:bwMode="auto" r:id="rId92">
             <p14:nvContentPartPr>
               <p14:cNvPr id="49" name="Ink 48">
@@ -16212,7 +16213,7 @@
             </p14:xfrm>
           </p:contentPart>
         </mc:Choice>
-        <mc:Fallback>
+        <mc:Fallback xmlns="">
           <p:pic>
             <p:nvPicPr>
               <p:cNvPr id="49" name="Ink 48">
@@ -16243,8 +16244,8 @@
           </p:pic>
         </mc:Fallback>
       </mc:AlternateContent>
-      <mc:AlternateContent xmlns:mc="http://schemas.openxmlformats.org/markup-compatibility/2006">
-        <mc:Choice xmlns:p14="http://schemas.microsoft.com/office/powerpoint/2010/main" Requires="p14">
+      <mc:AlternateContent xmlns:mc="http://schemas.openxmlformats.org/markup-compatibility/2006" xmlns:p14="http://schemas.microsoft.com/office/powerpoint/2010/main">
+        <mc:Choice Requires="p14">
           <p:contentPart p14:bwMode="auto" r:id="rId94">
             <p14:nvContentPartPr>
               <p14:cNvPr id="50" name="Ink 49">
@@ -16263,7 +16264,7 @@
             </p14:xfrm>
           </p:contentPart>
         </mc:Choice>
-        <mc:Fallback>
+        <mc:Fallback xmlns="">
           <p:pic>
             <p:nvPicPr>
               <p:cNvPr id="50" name="Ink 49">
@@ -16294,8 +16295,8 @@
           </p:pic>
         </mc:Fallback>
       </mc:AlternateContent>
-      <mc:AlternateContent xmlns:mc="http://schemas.openxmlformats.org/markup-compatibility/2006">
-        <mc:Choice xmlns:p14="http://schemas.microsoft.com/office/powerpoint/2010/main" Requires="p14">
+      <mc:AlternateContent xmlns:mc="http://schemas.openxmlformats.org/markup-compatibility/2006" xmlns:p14="http://schemas.microsoft.com/office/powerpoint/2010/main">
+        <mc:Choice Requires="p14">
           <p:contentPart p14:bwMode="auto" r:id="rId96">
             <p14:nvContentPartPr>
               <p14:cNvPr id="51" name="Ink 50">
@@ -16314,7 +16315,7 @@
             </p14:xfrm>
           </p:contentPart>
         </mc:Choice>
-        <mc:Fallback>
+        <mc:Fallback xmlns="">
           <p:pic>
             <p:nvPicPr>
               <p:cNvPr id="51" name="Ink 50">
@@ -16365,8 +16366,8 @@
             <a:chExt cx="333720" cy="433440"/>
           </a:xfrm>
         </p:grpSpPr>
-        <mc:AlternateContent xmlns:mc="http://schemas.openxmlformats.org/markup-compatibility/2006">
-          <mc:Choice xmlns:p14="http://schemas.microsoft.com/office/powerpoint/2010/main" xmlns:aink="http://schemas.microsoft.com/office/drawing/2016/ink" Requires="p14 aink">
+        <mc:AlternateContent xmlns:mc="http://schemas.openxmlformats.org/markup-compatibility/2006" xmlns:p14="http://schemas.microsoft.com/office/powerpoint/2010/main" xmlns:aink="http://schemas.microsoft.com/office/drawing/2016/ink">
+          <mc:Choice Requires="p14 aink">
             <p:contentPart p14:bwMode="auto" r:id="rId98">
               <p14:nvContentPartPr>
                 <p14:cNvPr id="52" name="Ink 51">
@@ -16385,7 +16386,7 @@
               </p14:xfrm>
             </p:contentPart>
           </mc:Choice>
-          <mc:Fallback>
+          <mc:Fallback xmlns="">
             <p:pic>
               <p:nvPicPr>
                 <p:cNvPr id="52" name="Ink 51">
@@ -16416,8 +16417,8 @@
             </p:pic>
           </mc:Fallback>
         </mc:AlternateContent>
-        <mc:AlternateContent xmlns:mc="http://schemas.openxmlformats.org/markup-compatibility/2006">
-          <mc:Choice xmlns:p14="http://schemas.microsoft.com/office/powerpoint/2010/main" xmlns:aink="http://schemas.microsoft.com/office/drawing/2016/ink" Requires="p14 aink">
+        <mc:AlternateContent xmlns:mc="http://schemas.openxmlformats.org/markup-compatibility/2006" xmlns:p14="http://schemas.microsoft.com/office/powerpoint/2010/main" xmlns:aink="http://schemas.microsoft.com/office/drawing/2016/ink">
+          <mc:Choice Requires="p14 aink">
             <p:contentPart p14:bwMode="auto" r:id="rId100">
               <p14:nvContentPartPr>
                 <p14:cNvPr id="53" name="Ink 52">
@@ -16436,7 +16437,7 @@
               </p14:xfrm>
             </p:contentPart>
           </mc:Choice>
-          <mc:Fallback>
+          <mc:Fallback xmlns="">
             <p:pic>
               <p:nvPicPr>
                 <p:cNvPr id="53" name="Ink 52">
@@ -16468,8 +16469,8 @@
           </mc:Fallback>
         </mc:AlternateContent>
       </p:grpSp>
-      <mc:AlternateContent xmlns:mc="http://schemas.openxmlformats.org/markup-compatibility/2006">
-        <mc:Choice xmlns:p14="http://schemas.microsoft.com/office/powerpoint/2010/main" Requires="p14">
+      <mc:AlternateContent xmlns:mc="http://schemas.openxmlformats.org/markup-compatibility/2006" xmlns:p14="http://schemas.microsoft.com/office/powerpoint/2010/main">
+        <mc:Choice Requires="p14">
           <p:contentPart p14:bwMode="auto" r:id="rId102">
             <p14:nvContentPartPr>
               <p14:cNvPr id="65" name="Ink 64">
@@ -16488,7 +16489,7 @@
             </p14:xfrm>
           </p:contentPart>
         </mc:Choice>
-        <mc:Fallback>
+        <mc:Fallback xmlns="">
           <p:pic>
             <p:nvPicPr>
               <p:cNvPr id="65" name="Ink 64">
@@ -16539,8 +16540,8 @@
             <a:chExt cx="8062560" cy="3345480"/>
           </a:xfrm>
         </p:grpSpPr>
-        <mc:AlternateContent xmlns:mc="http://schemas.openxmlformats.org/markup-compatibility/2006">
-          <mc:Choice xmlns:p14="http://schemas.microsoft.com/office/powerpoint/2010/main" Requires="p14">
+        <mc:AlternateContent xmlns:mc="http://schemas.openxmlformats.org/markup-compatibility/2006" xmlns:p14="http://schemas.microsoft.com/office/powerpoint/2010/main">
+          <mc:Choice Requires="p14">
             <p:contentPart p14:bwMode="auto" r:id="rId104">
               <p14:nvContentPartPr>
                 <p14:cNvPr id="55" name="Ink 54">
@@ -16559,7 +16560,7 @@
               </p14:xfrm>
             </p:contentPart>
           </mc:Choice>
-          <mc:Fallback>
+          <mc:Fallback xmlns="">
             <p:pic>
               <p:nvPicPr>
                 <p:cNvPr id="55" name="Ink 54">
@@ -16590,8 +16591,8 @@
             </p:pic>
           </mc:Fallback>
         </mc:AlternateContent>
-        <mc:AlternateContent xmlns:mc="http://schemas.openxmlformats.org/markup-compatibility/2006">
-          <mc:Choice xmlns:p14="http://schemas.microsoft.com/office/powerpoint/2010/main" Requires="p14">
+        <mc:AlternateContent xmlns:mc="http://schemas.openxmlformats.org/markup-compatibility/2006" xmlns:p14="http://schemas.microsoft.com/office/powerpoint/2010/main">
+          <mc:Choice Requires="p14">
             <p:contentPart p14:bwMode="auto" r:id="rId106">
               <p14:nvContentPartPr>
                 <p14:cNvPr id="56" name="Ink 55">
@@ -16610,7 +16611,7 @@
               </p14:xfrm>
             </p:contentPart>
           </mc:Choice>
-          <mc:Fallback>
+          <mc:Fallback xmlns="">
             <p:pic>
               <p:nvPicPr>
                 <p:cNvPr id="56" name="Ink 55">
@@ -16641,8 +16642,8 @@
             </p:pic>
           </mc:Fallback>
         </mc:AlternateContent>
-        <mc:AlternateContent xmlns:mc="http://schemas.openxmlformats.org/markup-compatibility/2006">
-          <mc:Choice xmlns:p14="http://schemas.microsoft.com/office/powerpoint/2010/main" Requires="p14">
+        <mc:AlternateContent xmlns:mc="http://schemas.openxmlformats.org/markup-compatibility/2006" xmlns:p14="http://schemas.microsoft.com/office/powerpoint/2010/main">
+          <mc:Choice Requires="p14">
             <p:contentPart p14:bwMode="auto" r:id="rId108">
               <p14:nvContentPartPr>
                 <p14:cNvPr id="57" name="Ink 56">
@@ -16661,7 +16662,7 @@
               </p14:xfrm>
             </p:contentPart>
           </mc:Choice>
-          <mc:Fallback>
+          <mc:Fallback xmlns="">
             <p:pic>
               <p:nvPicPr>
                 <p:cNvPr id="57" name="Ink 56">
@@ -16692,8 +16693,8 @@
             </p:pic>
           </mc:Fallback>
         </mc:AlternateContent>
-        <mc:AlternateContent xmlns:mc="http://schemas.openxmlformats.org/markup-compatibility/2006">
-          <mc:Choice xmlns:p14="http://schemas.microsoft.com/office/powerpoint/2010/main" Requires="p14">
+        <mc:AlternateContent xmlns:mc="http://schemas.openxmlformats.org/markup-compatibility/2006" xmlns:p14="http://schemas.microsoft.com/office/powerpoint/2010/main">
+          <mc:Choice Requires="p14">
             <p:contentPart p14:bwMode="auto" r:id="rId110">
               <p14:nvContentPartPr>
                 <p14:cNvPr id="61" name="Ink 60">
@@ -16712,7 +16713,7 @@
               </p14:xfrm>
             </p:contentPart>
           </mc:Choice>
-          <mc:Fallback>
+          <mc:Fallback xmlns="">
             <p:pic>
               <p:nvPicPr>
                 <p:cNvPr id="61" name="Ink 60">
@@ -16743,8 +16744,8 @@
             </p:pic>
           </mc:Fallback>
         </mc:AlternateContent>
-        <mc:AlternateContent xmlns:mc="http://schemas.openxmlformats.org/markup-compatibility/2006">
-          <mc:Choice xmlns:p14="http://schemas.microsoft.com/office/powerpoint/2010/main" Requires="p14">
+        <mc:AlternateContent xmlns:mc="http://schemas.openxmlformats.org/markup-compatibility/2006" xmlns:p14="http://schemas.microsoft.com/office/powerpoint/2010/main">
+          <mc:Choice Requires="p14">
             <p:contentPart p14:bwMode="auto" r:id="rId112">
               <p14:nvContentPartPr>
                 <p14:cNvPr id="73" name="Ink 72">
@@ -16763,7 +16764,7 @@
               </p14:xfrm>
             </p:contentPart>
           </mc:Choice>
-          <mc:Fallback>
+          <mc:Fallback xmlns="">
             <p:pic>
               <p:nvPicPr>
                 <p:cNvPr id="73" name="Ink 72">
@@ -16794,8 +16795,8 @@
             </p:pic>
           </mc:Fallback>
         </mc:AlternateContent>
-        <mc:AlternateContent xmlns:mc="http://schemas.openxmlformats.org/markup-compatibility/2006">
-          <mc:Choice xmlns:p14="http://schemas.microsoft.com/office/powerpoint/2010/main" Requires="p14">
+        <mc:AlternateContent xmlns:mc="http://schemas.openxmlformats.org/markup-compatibility/2006" xmlns:p14="http://schemas.microsoft.com/office/powerpoint/2010/main">
+          <mc:Choice Requires="p14">
             <p:contentPart p14:bwMode="auto" r:id="rId114">
               <p14:nvContentPartPr>
                 <p14:cNvPr id="74" name="Ink 73">
@@ -16814,7 +16815,7 @@
               </p14:xfrm>
             </p:contentPart>
           </mc:Choice>
-          <mc:Fallback>
+          <mc:Fallback xmlns="">
             <p:pic>
               <p:nvPicPr>
                 <p:cNvPr id="74" name="Ink 73">
@@ -16845,8 +16846,8 @@
             </p:pic>
           </mc:Fallback>
         </mc:AlternateContent>
-        <mc:AlternateContent xmlns:mc="http://schemas.openxmlformats.org/markup-compatibility/2006">
-          <mc:Choice xmlns:p14="http://schemas.microsoft.com/office/powerpoint/2010/main" Requires="p14">
+        <mc:AlternateContent xmlns:mc="http://schemas.openxmlformats.org/markup-compatibility/2006" xmlns:p14="http://schemas.microsoft.com/office/powerpoint/2010/main">
+          <mc:Choice Requires="p14">
             <p:contentPart p14:bwMode="auto" r:id="rId116">
               <p14:nvContentPartPr>
                 <p14:cNvPr id="75" name="Ink 74">
@@ -16865,7 +16866,7 @@
               </p14:xfrm>
             </p:contentPart>
           </mc:Choice>
-          <mc:Fallback>
+          <mc:Fallback xmlns="">
             <p:pic>
               <p:nvPicPr>
                 <p:cNvPr id="75" name="Ink 74">
@@ -16896,8 +16897,8 @@
             </p:pic>
           </mc:Fallback>
         </mc:AlternateContent>
-        <mc:AlternateContent xmlns:mc="http://schemas.openxmlformats.org/markup-compatibility/2006">
-          <mc:Choice xmlns:p14="http://schemas.microsoft.com/office/powerpoint/2010/main" Requires="p14">
+        <mc:AlternateContent xmlns:mc="http://schemas.openxmlformats.org/markup-compatibility/2006" xmlns:p14="http://schemas.microsoft.com/office/powerpoint/2010/main">
+          <mc:Choice Requires="p14">
             <p:contentPart p14:bwMode="auto" r:id="rId118">
               <p14:nvContentPartPr>
                 <p14:cNvPr id="77" name="Ink 76">
@@ -16916,7 +16917,7 @@
               </p14:xfrm>
             </p:contentPart>
           </mc:Choice>
-          <mc:Fallback>
+          <mc:Fallback xmlns="">
             <p:pic>
               <p:nvPicPr>
                 <p:cNvPr id="77" name="Ink 76">
@@ -16947,8 +16948,8 @@
             </p:pic>
           </mc:Fallback>
         </mc:AlternateContent>
-        <mc:AlternateContent xmlns:mc="http://schemas.openxmlformats.org/markup-compatibility/2006">
-          <mc:Choice xmlns:p14="http://schemas.microsoft.com/office/powerpoint/2010/main" Requires="p14">
+        <mc:AlternateContent xmlns:mc="http://schemas.openxmlformats.org/markup-compatibility/2006" xmlns:p14="http://schemas.microsoft.com/office/powerpoint/2010/main">
+          <mc:Choice Requires="p14">
             <p:contentPart p14:bwMode="auto" r:id="rId120">
               <p14:nvContentPartPr>
                 <p14:cNvPr id="94" name="Ink 93">
@@ -16967,7 +16968,7 @@
               </p14:xfrm>
             </p:contentPart>
           </mc:Choice>
-          <mc:Fallback>
+          <mc:Fallback xmlns="">
             <p:pic>
               <p:nvPicPr>
                 <p:cNvPr id="94" name="Ink 93">
@@ -16998,8 +16999,8 @@
             </p:pic>
           </mc:Fallback>
         </mc:AlternateContent>
-        <mc:AlternateContent xmlns:mc="http://schemas.openxmlformats.org/markup-compatibility/2006">
-          <mc:Choice xmlns:p14="http://schemas.microsoft.com/office/powerpoint/2010/main" Requires="p14">
+        <mc:AlternateContent xmlns:mc="http://schemas.openxmlformats.org/markup-compatibility/2006" xmlns:p14="http://schemas.microsoft.com/office/powerpoint/2010/main">
+          <mc:Choice Requires="p14">
             <p:contentPart p14:bwMode="auto" r:id="rId122">
               <p14:nvContentPartPr>
                 <p14:cNvPr id="95" name="Ink 94">
@@ -17018,7 +17019,7 @@
               </p14:xfrm>
             </p:contentPart>
           </mc:Choice>
-          <mc:Fallback>
+          <mc:Fallback xmlns="">
             <p:pic>
               <p:nvPicPr>
                 <p:cNvPr id="95" name="Ink 94">
@@ -17049,8 +17050,8 @@
             </p:pic>
           </mc:Fallback>
         </mc:AlternateContent>
-        <mc:AlternateContent xmlns:mc="http://schemas.openxmlformats.org/markup-compatibility/2006">
-          <mc:Choice xmlns:p14="http://schemas.microsoft.com/office/powerpoint/2010/main" Requires="p14">
+        <mc:AlternateContent xmlns:mc="http://schemas.openxmlformats.org/markup-compatibility/2006" xmlns:p14="http://schemas.microsoft.com/office/powerpoint/2010/main">
+          <mc:Choice Requires="p14">
             <p:contentPart p14:bwMode="auto" r:id="rId124">
               <p14:nvContentPartPr>
                 <p14:cNvPr id="97" name="Ink 96">
@@ -17069,7 +17070,7 @@
               </p14:xfrm>
             </p:contentPart>
           </mc:Choice>
-          <mc:Fallback>
+          <mc:Fallback xmlns="">
             <p:pic>
               <p:nvPicPr>
                 <p:cNvPr id="97" name="Ink 96">
@@ -17100,8 +17101,8 @@
             </p:pic>
           </mc:Fallback>
         </mc:AlternateContent>
-        <mc:AlternateContent xmlns:mc="http://schemas.openxmlformats.org/markup-compatibility/2006">
-          <mc:Choice xmlns:p14="http://schemas.microsoft.com/office/powerpoint/2010/main" Requires="p14">
+        <mc:AlternateContent xmlns:mc="http://schemas.openxmlformats.org/markup-compatibility/2006" xmlns:p14="http://schemas.microsoft.com/office/powerpoint/2010/main">
+          <mc:Choice Requires="p14">
             <p:contentPart p14:bwMode="auto" r:id="rId126">
               <p14:nvContentPartPr>
                 <p14:cNvPr id="98" name="Ink 97">
@@ -17120,7 +17121,7 @@
               </p14:xfrm>
             </p:contentPart>
           </mc:Choice>
-          <mc:Fallback>
+          <mc:Fallback xmlns="">
             <p:pic>
               <p:nvPicPr>
                 <p:cNvPr id="98" name="Ink 97">
@@ -17151,8 +17152,8 @@
             </p:pic>
           </mc:Fallback>
         </mc:AlternateContent>
-        <mc:AlternateContent xmlns:mc="http://schemas.openxmlformats.org/markup-compatibility/2006">
-          <mc:Choice xmlns:p14="http://schemas.microsoft.com/office/powerpoint/2010/main" Requires="p14">
+        <mc:AlternateContent xmlns:mc="http://schemas.openxmlformats.org/markup-compatibility/2006" xmlns:p14="http://schemas.microsoft.com/office/powerpoint/2010/main">
+          <mc:Choice Requires="p14">
             <p:contentPart p14:bwMode="auto" r:id="rId128">
               <p14:nvContentPartPr>
                 <p14:cNvPr id="67" name="Ink 66">
@@ -17171,7 +17172,7 @@
               </p14:xfrm>
             </p:contentPart>
           </mc:Choice>
-          <mc:Fallback>
+          <mc:Fallback xmlns="">
             <p:pic>
               <p:nvPicPr>
                 <p:cNvPr id="67" name="Ink 66">
@@ -17202,8 +17203,8 @@
             </p:pic>
           </mc:Fallback>
         </mc:AlternateContent>
-        <mc:AlternateContent xmlns:mc="http://schemas.openxmlformats.org/markup-compatibility/2006">
-          <mc:Choice xmlns:p14="http://schemas.microsoft.com/office/powerpoint/2010/main" Requires="p14">
+        <mc:AlternateContent xmlns:mc="http://schemas.openxmlformats.org/markup-compatibility/2006" xmlns:p14="http://schemas.microsoft.com/office/powerpoint/2010/main">
+          <mc:Choice Requires="p14">
             <p:contentPart p14:bwMode="auto" r:id="rId130">
               <p14:nvContentPartPr>
                 <p14:cNvPr id="68" name="Ink 67">
@@ -17222,7 +17223,7 @@
               </p14:xfrm>
             </p:contentPart>
           </mc:Choice>
-          <mc:Fallback>
+          <mc:Fallback xmlns="">
             <p:pic>
               <p:nvPicPr>
                 <p:cNvPr id="68" name="Ink 67">
@@ -17253,8 +17254,8 @@
             </p:pic>
           </mc:Fallback>
         </mc:AlternateContent>
-        <mc:AlternateContent xmlns:mc="http://schemas.openxmlformats.org/markup-compatibility/2006">
-          <mc:Choice xmlns:p14="http://schemas.microsoft.com/office/powerpoint/2010/main" Requires="p14">
+        <mc:AlternateContent xmlns:mc="http://schemas.openxmlformats.org/markup-compatibility/2006" xmlns:p14="http://schemas.microsoft.com/office/powerpoint/2010/main">
+          <mc:Choice Requires="p14">
             <p:contentPart p14:bwMode="auto" r:id="rId132">
               <p14:nvContentPartPr>
                 <p14:cNvPr id="69" name="Ink 68">
@@ -17273,7 +17274,7 @@
               </p14:xfrm>
             </p:contentPart>
           </mc:Choice>
-          <mc:Fallback>
+          <mc:Fallback xmlns="">
             <p:pic>
               <p:nvPicPr>
                 <p:cNvPr id="69" name="Ink 68">
@@ -17304,8 +17305,8 @@
             </p:pic>
           </mc:Fallback>
         </mc:AlternateContent>
-        <mc:AlternateContent xmlns:mc="http://schemas.openxmlformats.org/markup-compatibility/2006">
-          <mc:Choice xmlns:p14="http://schemas.microsoft.com/office/powerpoint/2010/main" Requires="p14">
+        <mc:AlternateContent xmlns:mc="http://schemas.openxmlformats.org/markup-compatibility/2006" xmlns:p14="http://schemas.microsoft.com/office/powerpoint/2010/main">
+          <mc:Choice Requires="p14">
             <p:contentPart p14:bwMode="auto" r:id="rId134">
               <p14:nvContentPartPr>
                 <p14:cNvPr id="70" name="Ink 69">
@@ -17324,7 +17325,7 @@
               </p14:xfrm>
             </p:contentPart>
           </mc:Choice>
-          <mc:Fallback>
+          <mc:Fallback xmlns="">
             <p:pic>
               <p:nvPicPr>
                 <p:cNvPr id="70" name="Ink 69">
@@ -17355,8 +17356,8 @@
             </p:pic>
           </mc:Fallback>
         </mc:AlternateContent>
-        <mc:AlternateContent xmlns:mc="http://schemas.openxmlformats.org/markup-compatibility/2006">
-          <mc:Choice xmlns:p14="http://schemas.microsoft.com/office/powerpoint/2010/main" Requires="p14">
+        <mc:AlternateContent xmlns:mc="http://schemas.openxmlformats.org/markup-compatibility/2006" xmlns:p14="http://schemas.microsoft.com/office/powerpoint/2010/main">
+          <mc:Choice Requires="p14">
             <p:contentPart p14:bwMode="auto" r:id="rId136">
               <p14:nvContentPartPr>
                 <p14:cNvPr id="71" name="Ink 70">
@@ -17375,7 +17376,7 @@
               </p14:xfrm>
             </p:contentPart>
           </mc:Choice>
-          <mc:Fallback>
+          <mc:Fallback xmlns="">
             <p:pic>
               <p:nvPicPr>
                 <p:cNvPr id="71" name="Ink 70">
@@ -17406,8 +17407,8 @@
             </p:pic>
           </mc:Fallback>
         </mc:AlternateContent>
-        <mc:AlternateContent xmlns:mc="http://schemas.openxmlformats.org/markup-compatibility/2006">
-          <mc:Choice xmlns:p14="http://schemas.microsoft.com/office/powerpoint/2010/main" Requires="p14">
+        <mc:AlternateContent xmlns:mc="http://schemas.openxmlformats.org/markup-compatibility/2006" xmlns:p14="http://schemas.microsoft.com/office/powerpoint/2010/main">
+          <mc:Choice Requires="p14">
             <p:contentPart p14:bwMode="auto" r:id="rId138">
               <p14:nvContentPartPr>
                 <p14:cNvPr id="79" name="Ink 78">
@@ -17426,7 +17427,7 @@
               </p14:xfrm>
             </p:contentPart>
           </mc:Choice>
-          <mc:Fallback>
+          <mc:Fallback xmlns="">
             <p:pic>
               <p:nvPicPr>
                 <p:cNvPr id="79" name="Ink 78">
@@ -17457,8 +17458,8 @@
             </p:pic>
           </mc:Fallback>
         </mc:AlternateContent>
-        <mc:AlternateContent xmlns:mc="http://schemas.openxmlformats.org/markup-compatibility/2006">
-          <mc:Choice xmlns:p14="http://schemas.microsoft.com/office/powerpoint/2010/main" Requires="p14">
+        <mc:AlternateContent xmlns:mc="http://schemas.openxmlformats.org/markup-compatibility/2006" xmlns:p14="http://schemas.microsoft.com/office/powerpoint/2010/main">
+          <mc:Choice Requires="p14">
             <p:contentPart p14:bwMode="auto" r:id="rId140">
               <p14:nvContentPartPr>
                 <p14:cNvPr id="80" name="Ink 79">
@@ -17477,7 +17478,7 @@
               </p14:xfrm>
             </p:contentPart>
           </mc:Choice>
-          <mc:Fallback>
+          <mc:Fallback xmlns="">
             <p:pic>
               <p:nvPicPr>
                 <p:cNvPr id="80" name="Ink 79">
@@ -17508,8 +17509,8 @@
             </p:pic>
           </mc:Fallback>
         </mc:AlternateContent>
-        <mc:AlternateContent xmlns:mc="http://schemas.openxmlformats.org/markup-compatibility/2006">
-          <mc:Choice xmlns:p14="http://schemas.microsoft.com/office/powerpoint/2010/main" Requires="p14">
+        <mc:AlternateContent xmlns:mc="http://schemas.openxmlformats.org/markup-compatibility/2006" xmlns:p14="http://schemas.microsoft.com/office/powerpoint/2010/main">
+          <mc:Choice Requires="p14">
             <p:contentPart p14:bwMode="auto" r:id="rId142">
               <p14:nvContentPartPr>
                 <p14:cNvPr id="100" name="Ink 99">
@@ -17528,7 +17529,7 @@
               </p14:xfrm>
             </p:contentPart>
           </mc:Choice>
-          <mc:Fallback>
+          <mc:Fallback xmlns="">
             <p:pic>
               <p:nvPicPr>
                 <p:cNvPr id="100" name="Ink 99">
@@ -17559,8 +17560,8 @@
             </p:pic>
           </mc:Fallback>
         </mc:AlternateContent>
-        <mc:AlternateContent xmlns:mc="http://schemas.openxmlformats.org/markup-compatibility/2006">
-          <mc:Choice xmlns:p14="http://schemas.microsoft.com/office/powerpoint/2010/main" Requires="p14">
+        <mc:AlternateContent xmlns:mc="http://schemas.openxmlformats.org/markup-compatibility/2006" xmlns:p14="http://schemas.microsoft.com/office/powerpoint/2010/main">
+          <mc:Choice Requires="p14">
             <p:contentPart p14:bwMode="auto" r:id="rId144">
               <p14:nvContentPartPr>
                 <p14:cNvPr id="101" name="Ink 100">
@@ -17579,7 +17580,7 @@
               </p14:xfrm>
             </p:contentPart>
           </mc:Choice>
-          <mc:Fallback>
+          <mc:Fallback xmlns="">
             <p:pic>
               <p:nvPicPr>
                 <p:cNvPr id="101" name="Ink 100">
@@ -17610,8 +17611,8 @@
             </p:pic>
           </mc:Fallback>
         </mc:AlternateContent>
-        <mc:AlternateContent xmlns:mc="http://schemas.openxmlformats.org/markup-compatibility/2006">
-          <mc:Choice xmlns:p14="http://schemas.microsoft.com/office/powerpoint/2010/main" Requires="p14">
+        <mc:AlternateContent xmlns:mc="http://schemas.openxmlformats.org/markup-compatibility/2006" xmlns:p14="http://schemas.microsoft.com/office/powerpoint/2010/main">
+          <mc:Choice Requires="p14">
             <p:contentPart p14:bwMode="auto" r:id="rId146">
               <p14:nvContentPartPr>
                 <p14:cNvPr id="103" name="Ink 102">
@@ -17630,7 +17631,7 @@
               </p14:xfrm>
             </p:contentPart>
           </mc:Choice>
-          <mc:Fallback>
+          <mc:Fallback xmlns="">
             <p:pic>
               <p:nvPicPr>
                 <p:cNvPr id="103" name="Ink 102">
@@ -17661,8 +17662,8 @@
             </p:pic>
           </mc:Fallback>
         </mc:AlternateContent>
-        <mc:AlternateContent xmlns:mc="http://schemas.openxmlformats.org/markup-compatibility/2006">
-          <mc:Choice xmlns:p14="http://schemas.microsoft.com/office/powerpoint/2010/main" Requires="p14">
+        <mc:AlternateContent xmlns:mc="http://schemas.openxmlformats.org/markup-compatibility/2006" xmlns:p14="http://schemas.microsoft.com/office/powerpoint/2010/main">
+          <mc:Choice Requires="p14">
             <p:contentPart p14:bwMode="auto" r:id="rId148">
               <p14:nvContentPartPr>
                 <p14:cNvPr id="105" name="Ink 104">
@@ -17681,7 +17682,7 @@
               </p14:xfrm>
             </p:contentPart>
           </mc:Choice>
-          <mc:Fallback>
+          <mc:Fallback xmlns="">
             <p:pic>
               <p:nvPicPr>
                 <p:cNvPr id="105" name="Ink 104">
@@ -17712,8 +17713,8 @@
             </p:pic>
           </mc:Fallback>
         </mc:AlternateContent>
-        <mc:AlternateContent xmlns:mc="http://schemas.openxmlformats.org/markup-compatibility/2006">
-          <mc:Choice xmlns:p14="http://schemas.microsoft.com/office/powerpoint/2010/main" Requires="p14">
+        <mc:AlternateContent xmlns:mc="http://schemas.openxmlformats.org/markup-compatibility/2006" xmlns:p14="http://schemas.microsoft.com/office/powerpoint/2010/main">
+          <mc:Choice Requires="p14">
             <p:contentPart p14:bwMode="auto" r:id="rId150">
               <p14:nvContentPartPr>
                 <p14:cNvPr id="106" name="Ink 105">
@@ -17732,7 +17733,7 @@
               </p14:xfrm>
             </p:contentPart>
           </mc:Choice>
-          <mc:Fallback>
+          <mc:Fallback xmlns="">
             <p:pic>
               <p:nvPicPr>
                 <p:cNvPr id="106" name="Ink 105">
@@ -17763,8 +17764,8 @@
             </p:pic>
           </mc:Fallback>
         </mc:AlternateContent>
-        <mc:AlternateContent xmlns:mc="http://schemas.openxmlformats.org/markup-compatibility/2006">
-          <mc:Choice xmlns:p14="http://schemas.microsoft.com/office/powerpoint/2010/main" Requires="p14">
+        <mc:AlternateContent xmlns:mc="http://schemas.openxmlformats.org/markup-compatibility/2006" xmlns:p14="http://schemas.microsoft.com/office/powerpoint/2010/main">
+          <mc:Choice Requires="p14">
             <p:contentPart p14:bwMode="auto" r:id="rId152">
               <p14:nvContentPartPr>
                 <p14:cNvPr id="108" name="Ink 107">
@@ -17783,7 +17784,7 @@
               </p14:xfrm>
             </p:contentPart>
           </mc:Choice>
-          <mc:Fallback>
+          <mc:Fallback xmlns="">
             <p:pic>
               <p:nvPicPr>
                 <p:cNvPr id="108" name="Ink 107">
@@ -17814,8 +17815,8 @@
             </p:pic>
           </mc:Fallback>
         </mc:AlternateContent>
-        <mc:AlternateContent xmlns:mc="http://schemas.openxmlformats.org/markup-compatibility/2006">
-          <mc:Choice xmlns:p14="http://schemas.microsoft.com/office/powerpoint/2010/main" Requires="p14">
+        <mc:AlternateContent xmlns:mc="http://schemas.openxmlformats.org/markup-compatibility/2006" xmlns:p14="http://schemas.microsoft.com/office/powerpoint/2010/main">
+          <mc:Choice Requires="p14">
             <p:contentPart p14:bwMode="auto" r:id="rId154">
               <p14:nvContentPartPr>
                 <p14:cNvPr id="109" name="Ink 108">
@@ -17834,7 +17835,7 @@
               </p14:xfrm>
             </p:contentPart>
           </mc:Choice>
-          <mc:Fallback>
+          <mc:Fallback xmlns="">
             <p:pic>
               <p:nvPicPr>
                 <p:cNvPr id="109" name="Ink 108">
@@ -17865,8 +17866,8 @@
             </p:pic>
           </mc:Fallback>
         </mc:AlternateContent>
-        <mc:AlternateContent xmlns:mc="http://schemas.openxmlformats.org/markup-compatibility/2006">
-          <mc:Choice xmlns:p14="http://schemas.microsoft.com/office/powerpoint/2010/main" Requires="p14">
+        <mc:AlternateContent xmlns:mc="http://schemas.openxmlformats.org/markup-compatibility/2006" xmlns:p14="http://schemas.microsoft.com/office/powerpoint/2010/main">
+          <mc:Choice Requires="p14">
             <p:contentPart p14:bwMode="auto" r:id="rId156">
               <p14:nvContentPartPr>
                 <p14:cNvPr id="111" name="Ink 110">
@@ -17885,7 +17886,7 @@
               </p14:xfrm>
             </p:contentPart>
           </mc:Choice>
-          <mc:Fallback>
+          <mc:Fallback xmlns="">
             <p:pic>
               <p:nvPicPr>
                 <p:cNvPr id="111" name="Ink 110">
@@ -17916,8 +17917,8 @@
             </p:pic>
           </mc:Fallback>
         </mc:AlternateContent>
-        <mc:AlternateContent xmlns:mc="http://schemas.openxmlformats.org/markup-compatibility/2006">
-          <mc:Choice xmlns:p14="http://schemas.microsoft.com/office/powerpoint/2010/main" Requires="p14">
+        <mc:AlternateContent xmlns:mc="http://schemas.openxmlformats.org/markup-compatibility/2006" xmlns:p14="http://schemas.microsoft.com/office/powerpoint/2010/main">
+          <mc:Choice Requires="p14">
             <p:contentPart p14:bwMode="auto" r:id="rId158">
               <p14:nvContentPartPr>
                 <p14:cNvPr id="112" name="Ink 111">
@@ -17936,7 +17937,7 @@
               </p14:xfrm>
             </p:contentPart>
           </mc:Choice>
-          <mc:Fallback>
+          <mc:Fallback xmlns="">
             <p:pic>
               <p:nvPicPr>
                 <p:cNvPr id="112" name="Ink 111">
@@ -17967,8 +17968,8 @@
             </p:pic>
           </mc:Fallback>
         </mc:AlternateContent>
-        <mc:AlternateContent xmlns:mc="http://schemas.openxmlformats.org/markup-compatibility/2006">
-          <mc:Choice xmlns:p14="http://schemas.microsoft.com/office/powerpoint/2010/main" Requires="p14">
+        <mc:AlternateContent xmlns:mc="http://schemas.openxmlformats.org/markup-compatibility/2006" xmlns:p14="http://schemas.microsoft.com/office/powerpoint/2010/main">
+          <mc:Choice Requires="p14">
             <p:contentPart p14:bwMode="auto" r:id="rId160">
               <p14:nvContentPartPr>
                 <p14:cNvPr id="114" name="Ink 113">
@@ -17987,7 +17988,7 @@
               </p14:xfrm>
             </p:contentPart>
           </mc:Choice>
-          <mc:Fallback>
+          <mc:Fallback xmlns="">
             <p:pic>
               <p:nvPicPr>
                 <p:cNvPr id="114" name="Ink 113">
@@ -18018,8 +18019,8 @@
             </p:pic>
           </mc:Fallback>
         </mc:AlternateContent>
-        <mc:AlternateContent xmlns:mc="http://schemas.openxmlformats.org/markup-compatibility/2006">
-          <mc:Choice xmlns:p14="http://schemas.microsoft.com/office/powerpoint/2010/main" Requires="p14">
+        <mc:AlternateContent xmlns:mc="http://schemas.openxmlformats.org/markup-compatibility/2006" xmlns:p14="http://schemas.microsoft.com/office/powerpoint/2010/main">
+          <mc:Choice Requires="p14">
             <p:contentPart p14:bwMode="auto" r:id="rId162">
               <p14:nvContentPartPr>
                 <p14:cNvPr id="116" name="Ink 115">
@@ -18038,7 +18039,7 @@
               </p14:xfrm>
             </p:contentPart>
           </mc:Choice>
-          <mc:Fallback>
+          <mc:Fallback xmlns="">
             <p:pic>
               <p:nvPicPr>
                 <p:cNvPr id="116" name="Ink 115">
@@ -18069,8 +18070,8 @@
             </p:pic>
           </mc:Fallback>
         </mc:AlternateContent>
-        <mc:AlternateContent xmlns:mc="http://schemas.openxmlformats.org/markup-compatibility/2006">
-          <mc:Choice xmlns:p14="http://schemas.microsoft.com/office/powerpoint/2010/main" Requires="p14">
+        <mc:AlternateContent xmlns:mc="http://schemas.openxmlformats.org/markup-compatibility/2006" xmlns:p14="http://schemas.microsoft.com/office/powerpoint/2010/main">
+          <mc:Choice Requires="p14">
             <p:contentPart p14:bwMode="auto" r:id="rId164">
               <p14:nvContentPartPr>
                 <p14:cNvPr id="118" name="Ink 117">
@@ -18089,7 +18090,7 @@
               </p14:xfrm>
             </p:contentPart>
           </mc:Choice>
-          <mc:Fallback>
+          <mc:Fallback xmlns="">
             <p:pic>
               <p:nvPicPr>
                 <p:cNvPr id="118" name="Ink 117">
@@ -18120,8 +18121,8 @@
             </p:pic>
           </mc:Fallback>
         </mc:AlternateContent>
-        <mc:AlternateContent xmlns:mc="http://schemas.openxmlformats.org/markup-compatibility/2006">
-          <mc:Choice xmlns:p14="http://schemas.microsoft.com/office/powerpoint/2010/main" Requires="p14">
+        <mc:AlternateContent xmlns:mc="http://schemas.openxmlformats.org/markup-compatibility/2006" xmlns:p14="http://schemas.microsoft.com/office/powerpoint/2010/main">
+          <mc:Choice Requires="p14">
             <p:contentPart p14:bwMode="auto" r:id="rId166">
               <p14:nvContentPartPr>
                 <p14:cNvPr id="122" name="Ink 121">
@@ -18140,7 +18141,7 @@
               </p14:xfrm>
             </p:contentPart>
           </mc:Choice>
-          <mc:Fallback>
+          <mc:Fallback xmlns="">
             <p:pic>
               <p:nvPicPr>
                 <p:cNvPr id="122" name="Ink 121">
@@ -18171,8 +18172,8 @@
             </p:pic>
           </mc:Fallback>
         </mc:AlternateContent>
-        <mc:AlternateContent xmlns:mc="http://schemas.openxmlformats.org/markup-compatibility/2006">
-          <mc:Choice xmlns:p14="http://schemas.microsoft.com/office/powerpoint/2010/main" Requires="p14">
+        <mc:AlternateContent xmlns:mc="http://schemas.openxmlformats.org/markup-compatibility/2006" xmlns:p14="http://schemas.microsoft.com/office/powerpoint/2010/main">
+          <mc:Choice Requires="p14">
             <p:contentPart p14:bwMode="auto" r:id="rId168">
               <p14:nvContentPartPr>
                 <p14:cNvPr id="82" name="Ink 81">
@@ -18191,7 +18192,7 @@
               </p14:xfrm>
             </p:contentPart>
           </mc:Choice>
-          <mc:Fallback>
+          <mc:Fallback xmlns="">
             <p:pic>
               <p:nvPicPr>
                 <p:cNvPr id="82" name="Ink 81">
@@ -18222,8 +18223,8 @@
             </p:pic>
           </mc:Fallback>
         </mc:AlternateContent>
-        <mc:AlternateContent xmlns:mc="http://schemas.openxmlformats.org/markup-compatibility/2006">
-          <mc:Choice xmlns:p14="http://schemas.microsoft.com/office/powerpoint/2010/main" Requires="p14">
+        <mc:AlternateContent xmlns:mc="http://schemas.openxmlformats.org/markup-compatibility/2006" xmlns:p14="http://schemas.microsoft.com/office/powerpoint/2010/main">
+          <mc:Choice Requires="p14">
             <p:contentPart p14:bwMode="auto" r:id="rId170">
               <p14:nvContentPartPr>
                 <p14:cNvPr id="83" name="Ink 82">
@@ -18242,7 +18243,7 @@
               </p14:xfrm>
             </p:contentPart>
           </mc:Choice>
-          <mc:Fallback>
+          <mc:Fallback xmlns="">
             <p:pic>
               <p:nvPicPr>
                 <p:cNvPr id="83" name="Ink 82">
@@ -18273,8 +18274,8 @@
             </p:pic>
           </mc:Fallback>
         </mc:AlternateContent>
-        <mc:AlternateContent xmlns:mc="http://schemas.openxmlformats.org/markup-compatibility/2006">
-          <mc:Choice xmlns:p14="http://schemas.microsoft.com/office/powerpoint/2010/main" Requires="p14">
+        <mc:AlternateContent xmlns:mc="http://schemas.openxmlformats.org/markup-compatibility/2006" xmlns:p14="http://schemas.microsoft.com/office/powerpoint/2010/main">
+          <mc:Choice Requires="p14">
             <p:contentPart p14:bwMode="auto" r:id="rId172">
               <p14:nvContentPartPr>
                 <p14:cNvPr id="84" name="Ink 83">
@@ -18293,7 +18294,7 @@
               </p14:xfrm>
             </p:contentPart>
           </mc:Choice>
-          <mc:Fallback>
+          <mc:Fallback xmlns="">
             <p:pic>
               <p:nvPicPr>
                 <p:cNvPr id="84" name="Ink 83">
@@ -18324,8 +18325,8 @@
             </p:pic>
           </mc:Fallback>
         </mc:AlternateContent>
-        <mc:AlternateContent xmlns:mc="http://schemas.openxmlformats.org/markup-compatibility/2006">
-          <mc:Choice xmlns:p14="http://schemas.microsoft.com/office/powerpoint/2010/main" Requires="p14">
+        <mc:AlternateContent xmlns:mc="http://schemas.openxmlformats.org/markup-compatibility/2006" xmlns:p14="http://schemas.microsoft.com/office/powerpoint/2010/main">
+          <mc:Choice Requires="p14">
             <p:contentPart p14:bwMode="auto" r:id="rId174">
               <p14:nvContentPartPr>
                 <p14:cNvPr id="85" name="Ink 84">
@@ -18344,7 +18345,7 @@
               </p14:xfrm>
             </p:contentPart>
           </mc:Choice>
-          <mc:Fallback>
+          <mc:Fallback xmlns="">
             <p:pic>
               <p:nvPicPr>
                 <p:cNvPr id="85" name="Ink 84">
@@ -18375,8 +18376,8 @@
             </p:pic>
           </mc:Fallback>
         </mc:AlternateContent>
-        <mc:AlternateContent xmlns:mc="http://schemas.openxmlformats.org/markup-compatibility/2006">
-          <mc:Choice xmlns:p14="http://schemas.microsoft.com/office/powerpoint/2010/main" Requires="p14">
+        <mc:AlternateContent xmlns:mc="http://schemas.openxmlformats.org/markup-compatibility/2006" xmlns:p14="http://schemas.microsoft.com/office/powerpoint/2010/main">
+          <mc:Choice Requires="p14">
             <p:contentPart p14:bwMode="auto" r:id="rId176">
               <p14:nvContentPartPr>
                 <p14:cNvPr id="86" name="Ink 85">
@@ -18395,7 +18396,7 @@
               </p14:xfrm>
             </p:contentPart>
           </mc:Choice>
-          <mc:Fallback>
+          <mc:Fallback xmlns="">
             <p:pic>
               <p:nvPicPr>
                 <p:cNvPr id="86" name="Ink 85">
@@ -18426,8 +18427,8 @@
             </p:pic>
           </mc:Fallback>
         </mc:AlternateContent>
-        <mc:AlternateContent xmlns:mc="http://schemas.openxmlformats.org/markup-compatibility/2006">
-          <mc:Choice xmlns:p14="http://schemas.microsoft.com/office/powerpoint/2010/main" Requires="p14">
+        <mc:AlternateContent xmlns:mc="http://schemas.openxmlformats.org/markup-compatibility/2006" xmlns:p14="http://schemas.microsoft.com/office/powerpoint/2010/main">
+          <mc:Choice Requires="p14">
             <p:contentPart p14:bwMode="auto" r:id="rId178">
               <p14:nvContentPartPr>
                 <p14:cNvPr id="87" name="Ink 86">
@@ -18446,7 +18447,7 @@
               </p14:xfrm>
             </p:contentPart>
           </mc:Choice>
-          <mc:Fallback>
+          <mc:Fallback xmlns="">
             <p:pic>
               <p:nvPicPr>
                 <p:cNvPr id="87" name="Ink 86">
@@ -18477,8 +18478,8 @@
             </p:pic>
           </mc:Fallback>
         </mc:AlternateContent>
-        <mc:AlternateContent xmlns:mc="http://schemas.openxmlformats.org/markup-compatibility/2006">
-          <mc:Choice xmlns:p14="http://schemas.microsoft.com/office/powerpoint/2010/main" Requires="p14">
+        <mc:AlternateContent xmlns:mc="http://schemas.openxmlformats.org/markup-compatibility/2006" xmlns:p14="http://schemas.microsoft.com/office/powerpoint/2010/main">
+          <mc:Choice Requires="p14">
             <p:contentPart p14:bwMode="auto" r:id="rId180">
               <p14:nvContentPartPr>
                 <p14:cNvPr id="88" name="Ink 87">
@@ -18497,7 +18498,7 @@
               </p14:xfrm>
             </p:contentPart>
           </mc:Choice>
-          <mc:Fallback>
+          <mc:Fallback xmlns="">
             <p:pic>
               <p:nvPicPr>
                 <p:cNvPr id="88" name="Ink 87">
@@ -18528,8 +18529,8 @@
             </p:pic>
           </mc:Fallback>
         </mc:AlternateContent>
-        <mc:AlternateContent xmlns:mc="http://schemas.openxmlformats.org/markup-compatibility/2006">
-          <mc:Choice xmlns:p14="http://schemas.microsoft.com/office/powerpoint/2010/main" Requires="p14">
+        <mc:AlternateContent xmlns:mc="http://schemas.openxmlformats.org/markup-compatibility/2006" xmlns:p14="http://schemas.microsoft.com/office/powerpoint/2010/main">
+          <mc:Choice Requires="p14">
             <p:contentPart p14:bwMode="auto" r:id="rId182">
               <p14:nvContentPartPr>
                 <p14:cNvPr id="89" name="Ink 88">
@@ -18548,7 +18549,7 @@
               </p14:xfrm>
             </p:contentPart>
           </mc:Choice>
-          <mc:Fallback>
+          <mc:Fallback xmlns="">
             <p:pic>
               <p:nvPicPr>
                 <p:cNvPr id="89" name="Ink 88">
@@ -18579,8 +18580,8 @@
             </p:pic>
           </mc:Fallback>
         </mc:AlternateContent>
-        <mc:AlternateContent xmlns:mc="http://schemas.openxmlformats.org/markup-compatibility/2006">
-          <mc:Choice xmlns:p14="http://schemas.microsoft.com/office/powerpoint/2010/main" Requires="p14">
+        <mc:AlternateContent xmlns:mc="http://schemas.openxmlformats.org/markup-compatibility/2006" xmlns:p14="http://schemas.microsoft.com/office/powerpoint/2010/main">
+          <mc:Choice Requires="p14">
             <p:contentPart p14:bwMode="auto" r:id="rId184">
               <p14:nvContentPartPr>
                 <p14:cNvPr id="90" name="Ink 89">
@@ -18599,7 +18600,7 @@
               </p14:xfrm>
             </p:contentPart>
           </mc:Choice>
-          <mc:Fallback>
+          <mc:Fallback xmlns="">
             <p:pic>
               <p:nvPicPr>
                 <p:cNvPr id="90" name="Ink 89">
@@ -18630,8 +18631,8 @@
             </p:pic>
           </mc:Fallback>
         </mc:AlternateContent>
-        <mc:AlternateContent xmlns:mc="http://schemas.openxmlformats.org/markup-compatibility/2006">
-          <mc:Choice xmlns:p14="http://schemas.microsoft.com/office/powerpoint/2010/main" Requires="p14">
+        <mc:AlternateContent xmlns:mc="http://schemas.openxmlformats.org/markup-compatibility/2006" xmlns:p14="http://schemas.microsoft.com/office/powerpoint/2010/main">
+          <mc:Choice Requires="p14">
             <p:contentPart p14:bwMode="auto" r:id="rId186">
               <p14:nvContentPartPr>
                 <p14:cNvPr id="92" name="Ink 91">
@@ -18650,7 +18651,7 @@
               </p14:xfrm>
             </p:contentPart>
           </mc:Choice>
-          <mc:Fallback>
+          <mc:Fallback xmlns="">
             <p:pic>
               <p:nvPicPr>
                 <p:cNvPr id="92" name="Ink 91">
@@ -18681,8 +18682,8 @@
             </p:pic>
           </mc:Fallback>
         </mc:AlternateContent>
-        <mc:AlternateContent xmlns:mc="http://schemas.openxmlformats.org/markup-compatibility/2006">
-          <mc:Choice xmlns:p14="http://schemas.microsoft.com/office/powerpoint/2010/main" Requires="p14">
+        <mc:AlternateContent xmlns:mc="http://schemas.openxmlformats.org/markup-compatibility/2006" xmlns:p14="http://schemas.microsoft.com/office/powerpoint/2010/main">
+          <mc:Choice Requires="p14">
             <p:contentPart p14:bwMode="auto" r:id="rId188">
               <p14:nvContentPartPr>
                 <p14:cNvPr id="120" name="Ink 119">
@@ -18701,7 +18702,7 @@
               </p14:xfrm>
             </p:contentPart>
           </mc:Choice>
-          <mc:Fallback>
+          <mc:Fallback xmlns="">
             <p:pic>
               <p:nvPicPr>
                 <p:cNvPr id="120" name="Ink 119">
@@ -18732,8 +18733,8 @@
             </p:pic>
           </mc:Fallback>
         </mc:AlternateContent>
-        <mc:AlternateContent xmlns:mc="http://schemas.openxmlformats.org/markup-compatibility/2006">
-          <mc:Choice xmlns:p14="http://schemas.microsoft.com/office/powerpoint/2010/main" Requires="p14">
+        <mc:AlternateContent xmlns:mc="http://schemas.openxmlformats.org/markup-compatibility/2006" xmlns:p14="http://schemas.microsoft.com/office/powerpoint/2010/main">
+          <mc:Choice Requires="p14">
             <p:contentPart p14:bwMode="auto" r:id="rId190">
               <p14:nvContentPartPr>
                 <p14:cNvPr id="121" name="Ink 120">
@@ -18752,7 +18753,7 @@
               </p14:xfrm>
             </p:contentPart>
           </mc:Choice>
-          <mc:Fallback>
+          <mc:Fallback xmlns="">
             <p:pic>
               <p:nvPicPr>
                 <p:cNvPr id="121" name="Ink 120">
@@ -18783,8 +18784,8 @@
             </p:pic>
           </mc:Fallback>
         </mc:AlternateContent>
-        <mc:AlternateContent xmlns:mc="http://schemas.openxmlformats.org/markup-compatibility/2006">
-          <mc:Choice xmlns:p14="http://schemas.microsoft.com/office/powerpoint/2010/main" Requires="p14">
+        <mc:AlternateContent xmlns:mc="http://schemas.openxmlformats.org/markup-compatibility/2006" xmlns:p14="http://schemas.microsoft.com/office/powerpoint/2010/main">
+          <mc:Choice Requires="p14">
             <p:contentPart p14:bwMode="auto" r:id="rId192">
               <p14:nvContentPartPr>
                 <p14:cNvPr id="123" name="Ink 122">
@@ -18803,7 +18804,7 @@
               </p14:xfrm>
             </p:contentPart>
           </mc:Choice>
-          <mc:Fallback>
+          <mc:Fallback xmlns="">
             <p:pic>
               <p:nvPicPr>
                 <p:cNvPr id="123" name="Ink 122">
@@ -18855,8 +18856,8 @@
             <a:chExt cx="9721080" cy="5005440"/>
           </a:xfrm>
         </p:grpSpPr>
-        <mc:AlternateContent xmlns:mc="http://schemas.openxmlformats.org/markup-compatibility/2006">
-          <mc:Choice xmlns:p14="http://schemas.microsoft.com/office/powerpoint/2010/main" Requires="p14">
+        <mc:AlternateContent xmlns:mc="http://schemas.openxmlformats.org/markup-compatibility/2006" xmlns:p14="http://schemas.microsoft.com/office/powerpoint/2010/main">
+          <mc:Choice Requires="p14">
             <p:contentPart p14:bwMode="auto" r:id="rId194">
               <p14:nvContentPartPr>
                 <p14:cNvPr id="126" name="Ink 125">
@@ -18875,7 +18876,7 @@
               </p14:xfrm>
             </p:contentPart>
           </mc:Choice>
-          <mc:Fallback>
+          <mc:Fallback xmlns="">
             <p:pic>
               <p:nvPicPr>
                 <p:cNvPr id="126" name="Ink 125">
@@ -18906,8 +18907,8 @@
             </p:pic>
           </mc:Fallback>
         </mc:AlternateContent>
-        <mc:AlternateContent xmlns:mc="http://schemas.openxmlformats.org/markup-compatibility/2006">
-          <mc:Choice xmlns:p14="http://schemas.microsoft.com/office/powerpoint/2010/main" Requires="p14">
+        <mc:AlternateContent xmlns:mc="http://schemas.openxmlformats.org/markup-compatibility/2006" xmlns:p14="http://schemas.microsoft.com/office/powerpoint/2010/main">
+          <mc:Choice Requires="p14">
             <p:contentPart p14:bwMode="auto" r:id="rId196">
               <p14:nvContentPartPr>
                 <p14:cNvPr id="127" name="Ink 126">
@@ -18926,7 +18927,7 @@
               </p14:xfrm>
             </p:contentPart>
           </mc:Choice>
-          <mc:Fallback>
+          <mc:Fallback xmlns="">
             <p:pic>
               <p:nvPicPr>
                 <p:cNvPr id="127" name="Ink 126">
@@ -18957,8 +18958,8 @@
             </p:pic>
           </mc:Fallback>
         </mc:AlternateContent>
-        <mc:AlternateContent xmlns:mc="http://schemas.openxmlformats.org/markup-compatibility/2006">
-          <mc:Choice xmlns:p14="http://schemas.microsoft.com/office/powerpoint/2010/main" Requires="p14">
+        <mc:AlternateContent xmlns:mc="http://schemas.openxmlformats.org/markup-compatibility/2006" xmlns:p14="http://schemas.microsoft.com/office/powerpoint/2010/main">
+          <mc:Choice Requires="p14">
             <p:contentPart p14:bwMode="auto" r:id="rId198">
               <p14:nvContentPartPr>
                 <p14:cNvPr id="128" name="Ink 127">
@@ -18977,7 +18978,7 @@
               </p14:xfrm>
             </p:contentPart>
           </mc:Choice>
-          <mc:Fallback>
+          <mc:Fallback xmlns="">
             <p:pic>
               <p:nvPicPr>
                 <p:cNvPr id="128" name="Ink 127">
@@ -19008,8 +19009,8 @@
             </p:pic>
           </mc:Fallback>
         </mc:AlternateContent>
-        <mc:AlternateContent xmlns:mc="http://schemas.openxmlformats.org/markup-compatibility/2006">
-          <mc:Choice xmlns:p14="http://schemas.microsoft.com/office/powerpoint/2010/main" Requires="p14">
+        <mc:AlternateContent xmlns:mc="http://schemas.openxmlformats.org/markup-compatibility/2006" xmlns:p14="http://schemas.microsoft.com/office/powerpoint/2010/main">
+          <mc:Choice Requires="p14">
             <p:contentPart p14:bwMode="auto" r:id="rId200">
               <p14:nvContentPartPr>
                 <p14:cNvPr id="129" name="Ink 128">
@@ -19028,7 +19029,7 @@
               </p14:xfrm>
             </p:contentPart>
           </mc:Choice>
-          <mc:Fallback>
+          <mc:Fallback xmlns="">
             <p:pic>
               <p:nvPicPr>
                 <p:cNvPr id="129" name="Ink 128">
@@ -19059,8 +19060,8 @@
             </p:pic>
           </mc:Fallback>
         </mc:AlternateContent>
-        <mc:AlternateContent xmlns:mc="http://schemas.openxmlformats.org/markup-compatibility/2006">
-          <mc:Choice xmlns:p14="http://schemas.microsoft.com/office/powerpoint/2010/main" Requires="p14">
+        <mc:AlternateContent xmlns:mc="http://schemas.openxmlformats.org/markup-compatibility/2006" xmlns:p14="http://schemas.microsoft.com/office/powerpoint/2010/main">
+          <mc:Choice Requires="p14">
             <p:contentPart p14:bwMode="auto" r:id="rId202">
               <p14:nvContentPartPr>
                 <p14:cNvPr id="130" name="Ink 129">
@@ -19079,7 +19080,7 @@
               </p14:xfrm>
             </p:contentPart>
           </mc:Choice>
-          <mc:Fallback>
+          <mc:Fallback xmlns="">
             <p:pic>
               <p:nvPicPr>
                 <p:cNvPr id="130" name="Ink 129">
@@ -19110,8 +19111,8 @@
             </p:pic>
           </mc:Fallback>
         </mc:AlternateContent>
-        <mc:AlternateContent xmlns:mc="http://schemas.openxmlformats.org/markup-compatibility/2006">
-          <mc:Choice xmlns:p14="http://schemas.microsoft.com/office/powerpoint/2010/main" Requires="p14">
+        <mc:AlternateContent xmlns:mc="http://schemas.openxmlformats.org/markup-compatibility/2006" xmlns:p14="http://schemas.microsoft.com/office/powerpoint/2010/main">
+          <mc:Choice Requires="p14">
             <p:contentPart p14:bwMode="auto" r:id="rId204">
               <p14:nvContentPartPr>
                 <p14:cNvPr id="131" name="Ink 130">
@@ -19130,7 +19131,7 @@
               </p14:xfrm>
             </p:contentPart>
           </mc:Choice>
-          <mc:Fallback>
+          <mc:Fallback xmlns="">
             <p:pic>
               <p:nvPicPr>
                 <p:cNvPr id="131" name="Ink 130">
@@ -19161,8 +19162,8 @@
             </p:pic>
           </mc:Fallback>
         </mc:AlternateContent>
-        <mc:AlternateContent xmlns:mc="http://schemas.openxmlformats.org/markup-compatibility/2006">
-          <mc:Choice xmlns:p14="http://schemas.microsoft.com/office/powerpoint/2010/main" Requires="p14">
+        <mc:AlternateContent xmlns:mc="http://schemas.openxmlformats.org/markup-compatibility/2006" xmlns:p14="http://schemas.microsoft.com/office/powerpoint/2010/main">
+          <mc:Choice Requires="p14">
             <p:contentPart p14:bwMode="auto" r:id="rId206">
               <p14:nvContentPartPr>
                 <p14:cNvPr id="133" name="Ink 132">
@@ -19181,7 +19182,7 @@
               </p14:xfrm>
             </p:contentPart>
           </mc:Choice>
-          <mc:Fallback>
+          <mc:Fallback xmlns="">
             <p:pic>
               <p:nvPicPr>
                 <p:cNvPr id="133" name="Ink 132">
@@ -19212,8 +19213,8 @@
             </p:pic>
           </mc:Fallback>
         </mc:AlternateContent>
-        <mc:AlternateContent xmlns:mc="http://schemas.openxmlformats.org/markup-compatibility/2006">
-          <mc:Choice xmlns:p14="http://schemas.microsoft.com/office/powerpoint/2010/main" Requires="p14">
+        <mc:AlternateContent xmlns:mc="http://schemas.openxmlformats.org/markup-compatibility/2006" xmlns:p14="http://schemas.microsoft.com/office/powerpoint/2010/main">
+          <mc:Choice Requires="p14">
             <p:contentPart p14:bwMode="auto" r:id="rId208">
               <p14:nvContentPartPr>
                 <p14:cNvPr id="134" name="Ink 133">
@@ -19232,7 +19233,7 @@
               </p14:xfrm>
             </p:contentPart>
           </mc:Choice>
-          <mc:Fallback>
+          <mc:Fallback xmlns="">
             <p:pic>
               <p:nvPicPr>
                 <p:cNvPr id="134" name="Ink 133">
@@ -19263,8 +19264,8 @@
             </p:pic>
           </mc:Fallback>
         </mc:AlternateContent>
-        <mc:AlternateContent xmlns:mc="http://schemas.openxmlformats.org/markup-compatibility/2006">
-          <mc:Choice xmlns:p14="http://schemas.microsoft.com/office/powerpoint/2010/main" Requires="p14">
+        <mc:AlternateContent xmlns:mc="http://schemas.openxmlformats.org/markup-compatibility/2006" xmlns:p14="http://schemas.microsoft.com/office/powerpoint/2010/main">
+          <mc:Choice Requires="p14">
             <p:contentPart p14:bwMode="auto" r:id="rId210">
               <p14:nvContentPartPr>
                 <p14:cNvPr id="135" name="Ink 134">
@@ -19283,7 +19284,7 @@
               </p14:xfrm>
             </p:contentPart>
           </mc:Choice>
-          <mc:Fallback>
+          <mc:Fallback xmlns="">
             <p:pic>
               <p:nvPicPr>
                 <p:cNvPr id="135" name="Ink 134">
@@ -19314,8 +19315,8 @@
             </p:pic>
           </mc:Fallback>
         </mc:AlternateContent>
-        <mc:AlternateContent xmlns:mc="http://schemas.openxmlformats.org/markup-compatibility/2006">
-          <mc:Choice xmlns:p14="http://schemas.microsoft.com/office/powerpoint/2010/main" Requires="p14">
+        <mc:AlternateContent xmlns:mc="http://schemas.openxmlformats.org/markup-compatibility/2006" xmlns:p14="http://schemas.microsoft.com/office/powerpoint/2010/main">
+          <mc:Choice Requires="p14">
             <p:contentPart p14:bwMode="auto" r:id="rId212">
               <p14:nvContentPartPr>
                 <p14:cNvPr id="136" name="Ink 135">
@@ -19334,7 +19335,7 @@
               </p14:xfrm>
             </p:contentPart>
           </mc:Choice>
-          <mc:Fallback>
+          <mc:Fallback xmlns="">
             <p:pic>
               <p:nvPicPr>
                 <p:cNvPr id="136" name="Ink 135">
@@ -19365,8 +19366,8 @@
             </p:pic>
           </mc:Fallback>
         </mc:AlternateContent>
-        <mc:AlternateContent xmlns:mc="http://schemas.openxmlformats.org/markup-compatibility/2006">
-          <mc:Choice xmlns:p14="http://schemas.microsoft.com/office/powerpoint/2010/main" Requires="p14">
+        <mc:AlternateContent xmlns:mc="http://schemas.openxmlformats.org/markup-compatibility/2006" xmlns:p14="http://schemas.microsoft.com/office/powerpoint/2010/main">
+          <mc:Choice Requires="p14">
             <p:contentPart p14:bwMode="auto" r:id="rId214">
               <p14:nvContentPartPr>
                 <p14:cNvPr id="137" name="Ink 136">
@@ -19385,7 +19386,7 @@
               </p14:xfrm>
             </p:contentPart>
           </mc:Choice>
-          <mc:Fallback>
+          <mc:Fallback xmlns="">
             <p:pic>
               <p:nvPicPr>
                 <p:cNvPr id="137" name="Ink 136">
@@ -19416,8 +19417,8 @@
             </p:pic>
           </mc:Fallback>
         </mc:AlternateContent>
-        <mc:AlternateContent xmlns:mc="http://schemas.openxmlformats.org/markup-compatibility/2006">
-          <mc:Choice xmlns:p14="http://schemas.microsoft.com/office/powerpoint/2010/main" Requires="p14">
+        <mc:AlternateContent xmlns:mc="http://schemas.openxmlformats.org/markup-compatibility/2006" xmlns:p14="http://schemas.microsoft.com/office/powerpoint/2010/main">
+          <mc:Choice Requires="p14">
             <p:contentPart p14:bwMode="auto" r:id="rId216">
               <p14:nvContentPartPr>
                 <p14:cNvPr id="140" name="Ink 139">
@@ -19436,7 +19437,7 @@
               </p14:xfrm>
             </p:contentPart>
           </mc:Choice>
-          <mc:Fallback>
+          <mc:Fallback xmlns="">
             <p:pic>
               <p:nvPicPr>
                 <p:cNvPr id="140" name="Ink 139">
@@ -19467,8 +19468,8 @@
             </p:pic>
           </mc:Fallback>
         </mc:AlternateContent>
-        <mc:AlternateContent xmlns:mc="http://schemas.openxmlformats.org/markup-compatibility/2006">
-          <mc:Choice xmlns:p14="http://schemas.microsoft.com/office/powerpoint/2010/main" Requires="p14">
+        <mc:AlternateContent xmlns:mc="http://schemas.openxmlformats.org/markup-compatibility/2006" xmlns:p14="http://schemas.microsoft.com/office/powerpoint/2010/main">
+          <mc:Choice Requires="p14">
             <p:contentPart p14:bwMode="auto" r:id="rId218">
               <p14:nvContentPartPr>
                 <p14:cNvPr id="141" name="Ink 140">
@@ -19487,7 +19488,7 @@
               </p14:xfrm>
             </p:contentPart>
           </mc:Choice>
-          <mc:Fallback>
+          <mc:Fallback xmlns="">
             <p:pic>
               <p:nvPicPr>
                 <p:cNvPr id="141" name="Ink 140">
@@ -19518,8 +19519,8 @@
             </p:pic>
           </mc:Fallback>
         </mc:AlternateContent>
-        <mc:AlternateContent xmlns:mc="http://schemas.openxmlformats.org/markup-compatibility/2006">
-          <mc:Choice xmlns:p14="http://schemas.microsoft.com/office/powerpoint/2010/main" Requires="p14">
+        <mc:AlternateContent xmlns:mc="http://schemas.openxmlformats.org/markup-compatibility/2006" xmlns:p14="http://schemas.microsoft.com/office/powerpoint/2010/main">
+          <mc:Choice Requires="p14">
             <p:contentPart p14:bwMode="auto" r:id="rId220">
               <p14:nvContentPartPr>
                 <p14:cNvPr id="142" name="Ink 141">
@@ -19538,7 +19539,7 @@
               </p14:xfrm>
             </p:contentPart>
           </mc:Choice>
-          <mc:Fallback>
+          <mc:Fallback xmlns="">
             <p:pic>
               <p:nvPicPr>
                 <p:cNvPr id="142" name="Ink 141">
@@ -19569,8 +19570,8 @@
             </p:pic>
           </mc:Fallback>
         </mc:AlternateContent>
-        <mc:AlternateContent xmlns:mc="http://schemas.openxmlformats.org/markup-compatibility/2006">
-          <mc:Choice xmlns:p14="http://schemas.microsoft.com/office/powerpoint/2010/main" Requires="p14">
+        <mc:AlternateContent xmlns:mc="http://schemas.openxmlformats.org/markup-compatibility/2006" xmlns:p14="http://schemas.microsoft.com/office/powerpoint/2010/main">
+          <mc:Choice Requires="p14">
             <p:contentPart p14:bwMode="auto" r:id="rId222">
               <p14:nvContentPartPr>
                 <p14:cNvPr id="144" name="Ink 143">
@@ -19589,7 +19590,7 @@
               </p14:xfrm>
             </p:contentPart>
           </mc:Choice>
-          <mc:Fallback>
+          <mc:Fallback xmlns="">
             <p:pic>
               <p:nvPicPr>
                 <p:cNvPr id="144" name="Ink 143">
@@ -19620,8 +19621,8 @@
             </p:pic>
           </mc:Fallback>
         </mc:AlternateContent>
-        <mc:AlternateContent xmlns:mc="http://schemas.openxmlformats.org/markup-compatibility/2006">
-          <mc:Choice xmlns:p14="http://schemas.microsoft.com/office/powerpoint/2010/main" Requires="p14">
+        <mc:AlternateContent xmlns:mc="http://schemas.openxmlformats.org/markup-compatibility/2006" xmlns:p14="http://schemas.microsoft.com/office/powerpoint/2010/main">
+          <mc:Choice Requires="p14">
             <p:contentPart p14:bwMode="auto" r:id="rId224">
               <p14:nvContentPartPr>
                 <p14:cNvPr id="145" name="Ink 144">
@@ -19640,7 +19641,7 @@
               </p14:xfrm>
             </p:contentPart>
           </mc:Choice>
-          <mc:Fallback>
+          <mc:Fallback xmlns="">
             <p:pic>
               <p:nvPicPr>
                 <p:cNvPr id="145" name="Ink 144">
@@ -19671,8 +19672,8 @@
             </p:pic>
           </mc:Fallback>
         </mc:AlternateContent>
-        <mc:AlternateContent xmlns:mc="http://schemas.openxmlformats.org/markup-compatibility/2006">
-          <mc:Choice xmlns:p14="http://schemas.microsoft.com/office/powerpoint/2010/main" Requires="p14">
+        <mc:AlternateContent xmlns:mc="http://schemas.openxmlformats.org/markup-compatibility/2006" xmlns:p14="http://schemas.microsoft.com/office/powerpoint/2010/main">
+          <mc:Choice Requires="p14">
             <p:contentPart p14:bwMode="auto" r:id="rId226">
               <p14:nvContentPartPr>
                 <p14:cNvPr id="146" name="Ink 145">
@@ -19691,7 +19692,7 @@
               </p14:xfrm>
             </p:contentPart>
           </mc:Choice>
-          <mc:Fallback>
+          <mc:Fallback xmlns="">
             <p:pic>
               <p:nvPicPr>
                 <p:cNvPr id="146" name="Ink 145">
@@ -19722,8 +19723,8 @@
             </p:pic>
           </mc:Fallback>
         </mc:AlternateContent>
-        <mc:AlternateContent xmlns:mc="http://schemas.openxmlformats.org/markup-compatibility/2006">
-          <mc:Choice xmlns:p14="http://schemas.microsoft.com/office/powerpoint/2010/main" Requires="p14">
+        <mc:AlternateContent xmlns:mc="http://schemas.openxmlformats.org/markup-compatibility/2006" xmlns:p14="http://schemas.microsoft.com/office/powerpoint/2010/main">
+          <mc:Choice Requires="p14">
             <p:contentPart p14:bwMode="auto" r:id="rId228">
               <p14:nvContentPartPr>
                 <p14:cNvPr id="147" name="Ink 146">
@@ -19742,7 +19743,7 @@
               </p14:xfrm>
             </p:contentPart>
           </mc:Choice>
-          <mc:Fallback>
+          <mc:Fallback xmlns="">
             <p:pic>
               <p:nvPicPr>
                 <p:cNvPr id="147" name="Ink 146">
@@ -19773,8 +19774,8 @@
             </p:pic>
           </mc:Fallback>
         </mc:AlternateContent>
-        <mc:AlternateContent xmlns:mc="http://schemas.openxmlformats.org/markup-compatibility/2006">
-          <mc:Choice xmlns:p14="http://schemas.microsoft.com/office/powerpoint/2010/main" Requires="p14">
+        <mc:AlternateContent xmlns:mc="http://schemas.openxmlformats.org/markup-compatibility/2006" xmlns:p14="http://schemas.microsoft.com/office/powerpoint/2010/main">
+          <mc:Choice Requires="p14">
             <p:contentPart p14:bwMode="auto" r:id="rId230">
               <p14:nvContentPartPr>
                 <p14:cNvPr id="148" name="Ink 147">
@@ -19793,7 +19794,7 @@
               </p14:xfrm>
             </p:contentPart>
           </mc:Choice>
-          <mc:Fallback>
+          <mc:Fallback xmlns="">
             <p:pic>
               <p:nvPicPr>
                 <p:cNvPr id="148" name="Ink 147">
@@ -19824,8 +19825,8 @@
             </p:pic>
           </mc:Fallback>
         </mc:AlternateContent>
-        <mc:AlternateContent xmlns:mc="http://schemas.openxmlformats.org/markup-compatibility/2006">
-          <mc:Choice xmlns:p14="http://schemas.microsoft.com/office/powerpoint/2010/main" Requires="p14">
+        <mc:AlternateContent xmlns:mc="http://schemas.openxmlformats.org/markup-compatibility/2006" xmlns:p14="http://schemas.microsoft.com/office/powerpoint/2010/main">
+          <mc:Choice Requires="p14">
             <p:contentPart p14:bwMode="auto" r:id="rId232">
               <p14:nvContentPartPr>
                 <p14:cNvPr id="149" name="Ink 148">
@@ -19844,7 +19845,7 @@
               </p14:xfrm>
             </p:contentPart>
           </mc:Choice>
-          <mc:Fallback>
+          <mc:Fallback xmlns="">
             <p:pic>
               <p:nvPicPr>
                 <p:cNvPr id="149" name="Ink 148">
@@ -19875,8 +19876,8 @@
             </p:pic>
           </mc:Fallback>
         </mc:AlternateContent>
-        <mc:AlternateContent xmlns:mc="http://schemas.openxmlformats.org/markup-compatibility/2006">
-          <mc:Choice xmlns:p14="http://schemas.microsoft.com/office/powerpoint/2010/main" Requires="p14">
+        <mc:AlternateContent xmlns:mc="http://schemas.openxmlformats.org/markup-compatibility/2006" xmlns:p14="http://schemas.microsoft.com/office/powerpoint/2010/main">
+          <mc:Choice Requires="p14">
             <p:contentPart p14:bwMode="auto" r:id="rId234">
               <p14:nvContentPartPr>
                 <p14:cNvPr id="150" name="Ink 149">
@@ -19895,7 +19896,7 @@
               </p14:xfrm>
             </p:contentPart>
           </mc:Choice>
-          <mc:Fallback>
+          <mc:Fallback xmlns="">
             <p:pic>
               <p:nvPicPr>
                 <p:cNvPr id="150" name="Ink 149">
@@ -19926,8 +19927,8 @@
             </p:pic>
           </mc:Fallback>
         </mc:AlternateContent>
-        <mc:AlternateContent xmlns:mc="http://schemas.openxmlformats.org/markup-compatibility/2006">
-          <mc:Choice xmlns:p14="http://schemas.microsoft.com/office/powerpoint/2010/main" Requires="p14">
+        <mc:AlternateContent xmlns:mc="http://schemas.openxmlformats.org/markup-compatibility/2006" xmlns:p14="http://schemas.microsoft.com/office/powerpoint/2010/main">
+          <mc:Choice Requires="p14">
             <p:contentPart p14:bwMode="auto" r:id="rId236">
               <p14:nvContentPartPr>
                 <p14:cNvPr id="151" name="Ink 150">
@@ -19946,7 +19947,7 @@
               </p14:xfrm>
             </p:contentPart>
           </mc:Choice>
-          <mc:Fallback>
+          <mc:Fallback xmlns="">
             <p:pic>
               <p:nvPicPr>
                 <p:cNvPr id="151" name="Ink 150">
@@ -19977,8 +19978,8 @@
             </p:pic>
           </mc:Fallback>
         </mc:AlternateContent>
-        <mc:AlternateContent xmlns:mc="http://schemas.openxmlformats.org/markup-compatibility/2006">
-          <mc:Choice xmlns:p14="http://schemas.microsoft.com/office/powerpoint/2010/main" Requires="p14">
+        <mc:AlternateContent xmlns:mc="http://schemas.openxmlformats.org/markup-compatibility/2006" xmlns:p14="http://schemas.microsoft.com/office/powerpoint/2010/main">
+          <mc:Choice Requires="p14">
             <p:contentPart p14:bwMode="auto" r:id="rId238">
               <p14:nvContentPartPr>
                 <p14:cNvPr id="152" name="Ink 151">
@@ -19997,7 +19998,7 @@
               </p14:xfrm>
             </p:contentPart>
           </mc:Choice>
-          <mc:Fallback>
+          <mc:Fallback xmlns="">
             <p:pic>
               <p:nvPicPr>
                 <p:cNvPr id="152" name="Ink 151">
@@ -20028,8 +20029,8 @@
             </p:pic>
           </mc:Fallback>
         </mc:AlternateContent>
-        <mc:AlternateContent xmlns:mc="http://schemas.openxmlformats.org/markup-compatibility/2006">
-          <mc:Choice xmlns:p14="http://schemas.microsoft.com/office/powerpoint/2010/main" Requires="p14">
+        <mc:AlternateContent xmlns:mc="http://schemas.openxmlformats.org/markup-compatibility/2006" xmlns:p14="http://schemas.microsoft.com/office/powerpoint/2010/main">
+          <mc:Choice Requires="p14">
             <p:contentPart p14:bwMode="auto" r:id="rId240">
               <p14:nvContentPartPr>
                 <p14:cNvPr id="153" name="Ink 152">
@@ -20048,7 +20049,7 @@
               </p14:xfrm>
             </p:contentPart>
           </mc:Choice>
-          <mc:Fallback>
+          <mc:Fallback xmlns="">
             <p:pic>
               <p:nvPicPr>
                 <p:cNvPr id="153" name="Ink 152">
@@ -20079,8 +20080,8 @@
             </p:pic>
           </mc:Fallback>
         </mc:AlternateContent>
-        <mc:AlternateContent xmlns:mc="http://schemas.openxmlformats.org/markup-compatibility/2006">
-          <mc:Choice xmlns:p14="http://schemas.microsoft.com/office/powerpoint/2010/main" Requires="p14">
+        <mc:AlternateContent xmlns:mc="http://schemas.openxmlformats.org/markup-compatibility/2006" xmlns:p14="http://schemas.microsoft.com/office/powerpoint/2010/main">
+          <mc:Choice Requires="p14">
             <p:contentPart p14:bwMode="auto" r:id="rId242">
               <p14:nvContentPartPr>
                 <p14:cNvPr id="154" name="Ink 153">
@@ -20099,7 +20100,7 @@
               </p14:xfrm>
             </p:contentPart>
           </mc:Choice>
-          <mc:Fallback>
+          <mc:Fallback xmlns="">
             <p:pic>
               <p:nvPicPr>
                 <p:cNvPr id="154" name="Ink 153">
@@ -20130,8 +20131,8 @@
             </p:pic>
           </mc:Fallback>
         </mc:AlternateContent>
-        <mc:AlternateContent xmlns:mc="http://schemas.openxmlformats.org/markup-compatibility/2006">
-          <mc:Choice xmlns:p14="http://schemas.microsoft.com/office/powerpoint/2010/main" Requires="p14">
+        <mc:AlternateContent xmlns:mc="http://schemas.openxmlformats.org/markup-compatibility/2006" xmlns:p14="http://schemas.microsoft.com/office/powerpoint/2010/main">
+          <mc:Choice Requires="p14">
             <p:contentPart p14:bwMode="auto" r:id="rId244">
               <p14:nvContentPartPr>
                 <p14:cNvPr id="155" name="Ink 154">
@@ -20150,7 +20151,7 @@
               </p14:xfrm>
             </p:contentPart>
           </mc:Choice>
-          <mc:Fallback>
+          <mc:Fallback xmlns="">
             <p:pic>
               <p:nvPicPr>
                 <p:cNvPr id="155" name="Ink 154">
@@ -20181,8 +20182,8 @@
             </p:pic>
           </mc:Fallback>
         </mc:AlternateContent>
-        <mc:AlternateContent xmlns:mc="http://schemas.openxmlformats.org/markup-compatibility/2006">
-          <mc:Choice xmlns:p14="http://schemas.microsoft.com/office/powerpoint/2010/main" Requires="p14">
+        <mc:AlternateContent xmlns:mc="http://schemas.openxmlformats.org/markup-compatibility/2006" xmlns:p14="http://schemas.microsoft.com/office/powerpoint/2010/main">
+          <mc:Choice Requires="p14">
             <p:contentPart p14:bwMode="auto" r:id="rId246">
               <p14:nvContentPartPr>
                 <p14:cNvPr id="157" name="Ink 156">
@@ -20201,7 +20202,7 @@
               </p14:xfrm>
             </p:contentPart>
           </mc:Choice>
-          <mc:Fallback>
+          <mc:Fallback xmlns="">
             <p:pic>
               <p:nvPicPr>
                 <p:cNvPr id="157" name="Ink 156">
@@ -20232,8 +20233,8 @@
             </p:pic>
           </mc:Fallback>
         </mc:AlternateContent>
-        <mc:AlternateContent xmlns:mc="http://schemas.openxmlformats.org/markup-compatibility/2006">
-          <mc:Choice xmlns:p14="http://schemas.microsoft.com/office/powerpoint/2010/main" Requires="p14">
+        <mc:AlternateContent xmlns:mc="http://schemas.openxmlformats.org/markup-compatibility/2006" xmlns:p14="http://schemas.microsoft.com/office/powerpoint/2010/main">
+          <mc:Choice Requires="p14">
             <p:contentPart p14:bwMode="auto" r:id="rId248">
               <p14:nvContentPartPr>
                 <p14:cNvPr id="158" name="Ink 157">
@@ -20252,7 +20253,7 @@
               </p14:xfrm>
             </p:contentPart>
           </mc:Choice>
-          <mc:Fallback>
+          <mc:Fallback xmlns="">
             <p:pic>
               <p:nvPicPr>
                 <p:cNvPr id="158" name="Ink 157">
@@ -20283,8 +20284,8 @@
             </p:pic>
           </mc:Fallback>
         </mc:AlternateContent>
-        <mc:AlternateContent xmlns:mc="http://schemas.openxmlformats.org/markup-compatibility/2006">
-          <mc:Choice xmlns:p14="http://schemas.microsoft.com/office/powerpoint/2010/main" Requires="p14">
+        <mc:AlternateContent xmlns:mc="http://schemas.openxmlformats.org/markup-compatibility/2006" xmlns:p14="http://schemas.microsoft.com/office/powerpoint/2010/main">
+          <mc:Choice Requires="p14">
             <p:contentPart p14:bwMode="auto" r:id="rId250">
               <p14:nvContentPartPr>
                 <p14:cNvPr id="159" name="Ink 158">
@@ -20303,7 +20304,7 @@
               </p14:xfrm>
             </p:contentPart>
           </mc:Choice>
-          <mc:Fallback>
+          <mc:Fallback xmlns="">
             <p:pic>
               <p:nvPicPr>
                 <p:cNvPr id="159" name="Ink 158">
@@ -20334,8 +20335,8 @@
             </p:pic>
           </mc:Fallback>
         </mc:AlternateContent>
-        <mc:AlternateContent xmlns:mc="http://schemas.openxmlformats.org/markup-compatibility/2006">
-          <mc:Choice xmlns:p14="http://schemas.microsoft.com/office/powerpoint/2010/main" Requires="p14">
+        <mc:AlternateContent xmlns:mc="http://schemas.openxmlformats.org/markup-compatibility/2006" xmlns:p14="http://schemas.microsoft.com/office/powerpoint/2010/main">
+          <mc:Choice Requires="p14">
             <p:contentPart p14:bwMode="auto" r:id="rId252">
               <p14:nvContentPartPr>
                 <p14:cNvPr id="160" name="Ink 159">
@@ -20354,7 +20355,7 @@
               </p14:xfrm>
             </p:contentPart>
           </mc:Choice>
-          <mc:Fallback>
+          <mc:Fallback xmlns="">
             <p:pic>
               <p:nvPicPr>
                 <p:cNvPr id="160" name="Ink 159">
@@ -20390,6 +20391,122 @@
     <p:extLst>
       <p:ext uri="{BB962C8B-B14F-4D97-AF65-F5344CB8AC3E}">
         <p14:creationId xmlns:p14="http://schemas.microsoft.com/office/powerpoint/2010/main" val="882191968"/>
+      </p:ext>
+    </p:extLst>
+  </p:cSld>
+  <p:clrMapOvr>
+    <a:masterClrMapping/>
+  </p:clrMapOvr>
+</p:sld>
+</file>
+
+<file path=ppt/slides/slide6.xml><?xml version="1.0" encoding="utf-8"?>
+<p:sld xmlns:a="http://schemas.openxmlformats.org/drawingml/2006/main" xmlns:r="http://schemas.openxmlformats.org/officeDocument/2006/relationships" xmlns:p="http://schemas.openxmlformats.org/presentationml/2006/main">
+  <p:cSld>
+    <p:spTree>
+      <p:nvGrpSpPr>
+        <p:cNvPr id="1" name=""/>
+        <p:cNvGrpSpPr/>
+        <p:nvPr/>
+      </p:nvGrpSpPr>
+      <p:grpSpPr>
+        <a:xfrm>
+          <a:off x="0" y="0"/>
+          <a:ext cx="0" cy="0"/>
+          <a:chOff x="0" y="0"/>
+          <a:chExt cx="0" cy="0"/>
+        </a:xfrm>
+      </p:grpSpPr>
+      <p:sp>
+        <p:nvSpPr>
+          <p:cNvPr id="2" name="Title 1">
+            <a:extLst>
+              <a:ext uri="{FF2B5EF4-FFF2-40B4-BE49-F238E27FC236}">
+                <a16:creationId xmlns:a16="http://schemas.microsoft.com/office/drawing/2014/main" id="{85EDFE12-78E5-24FD-48E1-98E4A97C1334}"/>
+              </a:ext>
+            </a:extLst>
+          </p:cNvPr>
+          <p:cNvSpPr>
+            <a:spLocks noGrp="1"/>
+          </p:cNvSpPr>
+          <p:nvPr>
+            <p:ph type="title"/>
+          </p:nvPr>
+        </p:nvSpPr>
+        <p:spPr/>
+        <p:txBody>
+          <a:bodyPr/>
+          <a:lstStyle/>
+          <a:p>
+            <a:r>
+              <a:rPr lang="en-US" dirty="0"/>
+              <a:t>N.E.R.T.I.E.</a:t>
+            </a:r>
+          </a:p>
+        </p:txBody>
+      </p:sp>
+      <p:sp>
+        <p:nvSpPr>
+          <p:cNvPr id="3" name="Content Placeholder 2">
+            <a:extLst>
+              <a:ext uri="{FF2B5EF4-FFF2-40B4-BE49-F238E27FC236}">
+                <a16:creationId xmlns:a16="http://schemas.microsoft.com/office/drawing/2014/main" id="{5B89544C-A4AB-35D7-A1B3-C92121E0FB8A}"/>
+              </a:ext>
+            </a:extLst>
+          </p:cNvPr>
+          <p:cNvSpPr>
+            <a:spLocks noGrp="1"/>
+          </p:cNvSpPr>
+          <p:nvPr>
+            <p:ph idx="1"/>
+          </p:nvPr>
+        </p:nvSpPr>
+        <p:spPr/>
+        <p:txBody>
+          <a:bodyPr/>
+          <a:lstStyle/>
+          <a:p>
+            <a:r>
+              <a:rPr lang="en-US" dirty="0"/>
+              <a:t>Nutrition</a:t>
+            </a:r>
+          </a:p>
+          <a:p>
+            <a:r>
+              <a:rPr lang="en-US" dirty="0"/>
+              <a:t>Exercise</a:t>
+            </a:r>
+          </a:p>
+          <a:p>
+            <a:r>
+              <a:rPr lang="en-US" dirty="0"/>
+              <a:t>Rest</a:t>
+            </a:r>
+          </a:p>
+          <a:p>
+            <a:r>
+              <a:rPr lang="en-US" dirty="0"/>
+              <a:t>Time</a:t>
+            </a:r>
+          </a:p>
+          <a:p>
+            <a:r>
+              <a:rPr lang="en-US" dirty="0"/>
+              <a:t>Iteration / Isolation</a:t>
+            </a:r>
+          </a:p>
+          <a:p>
+            <a:r>
+              <a:rPr lang="en-US" dirty="0"/>
+              <a:t>Extension</a:t>
+            </a:r>
+          </a:p>
+        </p:txBody>
+      </p:sp>
+    </p:spTree>
+    <p:extLst>
+      <p:ext uri="{BB962C8B-B14F-4D97-AF65-F5344CB8AC3E}">
+        <p14:creationId xmlns:p14="http://schemas.microsoft.com/office/powerpoint/2010/main" val="3197680042"/>
       </p:ext>
     </p:extLst>
   </p:cSld>
